--- a/ts-分享.pptx
+++ b/ts-分享.pptx
@@ -6,10 +6,10 @@
     <p:sldMasterId id="2147483669" r:id="rId2"/>
   </p:sldMasterIdLst>
   <p:notesMasterIdLst>
-    <p:notesMasterId r:id="rId23"/>
+    <p:notesMasterId r:id="rId22"/>
   </p:notesMasterIdLst>
   <p:handoutMasterIdLst>
-    <p:handoutMasterId r:id="rId24"/>
+    <p:handoutMasterId r:id="rId23"/>
   </p:handoutMasterIdLst>
   <p:sldIdLst>
     <p:sldId id="3331" r:id="rId3"/>
@@ -20,23 +20,22 @@
     <p:sldId id="3340" r:id="rId8"/>
     <p:sldId id="3333" r:id="rId9"/>
     <p:sldId id="1056" r:id="rId10"/>
-    <p:sldId id="1065" r:id="rId11"/>
-    <p:sldId id="3339" r:id="rId12"/>
-    <p:sldId id="1053" r:id="rId13"/>
-    <p:sldId id="1055" r:id="rId14"/>
-    <p:sldId id="3334" r:id="rId15"/>
-    <p:sldId id="1063" r:id="rId16"/>
-    <p:sldId id="1068" r:id="rId17"/>
-    <p:sldId id="1067" r:id="rId18"/>
-    <p:sldId id="1062" r:id="rId19"/>
-    <p:sldId id="3335" r:id="rId20"/>
-    <p:sldId id="1064" r:id="rId21"/>
-    <p:sldId id="3336" r:id="rId22"/>
+    <p:sldId id="3339" r:id="rId11"/>
+    <p:sldId id="1053" r:id="rId12"/>
+    <p:sldId id="1055" r:id="rId13"/>
+    <p:sldId id="3334" r:id="rId14"/>
+    <p:sldId id="1063" r:id="rId15"/>
+    <p:sldId id="1068" r:id="rId16"/>
+    <p:sldId id="1067" r:id="rId17"/>
+    <p:sldId id="1062" r:id="rId18"/>
+    <p:sldId id="3335" r:id="rId19"/>
+    <p:sldId id="1064" r:id="rId20"/>
+    <p:sldId id="3336" r:id="rId21"/>
   </p:sldIdLst>
   <p:sldSz cx="9144000" cy="5143500" type="screen16x9"/>
   <p:notesSz cx="6858000" cy="9144000"/>
   <p:custDataLst>
-    <p:tags r:id="rId25"/>
+    <p:tags r:id="rId24"/>
   </p:custDataLst>
   <p:defaultTextStyle>
     <a:defPPr>
@@ -135,7 +134,7 @@
   </p:defaultTextStyle>
   <p:extLst>
     <p:ext uri="{EFAFB233-063F-42B5-8137-9DF3F51BA10A}">
-      <p15:sldGuideLst xmlns:p15="http://schemas.microsoft.com/office/powerpoint/2012/main" xmlns="">
+      <p15:sldGuideLst xmlns="" xmlns:p15="http://schemas.microsoft.com/office/powerpoint/2012/main">
         <p15:guide id="1" orient="horz" pos="1592">
           <p15:clr>
             <a:srgbClr val="A4A3A4"/>
@@ -234,7 +233,7 @@
           <a:p>
             <a:fld id="{0F9B84EA-7D68-4D60-9CB1-D50884785D1C}" type="datetimeFigureOut">
               <a:rPr lang="zh-CN" altLang="en-US" smtClean="0"/>
-              <a:t>2021/8/25</a:t>
+              <a:t>2021/8/26</a:t>
             </a:fld>
             <a:endParaRPr lang="zh-CN" altLang="en-US"/>
           </a:p>
@@ -399,7 +398,7 @@
           <a:p>
             <a:fld id="{AD4A3340-C542-46E3-BB6B-1E3F28D53E89}" type="datetimeFigureOut">
               <a:rPr lang="zh-CN" altLang="en-US" smtClean="0"/>
-              <a:t>2021/8/25</a:t>
+              <a:t>2021/8/26</a:t>
             </a:fld>
             <a:endParaRPr lang="zh-CN" altLang="en-US"/>
           </a:p>
@@ -796,9 +795,7 @@
         </p:nvSpPr>
         <p:spPr/>
         <p:txBody>
-          <a:bodyPr>
-            <a:normAutofit/>
-          </a:bodyPr>
+          <a:bodyPr/>
           <a:lstStyle/>
           <a:p>
             <a:endParaRPr lang="zh-CN" altLang="en-US"/>
@@ -820,7 +817,7 @@
           <a:bodyPr/>
           <a:lstStyle/>
           <a:p>
-            <a:fld id="{0E62F313-D051-4284-95AD-6163FA128698}" type="slidenum">
+            <a:fld id="{93EAA4AF-B0AE-42C7-9AD8-C74E868F5800}" type="slidenum">
               <a:rPr lang="zh-CN" altLang="en-US" smtClean="0"/>
               <a:t>10</a:t>
             </a:fld>
@@ -831,7 +828,7 @@
     </p:spTree>
     <p:extLst>
       <p:ext uri="{BB962C8B-B14F-4D97-AF65-F5344CB8AC3E}">
-        <p14:creationId xmlns:p14="http://schemas.microsoft.com/office/powerpoint/2010/main" val="492865336"/>
+        <p14:creationId xmlns:p14="http://schemas.microsoft.com/office/powerpoint/2010/main" val="3737738313"/>
       </p:ext>
     </p:extLst>
   </p:cSld>
@@ -904,93 +901,9 @@
           <a:bodyPr/>
           <a:lstStyle/>
           <a:p>
-            <a:fld id="{93EAA4AF-B0AE-42C7-9AD8-C74E868F5800}" type="slidenum">
+            <a:fld id="{E90E0A07-2C1C-45C5-985B-D6CD99FDD0F0}" type="slidenum">
               <a:rPr lang="zh-CN" altLang="en-US" smtClean="0"/>
               <a:t>11</a:t>
-            </a:fld>
-            <a:endParaRPr lang="zh-CN" altLang="en-US"/>
-          </a:p>
-        </p:txBody>
-      </p:sp>
-    </p:spTree>
-    <p:extLst>
-      <p:ext uri="{BB962C8B-B14F-4D97-AF65-F5344CB8AC3E}">
-        <p14:creationId xmlns:p14="http://schemas.microsoft.com/office/powerpoint/2010/main" val="3737738313"/>
-      </p:ext>
-    </p:extLst>
-  </p:cSld>
-  <p:clrMapOvr>
-    <a:masterClrMapping/>
-  </p:clrMapOvr>
-</p:notes>
-</file>
-
-<file path=ppt/notesSlides/notesSlide12.xml><?xml version="1.0" encoding="utf-8"?>
-<p:notes xmlns:a="http://schemas.openxmlformats.org/drawingml/2006/main" xmlns:r="http://schemas.openxmlformats.org/officeDocument/2006/relationships" xmlns:p="http://schemas.openxmlformats.org/presentationml/2006/main">
-  <p:cSld>
-    <p:spTree>
-      <p:nvGrpSpPr>
-        <p:cNvPr id="1" name=""/>
-        <p:cNvGrpSpPr/>
-        <p:nvPr/>
-      </p:nvGrpSpPr>
-      <p:grpSpPr>
-        <a:xfrm>
-          <a:off x="0" y="0"/>
-          <a:ext cx="0" cy="0"/>
-          <a:chOff x="0" y="0"/>
-          <a:chExt cx="0" cy="0"/>
-        </a:xfrm>
-      </p:grpSpPr>
-      <p:sp>
-        <p:nvSpPr>
-          <p:cNvPr id="2" name="幻灯片图像占位符 1"/>
-          <p:cNvSpPr>
-            <a:spLocks noGrp="1" noRot="1" noChangeAspect="1"/>
-          </p:cNvSpPr>
-          <p:nvPr>
-            <p:ph type="sldImg"/>
-          </p:nvPr>
-        </p:nvSpPr>
-        <p:spPr/>
-      </p:sp>
-      <p:sp>
-        <p:nvSpPr>
-          <p:cNvPr id="3" name="备注占位符 2"/>
-          <p:cNvSpPr>
-            <a:spLocks noGrp="1"/>
-          </p:cNvSpPr>
-          <p:nvPr>
-            <p:ph type="body" idx="1"/>
-          </p:nvPr>
-        </p:nvSpPr>
-        <p:spPr/>
-        <p:txBody>
-          <a:bodyPr/>
-          <a:lstStyle/>
-          <a:p>
-            <a:endParaRPr lang="zh-CN" altLang="en-US"/>
-          </a:p>
-        </p:txBody>
-      </p:sp>
-      <p:sp>
-        <p:nvSpPr>
-          <p:cNvPr id="4" name="灯片编号占位符 3"/>
-          <p:cNvSpPr>
-            <a:spLocks noGrp="1"/>
-          </p:cNvSpPr>
-          <p:nvPr>
-            <p:ph type="sldNum" sz="quarter" idx="10"/>
-          </p:nvPr>
-        </p:nvSpPr>
-        <p:spPr/>
-        <p:txBody>
-          <a:bodyPr/>
-          <a:lstStyle/>
-          <a:p>
-            <a:fld id="{E90E0A07-2C1C-45C5-985B-D6CD99FDD0F0}" type="slidenum">
-              <a:rPr lang="zh-CN" altLang="en-US" smtClean="0"/>
-              <a:t>12</a:t>
             </a:fld>
             <a:endParaRPr lang="zh-CN" altLang="en-US"/>
           </a:p>
@@ -1009,7 +922,7 @@
 </p:notes>
 </file>
 
-<file path=ppt/notesSlides/notesSlide13.xml><?xml version="1.0" encoding="utf-8"?>
+<file path=ppt/notesSlides/notesSlide12.xml><?xml version="1.0" encoding="utf-8"?>
 <p:notes xmlns:a="http://schemas.openxmlformats.org/drawingml/2006/main" xmlns:r="http://schemas.openxmlformats.org/officeDocument/2006/relationships" xmlns:p="http://schemas.openxmlformats.org/presentationml/2006/main">
   <p:cSld>
     <p:spTree>
@@ -1079,6 +992,90 @@
           <a:p>
             <a:fld id="{FE3C19EA-75F7-469A-9304-1B2BFF998463}" type="slidenum">
               <a:rPr lang="zh-CN" altLang="en-US" smtClean="0"/>
+              <a:t>12</a:t>
+            </a:fld>
+            <a:endParaRPr lang="zh-CN" altLang="en-US"/>
+          </a:p>
+        </p:txBody>
+      </p:sp>
+    </p:spTree>
+    <p:extLst>
+      <p:ext uri="{BB962C8B-B14F-4D97-AF65-F5344CB8AC3E}">
+        <p14:creationId xmlns:p14="http://schemas.microsoft.com/office/powerpoint/2010/main" val="1977640691"/>
+      </p:ext>
+    </p:extLst>
+  </p:cSld>
+  <p:clrMapOvr>
+    <a:masterClrMapping/>
+  </p:clrMapOvr>
+</p:notes>
+</file>
+
+<file path=ppt/notesSlides/notesSlide13.xml><?xml version="1.0" encoding="utf-8"?>
+<p:notes xmlns:a="http://schemas.openxmlformats.org/drawingml/2006/main" xmlns:r="http://schemas.openxmlformats.org/officeDocument/2006/relationships" xmlns:p="http://schemas.openxmlformats.org/presentationml/2006/main">
+  <p:cSld>
+    <p:spTree>
+      <p:nvGrpSpPr>
+        <p:cNvPr id="1" name=""/>
+        <p:cNvGrpSpPr/>
+        <p:nvPr/>
+      </p:nvGrpSpPr>
+      <p:grpSpPr>
+        <a:xfrm>
+          <a:off x="0" y="0"/>
+          <a:ext cx="0" cy="0"/>
+          <a:chOff x="0" y="0"/>
+          <a:chExt cx="0" cy="0"/>
+        </a:xfrm>
+      </p:grpSpPr>
+      <p:sp>
+        <p:nvSpPr>
+          <p:cNvPr id="2" name="幻灯片图像占位符 1"/>
+          <p:cNvSpPr>
+            <a:spLocks noGrp="1" noRot="1" noChangeAspect="1"/>
+          </p:cNvSpPr>
+          <p:nvPr>
+            <p:ph type="sldImg"/>
+          </p:nvPr>
+        </p:nvSpPr>
+        <p:spPr/>
+      </p:sp>
+      <p:sp>
+        <p:nvSpPr>
+          <p:cNvPr id="3" name="备注占位符 2"/>
+          <p:cNvSpPr>
+            <a:spLocks noGrp="1"/>
+          </p:cNvSpPr>
+          <p:nvPr>
+            <p:ph type="body" idx="1"/>
+          </p:nvPr>
+        </p:nvSpPr>
+        <p:spPr/>
+        <p:txBody>
+          <a:bodyPr/>
+          <a:lstStyle/>
+          <a:p>
+            <a:endParaRPr lang="zh-CN" altLang="en-US"/>
+          </a:p>
+        </p:txBody>
+      </p:sp>
+      <p:sp>
+        <p:nvSpPr>
+          <p:cNvPr id="4" name="灯片编号占位符 3"/>
+          <p:cNvSpPr>
+            <a:spLocks noGrp="1"/>
+          </p:cNvSpPr>
+          <p:nvPr>
+            <p:ph type="sldNum" sz="quarter" idx="10"/>
+          </p:nvPr>
+        </p:nvSpPr>
+        <p:spPr/>
+        <p:txBody>
+          <a:bodyPr/>
+          <a:lstStyle/>
+          <a:p>
+            <a:fld id="{7744F346-9435-41B1-AD1D-461963F20BEE}" type="slidenum">
+              <a:rPr lang="zh-CN" altLang="en-US" smtClean="0"/>
               <a:t>13</a:t>
             </a:fld>
             <a:endParaRPr lang="zh-CN" altLang="en-US"/>
@@ -1088,7 +1085,7 @@
     </p:spTree>
     <p:extLst>
       <p:ext uri="{BB962C8B-B14F-4D97-AF65-F5344CB8AC3E}">
-        <p14:creationId xmlns:p14="http://schemas.microsoft.com/office/powerpoint/2010/main" val="1977640691"/>
+        <p14:creationId xmlns:p14="http://schemas.microsoft.com/office/powerpoint/2010/main" val="1050954602"/>
       </p:ext>
     </p:extLst>
   </p:cSld>
@@ -1161,93 +1158,9 @@
           <a:bodyPr/>
           <a:lstStyle/>
           <a:p>
-            <a:fld id="{7744F346-9435-41B1-AD1D-461963F20BEE}" type="slidenum">
+            <a:fld id="{93EAA4AF-B0AE-42C7-9AD8-C74E868F5800}" type="slidenum">
               <a:rPr lang="zh-CN" altLang="en-US" smtClean="0"/>
               <a:t>14</a:t>
-            </a:fld>
-            <a:endParaRPr lang="zh-CN" altLang="en-US"/>
-          </a:p>
-        </p:txBody>
-      </p:sp>
-    </p:spTree>
-    <p:extLst>
-      <p:ext uri="{BB962C8B-B14F-4D97-AF65-F5344CB8AC3E}">
-        <p14:creationId xmlns:p14="http://schemas.microsoft.com/office/powerpoint/2010/main" val="1050954602"/>
-      </p:ext>
-    </p:extLst>
-  </p:cSld>
-  <p:clrMapOvr>
-    <a:masterClrMapping/>
-  </p:clrMapOvr>
-</p:notes>
-</file>
-
-<file path=ppt/notesSlides/notesSlide15.xml><?xml version="1.0" encoding="utf-8"?>
-<p:notes xmlns:a="http://schemas.openxmlformats.org/drawingml/2006/main" xmlns:r="http://schemas.openxmlformats.org/officeDocument/2006/relationships" xmlns:p="http://schemas.openxmlformats.org/presentationml/2006/main">
-  <p:cSld>
-    <p:spTree>
-      <p:nvGrpSpPr>
-        <p:cNvPr id="1" name=""/>
-        <p:cNvGrpSpPr/>
-        <p:nvPr/>
-      </p:nvGrpSpPr>
-      <p:grpSpPr>
-        <a:xfrm>
-          <a:off x="0" y="0"/>
-          <a:ext cx="0" cy="0"/>
-          <a:chOff x="0" y="0"/>
-          <a:chExt cx="0" cy="0"/>
-        </a:xfrm>
-      </p:grpSpPr>
-      <p:sp>
-        <p:nvSpPr>
-          <p:cNvPr id="2" name="幻灯片图像占位符 1"/>
-          <p:cNvSpPr>
-            <a:spLocks noGrp="1" noRot="1" noChangeAspect="1"/>
-          </p:cNvSpPr>
-          <p:nvPr>
-            <p:ph type="sldImg"/>
-          </p:nvPr>
-        </p:nvSpPr>
-        <p:spPr/>
-      </p:sp>
-      <p:sp>
-        <p:nvSpPr>
-          <p:cNvPr id="3" name="备注占位符 2"/>
-          <p:cNvSpPr>
-            <a:spLocks noGrp="1"/>
-          </p:cNvSpPr>
-          <p:nvPr>
-            <p:ph type="body" idx="1"/>
-          </p:nvPr>
-        </p:nvSpPr>
-        <p:spPr/>
-        <p:txBody>
-          <a:bodyPr/>
-          <a:lstStyle/>
-          <a:p>
-            <a:endParaRPr lang="zh-CN" altLang="en-US"/>
-          </a:p>
-        </p:txBody>
-      </p:sp>
-      <p:sp>
-        <p:nvSpPr>
-          <p:cNvPr id="4" name="灯片编号占位符 3"/>
-          <p:cNvSpPr>
-            <a:spLocks noGrp="1"/>
-          </p:cNvSpPr>
-          <p:nvPr>
-            <p:ph type="sldNum" sz="quarter" idx="10"/>
-          </p:nvPr>
-        </p:nvSpPr>
-        <p:spPr/>
-        <p:txBody>
-          <a:bodyPr/>
-          <a:lstStyle/>
-          <a:p>
-            <a:fld id="{93EAA4AF-B0AE-42C7-9AD8-C74E868F5800}" type="slidenum">
-              <a:rPr lang="zh-CN" altLang="en-US" smtClean="0"/>
-              <a:t>15</a:t>
             </a:fld>
             <a:endParaRPr lang="zh-CN" altLang="en-US"/>
           </a:p>
@@ -1266,7 +1179,7 @@
 </p:notes>
 </file>
 
-<file path=ppt/notesSlides/notesSlide16.xml><?xml version="1.0" encoding="utf-8"?>
+<file path=ppt/notesSlides/notesSlide15.xml><?xml version="1.0" encoding="utf-8"?>
 <p:notes xmlns:a="http://schemas.openxmlformats.org/drawingml/2006/main" xmlns:r="http://schemas.openxmlformats.org/officeDocument/2006/relationships" xmlns:p="http://schemas.openxmlformats.org/presentationml/2006/main">
   <p:cSld>
     <p:spTree>
@@ -1336,7 +1249,7 @@
           <a:p>
             <a:fld id="{A2784203-20BB-4E94-8778-90C0AA34F379}" type="slidenum">
               <a:rPr lang="zh-CN" altLang="en-US" smtClean="0"/>
-              <a:t>16</a:t>
+              <a:t>15</a:t>
             </a:fld>
             <a:endParaRPr lang="zh-CN" altLang="en-US"/>
           </a:p>
@@ -1355,7 +1268,7 @@
 </p:notes>
 </file>
 
-<file path=ppt/notesSlides/notesSlide17.xml><?xml version="1.0" encoding="utf-8"?>
+<file path=ppt/notesSlides/notesSlide16.xml><?xml version="1.0" encoding="utf-8"?>
 <p:notes xmlns:a="http://schemas.openxmlformats.org/drawingml/2006/main" xmlns:r="http://schemas.openxmlformats.org/officeDocument/2006/relationships" xmlns:p="http://schemas.openxmlformats.org/presentationml/2006/main">
   <p:cSld>
     <p:spTree>
@@ -1421,7 +1334,7 @@
 </p:notes>
 </file>
 
-<file path=ppt/notesSlides/notesSlide18.xml><?xml version="1.0" encoding="utf-8"?>
+<file path=ppt/notesSlides/notesSlide17.xml><?xml version="1.0" encoding="utf-8"?>
 <p:notes xmlns:a="http://schemas.openxmlformats.org/drawingml/2006/main" xmlns:r="http://schemas.openxmlformats.org/officeDocument/2006/relationships" xmlns:p="http://schemas.openxmlformats.org/presentationml/2006/main">
   <p:cSld>
     <p:spTree>
@@ -1491,7 +1404,7 @@
           <a:p>
             <a:fld id="{FE3C19EA-75F7-469A-9304-1B2BFF998463}" type="slidenum">
               <a:rPr lang="zh-CN" altLang="en-US" smtClean="0"/>
-              <a:t>18</a:t>
+              <a:t>17</a:t>
             </a:fld>
             <a:endParaRPr lang="zh-CN" altLang="en-US"/>
           </a:p>
@@ -1510,7 +1423,7 @@
 </p:notes>
 </file>
 
-<file path=ppt/notesSlides/notesSlide19.xml><?xml version="1.0" encoding="utf-8"?>
+<file path=ppt/notesSlides/notesSlide18.xml><?xml version="1.0" encoding="utf-8"?>
 <p:notes xmlns:a="http://schemas.openxmlformats.org/drawingml/2006/main" xmlns:r="http://schemas.openxmlformats.org/officeDocument/2006/relationships" xmlns:p="http://schemas.openxmlformats.org/presentationml/2006/main">
   <p:cSld>
     <p:spTree>
@@ -1575,6 +1488,95 @@
           <a:p>
             <a:fld id="{530FAB2B-D77A-4486-826C-4471D40F7AD3}" type="slidenum">
               <a:rPr lang="zh-CN" altLang="en-US" smtClean="0"/>
+              <a:t>18</a:t>
+            </a:fld>
+            <a:endParaRPr lang="zh-CN" altLang="en-US"/>
+          </a:p>
+        </p:txBody>
+      </p:sp>
+    </p:spTree>
+    <p:extLst>
+      <p:ext uri="{BB962C8B-B14F-4D97-AF65-F5344CB8AC3E}">
+        <p14:creationId xmlns:p14="http://schemas.microsoft.com/office/powerpoint/2010/main" val="2642707526"/>
+      </p:ext>
+    </p:extLst>
+  </p:cSld>
+  <p:clrMapOvr>
+    <a:masterClrMapping/>
+  </p:clrMapOvr>
+</p:notes>
+</file>
+
+<file path=ppt/notesSlides/notesSlide19.xml><?xml version="1.0" encoding="utf-8"?>
+<p:notes xmlns:a="http://schemas.openxmlformats.org/drawingml/2006/main" xmlns:r="http://schemas.openxmlformats.org/officeDocument/2006/relationships" xmlns:p="http://schemas.openxmlformats.org/presentationml/2006/main">
+  <p:cSld>
+    <p:spTree>
+      <p:nvGrpSpPr>
+        <p:cNvPr id="1" name=""/>
+        <p:cNvGrpSpPr/>
+        <p:nvPr/>
+      </p:nvGrpSpPr>
+      <p:grpSpPr>
+        <a:xfrm>
+          <a:off x="0" y="0"/>
+          <a:ext cx="0" cy="0"/>
+          <a:chOff x="0" y="0"/>
+          <a:chExt cx="0" cy="0"/>
+        </a:xfrm>
+      </p:grpSpPr>
+      <p:sp>
+        <p:nvSpPr>
+          <p:cNvPr id="2" name="幻灯片图像占位符 1"/>
+          <p:cNvSpPr>
+            <a:spLocks noGrp="1" noRot="1" noChangeAspect="1"/>
+          </p:cNvSpPr>
+          <p:nvPr>
+            <p:ph type="sldImg"/>
+          </p:nvPr>
+        </p:nvSpPr>
+        <p:spPr>
+          <a:xfrm>
+            <a:off x="685800" y="1143000"/>
+            <a:ext cx="5486400" cy="3086100"/>
+          </a:xfrm>
+        </p:spPr>
+      </p:sp>
+      <p:sp>
+        <p:nvSpPr>
+          <p:cNvPr id="3" name="备注占位符 2"/>
+          <p:cNvSpPr>
+            <a:spLocks noGrp="1"/>
+          </p:cNvSpPr>
+          <p:nvPr>
+            <p:ph type="body" idx="1"/>
+          </p:nvPr>
+        </p:nvSpPr>
+        <p:spPr/>
+        <p:txBody>
+          <a:bodyPr/>
+          <a:lstStyle/>
+          <a:p>
+            <a:endParaRPr lang="zh-CN" altLang="en-US"/>
+          </a:p>
+        </p:txBody>
+      </p:sp>
+      <p:sp>
+        <p:nvSpPr>
+          <p:cNvPr id="4" name="灯片编号占位符 3"/>
+          <p:cNvSpPr>
+            <a:spLocks noGrp="1"/>
+          </p:cNvSpPr>
+          <p:nvPr>
+            <p:ph type="sldNum" sz="quarter" idx="10"/>
+          </p:nvPr>
+        </p:nvSpPr>
+        <p:spPr/>
+        <p:txBody>
+          <a:bodyPr/>
+          <a:lstStyle/>
+          <a:p>
+            <a:fld id="{FE3C19EA-75F7-469A-9304-1B2BFF998463}" type="slidenum">
+              <a:rPr lang="zh-CN" altLang="en-US" smtClean="0"/>
               <a:t>19</a:t>
             </a:fld>
             <a:endParaRPr lang="zh-CN" altLang="en-US"/>
@@ -1584,7 +1586,7 @@
     </p:spTree>
     <p:extLst>
       <p:ext uri="{BB962C8B-B14F-4D97-AF65-F5344CB8AC3E}">
-        <p14:creationId xmlns:p14="http://schemas.microsoft.com/office/powerpoint/2010/main" val="2642707526"/>
+        <p14:creationId xmlns:p14="http://schemas.microsoft.com/office/powerpoint/2010/main" val="3346180416"/>
       </p:ext>
     </p:extLst>
   </p:cSld>
@@ -1674,95 +1676,6 @@
     <p:extLst>
       <p:ext uri="{BB962C8B-B14F-4D97-AF65-F5344CB8AC3E}">
         <p14:creationId xmlns:p14="http://schemas.microsoft.com/office/powerpoint/2010/main" val="1934549189"/>
-      </p:ext>
-    </p:extLst>
-  </p:cSld>
-  <p:clrMapOvr>
-    <a:masterClrMapping/>
-  </p:clrMapOvr>
-</p:notes>
-</file>
-
-<file path=ppt/notesSlides/notesSlide20.xml><?xml version="1.0" encoding="utf-8"?>
-<p:notes xmlns:a="http://schemas.openxmlformats.org/drawingml/2006/main" xmlns:r="http://schemas.openxmlformats.org/officeDocument/2006/relationships" xmlns:p="http://schemas.openxmlformats.org/presentationml/2006/main">
-  <p:cSld>
-    <p:spTree>
-      <p:nvGrpSpPr>
-        <p:cNvPr id="1" name=""/>
-        <p:cNvGrpSpPr/>
-        <p:nvPr/>
-      </p:nvGrpSpPr>
-      <p:grpSpPr>
-        <a:xfrm>
-          <a:off x="0" y="0"/>
-          <a:ext cx="0" cy="0"/>
-          <a:chOff x="0" y="0"/>
-          <a:chExt cx="0" cy="0"/>
-        </a:xfrm>
-      </p:grpSpPr>
-      <p:sp>
-        <p:nvSpPr>
-          <p:cNvPr id="2" name="幻灯片图像占位符 1"/>
-          <p:cNvSpPr>
-            <a:spLocks noGrp="1" noRot="1" noChangeAspect="1"/>
-          </p:cNvSpPr>
-          <p:nvPr>
-            <p:ph type="sldImg"/>
-          </p:nvPr>
-        </p:nvSpPr>
-        <p:spPr>
-          <a:xfrm>
-            <a:off x="685800" y="1143000"/>
-            <a:ext cx="5486400" cy="3086100"/>
-          </a:xfrm>
-        </p:spPr>
-      </p:sp>
-      <p:sp>
-        <p:nvSpPr>
-          <p:cNvPr id="3" name="备注占位符 2"/>
-          <p:cNvSpPr>
-            <a:spLocks noGrp="1"/>
-          </p:cNvSpPr>
-          <p:nvPr>
-            <p:ph type="body" idx="1"/>
-          </p:nvPr>
-        </p:nvSpPr>
-        <p:spPr/>
-        <p:txBody>
-          <a:bodyPr/>
-          <a:lstStyle/>
-          <a:p>
-            <a:endParaRPr lang="zh-CN" altLang="en-US"/>
-          </a:p>
-        </p:txBody>
-      </p:sp>
-      <p:sp>
-        <p:nvSpPr>
-          <p:cNvPr id="4" name="灯片编号占位符 3"/>
-          <p:cNvSpPr>
-            <a:spLocks noGrp="1"/>
-          </p:cNvSpPr>
-          <p:nvPr>
-            <p:ph type="sldNum" sz="quarter" idx="10"/>
-          </p:nvPr>
-        </p:nvSpPr>
-        <p:spPr/>
-        <p:txBody>
-          <a:bodyPr/>
-          <a:lstStyle/>
-          <a:p>
-            <a:fld id="{FE3C19EA-75F7-469A-9304-1B2BFF998463}" type="slidenum">
-              <a:rPr lang="zh-CN" altLang="en-US" smtClean="0"/>
-              <a:t>20</a:t>
-            </a:fld>
-            <a:endParaRPr lang="zh-CN" altLang="en-US"/>
-          </a:p>
-        </p:txBody>
-      </p:sp>
-    </p:spTree>
-    <p:extLst>
-      <p:ext uri="{BB962C8B-B14F-4D97-AF65-F5344CB8AC3E}">
-        <p14:creationId xmlns:p14="http://schemas.microsoft.com/office/powerpoint/2010/main" val="3346180416"/>
       </p:ext>
     </p:extLst>
   </p:cSld>
@@ -2479,7 +2392,7 @@
             <a:fld id="{263DB197-84B0-484E-9C0F-88358ECCB797}" type="datetimeFigureOut">
               <a:rPr lang="zh-CN" altLang="en-US" smtClean="0"/>
               <a:pPr/>
-              <a:t>2021/8/25</a:t>
+              <a:t>2021/8/26</a:t>
             </a:fld>
             <a:endParaRPr lang="zh-CN" altLang="en-US" dirty="0"/>
           </a:p>
@@ -2640,7 +2553,7 @@
             <a:fld id="{263DB197-84B0-484E-9C0F-88358ECCB797}" type="datetimeFigureOut">
               <a:rPr lang="zh-CN" altLang="en-US" smtClean="0"/>
               <a:pPr/>
-              <a:t>2021/8/25</a:t>
+              <a:t>2021/8/26</a:t>
             </a:fld>
             <a:endParaRPr lang="zh-CN" altLang="en-US" dirty="0"/>
           </a:p>
@@ -2801,7 +2714,7 @@
             <a:fld id="{263DB197-84B0-484E-9C0F-88358ECCB797}" type="datetimeFigureOut">
               <a:rPr lang="zh-CN" altLang="en-US" smtClean="0"/>
               <a:pPr/>
-              <a:t>2021/8/25</a:t>
+              <a:t>2021/8/26</a:t>
             </a:fld>
             <a:endParaRPr lang="zh-CN" altLang="en-US" dirty="0"/>
           </a:p>
@@ -2962,7 +2875,7 @@
             <a:fld id="{263DB197-84B0-484E-9C0F-88358ECCB797}" type="datetimeFigureOut">
               <a:rPr lang="zh-CN" altLang="en-US" smtClean="0"/>
               <a:pPr/>
-              <a:t>2021/8/25</a:t>
+              <a:t>2021/8/26</a:t>
             </a:fld>
             <a:endParaRPr lang="zh-CN" altLang="en-US" dirty="0"/>
           </a:p>
@@ -3123,7 +3036,7 @@
             <a:fld id="{263DB197-84B0-484E-9C0F-88358ECCB797}" type="datetimeFigureOut">
               <a:rPr lang="zh-CN" altLang="en-US" smtClean="0"/>
               <a:pPr/>
-              <a:t>2021/8/25</a:t>
+              <a:t>2021/8/26</a:t>
             </a:fld>
             <a:endParaRPr lang="zh-CN" altLang="en-US" dirty="0"/>
           </a:p>
@@ -3284,7 +3197,7 @@
             <a:fld id="{263DB197-84B0-484E-9C0F-88358ECCB797}" type="datetimeFigureOut">
               <a:rPr lang="zh-CN" altLang="en-US" smtClean="0"/>
               <a:pPr/>
-              <a:t>2021/8/25</a:t>
+              <a:t>2021/8/26</a:t>
             </a:fld>
             <a:endParaRPr lang="zh-CN" altLang="en-US" dirty="0"/>
           </a:p>
@@ -3445,7 +3358,7 @@
             <a:fld id="{263DB197-84B0-484E-9C0F-88358ECCB797}" type="datetimeFigureOut">
               <a:rPr lang="zh-CN" altLang="en-US" smtClean="0"/>
               <a:pPr/>
-              <a:t>2021/8/25</a:t>
+              <a:t>2021/8/26</a:t>
             </a:fld>
             <a:endParaRPr lang="zh-CN" altLang="en-US" dirty="0"/>
           </a:p>
@@ -3606,7 +3519,7 @@
             <a:fld id="{263DB197-84B0-484E-9C0F-88358ECCB797}" type="datetimeFigureOut">
               <a:rPr lang="zh-CN" altLang="en-US" smtClean="0"/>
               <a:pPr/>
-              <a:t>2021/8/25</a:t>
+              <a:t>2021/8/26</a:t>
             </a:fld>
             <a:endParaRPr lang="zh-CN" altLang="en-US" dirty="0"/>
           </a:p>
@@ -3767,7 +3680,7 @@
             <a:fld id="{263DB197-84B0-484E-9C0F-88358ECCB797}" type="datetimeFigureOut">
               <a:rPr lang="zh-CN" altLang="en-US" smtClean="0"/>
               <a:pPr/>
-              <a:t>2021/8/25</a:t>
+              <a:t>2021/8/26</a:t>
             </a:fld>
             <a:endParaRPr lang="zh-CN" altLang="en-US" dirty="0"/>
           </a:p>
@@ -3928,7 +3841,7 @@
             <a:fld id="{263DB197-84B0-484E-9C0F-88358ECCB797}" type="datetimeFigureOut">
               <a:rPr lang="zh-CN" altLang="en-US" smtClean="0"/>
               <a:pPr/>
-              <a:t>2021/8/25</a:t>
+              <a:t>2021/8/26</a:t>
             </a:fld>
             <a:endParaRPr lang="zh-CN" altLang="en-US" dirty="0"/>
           </a:p>
@@ -4117,7 +4030,7 @@
             <a:fld id="{263DB197-84B0-484E-9C0F-88358ECCB797}" type="datetimeFigureOut">
               <a:rPr lang="zh-CN" altLang="en-US" smtClean="0"/>
               <a:pPr/>
-              <a:t>2021/8/25</a:t>
+              <a:t>2021/8/26</a:t>
             </a:fld>
             <a:endParaRPr lang="zh-CN" altLang="en-US" dirty="0"/>
           </a:p>
@@ -6173,7 +6086,7 @@
           <a:p>
             <a:fld id="{D7E32B8C-E81A-4559-905F-EA468C4AE0F6}" type="datetimeFigureOut">
               <a:rPr lang="zh-CN" altLang="en-US" smtClean="0"/>
-              <a:t>2021/8/25</a:t>
+              <a:t>2021/8/26</a:t>
             </a:fld>
             <a:endParaRPr lang="zh-CN" altLang="en-US"/>
           </a:p>
@@ -6343,7 +6256,7 @@
           <a:p>
             <a:fld id="{D7E32B8C-E81A-4559-905F-EA468C4AE0F6}" type="datetimeFigureOut">
               <a:rPr lang="zh-CN" altLang="en-US" smtClean="0"/>
-              <a:t>2021/8/25</a:t>
+              <a:t>2021/8/26</a:t>
             </a:fld>
             <a:endParaRPr lang="zh-CN" altLang="en-US"/>
           </a:p>
@@ -8513,7 +8426,7 @@
           <a:p>
             <a:fld id="{D7E32B8C-E81A-4559-905F-EA468C4AE0F6}" type="datetimeFigureOut">
               <a:rPr lang="zh-CN" altLang="en-US" smtClean="0"/>
-              <a:t>2021/8/25</a:t>
+              <a:t>2021/8/26</a:t>
             </a:fld>
             <a:endParaRPr lang="zh-CN" altLang="en-US"/>
           </a:p>
@@ -8740,7 +8653,7 @@
           <a:p>
             <a:fld id="{D7E32B8C-E81A-4559-905F-EA468C4AE0F6}" type="datetimeFigureOut">
               <a:rPr lang="zh-CN" altLang="en-US" smtClean="0"/>
-              <a:t>2021/8/25</a:t>
+              <a:t>2021/8/26</a:t>
             </a:fld>
             <a:endParaRPr lang="zh-CN" altLang="en-US"/>
           </a:p>
@@ -9102,7 +9015,7 @@
           <a:p>
             <a:fld id="{D7E32B8C-E81A-4559-905F-EA468C4AE0F6}" type="datetimeFigureOut">
               <a:rPr lang="zh-CN" altLang="en-US" smtClean="0"/>
-              <a:t>2021/8/25</a:t>
+              <a:t>2021/8/26</a:t>
             </a:fld>
             <a:endParaRPr lang="zh-CN" altLang="en-US"/>
           </a:p>
@@ -10902,7 +10815,7 @@
           <a:p>
             <a:fld id="{D7E32B8C-E81A-4559-905F-EA468C4AE0F6}" type="datetimeFigureOut">
               <a:rPr lang="zh-CN" altLang="en-US" smtClean="0"/>
-              <a:t>2021/8/25</a:t>
+              <a:t>2021/8/26</a:t>
             </a:fld>
             <a:endParaRPr lang="zh-CN" altLang="en-US"/>
           </a:p>
@@ -11238,7 +11151,7 @@
           <a:p>
             <a:fld id="{D7E32B8C-E81A-4559-905F-EA468C4AE0F6}" type="datetimeFigureOut">
               <a:rPr lang="zh-CN" altLang="en-US" smtClean="0"/>
-              <a:t>2021/8/25</a:t>
+              <a:t>2021/8/26</a:t>
             </a:fld>
             <a:endParaRPr lang="zh-CN" altLang="en-US"/>
           </a:p>
@@ -11492,7 +11405,7 @@
           <a:p>
             <a:fld id="{9EFD9D74-47D9-4702-A33C-335B63B48DBF}" type="datetimeFigureOut">
               <a:rPr lang="zh-CN" altLang="en-US" smtClean="0"/>
-              <a:t>2021/8/25</a:t>
+              <a:t>2021/8/26</a:t>
             </a:fld>
             <a:endParaRPr lang="zh-CN" altLang="en-US" dirty="0"/>
           </a:p>
@@ -11674,7 +11587,7 @@
           <a:p>
             <a:fld id="{D7E32B8C-E81A-4559-905F-EA468C4AE0F6}" type="datetimeFigureOut">
               <a:rPr lang="zh-CN" altLang="en-US" smtClean="0"/>
-              <a:t>2021/8/25</a:t>
+              <a:t>2021/8/26</a:t>
             </a:fld>
             <a:endParaRPr lang="zh-CN" altLang="en-US"/>
           </a:p>
@@ -11795,7 +11708,7 @@
           <a:p>
             <a:fld id="{760FBDFE-C587-4B4C-A407-44438C67B59E}" type="datetimeFigureOut">
               <a:rPr lang="zh-CN" altLang="en-US" smtClean="0"/>
-              <a:t>2021/8/25</a:t>
+              <a:t>2021/8/26</a:t>
             </a:fld>
             <a:endParaRPr lang="zh-CN" altLang="en-US"/>
           </a:p>
@@ -11932,7 +11845,7 @@
           <p:cNvPr id="2" name="竖排标题 1">
             <a:extLst>
               <a:ext uri="{FF2B5EF4-FFF2-40B4-BE49-F238E27FC236}">
-                <a16:creationId xmlns="" xmlns:a16="http://schemas.microsoft.com/office/drawing/2014/main" id="{95EA7536-D96F-400A-84FA-EE0431868554}"/>
+                <a16:creationId xmlns:a16="http://schemas.microsoft.com/office/drawing/2014/main" xmlns="" id="{95EA7536-D96F-400A-84FA-EE0431868554}"/>
               </a:ext>
             </a:extLst>
           </p:cNvPr>
@@ -11965,7 +11878,7 @@
           <p:cNvPr id="3" name="竖排文字占位符 2">
             <a:extLst>
               <a:ext uri="{FF2B5EF4-FFF2-40B4-BE49-F238E27FC236}">
-                <a16:creationId xmlns="" xmlns:a16="http://schemas.microsoft.com/office/drawing/2014/main" id="{8D80802C-D1E2-4C80-BE8C-D027A1D80D0D}"/>
+                <a16:creationId xmlns:a16="http://schemas.microsoft.com/office/drawing/2014/main" xmlns="" id="{8D80802C-D1E2-4C80-BE8C-D027A1D80D0D}"/>
               </a:ext>
             </a:extLst>
           </p:cNvPr>
@@ -12027,7 +11940,7 @@
           <p:cNvPr id="4" name="日期占位符 3">
             <a:extLst>
               <a:ext uri="{FF2B5EF4-FFF2-40B4-BE49-F238E27FC236}">
-                <a16:creationId xmlns="" xmlns:a16="http://schemas.microsoft.com/office/drawing/2014/main" id="{355BE6F8-219E-413C-B399-2A6399D61FFD}"/>
+                <a16:creationId xmlns:a16="http://schemas.microsoft.com/office/drawing/2014/main" xmlns="" id="{355BE6F8-219E-413C-B399-2A6399D61FFD}"/>
               </a:ext>
             </a:extLst>
           </p:cNvPr>
@@ -12045,7 +11958,7 @@
           <a:p>
             <a:fld id="{0DA2CC75-8280-4D50-8556-C2874ADEF926}" type="datetimeFigureOut">
               <a:rPr lang="zh-CN" altLang="en-US" smtClean="0"/>
-              <a:t>2021/8/25</a:t>
+              <a:t>2021/8/26</a:t>
             </a:fld>
             <a:endParaRPr lang="zh-CN" altLang="en-US"/>
           </a:p>
@@ -12056,7 +11969,7 @@
           <p:cNvPr id="5" name="页脚占位符 4">
             <a:extLst>
               <a:ext uri="{FF2B5EF4-FFF2-40B4-BE49-F238E27FC236}">
-                <a16:creationId xmlns="" xmlns:a16="http://schemas.microsoft.com/office/drawing/2014/main" id="{9479AEE5-26EE-4C85-8E5E-E86011772B0E}"/>
+                <a16:creationId xmlns:a16="http://schemas.microsoft.com/office/drawing/2014/main" xmlns="" id="{9479AEE5-26EE-4C85-8E5E-E86011772B0E}"/>
               </a:ext>
             </a:extLst>
           </p:cNvPr>
@@ -12081,7 +11994,7 @@
           <p:cNvPr id="6" name="灯片编号占位符 5">
             <a:extLst>
               <a:ext uri="{FF2B5EF4-FFF2-40B4-BE49-F238E27FC236}">
-                <a16:creationId xmlns="" xmlns:a16="http://schemas.microsoft.com/office/drawing/2014/main" id="{7AC8C42C-BCED-4376-A8E1-FBA47CCFAAD6}"/>
+                <a16:creationId xmlns:a16="http://schemas.microsoft.com/office/drawing/2014/main" xmlns="" id="{7AC8C42C-BCED-4376-A8E1-FBA47CCFAAD6}"/>
               </a:ext>
             </a:extLst>
           </p:cNvPr>
@@ -12110,7 +12023,7 @@
           <p:cNvPr id="9" name="矩形 8">
             <a:extLst>
               <a:ext uri="{FF2B5EF4-FFF2-40B4-BE49-F238E27FC236}">
-                <a16:creationId xmlns="" xmlns:a16="http://schemas.microsoft.com/office/drawing/2014/main" id="{F8CD92C1-49CC-4A26-AA0A-6CACEDCFC082}"/>
+                <a16:creationId xmlns:a16="http://schemas.microsoft.com/office/drawing/2014/main" xmlns="" id="{F8CD92C1-49CC-4A26-AA0A-6CACEDCFC082}"/>
               </a:ext>
             </a:extLst>
           </p:cNvPr>
@@ -12369,7 +12282,7 @@
             <a:fld id="{263DB197-84B0-484E-9C0F-88358ECCB797}" type="datetimeFigureOut">
               <a:rPr lang="zh-CN" altLang="en-US" smtClean="0"/>
               <a:pPr/>
-              <a:t>2021/8/25</a:t>
+              <a:t>2021/8/26</a:t>
             </a:fld>
             <a:endParaRPr lang="zh-CN" altLang="en-US" dirty="0"/>
           </a:p>
@@ -12530,7 +12443,7 @@
             <a:fld id="{263DB197-84B0-484E-9C0F-88358ECCB797}" type="datetimeFigureOut">
               <a:rPr lang="zh-CN" altLang="en-US" smtClean="0"/>
               <a:pPr/>
-              <a:t>2021/8/25</a:t>
+              <a:t>2021/8/26</a:t>
             </a:fld>
             <a:endParaRPr lang="zh-CN" altLang="en-US" dirty="0"/>
           </a:p>
@@ -12691,7 +12604,7 @@
             <a:fld id="{263DB197-84B0-484E-9C0F-88358ECCB797}" type="datetimeFigureOut">
               <a:rPr lang="zh-CN" altLang="en-US" smtClean="0"/>
               <a:pPr/>
-              <a:t>2021/8/25</a:t>
+              <a:t>2021/8/26</a:t>
             </a:fld>
             <a:endParaRPr lang="zh-CN" altLang="en-US" dirty="0"/>
           </a:p>
@@ -12852,7 +12765,7 @@
             <a:fld id="{263DB197-84B0-484E-9C0F-88358ECCB797}" type="datetimeFigureOut">
               <a:rPr lang="zh-CN" altLang="en-US" smtClean="0"/>
               <a:pPr/>
-              <a:t>2021/8/25</a:t>
+              <a:t>2021/8/26</a:t>
             </a:fld>
             <a:endParaRPr lang="zh-CN" altLang="en-US" dirty="0"/>
           </a:p>
@@ -13013,7 +12926,7 @@
             <a:fld id="{263DB197-84B0-484E-9C0F-88358ECCB797}" type="datetimeFigureOut">
               <a:rPr lang="zh-CN" altLang="en-US" smtClean="0"/>
               <a:pPr/>
-              <a:t>2021/8/25</a:t>
+              <a:t>2021/8/26</a:t>
             </a:fld>
             <a:endParaRPr lang="zh-CN" altLang="en-US" dirty="0"/>
           </a:p>
@@ -13174,7 +13087,7 @@
             <a:fld id="{263DB197-84B0-484E-9C0F-88358ECCB797}" type="datetimeFigureOut">
               <a:rPr lang="zh-CN" altLang="en-US" smtClean="0"/>
               <a:pPr/>
-              <a:t>2021/8/25</a:t>
+              <a:t>2021/8/26</a:t>
             </a:fld>
             <a:endParaRPr lang="zh-CN" altLang="en-US" dirty="0"/>
           </a:p>
@@ -14067,7 +13980,7 @@
             <a:fld id="{D7E32B8C-E81A-4559-905F-EA468C4AE0F6}" type="datetimeFigureOut">
               <a:rPr lang="zh-CN" altLang="en-US" smtClean="0"/>
               <a:pPr/>
-              <a:t>2021/8/25</a:t>
+              <a:t>2021/8/26</a:t>
             </a:fld>
             <a:endParaRPr lang="zh-CN" altLang="en-US" dirty="0"/>
           </a:p>
@@ -15078,1957 +14991,6 @@
           <a:chExt cx="0" cy="0"/>
         </a:xfrm>
       </p:grpSpPr>
-      <p:grpSp>
-        <p:nvGrpSpPr>
-          <p:cNvPr id="2" name="Group 1"/>
-          <p:cNvGrpSpPr/>
-          <p:nvPr/>
-        </p:nvGrpSpPr>
-        <p:grpSpPr>
-          <a:xfrm>
-            <a:off x="739269" y="1326194"/>
-            <a:ext cx="1034496" cy="1034494"/>
-            <a:chOff x="8078975" y="519953"/>
-            <a:chExt cx="1603375" cy="1603375"/>
-          </a:xfrm>
-        </p:grpSpPr>
-        <p:sp>
-          <p:nvSpPr>
-            <p:cNvPr id="32" name="Oval 8"/>
-            <p:cNvSpPr>
-              <a:spLocks noChangeArrowheads="1"/>
-            </p:cNvSpPr>
-            <p:nvPr/>
-          </p:nvSpPr>
-          <p:spPr bwMode="auto">
-            <a:xfrm>
-              <a:off x="8078975" y="519953"/>
-              <a:ext cx="1603375" cy="1603375"/>
-            </a:xfrm>
-            <a:prstGeom prst="ellipse">
-              <a:avLst/>
-            </a:prstGeom>
-            <a:solidFill>
-              <a:srgbClr val="F58F92"/>
-            </a:solidFill>
-            <a:ln>
-              <a:noFill/>
-            </a:ln>
-            <a:extLst>
-              <a:ext uri="{91240B29-F687-4F45-9708-019B960494DF}">
-                <a14:hiddenLine xmlns:a14="http://schemas.microsoft.com/office/drawing/2010/main" w="9525">
-                  <a:solidFill>
-                    <a:srgbClr val="000000"/>
-                  </a:solidFill>
-                  <a:round/>
-                </a14:hiddenLine>
-              </a:ext>
-            </a:extLst>
-          </p:spPr>
-          <p:txBody>
-            <a:bodyPr vert="horz" wrap="square" lIns="68580" tIns="34290" rIns="68580" bIns="34290" numCol="1" anchor="t" anchorCtr="0" compatLnSpc="1"/>
-            <a:lstStyle/>
-            <a:p>
-              <a:endParaRPr lang="en-US" sz="1100" dirty="0">
-                <a:ea typeface="微软雅黑 Light" panose="020B0502040204020203" pitchFamily="34" charset="-122"/>
-              </a:endParaRPr>
-            </a:p>
-          </p:txBody>
-        </p:sp>
-        <p:sp>
-          <p:nvSpPr>
-            <p:cNvPr id="33" name="Oval 9"/>
-            <p:cNvSpPr>
-              <a:spLocks noChangeArrowheads="1"/>
-            </p:cNvSpPr>
-            <p:nvPr/>
-          </p:nvSpPr>
-          <p:spPr bwMode="auto">
-            <a:xfrm>
-              <a:off x="8078975" y="519953"/>
-              <a:ext cx="1603375" cy="1603375"/>
-            </a:xfrm>
-            <a:prstGeom prst="ellipse">
-              <a:avLst/>
-            </a:prstGeom>
-            <a:solidFill>
-              <a:schemeClr val="accent1"/>
-            </a:solidFill>
-            <a:ln>
-              <a:noFill/>
-            </a:ln>
-            <a:extLst>
-              <a:ext uri="{91240B29-F687-4F45-9708-019B960494DF}">
-                <a14:hiddenLine xmlns:a14="http://schemas.microsoft.com/office/drawing/2010/main" w="9525">
-                  <a:solidFill>
-                    <a:srgbClr val="000000"/>
-                  </a:solidFill>
-                  <a:round/>
-                </a14:hiddenLine>
-              </a:ext>
-            </a:extLst>
-          </p:spPr>
-          <p:style>
-            <a:lnRef idx="2">
-              <a:schemeClr val="accent1">
-                <a:shade val="50000"/>
-              </a:schemeClr>
-            </a:lnRef>
-            <a:fillRef idx="1">
-              <a:schemeClr val="accent1"/>
-            </a:fillRef>
-            <a:effectRef idx="0">
-              <a:schemeClr val="accent1"/>
-            </a:effectRef>
-            <a:fontRef idx="minor">
-              <a:schemeClr val="lt1"/>
-            </a:fontRef>
-          </p:style>
-          <p:txBody>
-            <a:bodyPr rot="0" spcFirstLastPara="0" vertOverflow="overflow" horzOverflow="overflow" vert="horz" wrap="square" lIns="91440" tIns="45720" rIns="91440" bIns="45720" numCol="1" spcCol="0" rtlCol="0" fromWordArt="0" anchor="ctr" anchorCtr="0" forceAA="0" compatLnSpc="1">
-              <a:noAutofit/>
-            </a:bodyPr>
-            <a:lstStyle/>
-            <a:p>
-              <a:pPr algn="ctr"/>
-              <a:endParaRPr lang="en-US" sz="2800" dirty="0">
-                <a:latin typeface="Calibri" panose="020F0502020204030204" pitchFamily="34" charset="0"/>
-                <a:ea typeface="微软雅黑 Light" panose="020B0502040204020203" pitchFamily="34" charset="-122"/>
-              </a:endParaRPr>
-            </a:p>
-          </p:txBody>
-        </p:sp>
-        <p:sp>
-          <p:nvSpPr>
-            <p:cNvPr id="34" name="Oval 29"/>
-            <p:cNvSpPr>
-              <a:spLocks noChangeArrowheads="1"/>
-            </p:cNvSpPr>
-            <p:nvPr/>
-          </p:nvSpPr>
-          <p:spPr bwMode="auto">
-            <a:xfrm>
-              <a:off x="8425050" y="1094628"/>
-              <a:ext cx="76200" cy="77788"/>
-            </a:xfrm>
-            <a:prstGeom prst="ellipse">
-              <a:avLst/>
-            </a:prstGeom>
-            <a:solidFill>
-              <a:srgbClr val="FFFFFF"/>
-            </a:solidFill>
-            <a:ln>
-              <a:noFill/>
-            </a:ln>
-            <a:extLst>
-              <a:ext uri="{91240B29-F687-4F45-9708-019B960494DF}">
-                <a14:hiddenLine xmlns:a14="http://schemas.microsoft.com/office/drawing/2010/main" w="9525">
-                  <a:solidFill>
-                    <a:srgbClr val="000000"/>
-                  </a:solidFill>
-                  <a:round/>
-                </a14:hiddenLine>
-              </a:ext>
-            </a:extLst>
-          </p:spPr>
-          <p:txBody>
-            <a:bodyPr vert="horz" wrap="square" lIns="68580" tIns="34290" rIns="68580" bIns="34290" numCol="1" anchor="t" anchorCtr="0" compatLnSpc="1"/>
-            <a:lstStyle/>
-            <a:p>
-              <a:endParaRPr lang="en-US" sz="1100" dirty="0">
-                <a:ea typeface="微软雅黑 Light" panose="020B0502040204020203" pitchFamily="34" charset="-122"/>
-              </a:endParaRPr>
-            </a:p>
-          </p:txBody>
-        </p:sp>
-        <p:sp>
-          <p:nvSpPr>
-            <p:cNvPr id="35" name="Oval 30"/>
-            <p:cNvSpPr>
-              <a:spLocks noChangeArrowheads="1"/>
-            </p:cNvSpPr>
-            <p:nvPr/>
-          </p:nvSpPr>
-          <p:spPr bwMode="auto">
-            <a:xfrm>
-              <a:off x="8625075" y="1094628"/>
-              <a:ext cx="77788" cy="74613"/>
-            </a:xfrm>
-            <a:prstGeom prst="ellipse">
-              <a:avLst/>
-            </a:prstGeom>
-            <a:solidFill>
-              <a:srgbClr val="FFFFFF"/>
-            </a:solidFill>
-            <a:ln>
-              <a:noFill/>
-            </a:ln>
-            <a:extLst>
-              <a:ext uri="{91240B29-F687-4F45-9708-019B960494DF}">
-                <a14:hiddenLine xmlns:a14="http://schemas.microsoft.com/office/drawing/2010/main" w="9525">
-                  <a:solidFill>
-                    <a:srgbClr val="000000"/>
-                  </a:solidFill>
-                  <a:round/>
-                </a14:hiddenLine>
-              </a:ext>
-            </a:extLst>
-          </p:spPr>
-          <p:txBody>
-            <a:bodyPr vert="horz" wrap="square" lIns="68580" tIns="34290" rIns="68580" bIns="34290" numCol="1" anchor="t" anchorCtr="0" compatLnSpc="1"/>
-            <a:lstStyle/>
-            <a:p>
-              <a:endParaRPr lang="en-US" sz="1100" dirty="0">
-                <a:ea typeface="微软雅黑 Light" panose="020B0502040204020203" pitchFamily="34" charset="-122"/>
-              </a:endParaRPr>
-            </a:p>
-          </p:txBody>
-        </p:sp>
-        <p:sp>
-          <p:nvSpPr>
-            <p:cNvPr id="36" name="Oval 31"/>
-            <p:cNvSpPr>
-              <a:spLocks noChangeArrowheads="1"/>
-            </p:cNvSpPr>
-            <p:nvPr/>
-          </p:nvSpPr>
-          <p:spPr bwMode="auto">
-            <a:xfrm>
-              <a:off x="8847325" y="1094628"/>
-              <a:ext cx="74613" cy="77788"/>
-            </a:xfrm>
-            <a:prstGeom prst="ellipse">
-              <a:avLst/>
-            </a:prstGeom>
-            <a:solidFill>
-              <a:srgbClr val="FFFFFF"/>
-            </a:solidFill>
-            <a:ln>
-              <a:noFill/>
-            </a:ln>
-            <a:extLst>
-              <a:ext uri="{91240B29-F687-4F45-9708-019B960494DF}">
-                <a14:hiddenLine xmlns:a14="http://schemas.microsoft.com/office/drawing/2010/main" w="9525">
-                  <a:solidFill>
-                    <a:srgbClr val="000000"/>
-                  </a:solidFill>
-                  <a:round/>
-                </a14:hiddenLine>
-              </a:ext>
-            </a:extLst>
-          </p:spPr>
-          <p:txBody>
-            <a:bodyPr vert="horz" wrap="square" lIns="68580" tIns="34290" rIns="68580" bIns="34290" numCol="1" anchor="t" anchorCtr="0" compatLnSpc="1"/>
-            <a:lstStyle/>
-            <a:p>
-              <a:endParaRPr lang="en-US" sz="1100" dirty="0">
-                <a:ea typeface="微软雅黑 Light" panose="020B0502040204020203" pitchFamily="34" charset="-122"/>
-              </a:endParaRPr>
-            </a:p>
-          </p:txBody>
-        </p:sp>
-        <p:sp>
-          <p:nvSpPr>
-            <p:cNvPr id="37" name="Oval 32"/>
-            <p:cNvSpPr>
-              <a:spLocks noChangeArrowheads="1"/>
-            </p:cNvSpPr>
-            <p:nvPr/>
-          </p:nvSpPr>
-          <p:spPr bwMode="auto">
-            <a:xfrm>
-              <a:off x="9066400" y="1094628"/>
-              <a:ext cx="74613" cy="77788"/>
-            </a:xfrm>
-            <a:prstGeom prst="ellipse">
-              <a:avLst/>
-            </a:prstGeom>
-            <a:solidFill>
-              <a:srgbClr val="FFFFFF"/>
-            </a:solidFill>
-            <a:ln>
-              <a:noFill/>
-            </a:ln>
-            <a:extLst>
-              <a:ext uri="{91240B29-F687-4F45-9708-019B960494DF}">
-                <a14:hiddenLine xmlns:a14="http://schemas.microsoft.com/office/drawing/2010/main" w="9525">
-                  <a:solidFill>
-                    <a:srgbClr val="000000"/>
-                  </a:solidFill>
-                  <a:round/>
-                </a14:hiddenLine>
-              </a:ext>
-            </a:extLst>
-          </p:spPr>
-          <p:txBody>
-            <a:bodyPr vert="horz" wrap="square" lIns="68580" tIns="34290" rIns="68580" bIns="34290" numCol="1" anchor="t" anchorCtr="0" compatLnSpc="1"/>
-            <a:lstStyle/>
-            <a:p>
-              <a:endParaRPr lang="en-US" sz="1100" dirty="0">
-                <a:ea typeface="微软雅黑 Light" panose="020B0502040204020203" pitchFamily="34" charset="-122"/>
-              </a:endParaRPr>
-            </a:p>
-          </p:txBody>
-        </p:sp>
-        <p:sp>
-          <p:nvSpPr>
-            <p:cNvPr id="38" name="Oval 33"/>
-            <p:cNvSpPr>
-              <a:spLocks noChangeArrowheads="1"/>
-            </p:cNvSpPr>
-            <p:nvPr/>
-          </p:nvSpPr>
-          <p:spPr bwMode="auto">
-            <a:xfrm>
-              <a:off x="9269600" y="1094628"/>
-              <a:ext cx="77788" cy="77788"/>
-            </a:xfrm>
-            <a:prstGeom prst="ellipse">
-              <a:avLst/>
-            </a:prstGeom>
-            <a:solidFill>
-              <a:srgbClr val="FFFFFF"/>
-            </a:solidFill>
-            <a:ln>
-              <a:noFill/>
-            </a:ln>
-            <a:extLst>
-              <a:ext uri="{91240B29-F687-4F45-9708-019B960494DF}">
-                <a14:hiddenLine xmlns:a14="http://schemas.microsoft.com/office/drawing/2010/main" w="9525">
-                  <a:solidFill>
-                    <a:srgbClr val="000000"/>
-                  </a:solidFill>
-                  <a:round/>
-                </a14:hiddenLine>
-              </a:ext>
-            </a:extLst>
-          </p:spPr>
-          <p:txBody>
-            <a:bodyPr vert="horz" wrap="square" lIns="68580" tIns="34290" rIns="68580" bIns="34290" numCol="1" anchor="t" anchorCtr="0" compatLnSpc="1"/>
-            <a:lstStyle/>
-            <a:p>
-              <a:endParaRPr lang="en-US" sz="1100" dirty="0">
-                <a:ea typeface="微软雅黑 Light" panose="020B0502040204020203" pitchFamily="34" charset="-122"/>
-              </a:endParaRPr>
-            </a:p>
-          </p:txBody>
-        </p:sp>
-        <p:sp>
-          <p:nvSpPr>
-            <p:cNvPr id="39" name="Freeform 39"/>
-            <p:cNvSpPr/>
-            <p:nvPr/>
-          </p:nvSpPr>
-          <p:spPr bwMode="auto">
-            <a:xfrm>
-              <a:off x="8461563" y="1127966"/>
-              <a:ext cx="846138" cy="454025"/>
-            </a:xfrm>
-            <a:custGeom>
-              <a:avLst/>
-              <a:gdLst>
-                <a:gd name="T0" fmla="*/ 407 w 533"/>
-                <a:gd name="T1" fmla="*/ 164 h 286"/>
-                <a:gd name="T2" fmla="*/ 407 w 533"/>
-                <a:gd name="T3" fmla="*/ 0 h 286"/>
-                <a:gd name="T4" fmla="*/ 320 w 533"/>
-                <a:gd name="T5" fmla="*/ 159 h 286"/>
-                <a:gd name="T6" fmla="*/ 267 w 533"/>
-                <a:gd name="T7" fmla="*/ 0 h 286"/>
-                <a:gd name="T8" fmla="*/ 213 w 533"/>
-                <a:gd name="T9" fmla="*/ 159 h 286"/>
-                <a:gd name="T10" fmla="*/ 128 w 533"/>
-                <a:gd name="T11" fmla="*/ 0 h 286"/>
-                <a:gd name="T12" fmla="*/ 128 w 533"/>
-                <a:gd name="T13" fmla="*/ 164 h 286"/>
-                <a:gd name="T14" fmla="*/ 0 w 533"/>
-                <a:gd name="T15" fmla="*/ 5 h 286"/>
-                <a:gd name="T16" fmla="*/ 98 w 533"/>
-                <a:gd name="T17" fmla="*/ 286 h 286"/>
-                <a:gd name="T18" fmla="*/ 267 w 533"/>
-                <a:gd name="T19" fmla="*/ 286 h 286"/>
-                <a:gd name="T20" fmla="*/ 437 w 533"/>
-                <a:gd name="T21" fmla="*/ 286 h 286"/>
-                <a:gd name="T22" fmla="*/ 533 w 533"/>
-                <a:gd name="T23" fmla="*/ 5 h 286"/>
-                <a:gd name="T24" fmla="*/ 407 w 533"/>
-                <a:gd name="T25" fmla="*/ 164 h 286"/>
-              </a:gdLst>
-              <a:ahLst/>
-              <a:cxnLst>
-                <a:cxn ang="0">
-                  <a:pos x="T0" y="T1"/>
-                </a:cxn>
-                <a:cxn ang="0">
-                  <a:pos x="T2" y="T3"/>
-                </a:cxn>
-                <a:cxn ang="0">
-                  <a:pos x="T4" y="T5"/>
-                </a:cxn>
-                <a:cxn ang="0">
-                  <a:pos x="T6" y="T7"/>
-                </a:cxn>
-                <a:cxn ang="0">
-                  <a:pos x="T8" y="T9"/>
-                </a:cxn>
-                <a:cxn ang="0">
-                  <a:pos x="T10" y="T11"/>
-                </a:cxn>
-                <a:cxn ang="0">
-                  <a:pos x="T12" y="T13"/>
-                </a:cxn>
-                <a:cxn ang="0">
-                  <a:pos x="T14" y="T15"/>
-                </a:cxn>
-                <a:cxn ang="0">
-                  <a:pos x="T16" y="T17"/>
-                </a:cxn>
-                <a:cxn ang="0">
-                  <a:pos x="T18" y="T19"/>
-                </a:cxn>
-                <a:cxn ang="0">
-                  <a:pos x="T20" y="T21"/>
-                </a:cxn>
-                <a:cxn ang="0">
-                  <a:pos x="T22" y="T23"/>
-                </a:cxn>
-                <a:cxn ang="0">
-                  <a:pos x="T24" y="T25"/>
-                </a:cxn>
-              </a:cxnLst>
-              <a:rect l="0" t="0" r="r" b="b"/>
-              <a:pathLst>
-                <a:path w="533" h="286">
-                  <a:moveTo>
-                    <a:pt x="407" y="164"/>
-                  </a:moveTo>
-                  <a:lnTo>
-                    <a:pt x="407" y="0"/>
-                  </a:lnTo>
-                  <a:lnTo>
-                    <a:pt x="320" y="159"/>
-                  </a:lnTo>
-                  <a:lnTo>
-                    <a:pt x="267" y="0"/>
-                  </a:lnTo>
-                  <a:lnTo>
-                    <a:pt x="213" y="159"/>
-                  </a:lnTo>
-                  <a:lnTo>
-                    <a:pt x="128" y="0"/>
-                  </a:lnTo>
-                  <a:lnTo>
-                    <a:pt x="128" y="164"/>
-                  </a:lnTo>
-                  <a:lnTo>
-                    <a:pt x="0" y="5"/>
-                  </a:lnTo>
-                  <a:lnTo>
-                    <a:pt x="98" y="286"/>
-                  </a:lnTo>
-                  <a:lnTo>
-                    <a:pt x="267" y="286"/>
-                  </a:lnTo>
-                  <a:lnTo>
-                    <a:pt x="437" y="286"/>
-                  </a:lnTo>
-                  <a:lnTo>
-                    <a:pt x="533" y="5"/>
-                  </a:lnTo>
-                  <a:lnTo>
-                    <a:pt x="407" y="164"/>
-                  </a:lnTo>
-                  <a:close/>
-                </a:path>
-              </a:pathLst>
-            </a:custGeom>
-            <a:solidFill>
-              <a:srgbClr val="FFFFFF"/>
-            </a:solidFill>
-            <a:ln>
-              <a:noFill/>
-            </a:ln>
-            <a:extLst>
-              <a:ext uri="{91240B29-F687-4F45-9708-019B960494DF}">
-                <a14:hiddenLine xmlns:a14="http://schemas.microsoft.com/office/drawing/2010/main" w="9525">
-                  <a:solidFill>
-                    <a:srgbClr val="000000"/>
-                  </a:solidFill>
-                  <a:round/>
-                </a14:hiddenLine>
-              </a:ext>
-            </a:extLst>
-          </p:spPr>
-          <p:txBody>
-            <a:bodyPr vert="horz" wrap="square" lIns="68580" tIns="34290" rIns="68580" bIns="34290" numCol="1" anchor="t" anchorCtr="0" compatLnSpc="1"/>
-            <a:lstStyle/>
-            <a:p>
-              <a:endParaRPr lang="en-US" sz="1100" dirty="0">
-                <a:ea typeface="微软雅黑 Light" panose="020B0502040204020203" pitchFamily="34" charset="-122"/>
-              </a:endParaRPr>
-            </a:p>
-          </p:txBody>
-        </p:sp>
-        <p:sp>
-          <p:nvSpPr>
-            <p:cNvPr id="40" name="Rectangle 40"/>
-            <p:cNvSpPr>
-              <a:spLocks noChangeArrowheads="1"/>
-            </p:cNvSpPr>
-            <p:nvPr/>
-          </p:nvSpPr>
-          <p:spPr bwMode="auto">
-            <a:xfrm>
-              <a:off x="8609200" y="1635966"/>
-              <a:ext cx="531813" cy="74613"/>
-            </a:xfrm>
-            <a:prstGeom prst="rect">
-              <a:avLst/>
-            </a:prstGeom>
-            <a:solidFill>
-              <a:srgbClr val="FFFFFF"/>
-            </a:solidFill>
-            <a:ln>
-              <a:noFill/>
-            </a:ln>
-            <a:extLst>
-              <a:ext uri="{91240B29-F687-4F45-9708-019B960494DF}">
-                <a14:hiddenLine xmlns:a14="http://schemas.microsoft.com/office/drawing/2010/main" w="9525">
-                  <a:solidFill>
-                    <a:srgbClr val="000000"/>
-                  </a:solidFill>
-                  <a:miter lim="800000"/>
-                  <a:headEnd/>
-                  <a:tailEnd/>
-                </a14:hiddenLine>
-              </a:ext>
-            </a:extLst>
-          </p:spPr>
-          <p:txBody>
-            <a:bodyPr vert="horz" wrap="square" lIns="68580" tIns="34290" rIns="68580" bIns="34290" numCol="1" anchor="t" anchorCtr="0" compatLnSpc="1"/>
-            <a:lstStyle/>
-            <a:p>
-              <a:endParaRPr lang="en-US" sz="1100" dirty="0">
-                <a:ea typeface="微软雅黑 Light" panose="020B0502040204020203" pitchFamily="34" charset="-122"/>
-              </a:endParaRPr>
-            </a:p>
-          </p:txBody>
-        </p:sp>
-      </p:grpSp>
-      <p:grpSp>
-        <p:nvGrpSpPr>
-          <p:cNvPr id="3" name="Group 3"/>
-          <p:cNvGrpSpPr/>
-          <p:nvPr/>
-        </p:nvGrpSpPr>
-        <p:grpSpPr>
-          <a:xfrm>
-            <a:off x="739269" y="3025732"/>
-            <a:ext cx="1034496" cy="1036544"/>
-            <a:chOff x="2008375" y="2602753"/>
-            <a:chExt cx="1603375" cy="1606550"/>
-          </a:xfrm>
-        </p:grpSpPr>
-        <p:sp>
-          <p:nvSpPr>
-            <p:cNvPr id="41" name="Oval 10"/>
-            <p:cNvSpPr>
-              <a:spLocks noChangeArrowheads="1"/>
-            </p:cNvSpPr>
-            <p:nvPr/>
-          </p:nvSpPr>
-          <p:spPr bwMode="auto">
-            <a:xfrm>
-              <a:off x="2008375" y="2602753"/>
-              <a:ext cx="1603375" cy="1606550"/>
-            </a:xfrm>
-            <a:prstGeom prst="ellipse">
-              <a:avLst/>
-            </a:prstGeom>
-            <a:solidFill>
-              <a:schemeClr val="accent3"/>
-            </a:solidFill>
-            <a:ln>
-              <a:noFill/>
-            </a:ln>
-            <a:effectLst>
-              <a:outerShdw blurRad="76200" dir="18900000" sy="23000" kx="-1200000" algn="bl" rotWithShape="0">
-                <a:prstClr val="black">
-                  <a:alpha val="20000"/>
-                </a:prstClr>
-              </a:outerShdw>
-            </a:effectLst>
-            <a:extLst>
-              <a:ext uri="{91240B29-F687-4F45-9708-019B960494DF}">
-                <a14:hiddenLine xmlns:a14="http://schemas.microsoft.com/office/drawing/2010/main" w="9525">
-                  <a:solidFill>
-                    <a:srgbClr val="000000"/>
-                  </a:solidFill>
-                  <a:round/>
-                </a14:hiddenLine>
-              </a:ext>
-            </a:extLst>
-          </p:spPr>
-          <p:txBody>
-            <a:bodyPr vert="horz" wrap="square" lIns="68580" tIns="34290" rIns="68580" bIns="34290" numCol="1" anchor="t" anchorCtr="0" compatLnSpc="1"/>
-            <a:lstStyle/>
-            <a:p>
-              <a:endParaRPr lang="en-US" sz="1100" dirty="0">
-                <a:ea typeface="微软雅黑 Light" panose="020B0502040204020203" pitchFamily="34" charset="-122"/>
-              </a:endParaRPr>
-            </a:p>
-          </p:txBody>
-        </p:sp>
-        <p:sp>
-          <p:nvSpPr>
-            <p:cNvPr id="42" name="Freeform 41"/>
-            <p:cNvSpPr>
-              <a:spLocks noEditPoints="1"/>
-            </p:cNvSpPr>
-            <p:nvPr/>
-          </p:nvSpPr>
-          <p:spPr bwMode="auto">
-            <a:xfrm>
-              <a:off x="2360800" y="3144091"/>
-              <a:ext cx="898525" cy="511175"/>
-            </a:xfrm>
-            <a:custGeom>
-              <a:avLst/>
-              <a:gdLst>
-                <a:gd name="T0" fmla="*/ 269 w 324"/>
-                <a:gd name="T1" fmla="*/ 184 h 184"/>
-                <a:gd name="T2" fmla="*/ 55 w 324"/>
-                <a:gd name="T3" fmla="*/ 184 h 184"/>
-                <a:gd name="T4" fmla="*/ 0 w 324"/>
-                <a:gd name="T5" fmla="*/ 88 h 184"/>
-                <a:gd name="T6" fmla="*/ 88 w 324"/>
-                <a:gd name="T7" fmla="*/ 0 h 184"/>
-                <a:gd name="T8" fmla="*/ 131 w 324"/>
-                <a:gd name="T9" fmla="*/ 0 h 184"/>
-                <a:gd name="T10" fmla="*/ 131 w 324"/>
-                <a:gd name="T11" fmla="*/ 121 h 184"/>
-                <a:gd name="T12" fmla="*/ 193 w 324"/>
-                <a:gd name="T13" fmla="*/ 121 h 184"/>
-                <a:gd name="T14" fmla="*/ 193 w 324"/>
-                <a:gd name="T15" fmla="*/ 0 h 184"/>
-                <a:gd name="T16" fmla="*/ 236 w 324"/>
-                <a:gd name="T17" fmla="*/ 0 h 184"/>
-                <a:gd name="T18" fmla="*/ 324 w 324"/>
-                <a:gd name="T19" fmla="*/ 88 h 184"/>
-                <a:gd name="T20" fmla="*/ 269 w 324"/>
-                <a:gd name="T21" fmla="*/ 184 h 184"/>
-                <a:gd name="T22" fmla="*/ 57 w 324"/>
-                <a:gd name="T23" fmla="*/ 172 h 184"/>
-                <a:gd name="T24" fmla="*/ 268 w 324"/>
-                <a:gd name="T25" fmla="*/ 172 h 184"/>
-                <a:gd name="T26" fmla="*/ 312 w 324"/>
-                <a:gd name="T27" fmla="*/ 88 h 184"/>
-                <a:gd name="T28" fmla="*/ 236 w 324"/>
-                <a:gd name="T29" fmla="*/ 12 h 184"/>
-                <a:gd name="T30" fmla="*/ 205 w 324"/>
-                <a:gd name="T31" fmla="*/ 12 h 184"/>
-                <a:gd name="T32" fmla="*/ 205 w 324"/>
-                <a:gd name="T33" fmla="*/ 133 h 184"/>
-                <a:gd name="T34" fmla="*/ 119 w 324"/>
-                <a:gd name="T35" fmla="*/ 133 h 184"/>
-                <a:gd name="T36" fmla="*/ 119 w 324"/>
-                <a:gd name="T37" fmla="*/ 12 h 184"/>
-                <a:gd name="T38" fmla="*/ 88 w 324"/>
-                <a:gd name="T39" fmla="*/ 12 h 184"/>
-                <a:gd name="T40" fmla="*/ 12 w 324"/>
-                <a:gd name="T41" fmla="*/ 88 h 184"/>
-                <a:gd name="T42" fmla="*/ 57 w 324"/>
-                <a:gd name="T43" fmla="*/ 172 h 184"/>
-              </a:gdLst>
-              <a:ahLst/>
-              <a:cxnLst>
-                <a:cxn ang="0">
-                  <a:pos x="T0" y="T1"/>
-                </a:cxn>
-                <a:cxn ang="0">
-                  <a:pos x="T2" y="T3"/>
-                </a:cxn>
-                <a:cxn ang="0">
-                  <a:pos x="T4" y="T5"/>
-                </a:cxn>
-                <a:cxn ang="0">
-                  <a:pos x="T6" y="T7"/>
-                </a:cxn>
-                <a:cxn ang="0">
-                  <a:pos x="T8" y="T9"/>
-                </a:cxn>
-                <a:cxn ang="0">
-                  <a:pos x="T10" y="T11"/>
-                </a:cxn>
-                <a:cxn ang="0">
-                  <a:pos x="T12" y="T13"/>
-                </a:cxn>
-                <a:cxn ang="0">
-                  <a:pos x="T14" y="T15"/>
-                </a:cxn>
-                <a:cxn ang="0">
-                  <a:pos x="T16" y="T17"/>
-                </a:cxn>
-                <a:cxn ang="0">
-                  <a:pos x="T18" y="T19"/>
-                </a:cxn>
-                <a:cxn ang="0">
-                  <a:pos x="T20" y="T21"/>
-                </a:cxn>
-                <a:cxn ang="0">
-                  <a:pos x="T22" y="T23"/>
-                </a:cxn>
-                <a:cxn ang="0">
-                  <a:pos x="T24" y="T25"/>
-                </a:cxn>
-                <a:cxn ang="0">
-                  <a:pos x="T26" y="T27"/>
-                </a:cxn>
-                <a:cxn ang="0">
-                  <a:pos x="T28" y="T29"/>
-                </a:cxn>
-                <a:cxn ang="0">
-                  <a:pos x="T30" y="T31"/>
-                </a:cxn>
-                <a:cxn ang="0">
-                  <a:pos x="T32" y="T33"/>
-                </a:cxn>
-                <a:cxn ang="0">
-                  <a:pos x="T34" y="T35"/>
-                </a:cxn>
-                <a:cxn ang="0">
-                  <a:pos x="T36" y="T37"/>
-                </a:cxn>
-                <a:cxn ang="0">
-                  <a:pos x="T38" y="T39"/>
-                </a:cxn>
-                <a:cxn ang="0">
-                  <a:pos x="T40" y="T41"/>
-                </a:cxn>
-                <a:cxn ang="0">
-                  <a:pos x="T42" y="T43"/>
-                </a:cxn>
-              </a:cxnLst>
-              <a:rect l="0" t="0" r="r" b="b"/>
-              <a:pathLst>
-                <a:path w="324" h="184">
-                  <a:moveTo>
-                    <a:pt x="269" y="184"/>
-                  </a:moveTo>
-                  <a:cubicBezTo>
-                    <a:pt x="55" y="184"/>
-                    <a:pt x="55" y="184"/>
-                    <a:pt x="55" y="184"/>
-                  </a:cubicBezTo>
-                  <a:cubicBezTo>
-                    <a:pt x="53" y="183"/>
-                    <a:pt x="0" y="173"/>
-                    <a:pt x="0" y="88"/>
-                  </a:cubicBezTo>
-                  <a:cubicBezTo>
-                    <a:pt x="0" y="2"/>
-                    <a:pt x="87" y="0"/>
-                    <a:pt x="88" y="0"/>
-                  </a:cubicBezTo>
-                  <a:cubicBezTo>
-                    <a:pt x="131" y="0"/>
-                    <a:pt x="131" y="0"/>
-                    <a:pt x="131" y="0"/>
-                  </a:cubicBezTo>
-                  <a:cubicBezTo>
-                    <a:pt x="131" y="121"/>
-                    <a:pt x="131" y="121"/>
-                    <a:pt x="131" y="121"/>
-                  </a:cubicBezTo>
-                  <a:cubicBezTo>
-                    <a:pt x="193" y="121"/>
-                    <a:pt x="193" y="121"/>
-                    <a:pt x="193" y="121"/>
-                  </a:cubicBezTo>
-                  <a:cubicBezTo>
-                    <a:pt x="193" y="0"/>
-                    <a:pt x="193" y="0"/>
-                    <a:pt x="193" y="0"/>
-                  </a:cubicBezTo>
-                  <a:cubicBezTo>
-                    <a:pt x="236" y="0"/>
-                    <a:pt x="236" y="0"/>
-                    <a:pt x="236" y="0"/>
-                  </a:cubicBezTo>
-                  <a:cubicBezTo>
-                    <a:pt x="237" y="0"/>
-                    <a:pt x="324" y="2"/>
-                    <a:pt x="324" y="88"/>
-                  </a:cubicBezTo>
-                  <a:cubicBezTo>
-                    <a:pt x="324" y="173"/>
-                    <a:pt x="272" y="183"/>
-                    <a:pt x="269" y="184"/>
-                  </a:cubicBezTo>
-                  <a:close/>
-                  <a:moveTo>
-                    <a:pt x="57" y="172"/>
-                  </a:moveTo>
-                  <a:cubicBezTo>
-                    <a:pt x="268" y="172"/>
-                    <a:pt x="268" y="172"/>
-                    <a:pt x="268" y="172"/>
-                  </a:cubicBezTo>
-                  <a:cubicBezTo>
-                    <a:pt x="273" y="171"/>
-                    <a:pt x="312" y="159"/>
-                    <a:pt x="312" y="88"/>
-                  </a:cubicBezTo>
-                  <a:cubicBezTo>
-                    <a:pt x="312" y="14"/>
-                    <a:pt x="239" y="12"/>
-                    <a:pt x="236" y="12"/>
-                  </a:cubicBezTo>
-                  <a:cubicBezTo>
-                    <a:pt x="205" y="12"/>
-                    <a:pt x="205" y="12"/>
-                    <a:pt x="205" y="12"/>
-                  </a:cubicBezTo>
-                  <a:cubicBezTo>
-                    <a:pt x="205" y="133"/>
-                    <a:pt x="205" y="133"/>
-                    <a:pt x="205" y="133"/>
-                  </a:cubicBezTo>
-                  <a:cubicBezTo>
-                    <a:pt x="119" y="133"/>
-                    <a:pt x="119" y="133"/>
-                    <a:pt x="119" y="133"/>
-                  </a:cubicBezTo>
-                  <a:cubicBezTo>
-                    <a:pt x="119" y="12"/>
-                    <a:pt x="119" y="12"/>
-                    <a:pt x="119" y="12"/>
-                  </a:cubicBezTo>
-                  <a:cubicBezTo>
-                    <a:pt x="88" y="12"/>
-                    <a:pt x="88" y="12"/>
-                    <a:pt x="88" y="12"/>
-                  </a:cubicBezTo>
-                  <a:cubicBezTo>
-                    <a:pt x="85" y="12"/>
-                    <a:pt x="12" y="14"/>
-                    <a:pt x="12" y="88"/>
-                  </a:cubicBezTo>
-                  <a:cubicBezTo>
-                    <a:pt x="12" y="159"/>
-                    <a:pt x="52" y="171"/>
-                    <a:pt x="57" y="172"/>
-                  </a:cubicBezTo>
-                  <a:close/>
-                </a:path>
-              </a:pathLst>
-            </a:custGeom>
-            <a:solidFill>
-              <a:srgbClr val="FFFFFF"/>
-            </a:solidFill>
-            <a:ln>
-              <a:noFill/>
-            </a:ln>
-            <a:extLst>
-              <a:ext uri="{91240B29-F687-4F45-9708-019B960494DF}">
-                <a14:hiddenLine xmlns:a14="http://schemas.microsoft.com/office/drawing/2010/main" w="9525">
-                  <a:solidFill>
-                    <a:srgbClr val="000000"/>
-                  </a:solidFill>
-                  <a:round/>
-                </a14:hiddenLine>
-              </a:ext>
-            </a:extLst>
-          </p:spPr>
-          <p:txBody>
-            <a:bodyPr vert="horz" wrap="square" lIns="68580" tIns="34290" rIns="68580" bIns="34290" numCol="1" anchor="t" anchorCtr="0" compatLnSpc="1"/>
-            <a:lstStyle/>
-            <a:p>
-              <a:endParaRPr lang="en-US" sz="1100" dirty="0">
-                <a:ea typeface="微软雅黑 Light" panose="020B0502040204020203" pitchFamily="34" charset="-122"/>
-              </a:endParaRPr>
-            </a:p>
-          </p:txBody>
-        </p:sp>
-        <p:sp>
-          <p:nvSpPr>
-            <p:cNvPr id="43" name="Rectangle 42"/>
-            <p:cNvSpPr>
-              <a:spLocks noChangeArrowheads="1"/>
-            </p:cNvSpPr>
-            <p:nvPr/>
-          </p:nvSpPr>
-          <p:spPr bwMode="auto">
-            <a:xfrm>
-              <a:off x="2786250" y="2913903"/>
-              <a:ext cx="49213" cy="415925"/>
-            </a:xfrm>
-            <a:prstGeom prst="rect">
-              <a:avLst/>
-            </a:prstGeom>
-            <a:solidFill>
-              <a:srgbClr val="FFFFFF"/>
-            </a:solidFill>
-            <a:ln>
-              <a:noFill/>
-            </a:ln>
-            <a:extLst>
-              <a:ext uri="{91240B29-F687-4F45-9708-019B960494DF}">
-                <a14:hiddenLine xmlns:a14="http://schemas.microsoft.com/office/drawing/2010/main" w="9525">
-                  <a:solidFill>
-                    <a:srgbClr val="000000"/>
-                  </a:solidFill>
-                  <a:miter lim="800000"/>
-                  <a:headEnd/>
-                  <a:tailEnd/>
-                </a14:hiddenLine>
-              </a:ext>
-            </a:extLst>
-          </p:spPr>
-          <p:txBody>
-            <a:bodyPr vert="horz" wrap="square" lIns="68580" tIns="34290" rIns="68580" bIns="34290" numCol="1" anchor="t" anchorCtr="0" compatLnSpc="1"/>
-            <a:lstStyle/>
-            <a:p>
-              <a:endParaRPr lang="en-US" sz="1100" dirty="0">
-                <a:ea typeface="微软雅黑 Light" panose="020B0502040204020203" pitchFamily="34" charset="-122"/>
-              </a:endParaRPr>
-            </a:p>
-          </p:txBody>
-        </p:sp>
-        <p:sp>
-          <p:nvSpPr>
-            <p:cNvPr id="44" name="Rectangle 43"/>
-            <p:cNvSpPr>
-              <a:spLocks noChangeArrowheads="1"/>
-            </p:cNvSpPr>
-            <p:nvPr/>
-          </p:nvSpPr>
-          <p:spPr bwMode="auto">
-            <a:xfrm>
-              <a:off x="2683063" y="3017091"/>
-              <a:ext cx="255588" cy="47625"/>
-            </a:xfrm>
-            <a:prstGeom prst="rect">
-              <a:avLst/>
-            </a:prstGeom>
-            <a:solidFill>
-              <a:srgbClr val="FFFFFF"/>
-            </a:solidFill>
-            <a:ln>
-              <a:noFill/>
-            </a:ln>
-            <a:extLst>
-              <a:ext uri="{91240B29-F687-4F45-9708-019B960494DF}">
-                <a14:hiddenLine xmlns:a14="http://schemas.microsoft.com/office/drawing/2010/main" w="9525">
-                  <a:solidFill>
-                    <a:srgbClr val="000000"/>
-                  </a:solidFill>
-                  <a:miter lim="800000"/>
-                  <a:headEnd/>
-                  <a:tailEnd/>
-                </a14:hiddenLine>
-              </a:ext>
-            </a:extLst>
-          </p:spPr>
-          <p:txBody>
-            <a:bodyPr vert="horz" wrap="square" lIns="68580" tIns="34290" rIns="68580" bIns="34290" numCol="1" anchor="t" anchorCtr="0" compatLnSpc="1"/>
-            <a:lstStyle/>
-            <a:p>
-              <a:endParaRPr lang="en-US" sz="1100" dirty="0">
-                <a:ea typeface="微软雅黑 Light" panose="020B0502040204020203" pitchFamily="34" charset="-122"/>
-              </a:endParaRPr>
-            </a:p>
-          </p:txBody>
-        </p:sp>
-        <p:sp>
-          <p:nvSpPr>
-            <p:cNvPr id="45" name="Rectangle 44"/>
-            <p:cNvSpPr>
-              <a:spLocks noChangeArrowheads="1"/>
-            </p:cNvSpPr>
-            <p:nvPr/>
-          </p:nvSpPr>
-          <p:spPr bwMode="auto">
-            <a:xfrm>
-              <a:off x="2500500" y="3710828"/>
-              <a:ext cx="623888" cy="66675"/>
-            </a:xfrm>
-            <a:prstGeom prst="rect">
-              <a:avLst/>
-            </a:prstGeom>
-            <a:solidFill>
-              <a:srgbClr val="FFFFFF"/>
-            </a:solidFill>
-            <a:ln>
-              <a:noFill/>
-            </a:ln>
-            <a:extLst>
-              <a:ext uri="{91240B29-F687-4F45-9708-019B960494DF}">
-                <a14:hiddenLine xmlns:a14="http://schemas.microsoft.com/office/drawing/2010/main" w="9525">
-                  <a:solidFill>
-                    <a:srgbClr val="000000"/>
-                  </a:solidFill>
-                  <a:miter lim="800000"/>
-                  <a:headEnd/>
-                  <a:tailEnd/>
-                </a14:hiddenLine>
-              </a:ext>
-            </a:extLst>
-          </p:spPr>
-          <p:txBody>
-            <a:bodyPr vert="horz" wrap="square" lIns="68580" tIns="34290" rIns="68580" bIns="34290" numCol="1" anchor="t" anchorCtr="0" compatLnSpc="1"/>
-            <a:lstStyle/>
-            <a:p>
-              <a:endParaRPr lang="en-US" sz="1100" dirty="0">
-                <a:ea typeface="微软雅黑 Light" panose="020B0502040204020203" pitchFamily="34" charset="-122"/>
-              </a:endParaRPr>
-            </a:p>
-          </p:txBody>
-        </p:sp>
-      </p:grpSp>
-      <p:grpSp>
-        <p:nvGrpSpPr>
-          <p:cNvPr id="6" name="组合 5"/>
-          <p:cNvGrpSpPr/>
-          <p:nvPr/>
-        </p:nvGrpSpPr>
-        <p:grpSpPr>
-          <a:xfrm>
-            <a:off x="1803850" y="1312869"/>
-            <a:ext cx="3490043" cy="626068"/>
-            <a:chOff x="1803851" y="1312869"/>
-            <a:chExt cx="2336177" cy="626068"/>
-          </a:xfrm>
-        </p:grpSpPr>
-        <p:sp>
-          <p:nvSpPr>
-            <p:cNvPr id="55" name="TextBox 54"/>
-            <p:cNvSpPr txBox="1"/>
-            <p:nvPr/>
-          </p:nvSpPr>
-          <p:spPr>
-            <a:xfrm>
-              <a:off x="1803851" y="1312869"/>
-              <a:ext cx="1999083" cy="323125"/>
-            </a:xfrm>
-            <a:prstGeom prst="rect">
-              <a:avLst/>
-            </a:prstGeom>
-            <a:noFill/>
-          </p:spPr>
-          <p:txBody>
-            <a:bodyPr wrap="square" lIns="137118" tIns="68560" rIns="137118" bIns="68560" rtlCol="0">
-              <a:spAutoFit/>
-            </a:bodyPr>
-            <a:lstStyle>
-              <a:defPPr>
-                <a:defRPr lang="zh-CN"/>
-              </a:defPPr>
-              <a:lvl1pPr>
-                <a:defRPr sz="1200" b="1">
-                  <a:solidFill>
-                    <a:schemeClr val="bg1">
-                      <a:lumMod val="50000"/>
-                    </a:schemeClr>
-                  </a:solidFill>
-                  <a:latin typeface="微软雅黑 Light" panose="020B0502040204020203" pitchFamily="34" charset="-122"/>
-                  <a:ea typeface="微软雅黑 Light" panose="020B0502040204020203" pitchFamily="34" charset="-122"/>
-                </a:defRPr>
-              </a:lvl1pPr>
-            </a:lstStyle>
-            <a:p>
-              <a:r>
-                <a:rPr lang="en-US" altLang="zh-CN" dirty="0" err="1"/>
-                <a:t>strictNullChecks</a:t>
-              </a:r>
-              <a:r>
-                <a:rPr lang="zh-CN" altLang="en-US" dirty="0"/>
-                <a:t>的作用</a:t>
-              </a:r>
-            </a:p>
-          </p:txBody>
-        </p:sp>
-        <p:sp>
-          <p:nvSpPr>
-            <p:cNvPr id="56" name="TextBox 55"/>
-            <p:cNvSpPr txBox="1"/>
-            <p:nvPr/>
-          </p:nvSpPr>
-          <p:spPr>
-            <a:xfrm>
-              <a:off x="1803851" y="1640374"/>
-              <a:ext cx="2336177" cy="298563"/>
-            </a:xfrm>
-            <a:prstGeom prst="rect">
-              <a:avLst/>
-            </a:prstGeom>
-            <a:noFill/>
-          </p:spPr>
-          <p:txBody>
-            <a:bodyPr wrap="square" lIns="164548" tIns="82274" rIns="164548" bIns="82274" rtlCol="0">
-              <a:spAutoFit/>
-            </a:bodyPr>
-            <a:lstStyle/>
-            <a:p>
-              <a:pPr marL="171450" indent="-171450" algn="just">
-                <a:lnSpc>
-                  <a:spcPct val="114000"/>
-                </a:lnSpc>
-                <a:buFont typeface="Arial" pitchFamily="34" charset="0"/>
-                <a:buChar char="•"/>
-              </a:pPr>
-              <a:r>
-                <a:rPr lang="zh-CN" altLang="en-US" sz="800" dirty="0">
-                  <a:solidFill>
-                    <a:schemeClr val="bg1">
-                      <a:lumMod val="50000"/>
-                    </a:schemeClr>
-                  </a:solidFill>
-                  <a:ea typeface="微软雅黑 Light" panose="020B0502040204020203" pitchFamily="34" charset="-122"/>
-                </a:rPr>
-                <a:t>执行</a:t>
-              </a:r>
-              <a:r>
-                <a:rPr lang="zh-CN" altLang="en-US" sz="800" dirty="0" smtClean="0">
-                  <a:solidFill>
-                    <a:schemeClr val="bg1">
-                      <a:lumMod val="50000"/>
-                    </a:schemeClr>
-                  </a:solidFill>
-                  <a:ea typeface="微软雅黑 Light" panose="020B0502040204020203" pitchFamily="34" charset="-122"/>
-                </a:rPr>
-                <a:t>严格的空检查</a:t>
-              </a:r>
-              <a:endParaRPr lang="en-US" altLang="zh-CN" sz="800" dirty="0">
-                <a:solidFill>
-                  <a:schemeClr val="bg1">
-                    <a:lumMod val="50000"/>
-                  </a:schemeClr>
-                </a:solidFill>
-                <a:ea typeface="微软雅黑 Light" panose="020B0502040204020203" pitchFamily="34" charset="-122"/>
-              </a:endParaRPr>
-            </a:p>
-          </p:txBody>
-        </p:sp>
-      </p:grpSp>
-      <p:grpSp>
-        <p:nvGrpSpPr>
-          <p:cNvPr id="8" name="组合 7"/>
-          <p:cNvGrpSpPr/>
-          <p:nvPr/>
-        </p:nvGrpSpPr>
-        <p:grpSpPr>
-          <a:xfrm>
-            <a:off x="1803849" y="3036681"/>
-            <a:ext cx="3490045" cy="730658"/>
-            <a:chOff x="1803850" y="3036681"/>
-            <a:chExt cx="2336178" cy="730658"/>
-          </a:xfrm>
-        </p:grpSpPr>
-        <p:sp>
-          <p:nvSpPr>
-            <p:cNvPr id="57" name="TextBox 56"/>
-            <p:cNvSpPr txBox="1"/>
-            <p:nvPr/>
-          </p:nvSpPr>
-          <p:spPr>
-            <a:xfrm>
-              <a:off x="1803850" y="3036681"/>
-              <a:ext cx="2276456" cy="323125"/>
-            </a:xfrm>
-            <a:prstGeom prst="rect">
-              <a:avLst/>
-            </a:prstGeom>
-            <a:noFill/>
-          </p:spPr>
-          <p:txBody>
-            <a:bodyPr wrap="square" lIns="137118" tIns="68560" rIns="137118" bIns="68560" rtlCol="0">
-              <a:spAutoFit/>
-            </a:bodyPr>
-            <a:lstStyle/>
-            <a:p>
-              <a:r>
-                <a:rPr lang="zh-CN" altLang="en-US" sz="1200" b="1" dirty="0" smtClean="0">
-                  <a:solidFill>
-                    <a:schemeClr val="bg1">
-                      <a:lumMod val="50000"/>
-                    </a:schemeClr>
-                  </a:solidFill>
-                  <a:latin typeface="微软雅黑 Light" panose="020B0502040204020203" pitchFamily="34" charset="-122"/>
-                  <a:ea typeface="微软雅黑 Light" panose="020B0502040204020203" pitchFamily="34" charset="-122"/>
-                </a:rPr>
-                <a:t>不启用该配置的问题</a:t>
-              </a:r>
-              <a:endParaRPr lang="zh-CN" altLang="en-US" sz="1200" b="1" dirty="0">
-                <a:solidFill>
-                  <a:schemeClr val="bg1">
-                    <a:lumMod val="50000"/>
-                  </a:schemeClr>
-                </a:solidFill>
-                <a:latin typeface="微软雅黑 Light" panose="020B0502040204020203" pitchFamily="34" charset="-122"/>
-                <a:ea typeface="微软雅黑 Light" panose="020B0502040204020203" pitchFamily="34" charset="-122"/>
-              </a:endParaRPr>
-            </a:p>
-          </p:txBody>
-        </p:sp>
-        <p:sp>
-          <p:nvSpPr>
-            <p:cNvPr id="58" name="TextBox 57"/>
-            <p:cNvSpPr txBox="1"/>
-            <p:nvPr/>
-          </p:nvSpPr>
-          <p:spPr>
-            <a:xfrm>
-              <a:off x="1803851" y="3320466"/>
-              <a:ext cx="2336177" cy="446873"/>
-            </a:xfrm>
-            <a:prstGeom prst="rect">
-              <a:avLst/>
-            </a:prstGeom>
-            <a:noFill/>
-          </p:spPr>
-          <p:txBody>
-            <a:bodyPr wrap="square" lIns="164548" tIns="82274" rIns="164548" bIns="82274" rtlCol="0">
-              <a:spAutoFit/>
-            </a:bodyPr>
-            <a:lstStyle/>
-            <a:p>
-              <a:pPr marL="171450" indent="-171450" algn="just">
-                <a:lnSpc>
-                  <a:spcPct val="114000"/>
-                </a:lnSpc>
-                <a:buFont typeface="Arial" pitchFamily="34" charset="0"/>
-                <a:buChar char="•"/>
-              </a:pPr>
-              <a:r>
-                <a:rPr lang="zh-CN" altLang="en-US" sz="800" dirty="0" smtClean="0">
-                  <a:solidFill>
-                    <a:schemeClr val="bg1">
-                      <a:lumMod val="50000"/>
-                    </a:schemeClr>
-                  </a:solidFill>
-                  <a:ea typeface="微软雅黑 Light" panose="020B0502040204020203" pitchFamily="34" charset="-122"/>
-                </a:rPr>
-                <a:t>丢失</a:t>
-              </a:r>
-              <a:r>
-                <a:rPr lang="en-US" altLang="zh-CN" sz="800" dirty="0" smtClean="0">
-                  <a:solidFill>
-                    <a:schemeClr val="bg1">
-                      <a:lumMod val="50000"/>
-                    </a:schemeClr>
-                  </a:solidFill>
-                  <a:ea typeface="微软雅黑 Light" panose="020B0502040204020203" pitchFamily="34" charset="-122"/>
-                </a:rPr>
-                <a:t>undefined</a:t>
-              </a:r>
-              <a:r>
-                <a:rPr lang="zh-CN" altLang="en-US" sz="800" dirty="0" smtClean="0">
-                  <a:solidFill>
-                    <a:schemeClr val="bg1">
-                      <a:lumMod val="50000"/>
-                    </a:schemeClr>
-                  </a:solidFill>
-                  <a:ea typeface="微软雅黑 Light" panose="020B0502040204020203" pitchFamily="34" charset="-122"/>
-                </a:rPr>
-                <a:t>、</a:t>
-              </a:r>
-              <a:r>
-                <a:rPr lang="en-US" altLang="zh-CN" sz="800" dirty="0" smtClean="0">
-                  <a:solidFill>
-                    <a:schemeClr val="bg1">
-                      <a:lumMod val="50000"/>
-                    </a:schemeClr>
-                  </a:solidFill>
-                  <a:ea typeface="微软雅黑 Light" panose="020B0502040204020203" pitchFamily="34" charset="-122"/>
-                </a:rPr>
-                <a:t>null</a:t>
-              </a:r>
-              <a:r>
-                <a:rPr lang="zh-CN" altLang="en-US" sz="800" dirty="0" smtClean="0">
-                  <a:solidFill>
-                    <a:schemeClr val="bg1">
-                      <a:lumMod val="50000"/>
-                    </a:schemeClr>
-                  </a:solidFill>
-                  <a:ea typeface="微软雅黑 Light" panose="020B0502040204020203" pitchFamily="34" charset="-122"/>
-                </a:rPr>
-                <a:t>类型</a:t>
-              </a:r>
-              <a:endParaRPr lang="en-US" altLang="zh-CN" sz="800" dirty="0" smtClean="0">
-                <a:solidFill>
-                  <a:schemeClr val="bg1">
-                    <a:lumMod val="50000"/>
-                  </a:schemeClr>
-                </a:solidFill>
-                <a:ea typeface="微软雅黑 Light" panose="020B0502040204020203" pitchFamily="34" charset="-122"/>
-              </a:endParaRPr>
-            </a:p>
-            <a:p>
-              <a:pPr marL="171450" indent="-171450" algn="just">
-                <a:lnSpc>
-                  <a:spcPct val="114000"/>
-                </a:lnSpc>
-                <a:buFont typeface="Arial" pitchFamily="34" charset="0"/>
-                <a:buChar char="•"/>
-              </a:pPr>
-              <a:r>
-                <a:rPr lang="zh-CN" altLang="en-US" sz="800" dirty="0" smtClean="0">
-                  <a:solidFill>
-                    <a:schemeClr val="bg1">
-                      <a:lumMod val="50000"/>
-                    </a:schemeClr>
-                  </a:solidFill>
-                  <a:ea typeface="微软雅黑 Light" panose="020B0502040204020203" pitchFamily="34" charset="-122"/>
-                </a:rPr>
-                <a:t>丢失可选属性值的可选特性</a:t>
-              </a:r>
-              <a:r>
-                <a:rPr lang="en-US" altLang="zh-CN" sz="800" dirty="0" smtClean="0">
-                  <a:solidFill>
-                    <a:schemeClr val="bg1">
-                      <a:lumMod val="50000"/>
-                    </a:schemeClr>
-                  </a:solidFill>
-                  <a:ea typeface="微软雅黑 Light" panose="020B0502040204020203" pitchFamily="34" charset="-122"/>
-                </a:rPr>
-                <a:t>(</a:t>
-              </a:r>
-              <a:r>
-                <a:rPr lang="zh-CN" altLang="en-US" sz="800" dirty="0">
-                  <a:solidFill>
-                    <a:schemeClr val="bg1">
-                      <a:lumMod val="50000"/>
-                    </a:schemeClr>
-                  </a:solidFill>
-                  <a:ea typeface="微软雅黑 Light" panose="020B0502040204020203" pitchFamily="34" charset="-122"/>
-                </a:rPr>
-                <a:t>值</a:t>
-              </a:r>
-              <a:r>
-                <a:rPr lang="zh-CN" altLang="en-US" sz="800" dirty="0" smtClean="0">
-                  <a:solidFill>
-                    <a:schemeClr val="bg1">
-                      <a:lumMod val="50000"/>
-                    </a:schemeClr>
-                  </a:solidFill>
-                  <a:ea typeface="微软雅黑 Light" panose="020B0502040204020203" pitchFamily="34" charset="-122"/>
-                </a:rPr>
-                <a:t>为</a:t>
-              </a:r>
-              <a:r>
-                <a:rPr lang="en-US" altLang="zh-CN" sz="800" dirty="0" smtClean="0">
-                  <a:solidFill>
-                    <a:schemeClr val="bg1">
-                      <a:lumMod val="50000"/>
-                    </a:schemeClr>
-                  </a:solidFill>
-                  <a:ea typeface="微软雅黑 Light" panose="020B0502040204020203" pitchFamily="34" charset="-122"/>
-                </a:rPr>
-                <a:t>undefined</a:t>
-              </a:r>
-              <a:r>
-                <a:rPr lang="zh-CN" altLang="en-US" sz="800" dirty="0" smtClean="0">
-                  <a:solidFill>
-                    <a:schemeClr val="bg1">
-                      <a:lumMod val="50000"/>
-                    </a:schemeClr>
-                  </a:solidFill>
-                  <a:ea typeface="微软雅黑 Light" panose="020B0502040204020203" pitchFamily="34" charset="-122"/>
-                </a:rPr>
-                <a:t>的可能性</a:t>
-              </a:r>
-              <a:r>
-                <a:rPr lang="en-US" altLang="zh-CN" sz="800" dirty="0" smtClean="0">
-                  <a:solidFill>
-                    <a:schemeClr val="bg1">
-                      <a:lumMod val="50000"/>
-                    </a:schemeClr>
-                  </a:solidFill>
-                  <a:ea typeface="微软雅黑 Light" panose="020B0502040204020203" pitchFamily="34" charset="-122"/>
-                </a:rPr>
-                <a:t>)</a:t>
-              </a:r>
-              <a:endParaRPr lang="en-US" altLang="zh-CN" sz="800" dirty="0">
-                <a:solidFill>
-                  <a:schemeClr val="bg1">
-                    <a:lumMod val="50000"/>
-                  </a:schemeClr>
-                </a:solidFill>
-                <a:ea typeface="微软雅黑 Light" panose="020B0502040204020203" pitchFamily="34" charset="-122"/>
-              </a:endParaRPr>
-            </a:p>
-          </p:txBody>
-        </p:sp>
-      </p:grpSp>
-      <p:sp>
-        <p:nvSpPr>
-          <p:cNvPr id="66" name="文本框 65"/>
-          <p:cNvSpPr txBox="1"/>
-          <p:nvPr/>
-        </p:nvSpPr>
-        <p:spPr>
-          <a:xfrm>
-            <a:off x="3114681" y="283253"/>
-            <a:ext cx="2886075" cy="461665"/>
-          </a:xfrm>
-          <a:prstGeom prst="rect">
-            <a:avLst/>
-          </a:prstGeom>
-          <a:noFill/>
-        </p:spPr>
-        <p:txBody>
-          <a:bodyPr wrap="square" rtlCol="0">
-            <a:spAutoFit/>
-          </a:bodyPr>
-          <a:lstStyle/>
-          <a:p>
-            <a:pPr algn="ctr"/>
-            <a:r>
-              <a:rPr lang="en-US" altLang="zh-CN" sz="2400" dirty="0" err="1"/>
-              <a:t>strictNullChecks</a:t>
-            </a:r>
-            <a:endParaRPr lang="en-US" altLang="zh-CN" sz="2100" b="1" dirty="0">
-              <a:solidFill>
-                <a:schemeClr val="tx2"/>
-              </a:solidFill>
-              <a:latin typeface="Calibri" panose="020F0502020204030204" pitchFamily="34" charset="0"/>
-              <a:ea typeface="微软雅黑 Light" panose="020B0502040204020203" pitchFamily="34" charset="-122"/>
-              <a:sym typeface="Calibri" panose="020F0502020204030204" pitchFamily="34" charset="0"/>
-            </a:endParaRPr>
-          </a:p>
-        </p:txBody>
-      </p:sp>
-      <p:sp>
-        <p:nvSpPr>
-          <p:cNvPr id="68" name="任意多边形 22"/>
-          <p:cNvSpPr/>
-          <p:nvPr/>
-        </p:nvSpPr>
-        <p:spPr>
-          <a:xfrm>
-            <a:off x="4193509" y="0"/>
-            <a:ext cx="774562" cy="223597"/>
-          </a:xfrm>
-          <a:custGeom>
-            <a:avLst/>
-            <a:gdLst>
-              <a:gd name="connsiteX0" fmla="*/ 0 w 1032749"/>
-              <a:gd name="connsiteY0" fmla="*/ 0 h 298129"/>
-              <a:gd name="connsiteX1" fmla="*/ 1032749 w 1032749"/>
-              <a:gd name="connsiteY1" fmla="*/ 0 h 298129"/>
-              <a:gd name="connsiteX2" fmla="*/ 516374 w 1032749"/>
-              <a:gd name="connsiteY2" fmla="*/ 298129 h 298129"/>
-              <a:gd name="connsiteX3" fmla="*/ 0 w 1032749"/>
-              <a:gd name="connsiteY3" fmla="*/ 0 h 298129"/>
-            </a:gdLst>
-            <a:ahLst/>
-            <a:cxnLst>
-              <a:cxn ang="0">
-                <a:pos x="connsiteX0" y="connsiteY0"/>
-              </a:cxn>
-              <a:cxn ang="0">
-                <a:pos x="connsiteX1" y="connsiteY1"/>
-              </a:cxn>
-              <a:cxn ang="0">
-                <a:pos x="connsiteX2" y="connsiteY2"/>
-              </a:cxn>
-              <a:cxn ang="0">
-                <a:pos x="connsiteX3" y="connsiteY3"/>
-              </a:cxn>
-            </a:cxnLst>
-            <a:rect l="l" t="t" r="r" b="b"/>
-            <a:pathLst>
-              <a:path w="1032749" h="298129">
-                <a:moveTo>
-                  <a:pt x="0" y="0"/>
-                </a:moveTo>
-                <a:lnTo>
-                  <a:pt x="1032749" y="0"/>
-                </a:lnTo>
-                <a:lnTo>
-                  <a:pt x="516374" y="298129"/>
-                </a:lnTo>
-                <a:lnTo>
-                  <a:pt x="0" y="0"/>
-                </a:lnTo>
-                <a:close/>
-              </a:path>
-            </a:pathLst>
-          </a:custGeom>
-          <a:solidFill>
-            <a:schemeClr val="accent1"/>
-          </a:solidFill>
-          <a:ln>
-            <a:noFill/>
-          </a:ln>
-        </p:spPr>
-        <p:style>
-          <a:lnRef idx="2">
-            <a:schemeClr val="accent1">
-              <a:shade val="50000"/>
-            </a:schemeClr>
-          </a:lnRef>
-          <a:fillRef idx="1">
-            <a:schemeClr val="accent1"/>
-          </a:fillRef>
-          <a:effectRef idx="0">
-            <a:schemeClr val="accent1"/>
-          </a:effectRef>
-          <a:fontRef idx="minor">
-            <a:schemeClr val="lt1"/>
-          </a:fontRef>
-        </p:style>
-        <p:txBody>
-          <a:bodyPr rtlCol="0" anchor="ctr"/>
-          <a:lstStyle/>
-          <a:p>
-            <a:pPr algn="ctr"/>
-            <a:endParaRPr lang="zh-CN" altLang="en-US" sz="1015" dirty="0">
-              <a:ea typeface="微软雅黑 Light" panose="020B0502040204020203" pitchFamily="34" charset="-122"/>
-            </a:endParaRPr>
-          </a:p>
-        </p:txBody>
-      </p:sp>
-      <p:graphicFrame>
-        <p:nvGraphicFramePr>
-          <p:cNvPr id="7" name="对象 6"/>
-          <p:cNvGraphicFramePr>
-            <a:graphicFrameLocks noChangeAspect="1"/>
-          </p:cNvGraphicFramePr>
-          <p:nvPr>
-            <p:extLst>
-              <p:ext uri="{D42A27DB-BD31-4B8C-83A1-F6EECF244321}">
-                <p14:modId xmlns:p14="http://schemas.microsoft.com/office/powerpoint/2010/main" val="197414703"/>
-              </p:ext>
-            </p:extLst>
-          </p:nvPr>
-        </p:nvGraphicFramePr>
-        <p:xfrm>
-          <a:off x="4325603" y="1138962"/>
-          <a:ext cx="4496203" cy="1744914"/>
-        </p:xfrm>
-        <a:graphic>
-          <a:graphicData uri="http://schemas.openxmlformats.org/presentationml/2006/ole">
-            <mc:AlternateContent xmlns:mc="http://schemas.openxmlformats.org/markup-compatibility/2006">
-              <mc:Choice xmlns:v="urn:schemas-microsoft-com:vml" Requires="v">
-                <p:oleObj spid="_x0000_s2066" name="文档" r:id="rId4" imgW="6269400" imgH="2575440" progId="Word.OpenDocumentText.12">
-                  <p:embed/>
-                </p:oleObj>
-              </mc:Choice>
-              <mc:Fallback>
-                <p:oleObj name="文档" r:id="rId4" imgW="6269400" imgH="2575440" progId="Word.OpenDocumentText.12">
-                  <p:embed/>
-                  <p:pic>
-                    <p:nvPicPr>
-                      <p:cNvPr id="0" name=""/>
-                      <p:cNvPicPr/>
-                      <p:nvPr/>
-                    </p:nvPicPr>
-                    <p:blipFill>
-                      <a:blip r:embed="rId5"/>
-                      <a:stretch>
-                        <a:fillRect/>
-                      </a:stretch>
-                    </p:blipFill>
-                    <p:spPr>
-                      <a:xfrm>
-                        <a:off x="4325603" y="1138962"/>
-                        <a:ext cx="4496203" cy="1744914"/>
-                      </a:xfrm>
-                      <a:prstGeom prst="rect">
-                        <a:avLst/>
-                      </a:prstGeom>
-                    </p:spPr>
-                  </p:pic>
-                </p:oleObj>
-              </mc:Fallback>
-            </mc:AlternateContent>
-          </a:graphicData>
-        </a:graphic>
-      </p:graphicFrame>
-      <p:graphicFrame>
-        <p:nvGraphicFramePr>
-          <p:cNvPr id="9" name="对象 8"/>
-          <p:cNvGraphicFramePr>
-            <a:graphicFrameLocks noChangeAspect="1"/>
-          </p:cNvGraphicFramePr>
-          <p:nvPr>
-            <p:extLst>
-              <p:ext uri="{D42A27DB-BD31-4B8C-83A1-F6EECF244321}">
-                <p14:modId xmlns:p14="http://schemas.microsoft.com/office/powerpoint/2010/main" val="2203635186"/>
-              </p:ext>
-            </p:extLst>
-          </p:nvPr>
-        </p:nvGraphicFramePr>
-        <p:xfrm>
-          <a:off x="4324852" y="3022306"/>
-          <a:ext cx="4379996" cy="343266"/>
-        </p:xfrm>
-        <a:graphic>
-          <a:graphicData uri="http://schemas.openxmlformats.org/presentationml/2006/ole">
-            <mc:AlternateContent xmlns:mc="http://schemas.openxmlformats.org/markup-compatibility/2006">
-              <mc:Choice xmlns:v="urn:schemas-microsoft-com:vml" Requires="v">
-                <p:oleObj spid="_x0000_s2067" name="文档" r:id="rId6" imgW="6870600" imgH="594360" progId="Word.OpenDocumentText.12">
-                  <p:embed/>
-                </p:oleObj>
-              </mc:Choice>
-              <mc:Fallback>
-                <p:oleObj name="文档" r:id="rId6" imgW="6870600" imgH="594360" progId="Word.OpenDocumentText.12">
-                  <p:embed/>
-                  <p:pic>
-                    <p:nvPicPr>
-                      <p:cNvPr id="0" name=""/>
-                      <p:cNvPicPr/>
-                      <p:nvPr/>
-                    </p:nvPicPr>
-                    <p:blipFill>
-                      <a:blip r:embed="rId7"/>
-                      <a:stretch>
-                        <a:fillRect/>
-                      </a:stretch>
-                    </p:blipFill>
-                    <p:spPr>
-                      <a:xfrm>
-                        <a:off x="4324852" y="3022306"/>
-                        <a:ext cx="4379996" cy="343266"/>
-                      </a:xfrm>
-                      <a:prstGeom prst="rect">
-                        <a:avLst/>
-                      </a:prstGeom>
-                    </p:spPr>
-                  </p:pic>
-                </p:oleObj>
-              </mc:Fallback>
-            </mc:AlternateContent>
-          </a:graphicData>
-        </a:graphic>
-      </p:graphicFrame>
-    </p:spTree>
-    <p:extLst>
-      <p:ext uri="{BB962C8B-B14F-4D97-AF65-F5344CB8AC3E}">
-        <p14:creationId xmlns:p14="http://schemas.microsoft.com/office/powerpoint/2010/main" val="213527175"/>
-      </p:ext>
-    </p:extLst>
-  </p:cSld>
-  <p:clrMapOvr>
-    <a:masterClrMapping/>
-  </p:clrMapOvr>
-  <p:transition spd="slow">
-    <p:cover/>
-  </p:transition>
-  <p:timing>
-    <p:tnLst>
-      <p:par>
-        <p:cTn id="1" dur="indefinite" restart="never" nodeType="tmRoot">
-          <p:childTnLst>
-            <p:seq concurrent="1" nextAc="seek">
-              <p:cTn id="2" dur="indefinite" nodeType="mainSeq">
-                <p:childTnLst>
-                  <p:par>
-                    <p:cTn id="3" fill="hold">
-                      <p:stCondLst>
-                        <p:cond delay="indefinite"/>
-                        <p:cond evt="onBegin" delay="0">
-                          <p:tn val="2"/>
-                        </p:cond>
-                      </p:stCondLst>
-                      <p:childTnLst>
-                        <p:par>
-                          <p:cTn id="4" fill="hold">
-                            <p:stCondLst>
-                              <p:cond delay="0"/>
-                            </p:stCondLst>
-                            <p:childTnLst>
-                              <p:par>
-                                <p:cTn id="5" presetID="53" presetClass="entr" presetSubtype="16" fill="hold" nodeType="withEffect">
-                                  <p:stCondLst>
-                                    <p:cond delay="0"/>
-                                  </p:stCondLst>
-                                  <p:childTnLst>
-                                    <p:set>
-                                      <p:cBhvr>
-                                        <p:cTn id="6" dur="1" fill="hold">
-                                          <p:stCondLst>
-                                            <p:cond delay="0"/>
-                                          </p:stCondLst>
-                                        </p:cTn>
-                                        <p:tgtEl>
-                                          <p:spTgt spid="2"/>
-                                        </p:tgtEl>
-                                        <p:attrNameLst>
-                                          <p:attrName>style.visibility</p:attrName>
-                                        </p:attrNameLst>
-                                      </p:cBhvr>
-                                      <p:to>
-                                        <p:strVal val="visible"/>
-                                      </p:to>
-                                    </p:set>
-                                    <p:anim calcmode="lin" valueType="num">
-                                      <p:cBhvr>
-                                        <p:cTn id="7" dur="500" fill="hold"/>
-                                        <p:tgtEl>
-                                          <p:spTgt spid="2"/>
-                                        </p:tgtEl>
-                                        <p:attrNameLst>
-                                          <p:attrName>ppt_w</p:attrName>
-                                        </p:attrNameLst>
-                                      </p:cBhvr>
-                                      <p:tavLst>
-                                        <p:tav tm="0">
-                                          <p:val>
-                                            <p:fltVal val="0"/>
-                                          </p:val>
-                                        </p:tav>
-                                        <p:tav tm="100000">
-                                          <p:val>
-                                            <p:strVal val="#ppt_w"/>
-                                          </p:val>
-                                        </p:tav>
-                                      </p:tavLst>
-                                    </p:anim>
-                                    <p:anim calcmode="lin" valueType="num">
-                                      <p:cBhvr>
-                                        <p:cTn id="8" dur="500" fill="hold"/>
-                                        <p:tgtEl>
-                                          <p:spTgt spid="2"/>
-                                        </p:tgtEl>
-                                        <p:attrNameLst>
-                                          <p:attrName>ppt_h</p:attrName>
-                                        </p:attrNameLst>
-                                      </p:cBhvr>
-                                      <p:tavLst>
-                                        <p:tav tm="0">
-                                          <p:val>
-                                            <p:fltVal val="0"/>
-                                          </p:val>
-                                        </p:tav>
-                                        <p:tav tm="100000">
-                                          <p:val>
-                                            <p:strVal val="#ppt_h"/>
-                                          </p:val>
-                                        </p:tav>
-                                      </p:tavLst>
-                                    </p:anim>
-                                    <p:animEffect transition="in" filter="fade">
-                                      <p:cBhvr>
-                                        <p:cTn id="9" dur="500"/>
-                                        <p:tgtEl>
-                                          <p:spTgt spid="2"/>
-                                        </p:tgtEl>
-                                      </p:cBhvr>
-                                    </p:animEffect>
-                                  </p:childTnLst>
-                                </p:cTn>
-                              </p:par>
-                              <p:par>
-                                <p:cTn id="10" presetID="53" presetClass="entr" presetSubtype="16" fill="hold" nodeType="withEffect">
-                                  <p:stCondLst>
-                                    <p:cond delay="250"/>
-                                  </p:stCondLst>
-                                  <p:childTnLst>
-                                    <p:set>
-                                      <p:cBhvr>
-                                        <p:cTn id="11" dur="1" fill="hold">
-                                          <p:stCondLst>
-                                            <p:cond delay="0"/>
-                                          </p:stCondLst>
-                                        </p:cTn>
-                                        <p:tgtEl>
-                                          <p:spTgt spid="3"/>
-                                        </p:tgtEl>
-                                        <p:attrNameLst>
-                                          <p:attrName>style.visibility</p:attrName>
-                                        </p:attrNameLst>
-                                      </p:cBhvr>
-                                      <p:to>
-                                        <p:strVal val="visible"/>
-                                      </p:to>
-                                    </p:set>
-                                    <p:anim calcmode="lin" valueType="num">
-                                      <p:cBhvr>
-                                        <p:cTn id="12" dur="500" fill="hold"/>
-                                        <p:tgtEl>
-                                          <p:spTgt spid="3"/>
-                                        </p:tgtEl>
-                                        <p:attrNameLst>
-                                          <p:attrName>ppt_w</p:attrName>
-                                        </p:attrNameLst>
-                                      </p:cBhvr>
-                                      <p:tavLst>
-                                        <p:tav tm="0">
-                                          <p:val>
-                                            <p:fltVal val="0"/>
-                                          </p:val>
-                                        </p:tav>
-                                        <p:tav tm="100000">
-                                          <p:val>
-                                            <p:strVal val="#ppt_w"/>
-                                          </p:val>
-                                        </p:tav>
-                                      </p:tavLst>
-                                    </p:anim>
-                                    <p:anim calcmode="lin" valueType="num">
-                                      <p:cBhvr>
-                                        <p:cTn id="13" dur="500" fill="hold"/>
-                                        <p:tgtEl>
-                                          <p:spTgt spid="3"/>
-                                        </p:tgtEl>
-                                        <p:attrNameLst>
-                                          <p:attrName>ppt_h</p:attrName>
-                                        </p:attrNameLst>
-                                      </p:cBhvr>
-                                      <p:tavLst>
-                                        <p:tav tm="0">
-                                          <p:val>
-                                            <p:fltVal val="0"/>
-                                          </p:val>
-                                        </p:tav>
-                                        <p:tav tm="100000">
-                                          <p:val>
-                                            <p:strVal val="#ppt_h"/>
-                                          </p:val>
-                                        </p:tav>
-                                      </p:tavLst>
-                                    </p:anim>
-                                    <p:animEffect transition="in" filter="fade">
-                                      <p:cBhvr>
-                                        <p:cTn id="14" dur="500"/>
-                                        <p:tgtEl>
-                                          <p:spTgt spid="3"/>
-                                        </p:tgtEl>
-                                      </p:cBhvr>
-                                    </p:animEffect>
-                                  </p:childTnLst>
-                                </p:cTn>
-                              </p:par>
-                            </p:childTnLst>
-                          </p:cTn>
-                        </p:par>
-                        <p:par>
-                          <p:cTn id="15" fill="hold">
-                            <p:stCondLst>
-                              <p:cond delay="750"/>
-                            </p:stCondLst>
-                            <p:childTnLst>
-                              <p:par>
-                                <p:cTn id="16" presetID="22" presetClass="entr" presetSubtype="8" fill="hold" nodeType="afterEffect">
-                                  <p:stCondLst>
-                                    <p:cond delay="0"/>
-                                  </p:stCondLst>
-                                  <p:childTnLst>
-                                    <p:set>
-                                      <p:cBhvr>
-                                        <p:cTn id="17" dur="1" fill="hold">
-                                          <p:stCondLst>
-                                            <p:cond delay="0"/>
-                                          </p:stCondLst>
-                                        </p:cTn>
-                                        <p:tgtEl>
-                                          <p:spTgt spid="6"/>
-                                        </p:tgtEl>
-                                        <p:attrNameLst>
-                                          <p:attrName>style.visibility</p:attrName>
-                                        </p:attrNameLst>
-                                      </p:cBhvr>
-                                      <p:to>
-                                        <p:strVal val="visible"/>
-                                      </p:to>
-                                    </p:set>
-                                    <p:animEffect transition="in" filter="wipe(left)">
-                                      <p:cBhvr>
-                                        <p:cTn id="18" dur="500"/>
-                                        <p:tgtEl>
-                                          <p:spTgt spid="6"/>
-                                        </p:tgtEl>
-                                      </p:cBhvr>
-                                    </p:animEffect>
-                                  </p:childTnLst>
-                                </p:cTn>
-                              </p:par>
-                              <p:par>
-                                <p:cTn id="19" presetID="22" presetClass="entr" presetSubtype="8" fill="hold" nodeType="withEffect">
-                                  <p:stCondLst>
-                                    <p:cond delay="250"/>
-                                  </p:stCondLst>
-                                  <p:childTnLst>
-                                    <p:set>
-                                      <p:cBhvr>
-                                        <p:cTn id="20" dur="1" fill="hold">
-                                          <p:stCondLst>
-                                            <p:cond delay="0"/>
-                                          </p:stCondLst>
-                                        </p:cTn>
-                                        <p:tgtEl>
-                                          <p:spTgt spid="8"/>
-                                        </p:tgtEl>
-                                        <p:attrNameLst>
-                                          <p:attrName>style.visibility</p:attrName>
-                                        </p:attrNameLst>
-                                      </p:cBhvr>
-                                      <p:to>
-                                        <p:strVal val="visible"/>
-                                      </p:to>
-                                    </p:set>
-                                    <p:animEffect transition="in" filter="wipe(left)">
-                                      <p:cBhvr>
-                                        <p:cTn id="21" dur="500"/>
-                                        <p:tgtEl>
-                                          <p:spTgt spid="8"/>
-                                        </p:tgtEl>
-                                      </p:cBhvr>
-                                    </p:animEffect>
-                                  </p:childTnLst>
-                                </p:cTn>
-                              </p:par>
-                            </p:childTnLst>
-                          </p:cTn>
-                        </p:par>
-                      </p:childTnLst>
-                    </p:cTn>
-                  </p:par>
-                </p:childTnLst>
-              </p:cTn>
-              <p:prevCondLst>
-                <p:cond evt="onPrev" delay="0">
-                  <p:tgtEl>
-                    <p:sldTgt/>
-                  </p:tgtEl>
-                </p:cond>
-              </p:prevCondLst>
-              <p:nextCondLst>
-                <p:cond evt="onNext" delay="0">
-                  <p:tgtEl>
-                    <p:sldTgt/>
-                  </p:tgtEl>
-                </p:cond>
-              </p:nextCondLst>
-            </p:seq>
-          </p:childTnLst>
-        </p:cTn>
-      </p:par>
-    </p:tnLst>
-  </p:timing>
-</p:sld>
-</file>
-
-<file path=ppt/slides/slide11.xml><?xml version="1.0" encoding="utf-8"?>
-<p:sld xmlns:a="http://schemas.openxmlformats.org/drawingml/2006/main" xmlns:r="http://schemas.openxmlformats.org/officeDocument/2006/relationships" xmlns:p="http://schemas.openxmlformats.org/presentationml/2006/main">
-  <p:cSld>
-    <p:spTree>
-      <p:nvGrpSpPr>
-        <p:cNvPr id="1" name=""/>
-        <p:cNvGrpSpPr/>
-        <p:nvPr/>
-      </p:nvGrpSpPr>
-      <p:grpSpPr>
-        <a:xfrm>
-          <a:off x="0" y="0"/>
-          <a:ext cx="0" cy="0"/>
-          <a:chOff x="0" y="0"/>
-          <a:chExt cx="0" cy="0"/>
-        </a:xfrm>
-      </p:grpSpPr>
       <p:sp>
         <p:nvSpPr>
           <p:cNvPr id="21" name="任意多边形 22"/>
@@ -17167,25 +15129,25 @@
           <p:nvPr>
             <p:extLst>
               <p:ext uri="{D42A27DB-BD31-4B8C-83A1-F6EECF244321}">
-                <p14:modId xmlns:p14="http://schemas.microsoft.com/office/powerpoint/2010/main" val="1311253403"/>
+                <p14:modId xmlns:p14="http://schemas.microsoft.com/office/powerpoint/2010/main" val="3491826996"/>
               </p:ext>
             </p:extLst>
           </p:nvPr>
         </p:nvGraphicFramePr>
         <p:xfrm>
           <a:off x="1503363" y="1720850"/>
-          <a:ext cx="3465512" cy="2646363"/>
+          <a:ext cx="3465512" cy="2874963"/>
         </p:xfrm>
         <a:graphic>
           <a:graphicData uri="http://schemas.openxmlformats.org/presentationml/2006/ole">
             <mc:AlternateContent xmlns:mc="http://schemas.openxmlformats.org/markup-compatibility/2006">
               <mc:Choice xmlns:v="urn:schemas-microsoft-com:vml" Requires="v">
-                <p:oleObj spid="_x0000_s1038" name="文档" r:id="rId4" imgW="6171480" imgH="4718520" progId="Word.OpenDocumentText.12">
+                <p:oleObj spid="_x0000_s1040" name="文档" r:id="rId4" imgW="6171480" imgH="4892760" progId="Word.OpenDocumentText.12">
                   <p:embed/>
                 </p:oleObj>
               </mc:Choice>
               <mc:Fallback>
-                <p:oleObj name="文档" r:id="rId4" imgW="6171480" imgH="4718520" progId="Word.OpenDocumentText.12">
+                <p:oleObj name="文档" r:id="rId4" imgW="6171480" imgH="4892760" progId="Word.OpenDocumentText.12">
                   <p:embed/>
                   <p:pic>
                     <p:nvPicPr>
@@ -17202,7 +15164,7 @@
                     <p:spPr>
                       <a:xfrm>
                         <a:off x="1503363" y="1720850"/>
-                        <a:ext cx="3465512" cy="2646363"/>
+                        <a:ext cx="3465512" cy="2874963"/>
                       </a:xfrm>
                       <a:prstGeom prst="rect">
                         <a:avLst/>
@@ -17263,7 +15225,7 @@
 </p:sld>
 </file>
 
-<file path=ppt/slides/slide12.xml><?xml version="1.0" encoding="utf-8"?>
+<file path=ppt/slides/slide11.xml><?xml version="1.0" encoding="utf-8"?>
 <p:sld xmlns:a="http://schemas.openxmlformats.org/drawingml/2006/main" xmlns:r="http://schemas.openxmlformats.org/officeDocument/2006/relationships" xmlns:p="http://schemas.openxmlformats.org/presentationml/2006/main">
   <p:cSld>
     <p:spTree>
@@ -17687,7 +15649,7 @@
 </p:sld>
 </file>
 
-<file path=ppt/slides/slide13.xml><?xml version="1.0" encoding="utf-8"?>
+<file path=ppt/slides/slide12.xml><?xml version="1.0" encoding="utf-8"?>
 <p:sld xmlns:a="http://schemas.openxmlformats.org/drawingml/2006/main" xmlns:r="http://schemas.openxmlformats.org/officeDocument/2006/relationships" xmlns:p="http://schemas.openxmlformats.org/presentationml/2006/main">
   <p:cSld>
     <p:spTree>
@@ -18001,7 +15963,7 @@
 </p:sld>
 </file>
 
-<file path=ppt/slides/slide14.xml><?xml version="1.0" encoding="utf-8"?>
+<file path=ppt/slides/slide13.xml><?xml version="1.0" encoding="utf-8"?>
 <p:sld xmlns:a="http://schemas.openxmlformats.org/drawingml/2006/main" xmlns:r="http://schemas.openxmlformats.org/officeDocument/2006/relationships" xmlns:p="http://schemas.openxmlformats.org/presentationml/2006/main">
   <p:cSld>
     <p:spTree>
@@ -18187,7 +16149,7 @@
           <a:graphicData uri="http://schemas.openxmlformats.org/presentationml/2006/ole">
             <mc:AlternateContent xmlns:mc="http://schemas.openxmlformats.org/markup-compatibility/2006">
               <mc:Choice xmlns:v="urn:schemas-microsoft-com:vml" Requires="v">
-                <p:oleObj spid="_x0000_s3083" name="文档" r:id="rId4" imgW="6093360" imgH="2258640" progId="Word.OpenDocumentText.12">
+                <p:oleObj spid="_x0000_s3085" name="文档" r:id="rId4" imgW="6093360" imgH="2258640" progId="Word.OpenDocumentText.12">
                   <p:embed/>
                 </p:oleObj>
               </mc:Choice>
@@ -18231,7 +16193,7 @@
         <p:spPr>
           <a:xfrm>
             <a:off x="3472483" y="1288633"/>
-            <a:ext cx="4763134" cy="769441"/>
+            <a:ext cx="4763134" cy="600164"/>
           </a:xfrm>
           <a:prstGeom prst="rect">
             <a:avLst/>
@@ -18278,18 +16240,19 @@
             </a:r>
             <a:r>
               <a:rPr lang="zh-CN" altLang="en-US" sz="1100" dirty="0" smtClean="0"/>
-              <a:t>，在处理的时候会造成类型丢失；</a:t>
+              <a:t>，在处理的时候会造成类型</a:t>
             </a:r>
-            <a:endParaRPr lang="en-US" altLang="zh-CN" sz="1100" dirty="0" smtClean="0"/>
-          </a:p>
-          <a:p>
-            <a:pPr marL="285750" indent="-285750">
-              <a:buFont typeface="Arial" pitchFamily="34" charset="0"/>
-              <a:buChar char="•"/>
-            </a:pPr>
             <a:r>
               <a:rPr lang="zh-CN" altLang="en-US" sz="1100" dirty="0" smtClean="0"/>
-              <a:t>所以，在</a:t>
+              <a:t>丢失</a:t>
+            </a:r>
+            <a:r>
+              <a:rPr lang="zh-CN" altLang="en-US" sz="1100" dirty="0" smtClean="0"/>
+              <a:t>，所以想要提供一种方式，</a:t>
+            </a:r>
+            <a:r>
+              <a:rPr lang="zh-CN" altLang="en-US" sz="1100" dirty="0" smtClean="0"/>
+              <a:t>在</a:t>
             </a:r>
             <a:r>
               <a:rPr lang="en-US" altLang="zh-CN" sz="1100" dirty="0" err="1" smtClean="0"/>
@@ -19200,7 +17163,7 @@
         </p:nvSpPr>
         <p:spPr>
           <a:xfrm>
-            <a:off x="803628" y="373425"/>
+            <a:off x="895128" y="425410"/>
             <a:ext cx="976806" cy="300082"/>
           </a:xfrm>
           <a:prstGeom prst="rect">
@@ -19508,7 +17471,7 @@
 </p:sld>
 </file>
 
-<file path=ppt/slides/slide15.xml><?xml version="1.0" encoding="utf-8"?>
+<file path=ppt/slides/slide14.xml><?xml version="1.0" encoding="utf-8"?>
 <p:sld xmlns:a="http://schemas.openxmlformats.org/drawingml/2006/main" xmlns:r="http://schemas.openxmlformats.org/officeDocument/2006/relationships" xmlns:p="http://schemas.openxmlformats.org/presentationml/2006/main">
   <p:cSld>
     <p:spTree>
@@ -19670,7 +17633,7 @@
         <p:spPr>
           <a:xfrm>
             <a:off x="3472483" y="1288633"/>
-            <a:ext cx="4763134" cy="261610"/>
+            <a:ext cx="4763134" cy="430887"/>
           </a:xfrm>
           <a:prstGeom prst="rect">
             <a:avLst/>
@@ -19689,7 +17652,30 @@
             </a:pPr>
             <a:r>
               <a:rPr lang="zh-CN" altLang="en-US" sz="1100" dirty="0" smtClean="0"/>
-              <a:t>树形结构的遍历是常见场景，想要结合类型对遍历的过程封装；</a:t>
+              <a:t>树形结构的遍历是常见场景，想要结合类型对遍历的过程封装</a:t>
+            </a:r>
+            <a:r>
+              <a:rPr lang="zh-CN" altLang="en-US" sz="1100" dirty="0" smtClean="0"/>
+              <a:t>；</a:t>
+            </a:r>
+            <a:endParaRPr lang="en-US" altLang="zh-CN" sz="1100" dirty="0" smtClean="0"/>
+          </a:p>
+          <a:p>
+            <a:pPr marL="285750" indent="-285750">
+              <a:buFont typeface="Arial" pitchFamily="34" charset="0"/>
+              <a:buChar char="•"/>
+            </a:pPr>
+            <a:r>
+              <a:rPr lang="zh-CN" altLang="en-US" sz="1100" dirty="0" smtClean="0"/>
+              <a:t>调用的时候根据</a:t>
+            </a:r>
+            <a:r>
+              <a:rPr lang="en-US" altLang="zh-CN" sz="1100" dirty="0" smtClean="0"/>
+              <a:t>list</a:t>
+            </a:r>
+            <a:r>
+              <a:rPr lang="zh-CN" altLang="en-US" sz="1100" dirty="0" smtClean="0"/>
+              <a:t>的类型对参数进行约束；</a:t>
             </a:r>
             <a:endParaRPr lang="en-US" altLang="zh-CN" sz="1100" dirty="0" smtClean="0"/>
           </a:p>
@@ -19893,7 +17879,7 @@
           <a:graphicData uri="http://schemas.openxmlformats.org/presentationml/2006/ole">
             <mc:AlternateContent xmlns:mc="http://schemas.openxmlformats.org/markup-compatibility/2006">
               <mc:Choice xmlns:v="urn:schemas-microsoft-com:vml" Requires="v">
-                <p:oleObj spid="_x0000_s4106" name="文档" r:id="rId4" imgW="6577200" imgH="9772560" progId="Word.OpenDocumentText.12">
+                <p:oleObj spid="_x0000_s4108" name="文档" r:id="rId4" imgW="6577200" imgH="9772560" progId="Word.OpenDocumentText.12">
                   <p:embed/>
                 </p:oleObj>
               </mc:Choice>
@@ -19946,7 +17932,7 @@
 </p:sld>
 </file>
 
-<file path=ppt/slides/slide16.xml><?xml version="1.0" encoding="utf-8"?>
+<file path=ppt/slides/slide15.xml><?xml version="1.0" encoding="utf-8"?>
 <p:sld xmlns:a="http://schemas.openxmlformats.org/drawingml/2006/main" xmlns:r="http://schemas.openxmlformats.org/officeDocument/2006/relationships" xmlns:p="http://schemas.openxmlformats.org/presentationml/2006/main">
   <p:cSld>
     <p:spTree>
@@ -20225,7 +18211,7 @@
         <p:spPr>
           <a:xfrm>
             <a:off x="3494795" y="2458840"/>
-            <a:ext cx="4718508" cy="938719"/>
+            <a:ext cx="4718508" cy="261610"/>
           </a:xfrm>
           <a:prstGeom prst="rect">
             <a:avLst/>
@@ -20249,73 +18235,8 @@
           <a:p>
             <a:r>
               <a:rPr lang="zh-CN" altLang="en-US" dirty="0" smtClean="0"/>
-              <a:t>树形结构的</a:t>
+              <a:t>充分利用函数重载做推断</a:t>
             </a:r>
-            <a:r>
-              <a:rPr lang="en-US" altLang="zh-CN" dirty="0" err="1" smtClean="0"/>
-              <a:t>childKey</a:t>
-            </a:r>
-            <a:r>
-              <a:rPr lang="zh-CN" altLang="en-US" dirty="0" smtClean="0"/>
-              <a:t>尽量不要固定</a:t>
-            </a:r>
-            <a:r>
-              <a:rPr lang="en-US" altLang="zh-CN" dirty="0" smtClean="0"/>
-              <a:t>(</a:t>
-            </a:r>
-            <a:r>
-              <a:rPr lang="zh-CN" altLang="en-US" dirty="0" smtClean="0"/>
-              <a:t>不能保证每次数据的</a:t>
-            </a:r>
-            <a:r>
-              <a:rPr lang="en-US" altLang="zh-CN" dirty="0" err="1" smtClean="0"/>
-              <a:t>childkey</a:t>
-            </a:r>
-            <a:r>
-              <a:rPr lang="zh-CN" altLang="en-US" dirty="0" smtClean="0"/>
-              <a:t>都是</a:t>
-            </a:r>
-            <a:r>
-              <a:rPr lang="en-US" altLang="zh-CN" dirty="0" smtClean="0"/>
-              <a:t>children)</a:t>
-            </a:r>
-            <a:r>
-              <a:rPr lang="zh-CN" altLang="en-US" dirty="0" smtClean="0"/>
-              <a:t>；</a:t>
-            </a:r>
-            <a:endParaRPr lang="en-US" altLang="zh-CN" dirty="0" smtClean="0"/>
-          </a:p>
-          <a:p>
-            <a:r>
-              <a:rPr lang="zh-CN" altLang="en-US" dirty="0" smtClean="0"/>
-              <a:t>做到语法提示，根据类型动态提示</a:t>
-            </a:r>
-            <a:r>
-              <a:rPr lang="en-US" altLang="zh-CN" dirty="0" err="1" smtClean="0"/>
-              <a:t>childKey</a:t>
-            </a:r>
-            <a:r>
-              <a:rPr lang="zh-CN" altLang="en-US" dirty="0" smtClean="0"/>
-              <a:t>；</a:t>
-            </a:r>
-            <a:endParaRPr lang="en-US" altLang="zh-CN" dirty="0" smtClean="0"/>
-          </a:p>
-          <a:p>
-            <a:r>
-              <a:rPr lang="zh-CN" altLang="en-US" dirty="0" smtClean="0"/>
-              <a:t>考虑递归</a:t>
-            </a:r>
-            <a:r>
-              <a:rPr lang="en-US" altLang="zh-CN" dirty="0" smtClean="0"/>
-              <a:t>item.aa.bb</a:t>
-            </a:r>
-            <a:r>
-              <a:rPr lang="zh-CN" altLang="en-US" dirty="0" smtClean="0"/>
-              <a:t>，以及复杂的判断逻辑。</a:t>
-            </a:r>
-            <a:endParaRPr lang="en-US" altLang="zh-CN" dirty="0" smtClean="0"/>
-          </a:p>
-          <a:p>
             <a:endParaRPr lang="zh-CN" altLang="en-US" dirty="0"/>
           </a:p>
         </p:txBody>
@@ -20329,20 +18250,20 @@
           <p:nvPr>
             <p:extLst>
               <p:ext uri="{D42A27DB-BD31-4B8C-83A1-F6EECF244321}">
-                <p14:modId xmlns:p14="http://schemas.microsoft.com/office/powerpoint/2010/main" val="2473410965"/>
+                <p14:modId xmlns:p14="http://schemas.microsoft.com/office/powerpoint/2010/main" val="3769130581"/>
               </p:ext>
             </p:extLst>
           </p:nvPr>
         </p:nvGraphicFramePr>
         <p:xfrm>
-          <a:off x="277312" y="698751"/>
+          <a:off x="283328" y="897272"/>
           <a:ext cx="2454275" cy="2954337"/>
         </p:xfrm>
         <a:graphic>
           <a:graphicData uri="http://schemas.openxmlformats.org/presentationml/2006/ole">
             <mc:AlternateContent xmlns:mc="http://schemas.openxmlformats.org/markup-compatibility/2006">
               <mc:Choice xmlns:v="urn:schemas-microsoft-com:vml" Requires="v">
-                <p:oleObj spid="_x0000_s5122" name="文档" r:id="rId4" imgW="5398920" imgH="6537960" progId="Word.OpenDocumentText.12">
+                <p:oleObj spid="_x0000_s5129" name="文档" r:id="rId4" imgW="5398920" imgH="6537960" progId="Word.OpenDocumentText.12">
                   <p:embed/>
                 </p:oleObj>
               </mc:Choice>
@@ -20363,7 +18284,7 @@
                     </p:blipFill>
                     <p:spPr>
                       <a:xfrm>
-                        <a:off x="277312" y="698751"/>
+                        <a:off x="283328" y="897272"/>
                         <a:ext cx="2454275" cy="2954337"/>
                       </a:xfrm>
                       <a:prstGeom prst="rect">
@@ -20386,20 +18307,20 @@
           <p:nvPr>
             <p:extLst>
               <p:ext uri="{D42A27DB-BD31-4B8C-83A1-F6EECF244321}">
-                <p14:modId xmlns:p14="http://schemas.microsoft.com/office/powerpoint/2010/main" val="524243637"/>
+                <p14:modId xmlns:p14="http://schemas.microsoft.com/office/powerpoint/2010/main" val="1405288180"/>
               </p:ext>
             </p:extLst>
           </p:nvPr>
         </p:nvGraphicFramePr>
         <p:xfrm>
-          <a:off x="1427156" y="3820528"/>
-          <a:ext cx="5287474" cy="992104"/>
+          <a:off x="316038" y="4061160"/>
+          <a:ext cx="4841296" cy="908386"/>
         </p:xfrm>
         <a:graphic>
           <a:graphicData uri="http://schemas.openxmlformats.org/presentationml/2006/ole">
             <mc:AlternateContent xmlns:mc="http://schemas.openxmlformats.org/markup-compatibility/2006">
               <mc:Choice xmlns:v="urn:schemas-microsoft-com:vml" Requires="v">
-                <p:oleObj spid="_x0000_s5123" name="文档" r:id="rId6" imgW="6726600" imgH="1386720" progId="Word.OpenDocumentText.12">
+                <p:oleObj spid="_x0000_s5130" name="文档" r:id="rId6" imgW="6726600" imgH="1386720" progId="Word.OpenDocumentText.12">
                   <p:embed/>
                 </p:oleObj>
               </mc:Choice>
@@ -20420,8 +18341,65 @@
                     </p:blipFill>
                     <p:spPr>
                       <a:xfrm>
-                        <a:off x="1427156" y="3820528"/>
-                        <a:ext cx="5287474" cy="992104"/>
+                        <a:off x="316038" y="4061160"/>
+                        <a:ext cx="4841296" cy="908386"/>
+                      </a:xfrm>
+                      <a:prstGeom prst="rect">
+                        <a:avLst/>
+                      </a:prstGeom>
+                    </p:spPr>
+                  </p:pic>
+                </p:oleObj>
+              </mc:Fallback>
+            </mc:AlternateContent>
+          </a:graphicData>
+        </a:graphic>
+      </p:graphicFrame>
+      <p:graphicFrame>
+        <p:nvGraphicFramePr>
+          <p:cNvPr id="2" name="对象 1"/>
+          <p:cNvGraphicFramePr>
+            <a:graphicFrameLocks noChangeAspect="1"/>
+          </p:cNvGraphicFramePr>
+          <p:nvPr>
+            <p:extLst>
+              <p:ext uri="{D42A27DB-BD31-4B8C-83A1-F6EECF244321}">
+                <p14:modId xmlns:p14="http://schemas.microsoft.com/office/powerpoint/2010/main" val="99000994"/>
+              </p:ext>
+            </p:extLst>
+          </p:nvPr>
+        </p:nvGraphicFramePr>
+        <p:xfrm>
+          <a:off x="5311940" y="2743753"/>
+          <a:ext cx="3356814" cy="2217784"/>
+        </p:xfrm>
+        <a:graphic>
+          <a:graphicData uri="http://schemas.openxmlformats.org/presentationml/2006/ole">
+            <mc:AlternateContent xmlns:mc="http://schemas.openxmlformats.org/markup-compatibility/2006">
+              <mc:Choice xmlns:v="urn:schemas-microsoft-com:vml" Requires="v">
+                <p:oleObj spid="_x0000_s5131" name="文档" r:id="rId8" imgW="6896880" imgH="4556880" progId="Word.OpenDocumentText.12">
+                  <p:embed/>
+                </p:oleObj>
+              </mc:Choice>
+              <mc:Fallback>
+                <p:oleObj name="文档" r:id="rId8" imgW="6896880" imgH="4556880" progId="Word.OpenDocumentText.12">
+                  <p:embed/>
+                  <p:pic>
+                    <p:nvPicPr>
+                      <p:cNvPr id="0" name=""/>
+                      <p:cNvPicPr/>
+                      <p:nvPr/>
+                    </p:nvPicPr>
+                    <p:blipFill>
+                      <a:blip r:embed="rId9"/>
+                      <a:stretch>
+                        <a:fillRect/>
+                      </a:stretch>
+                    </p:blipFill>
+                    <p:spPr>
+                      <a:xfrm>
+                        <a:off x="5311940" y="2743753"/>
+                        <a:ext cx="3356814" cy="2217784"/>
                       </a:xfrm>
                       <a:prstGeom prst="rect">
                         <a:avLst/>
@@ -20452,7 +18430,7 @@
 </p:sld>
 </file>
 
-<file path=ppt/slides/slide17.xml><?xml version="1.0" encoding="utf-8"?>
+<file path=ppt/slides/slide16.xml><?xml version="1.0" encoding="utf-8"?>
 <p:sld xmlns:a="http://schemas.openxmlformats.org/drawingml/2006/main" xmlns:r="http://schemas.openxmlformats.org/officeDocument/2006/relationships" xmlns:p="http://schemas.openxmlformats.org/presentationml/2006/main">
   <p:cSld>
     <p:spTree>
@@ -20469,906 +18447,6 @@
           <a:chExt cx="0" cy="0"/>
         </a:xfrm>
       </p:grpSpPr>
-      <p:grpSp>
-        <p:nvGrpSpPr>
-          <p:cNvPr id="13" name="组合 12"/>
-          <p:cNvGrpSpPr/>
-          <p:nvPr/>
-        </p:nvGrpSpPr>
-        <p:grpSpPr>
-          <a:xfrm>
-            <a:off x="1448611" y="844304"/>
-            <a:ext cx="5841366" cy="3599077"/>
-            <a:chOff x="1448611" y="844304"/>
-            <a:chExt cx="5841366" cy="3599077"/>
-          </a:xfrm>
-        </p:grpSpPr>
-        <p:sp>
-          <p:nvSpPr>
-            <p:cNvPr id="2" name="椭圆 1"/>
-            <p:cNvSpPr/>
-            <p:nvPr/>
-          </p:nvSpPr>
-          <p:spPr>
-            <a:xfrm>
-              <a:off x="2728092" y="1015235"/>
-              <a:ext cx="1378360" cy="1240455"/>
-            </a:xfrm>
-            <a:custGeom>
-              <a:avLst/>
-              <a:gdLst/>
-              <a:ahLst/>
-              <a:cxnLst/>
-              <a:rect l="l" t="t" r="r" b="b"/>
-              <a:pathLst>
-                <a:path w="1648346" h="1656184">
-                  <a:moveTo>
-                    <a:pt x="820254" y="0"/>
-                  </a:moveTo>
-                  <a:cubicBezTo>
-                    <a:pt x="1277597" y="0"/>
-                    <a:pt x="1648346" y="370749"/>
-                    <a:pt x="1648346" y="828092"/>
-                  </a:cubicBezTo>
-                  <a:cubicBezTo>
-                    <a:pt x="1648346" y="1285435"/>
-                    <a:pt x="1277597" y="1656184"/>
-                    <a:pt x="820254" y="1656184"/>
-                  </a:cubicBezTo>
-                  <a:cubicBezTo>
-                    <a:pt x="771082" y="1656184"/>
-                    <a:pt x="722910" y="1651898"/>
-                    <a:pt x="676238" y="1642851"/>
-                  </a:cubicBezTo>
-                  <a:lnTo>
-                    <a:pt x="676238" y="1458836"/>
-                  </a:lnTo>
-                  <a:cubicBezTo>
-                    <a:pt x="722365" y="1470593"/>
-                    <a:pt x="770659" y="1476164"/>
-                    <a:pt x="820254" y="1476164"/>
-                  </a:cubicBezTo>
-                  <a:cubicBezTo>
-                    <a:pt x="1178174" y="1476164"/>
-                    <a:pt x="1468326" y="1186012"/>
-                    <a:pt x="1468326" y="828092"/>
-                  </a:cubicBezTo>
-                  <a:cubicBezTo>
-                    <a:pt x="1468326" y="470172"/>
-                    <a:pt x="1178174" y="180020"/>
-                    <a:pt x="820254" y="180020"/>
-                  </a:cubicBezTo>
-                  <a:cubicBezTo>
-                    <a:pt x="499245" y="180020"/>
-                    <a:pt x="232748" y="413413"/>
-                    <a:pt x="183071" y="720080"/>
-                  </a:cubicBezTo>
-                  <a:lnTo>
-                    <a:pt x="0" y="720080"/>
-                  </a:lnTo>
-                  <a:cubicBezTo>
-                    <a:pt x="52132" y="313716"/>
-                    <a:pt x="399556" y="0"/>
-                    <a:pt x="820254" y="0"/>
-                  </a:cubicBezTo>
-                  <a:close/>
-                </a:path>
-              </a:pathLst>
-            </a:custGeom>
-            <a:solidFill>
-              <a:schemeClr val="accent2"/>
-            </a:solidFill>
-            <a:ln w="25400" cap="flat" cmpd="sng" algn="ctr">
-              <a:noFill/>
-              <a:prstDash val="solid"/>
-            </a:ln>
-            <a:effectLst/>
-          </p:spPr>
-          <p:txBody>
-            <a:bodyPr lIns="87873" tIns="43936" rIns="87873" bIns="43936" rtlCol="0" anchor="ctr"/>
-            <a:lstStyle/>
-            <a:p>
-              <a:pPr algn="ctr"/>
-              <a:endParaRPr lang="zh-CN" altLang="en-US" sz="1900" b="1" kern="0" dirty="0">
-                <a:solidFill>
-                  <a:sysClr val="window" lastClr="FFFFFF"/>
-                </a:solidFill>
-                <a:latin typeface="微软雅黑 Light" panose="020B0502040204020203" pitchFamily="34" charset="-122"/>
-                <a:ea typeface="微软雅黑 Light" panose="020B0502040204020203" pitchFamily="34" charset="-122"/>
-              </a:endParaRPr>
-            </a:p>
-          </p:txBody>
-        </p:sp>
-        <p:sp>
-          <p:nvSpPr>
-            <p:cNvPr id="3" name="椭圆 1"/>
-            <p:cNvSpPr/>
-            <p:nvPr/>
-          </p:nvSpPr>
-          <p:spPr>
-            <a:xfrm>
-              <a:off x="2602066" y="2103023"/>
-              <a:ext cx="692457" cy="1240455"/>
-            </a:xfrm>
-            <a:custGeom>
-              <a:avLst/>
-              <a:gdLst/>
-              <a:ahLst/>
-              <a:cxnLst/>
-              <a:rect l="l" t="t" r="r" b="b"/>
-              <a:pathLst>
-                <a:path w="828092" h="1656184">
-                  <a:moveTo>
-                    <a:pt x="828092" y="0"/>
-                  </a:moveTo>
-                  <a:lnTo>
-                    <a:pt x="828092" y="180020"/>
-                  </a:lnTo>
-                  <a:cubicBezTo>
-                    <a:pt x="470172" y="180020"/>
-                    <a:pt x="180020" y="470172"/>
-                    <a:pt x="180020" y="828092"/>
-                  </a:cubicBezTo>
-                  <a:cubicBezTo>
-                    <a:pt x="180020" y="1186012"/>
-                    <a:pt x="470172" y="1476164"/>
-                    <a:pt x="828092" y="1476164"/>
-                  </a:cubicBezTo>
-                  <a:lnTo>
-                    <a:pt x="828092" y="1656184"/>
-                  </a:lnTo>
-                  <a:cubicBezTo>
-                    <a:pt x="370749" y="1656184"/>
-                    <a:pt x="0" y="1285435"/>
-                    <a:pt x="0" y="828092"/>
-                  </a:cubicBezTo>
-                  <a:cubicBezTo>
-                    <a:pt x="0" y="370749"/>
-                    <a:pt x="370749" y="0"/>
-                    <a:pt x="828092" y="0"/>
-                  </a:cubicBezTo>
-                  <a:close/>
-                </a:path>
-              </a:pathLst>
-            </a:custGeom>
-            <a:solidFill>
-              <a:schemeClr val="accent3"/>
-            </a:solidFill>
-            <a:ln w="25400" cap="flat" cmpd="sng" algn="ctr">
-              <a:noFill/>
-              <a:prstDash val="solid"/>
-            </a:ln>
-            <a:effectLst/>
-          </p:spPr>
-          <p:txBody>
-            <a:bodyPr lIns="87873" tIns="43936" rIns="87873" bIns="43936" rtlCol="0" anchor="ctr"/>
-            <a:lstStyle/>
-            <a:p>
-              <a:pPr algn="ctr">
-                <a:defRPr/>
-              </a:pPr>
-              <a:endParaRPr lang="zh-CN" altLang="en-US" sz="1800" kern="0" dirty="0">
-                <a:solidFill>
-                  <a:sysClr val="window" lastClr="FFFFFF"/>
-                </a:solidFill>
-                <a:ea typeface="微软雅黑 Light" panose="020B0502040204020203" pitchFamily="34" charset="-122"/>
-              </a:endParaRPr>
-            </a:p>
-          </p:txBody>
-        </p:sp>
-        <p:sp>
-          <p:nvSpPr>
-            <p:cNvPr id="4" name="椭圆 1"/>
-            <p:cNvSpPr/>
-            <p:nvPr/>
-          </p:nvSpPr>
-          <p:spPr>
-            <a:xfrm rot="5400000">
-              <a:off x="2576237" y="3133632"/>
-              <a:ext cx="1234584" cy="1384914"/>
-            </a:xfrm>
-            <a:custGeom>
-              <a:avLst/>
-              <a:gdLst/>
-              <a:ahLst/>
-              <a:cxnLst/>
-              <a:rect l="l" t="t" r="r" b="b"/>
-              <a:pathLst>
-                <a:path w="1648346" h="1656184">
-                  <a:moveTo>
-                    <a:pt x="820254" y="0"/>
-                  </a:moveTo>
-                  <a:cubicBezTo>
-                    <a:pt x="1277597" y="0"/>
-                    <a:pt x="1648346" y="370749"/>
-                    <a:pt x="1648346" y="828092"/>
-                  </a:cubicBezTo>
-                  <a:cubicBezTo>
-                    <a:pt x="1648346" y="1285435"/>
-                    <a:pt x="1277597" y="1656184"/>
-                    <a:pt x="820254" y="1656184"/>
-                  </a:cubicBezTo>
-                  <a:cubicBezTo>
-                    <a:pt x="771082" y="1656184"/>
-                    <a:pt x="722910" y="1651898"/>
-                    <a:pt x="676238" y="1642851"/>
-                  </a:cubicBezTo>
-                  <a:lnTo>
-                    <a:pt x="676238" y="1458836"/>
-                  </a:lnTo>
-                  <a:cubicBezTo>
-                    <a:pt x="722365" y="1470593"/>
-                    <a:pt x="770659" y="1476164"/>
-                    <a:pt x="820254" y="1476164"/>
-                  </a:cubicBezTo>
-                  <a:cubicBezTo>
-                    <a:pt x="1178174" y="1476164"/>
-                    <a:pt x="1468326" y="1186012"/>
-                    <a:pt x="1468326" y="828092"/>
-                  </a:cubicBezTo>
-                  <a:cubicBezTo>
-                    <a:pt x="1468326" y="470172"/>
-                    <a:pt x="1178174" y="180020"/>
-                    <a:pt x="820254" y="180020"/>
-                  </a:cubicBezTo>
-                  <a:cubicBezTo>
-                    <a:pt x="499245" y="180020"/>
-                    <a:pt x="232748" y="413413"/>
-                    <a:pt x="183071" y="720080"/>
-                  </a:cubicBezTo>
-                  <a:lnTo>
-                    <a:pt x="0" y="720080"/>
-                  </a:lnTo>
-                  <a:cubicBezTo>
-                    <a:pt x="52132" y="313716"/>
-                    <a:pt x="399556" y="0"/>
-                    <a:pt x="820254" y="0"/>
-                  </a:cubicBezTo>
-                  <a:close/>
-                </a:path>
-              </a:pathLst>
-            </a:custGeom>
-            <a:solidFill>
-              <a:schemeClr val="accent4"/>
-            </a:solidFill>
-            <a:ln w="25400" cap="flat" cmpd="sng" algn="ctr">
-              <a:noFill/>
-              <a:prstDash val="solid"/>
-            </a:ln>
-            <a:effectLst/>
-          </p:spPr>
-          <p:txBody>
-            <a:bodyPr lIns="87873" tIns="43936" rIns="87873" bIns="43936" rtlCol="0" anchor="ctr"/>
-            <a:lstStyle/>
-            <a:p>
-              <a:pPr algn="ctr"/>
-              <a:endParaRPr lang="zh-CN" altLang="en-US" sz="1900" b="1" kern="0" dirty="0">
-                <a:solidFill>
-                  <a:sysClr val="window" lastClr="FFFFFF"/>
-                </a:solidFill>
-                <a:latin typeface="微软雅黑 Light" panose="020B0502040204020203" pitchFamily="34" charset="-122"/>
-                <a:ea typeface="微软雅黑 Light" panose="020B0502040204020203" pitchFamily="34" charset="-122"/>
-              </a:endParaRPr>
-            </a:p>
-          </p:txBody>
-        </p:sp>
-        <p:sp>
-          <p:nvSpPr>
-            <p:cNvPr id="5" name="椭圆 1"/>
-            <p:cNvSpPr/>
-            <p:nvPr/>
-          </p:nvSpPr>
-          <p:spPr>
-            <a:xfrm rot="10800000">
-              <a:off x="1496151" y="844304"/>
-              <a:ext cx="1378360" cy="1240455"/>
-            </a:xfrm>
-            <a:custGeom>
-              <a:avLst/>
-              <a:gdLst/>
-              <a:ahLst/>
-              <a:cxnLst/>
-              <a:rect l="l" t="t" r="r" b="b"/>
-              <a:pathLst>
-                <a:path w="1648346" h="1656184">
-                  <a:moveTo>
-                    <a:pt x="820254" y="0"/>
-                  </a:moveTo>
-                  <a:cubicBezTo>
-                    <a:pt x="1277597" y="0"/>
-                    <a:pt x="1648346" y="370749"/>
-                    <a:pt x="1648346" y="828092"/>
-                  </a:cubicBezTo>
-                  <a:cubicBezTo>
-                    <a:pt x="1648346" y="1285435"/>
-                    <a:pt x="1277597" y="1656184"/>
-                    <a:pt x="820254" y="1656184"/>
-                  </a:cubicBezTo>
-                  <a:cubicBezTo>
-                    <a:pt x="771082" y="1656184"/>
-                    <a:pt x="722910" y="1651898"/>
-                    <a:pt x="676238" y="1642851"/>
-                  </a:cubicBezTo>
-                  <a:lnTo>
-                    <a:pt x="676238" y="1458836"/>
-                  </a:lnTo>
-                  <a:cubicBezTo>
-                    <a:pt x="722365" y="1470593"/>
-                    <a:pt x="770659" y="1476164"/>
-                    <a:pt x="820254" y="1476164"/>
-                  </a:cubicBezTo>
-                  <a:cubicBezTo>
-                    <a:pt x="1178174" y="1476164"/>
-                    <a:pt x="1468326" y="1186012"/>
-                    <a:pt x="1468326" y="828092"/>
-                  </a:cubicBezTo>
-                  <a:cubicBezTo>
-                    <a:pt x="1468326" y="470172"/>
-                    <a:pt x="1178174" y="180020"/>
-                    <a:pt x="820254" y="180020"/>
-                  </a:cubicBezTo>
-                  <a:cubicBezTo>
-                    <a:pt x="499245" y="180020"/>
-                    <a:pt x="232748" y="413413"/>
-                    <a:pt x="183071" y="720080"/>
-                  </a:cubicBezTo>
-                  <a:lnTo>
-                    <a:pt x="0" y="720080"/>
-                  </a:lnTo>
-                  <a:cubicBezTo>
-                    <a:pt x="52132" y="313716"/>
-                    <a:pt x="399556" y="0"/>
-                    <a:pt x="820254" y="0"/>
-                  </a:cubicBezTo>
-                  <a:close/>
-                </a:path>
-              </a:pathLst>
-            </a:custGeom>
-            <a:solidFill>
-              <a:schemeClr val="accent1"/>
-            </a:solidFill>
-            <a:ln w="25400" cap="flat" cmpd="sng" algn="ctr">
-              <a:noFill/>
-              <a:prstDash val="solid"/>
-            </a:ln>
-            <a:effectLst/>
-          </p:spPr>
-          <p:txBody>
-            <a:bodyPr lIns="87873" tIns="43936" rIns="87873" bIns="43936" rtlCol="0" anchor="ctr"/>
-            <a:lstStyle/>
-            <a:p>
-              <a:pPr algn="ctr">
-                <a:defRPr/>
-              </a:pPr>
-              <a:endParaRPr lang="zh-CN" altLang="en-US" sz="1800" kern="0" dirty="0">
-                <a:solidFill>
-                  <a:sysClr val="window" lastClr="FFFFFF"/>
-                </a:solidFill>
-                <a:ea typeface="微软雅黑 Light" panose="020B0502040204020203" pitchFamily="34" charset="-122"/>
-              </a:endParaRPr>
-            </a:p>
-          </p:txBody>
-        </p:sp>
-        <p:sp>
-          <p:nvSpPr>
-            <p:cNvPr id="6" name="椭圆 1"/>
-            <p:cNvSpPr/>
-            <p:nvPr/>
-          </p:nvSpPr>
-          <p:spPr>
-            <a:xfrm rot="6199008">
-              <a:off x="1790893" y="2653687"/>
-              <a:ext cx="620228" cy="1304792"/>
-            </a:xfrm>
-            <a:custGeom>
-              <a:avLst/>
-              <a:gdLst/>
-              <a:ahLst/>
-              <a:cxnLst/>
-              <a:rect l="l" t="t" r="r" b="b"/>
-              <a:pathLst>
-                <a:path w="828092" h="1560369">
-                  <a:moveTo>
-                    <a:pt x="16824" y="994982"/>
-                  </a:moveTo>
-                  <a:cubicBezTo>
-                    <a:pt x="5793" y="941075"/>
-                    <a:pt x="0" y="885260"/>
-                    <a:pt x="0" y="828092"/>
-                  </a:cubicBezTo>
-                  <a:cubicBezTo>
-                    <a:pt x="0" y="370749"/>
-                    <a:pt x="370749" y="0"/>
-                    <a:pt x="828092" y="0"/>
-                  </a:cubicBezTo>
-                  <a:lnTo>
-                    <a:pt x="828092" y="180020"/>
-                  </a:lnTo>
-                  <a:cubicBezTo>
-                    <a:pt x="470172" y="180020"/>
-                    <a:pt x="180020" y="470172"/>
-                    <a:pt x="180020" y="828092"/>
-                  </a:cubicBezTo>
-                  <a:cubicBezTo>
-                    <a:pt x="180020" y="1180557"/>
-                    <a:pt x="461395" y="1467304"/>
-                    <a:pt x="811810" y="1474523"/>
-                  </a:cubicBezTo>
-                  <a:lnTo>
-                    <a:pt x="449129" y="1560369"/>
-                  </a:lnTo>
-                  <a:cubicBezTo>
-                    <a:pt x="229080" y="1450469"/>
-                    <a:pt x="67556" y="1242904"/>
-                    <a:pt x="16824" y="994982"/>
-                  </a:cubicBezTo>
-                  <a:close/>
-                </a:path>
-              </a:pathLst>
-            </a:custGeom>
-            <a:solidFill>
-              <a:schemeClr val="accent1"/>
-            </a:solidFill>
-            <a:ln w="25400" cap="flat" cmpd="sng" algn="ctr">
-              <a:noFill/>
-              <a:prstDash val="solid"/>
-            </a:ln>
-            <a:effectLst/>
-          </p:spPr>
-          <p:txBody>
-            <a:bodyPr lIns="87873" tIns="43936" rIns="87873" bIns="43936" rtlCol="0" anchor="ctr"/>
-            <a:lstStyle/>
-            <a:p>
-              <a:pPr algn="ctr">
-                <a:defRPr/>
-              </a:pPr>
-              <a:endParaRPr lang="zh-CN" altLang="en-US" sz="1800" kern="0" dirty="0">
-                <a:solidFill>
-                  <a:sysClr val="window" lastClr="FFFFFF"/>
-                </a:solidFill>
-                <a:ea typeface="微软雅黑 Light" panose="020B0502040204020203" pitchFamily="34" charset="-122"/>
-              </a:endParaRPr>
-            </a:p>
-          </p:txBody>
-        </p:sp>
-        <p:sp>
-          <p:nvSpPr>
-            <p:cNvPr id="7" name="圆角矩形 14"/>
-            <p:cNvSpPr/>
-            <p:nvPr/>
-          </p:nvSpPr>
-          <p:spPr>
-            <a:xfrm>
-              <a:off x="3978226" y="1315279"/>
-              <a:ext cx="3311751" cy="485395"/>
-            </a:xfrm>
-            <a:custGeom>
-              <a:avLst/>
-              <a:gdLst/>
-              <a:ahLst/>
-              <a:cxnLst/>
-              <a:rect l="l" t="t" r="r" b="b"/>
-              <a:pathLst>
-                <a:path w="3960440" h="648072">
-                  <a:moveTo>
-                    <a:pt x="0" y="0"/>
-                  </a:moveTo>
-                  <a:lnTo>
-                    <a:pt x="3636404" y="0"/>
-                  </a:lnTo>
-                  <a:cubicBezTo>
-                    <a:pt x="3815364" y="0"/>
-                    <a:pt x="3960440" y="145076"/>
-                    <a:pt x="3960440" y="324036"/>
-                  </a:cubicBezTo>
-                  <a:cubicBezTo>
-                    <a:pt x="3960440" y="502996"/>
-                    <a:pt x="3815364" y="648072"/>
-                    <a:pt x="3636404" y="648072"/>
-                  </a:cubicBezTo>
-                  <a:lnTo>
-                    <a:pt x="0" y="648072"/>
-                  </a:lnTo>
-                  <a:close/>
-                </a:path>
-              </a:pathLst>
-            </a:custGeom>
-            <a:solidFill>
-              <a:schemeClr val="accent2"/>
-            </a:solidFill>
-            <a:ln w="25400" cap="flat" cmpd="sng" algn="ctr">
-              <a:noFill/>
-              <a:prstDash val="solid"/>
-            </a:ln>
-            <a:effectLst/>
-          </p:spPr>
-          <p:txBody>
-            <a:bodyPr lIns="87873" tIns="43936" rIns="87873" bIns="43936" rtlCol="0" anchor="ctr"/>
-            <a:lstStyle/>
-            <a:p>
-              <a:pPr algn="ctr">
-                <a:defRPr/>
-              </a:pPr>
-              <a:r>
-                <a:rPr lang="zh-CN" altLang="en-US" sz="1200" b="1" kern="0" dirty="0">
-                  <a:solidFill>
-                    <a:sysClr val="window" lastClr="FFFFFF"/>
-                  </a:solidFill>
-                  <a:latin typeface="微软雅黑 Light" panose="020B0502040204020203" pitchFamily="34" charset="-122"/>
-                  <a:ea typeface="微软雅黑 Light" panose="020B0502040204020203" pitchFamily="34" charset="-122"/>
-                </a:rPr>
-                <a:t>您的标题写在这里</a:t>
-              </a:r>
-            </a:p>
-          </p:txBody>
-        </p:sp>
-        <p:sp>
-          <p:nvSpPr>
-            <p:cNvPr id="8" name="圆角矩形 14"/>
-            <p:cNvSpPr/>
-            <p:nvPr/>
-          </p:nvSpPr>
-          <p:spPr>
-            <a:xfrm>
-              <a:off x="3700697" y="3420456"/>
-              <a:ext cx="3372672" cy="485395"/>
-            </a:xfrm>
-            <a:custGeom>
-              <a:avLst/>
-              <a:gdLst>
-                <a:gd name="connsiteX0" fmla="*/ 0 w 4033295"/>
-                <a:gd name="connsiteY0" fmla="*/ 0 h 648072"/>
-                <a:gd name="connsiteX1" fmla="*/ 3709259 w 4033295"/>
-                <a:gd name="connsiteY1" fmla="*/ 0 h 648072"/>
-                <a:gd name="connsiteX2" fmla="*/ 4033295 w 4033295"/>
-                <a:gd name="connsiteY2" fmla="*/ 324036 h 648072"/>
-                <a:gd name="connsiteX3" fmla="*/ 3709259 w 4033295"/>
-                <a:gd name="connsiteY3" fmla="*/ 648072 h 648072"/>
-                <a:gd name="connsiteX4" fmla="*/ 72855 w 4033295"/>
-                <a:gd name="connsiteY4" fmla="*/ 648072 h 648072"/>
-                <a:gd name="connsiteX5" fmla="*/ 0 w 4033295"/>
-                <a:gd name="connsiteY5" fmla="*/ 0 h 648072"/>
-              </a:gdLst>
-              <a:ahLst/>
-              <a:cxnLst>
-                <a:cxn ang="0">
-                  <a:pos x="connsiteX0" y="connsiteY0"/>
-                </a:cxn>
-                <a:cxn ang="0">
-                  <a:pos x="connsiteX1" y="connsiteY1"/>
-                </a:cxn>
-                <a:cxn ang="0">
-                  <a:pos x="connsiteX2" y="connsiteY2"/>
-                </a:cxn>
-                <a:cxn ang="0">
-                  <a:pos x="connsiteX3" y="connsiteY3"/>
-                </a:cxn>
-                <a:cxn ang="0">
-                  <a:pos x="connsiteX4" y="connsiteY4"/>
-                </a:cxn>
-                <a:cxn ang="0">
-                  <a:pos x="connsiteX5" y="connsiteY5"/>
-                </a:cxn>
-              </a:cxnLst>
-              <a:rect l="l" t="t" r="r" b="b"/>
-              <a:pathLst>
-                <a:path w="4033295" h="648072">
-                  <a:moveTo>
-                    <a:pt x="0" y="0"/>
-                  </a:moveTo>
-                  <a:lnTo>
-                    <a:pt x="3709259" y="0"/>
-                  </a:lnTo>
-                  <a:cubicBezTo>
-                    <a:pt x="3888219" y="0"/>
-                    <a:pt x="4033295" y="145076"/>
-                    <a:pt x="4033295" y="324036"/>
-                  </a:cubicBezTo>
-                  <a:cubicBezTo>
-                    <a:pt x="4033295" y="502996"/>
-                    <a:pt x="3888219" y="648072"/>
-                    <a:pt x="3709259" y="648072"/>
-                  </a:cubicBezTo>
-                  <a:lnTo>
-                    <a:pt x="72855" y="648072"/>
-                  </a:lnTo>
-                  <a:cubicBezTo>
-                    <a:pt x="72855" y="432048"/>
-                    <a:pt x="0" y="216024"/>
-                    <a:pt x="0" y="0"/>
-                  </a:cubicBezTo>
-                  <a:close/>
-                </a:path>
-              </a:pathLst>
-            </a:custGeom>
-            <a:solidFill>
-              <a:schemeClr val="accent4"/>
-            </a:solidFill>
-            <a:ln w="25400" cap="flat" cmpd="sng" algn="ctr">
-              <a:noFill/>
-              <a:prstDash val="solid"/>
-            </a:ln>
-            <a:effectLst/>
-          </p:spPr>
-          <p:txBody>
-            <a:bodyPr lIns="87873" tIns="43936" rIns="87873" bIns="43936" rtlCol="0" anchor="ctr"/>
-            <a:lstStyle/>
-            <a:p>
-              <a:pPr algn="ctr"/>
-              <a:r>
-                <a:rPr lang="zh-CN" altLang="en-US" sz="1200" b="1" kern="0" dirty="0">
-                  <a:solidFill>
-                    <a:sysClr val="window" lastClr="FFFFFF"/>
-                  </a:solidFill>
-                  <a:latin typeface="微软雅黑 Light" panose="020B0502040204020203" pitchFamily="34" charset="-122"/>
-                  <a:ea typeface="微软雅黑 Light" panose="020B0502040204020203" pitchFamily="34" charset="-122"/>
-                </a:rPr>
-                <a:t>您的标题写在这里</a:t>
-              </a:r>
-            </a:p>
-          </p:txBody>
-        </p:sp>
-        <p:sp>
-          <p:nvSpPr>
-            <p:cNvPr id="9" name="TextBox 8"/>
-            <p:cNvSpPr txBox="1"/>
-            <p:nvPr/>
-          </p:nvSpPr>
-          <p:spPr>
-            <a:xfrm>
-              <a:off x="3175060" y="1332241"/>
-              <a:ext cx="506719" cy="704283"/>
-            </a:xfrm>
-            <a:prstGeom prst="rect">
-              <a:avLst/>
-            </a:prstGeom>
-            <a:noFill/>
-          </p:spPr>
-          <p:txBody>
-            <a:bodyPr wrap="square" lIns="87873" tIns="43936" rIns="87873" bIns="43936" rtlCol="0">
-              <a:spAutoFit/>
-            </a:bodyPr>
-            <a:lstStyle/>
-            <a:p>
-              <a:pPr>
-                <a:defRPr/>
-              </a:pPr>
-              <a:r>
-                <a:rPr lang="en-US" altLang="zh-CN" sz="4000" b="1" kern="0" dirty="0">
-                  <a:solidFill>
-                    <a:schemeClr val="accent2"/>
-                  </a:solidFill>
-                  <a:latin typeface="Arial Black" panose="020B0A04020102020204" pitchFamily="34" charset="0"/>
-                  <a:ea typeface="微软雅黑 Light" panose="020B0502040204020203" pitchFamily="34" charset="-122"/>
-                </a:rPr>
-                <a:t>A</a:t>
-              </a:r>
-              <a:endParaRPr lang="zh-CN" altLang="en-US" sz="4000" b="1" kern="0" dirty="0">
-                <a:solidFill>
-                  <a:schemeClr val="accent2"/>
-                </a:solidFill>
-                <a:latin typeface="Arial Black" panose="020B0A04020102020204" pitchFamily="34" charset="0"/>
-                <a:ea typeface="微软雅黑 Light" panose="020B0502040204020203" pitchFamily="34" charset="-122"/>
-              </a:endParaRPr>
-            </a:p>
-          </p:txBody>
-        </p:sp>
-        <p:sp>
-          <p:nvSpPr>
-            <p:cNvPr id="10" name="TextBox 9"/>
-            <p:cNvSpPr txBox="1"/>
-            <p:nvPr/>
-          </p:nvSpPr>
-          <p:spPr>
-            <a:xfrm>
-              <a:off x="3054632" y="3537940"/>
-              <a:ext cx="506719" cy="704283"/>
-            </a:xfrm>
-            <a:prstGeom prst="rect">
-              <a:avLst/>
-            </a:prstGeom>
-            <a:noFill/>
-          </p:spPr>
-          <p:txBody>
-            <a:bodyPr wrap="square" lIns="87873" tIns="43936" rIns="87873" bIns="43936" rtlCol="0">
-              <a:spAutoFit/>
-            </a:bodyPr>
-            <a:lstStyle/>
-            <a:p>
-              <a:pPr>
-                <a:defRPr/>
-              </a:pPr>
-              <a:r>
-                <a:rPr lang="en-US" altLang="zh-CN" sz="4000" b="1" kern="0" dirty="0">
-                  <a:solidFill>
-                    <a:schemeClr val="accent4"/>
-                  </a:solidFill>
-                  <a:latin typeface="Arial Black" panose="020B0A04020102020204" pitchFamily="34" charset="0"/>
-                  <a:ea typeface="微软雅黑 Light" panose="020B0502040204020203" pitchFamily="34" charset="-122"/>
-                </a:rPr>
-                <a:t>B</a:t>
-              </a:r>
-              <a:endParaRPr lang="zh-CN" altLang="en-US" sz="4000" b="1" kern="0" dirty="0">
-                <a:solidFill>
-                  <a:schemeClr val="accent4"/>
-                </a:solidFill>
-                <a:latin typeface="Arial Black" panose="020B0A04020102020204" pitchFamily="34" charset="0"/>
-                <a:ea typeface="微软雅黑 Light" panose="020B0502040204020203" pitchFamily="34" charset="-122"/>
-              </a:endParaRPr>
-            </a:p>
-          </p:txBody>
-        </p:sp>
-        <p:sp>
-          <p:nvSpPr>
-            <p:cNvPr id="11" name="TextBox 10"/>
-            <p:cNvSpPr txBox="1"/>
-            <p:nvPr/>
-          </p:nvSpPr>
-          <p:spPr>
-            <a:xfrm>
-              <a:off x="4078263" y="1908539"/>
-              <a:ext cx="3085576" cy="406400"/>
-            </a:xfrm>
-            <a:prstGeom prst="rect">
-              <a:avLst/>
-            </a:prstGeom>
-            <a:noFill/>
-          </p:spPr>
-          <p:txBody>
-            <a:bodyPr wrap="square" lIns="87873" tIns="43936" rIns="87873" bIns="43936" rtlCol="0">
-              <a:spAutoFit/>
-            </a:bodyPr>
-            <a:lstStyle/>
-            <a:p>
-              <a:pPr>
-                <a:lnSpc>
-                  <a:spcPct val="130000"/>
-                </a:lnSpc>
-                <a:defRPr/>
-              </a:pPr>
-              <a:r>
-                <a:rPr lang="zh-CN" altLang="en-US" sz="800" kern="0" dirty="0">
-                  <a:latin typeface="微软雅黑 Light" panose="020B0502040204020203" pitchFamily="34" charset="-122"/>
-                  <a:ea typeface="微软雅黑 Light" panose="020B0502040204020203" pitchFamily="34" charset="-122"/>
-                </a:rPr>
-                <a:t>点击输入内容，建议使用微软雅黑字体</a:t>
-              </a:r>
-              <a:r>
-                <a:rPr lang="zh-CN" altLang="en-US" sz="800" kern="0" dirty="0" smtClean="0">
-                  <a:latin typeface="微软雅黑 Light" panose="020B0502040204020203" pitchFamily="34" charset="-122"/>
-                  <a:ea typeface="微软雅黑 Light" panose="020B0502040204020203" pitchFamily="34" charset="-122"/>
-                </a:rPr>
-                <a:t>，优品</a:t>
-              </a:r>
-              <a:r>
-                <a:rPr lang="en-US" altLang="zh-CN" sz="800" kern="0" dirty="0" smtClean="0">
-                  <a:latin typeface="微软雅黑 Light" panose="020B0502040204020203" pitchFamily="34" charset="-122"/>
-                  <a:ea typeface="微软雅黑 Light" panose="020B0502040204020203" pitchFamily="34" charset="-122"/>
-                </a:rPr>
-                <a:t>PPT</a:t>
-              </a:r>
-              <a:r>
-                <a:rPr lang="zh-CN" altLang="en-US" sz="800" kern="0" dirty="0" smtClean="0">
-                  <a:latin typeface="微软雅黑 Light" panose="020B0502040204020203" pitchFamily="34" charset="-122"/>
-                  <a:ea typeface="微软雅黑 Light" panose="020B0502040204020203" pitchFamily="34" charset="-122"/>
-                </a:rPr>
-                <a:t>，</a:t>
-              </a:r>
-              <a:r>
-                <a:rPr lang="zh-CN" altLang="en-US" sz="800" kern="0" dirty="0">
-                  <a:latin typeface="微软雅黑 Light" panose="020B0502040204020203" pitchFamily="34" charset="-122"/>
-                  <a:ea typeface="微软雅黑 Light" panose="020B0502040204020203" pitchFamily="34" charset="-122"/>
-                </a:rPr>
-                <a:t>专注制作精美的PPT模板。</a:t>
-              </a:r>
-              <a:endParaRPr lang="en-US" altLang="zh-CN" sz="800" kern="0" dirty="0">
-                <a:latin typeface="微软雅黑 Light" panose="020B0502040204020203" pitchFamily="34" charset="-122"/>
-                <a:ea typeface="微软雅黑 Light" panose="020B0502040204020203" pitchFamily="34" charset="-122"/>
-              </a:endParaRPr>
-            </a:p>
-          </p:txBody>
-        </p:sp>
-        <p:sp>
-          <p:nvSpPr>
-            <p:cNvPr id="12" name="TextBox 11"/>
-            <p:cNvSpPr txBox="1"/>
-            <p:nvPr/>
-          </p:nvSpPr>
-          <p:spPr>
-            <a:xfrm>
-              <a:off x="3978227" y="3905850"/>
-              <a:ext cx="2969625" cy="406400"/>
-            </a:xfrm>
-            <a:prstGeom prst="rect">
-              <a:avLst/>
-            </a:prstGeom>
-            <a:noFill/>
-          </p:spPr>
-          <p:txBody>
-            <a:bodyPr wrap="square" lIns="87873" tIns="43936" rIns="87873" bIns="43936" rtlCol="0">
-              <a:spAutoFit/>
-            </a:bodyPr>
-            <a:lstStyle/>
-            <a:p>
-              <a:pPr>
-                <a:lnSpc>
-                  <a:spcPct val="130000"/>
-                </a:lnSpc>
-                <a:defRPr/>
-              </a:pPr>
-              <a:r>
-                <a:rPr lang="zh-CN" altLang="en-US" sz="800" kern="0" dirty="0">
-                  <a:solidFill>
-                    <a:schemeClr val="bg1">
-                      <a:lumMod val="50000"/>
-                    </a:schemeClr>
-                  </a:solidFill>
-                  <a:latin typeface="微软雅黑 Light" panose="020B0502040204020203" pitchFamily="34" charset="-122"/>
-                  <a:ea typeface="微软雅黑 Light" panose="020B0502040204020203" pitchFamily="34" charset="-122"/>
-                </a:rPr>
-                <a:t>点击输入内容，建议使用微软雅黑字体</a:t>
-              </a:r>
-              <a:r>
-                <a:rPr lang="zh-CN" altLang="en-US" sz="800" kern="0" dirty="0" smtClean="0">
-                  <a:solidFill>
-                    <a:schemeClr val="bg1">
-                      <a:lumMod val="50000"/>
-                    </a:schemeClr>
-                  </a:solidFill>
-                  <a:latin typeface="微软雅黑 Light" panose="020B0502040204020203" pitchFamily="34" charset="-122"/>
-                  <a:ea typeface="微软雅黑 Light" panose="020B0502040204020203" pitchFamily="34" charset="-122"/>
-                </a:rPr>
-                <a:t>，优品</a:t>
-              </a:r>
-              <a:r>
-                <a:rPr lang="en-US" altLang="zh-CN" sz="800" kern="0" dirty="0" smtClean="0">
-                  <a:solidFill>
-                    <a:schemeClr val="bg1">
-                      <a:lumMod val="50000"/>
-                    </a:schemeClr>
-                  </a:solidFill>
-                  <a:latin typeface="微软雅黑 Light" panose="020B0502040204020203" pitchFamily="34" charset="-122"/>
-                  <a:ea typeface="微软雅黑 Light" panose="020B0502040204020203" pitchFamily="34" charset="-122"/>
-                </a:rPr>
-                <a:t>PPT</a:t>
-              </a:r>
-              <a:r>
-                <a:rPr lang="zh-CN" altLang="en-US" sz="800" kern="0" dirty="0" smtClean="0">
-                  <a:solidFill>
-                    <a:schemeClr val="bg1">
-                      <a:lumMod val="50000"/>
-                    </a:schemeClr>
-                  </a:solidFill>
-                  <a:latin typeface="微软雅黑 Light" panose="020B0502040204020203" pitchFamily="34" charset="-122"/>
-                  <a:ea typeface="微软雅黑 Light" panose="020B0502040204020203" pitchFamily="34" charset="-122"/>
-                </a:rPr>
-                <a:t>，</a:t>
-              </a:r>
-              <a:r>
-                <a:rPr lang="zh-CN" altLang="en-US" sz="800" kern="0" dirty="0">
-                  <a:solidFill>
-                    <a:schemeClr val="bg1">
-                      <a:lumMod val="50000"/>
-                    </a:schemeClr>
-                  </a:solidFill>
-                  <a:latin typeface="微软雅黑 Light" panose="020B0502040204020203" pitchFamily="34" charset="-122"/>
-                  <a:ea typeface="微软雅黑 Light" panose="020B0502040204020203" pitchFamily="34" charset="-122"/>
-                </a:rPr>
-                <a:t>专注制作精美的PPT模板。</a:t>
-              </a:r>
-              <a:endParaRPr lang="en-US" altLang="zh-CN" sz="800" kern="0" dirty="0">
-                <a:solidFill>
-                  <a:schemeClr val="bg1">
-                    <a:lumMod val="50000"/>
-                  </a:schemeClr>
-                </a:solidFill>
-                <a:latin typeface="微软雅黑 Light" panose="020B0502040204020203" pitchFamily="34" charset="-122"/>
-                <a:ea typeface="微软雅黑 Light" panose="020B0502040204020203" pitchFamily="34" charset="-122"/>
-              </a:endParaRPr>
-            </a:p>
-          </p:txBody>
-        </p:sp>
-      </p:grpSp>
       <p:sp>
         <p:nvSpPr>
           <p:cNvPr id="16" name="文本框 15"/>
@@ -21377,8 +18455,8 @@
         </p:nvSpPr>
         <p:spPr>
           <a:xfrm>
-            <a:off x="3114681" y="283253"/>
-            <a:ext cx="2886075" cy="414020"/>
+            <a:off x="1798721" y="283253"/>
+            <a:ext cx="5365118" cy="415498"/>
           </a:xfrm>
           <a:prstGeom prst="rect">
             <a:avLst/>
@@ -21393,7 +18471,7 @@
           <a:p>
             <a:pPr algn="ctr"/>
             <a:r>
-              <a:rPr lang="zh-CN" altLang="en-US" sz="2100" b="1" dirty="0">
+              <a:rPr lang="en-US" altLang="zh-CN" sz="2100" b="1" dirty="0" smtClean="0">
                 <a:solidFill>
                   <a:schemeClr val="tx2"/>
                 </a:solidFill>
@@ -21401,7 +18479,51 @@
                 <a:ea typeface="微软雅黑 Light" panose="020B0502040204020203" pitchFamily="34" charset="-122"/>
                 <a:sym typeface="Calibri" panose="020F0502020204030204" pitchFamily="34" charset="0"/>
               </a:rPr>
-              <a:t>工作存在不足</a:t>
+              <a:t>Tuple</a:t>
+            </a:r>
+            <a:r>
+              <a:rPr lang="zh-CN" altLang="en-US" sz="2100" b="1" dirty="0" smtClean="0">
+                <a:solidFill>
+                  <a:schemeClr val="tx2"/>
+                </a:solidFill>
+                <a:latin typeface="Calibri" panose="020F0502020204030204" pitchFamily="34" charset="0"/>
+                <a:ea typeface="微软雅黑 Light" panose="020B0502040204020203" pitchFamily="34" charset="-122"/>
+                <a:sym typeface="Calibri" panose="020F0502020204030204" pitchFamily="34" charset="0"/>
+              </a:rPr>
+              <a:t>、</a:t>
+            </a:r>
+            <a:r>
+              <a:rPr lang="en-US" altLang="zh-CN" sz="2100" b="1" dirty="0" smtClean="0">
+                <a:solidFill>
+                  <a:schemeClr val="tx2"/>
+                </a:solidFill>
+                <a:latin typeface="Calibri" panose="020F0502020204030204" pitchFamily="34" charset="0"/>
+                <a:ea typeface="微软雅黑 Light" panose="020B0502040204020203" pitchFamily="34" charset="-122"/>
+                <a:sym typeface="Calibri" panose="020F0502020204030204" pitchFamily="34" charset="0"/>
+              </a:rPr>
+              <a:t>Union Type </a:t>
+            </a:r>
+            <a:r>
+              <a:rPr lang="zh-CN" altLang="en-US" sz="2100" b="1" dirty="0" smtClean="0">
+                <a:solidFill>
+                  <a:schemeClr val="tx2"/>
+                </a:solidFill>
+                <a:latin typeface="Calibri" panose="020F0502020204030204" pitchFamily="34" charset="0"/>
+                <a:ea typeface="微软雅黑 Light" panose="020B0502040204020203" pitchFamily="34" charset="-122"/>
+                <a:sym typeface="Calibri" panose="020F0502020204030204" pitchFamily="34" charset="0"/>
+              </a:rPr>
+              <a:t>、 </a:t>
+            </a:r>
+            <a:r>
+              <a:rPr lang="en-US" altLang="zh-CN" sz="2100" b="1" dirty="0" smtClean="0">
+                <a:solidFill>
+                  <a:schemeClr val="tx2"/>
+                </a:solidFill>
+                <a:latin typeface="Calibri" panose="020F0502020204030204" pitchFamily="34" charset="0"/>
+                <a:ea typeface="微软雅黑 Light" panose="020B0502040204020203" pitchFamily="34" charset="-122"/>
+                <a:sym typeface="Calibri" panose="020F0502020204030204" pitchFamily="34" charset="0"/>
+              </a:rPr>
+              <a:t>Intersection Type</a:t>
             </a:r>
             <a:endParaRPr lang="en-US" altLang="zh-CN" sz="2100" b="1" dirty="0">
               <a:solidFill>
@@ -21411,45 +18533,6 @@
               <a:ea typeface="微软雅黑 Light" panose="020B0502040204020203" pitchFamily="34" charset="-122"/>
               <a:sym typeface="Calibri" panose="020F0502020204030204" pitchFamily="34" charset="0"/>
             </a:endParaRPr>
-          </a:p>
-        </p:txBody>
-      </p:sp>
-      <p:sp>
-        <p:nvSpPr>
-          <p:cNvPr id="17" name="文本框 16"/>
-          <p:cNvSpPr txBox="1"/>
-          <p:nvPr/>
-        </p:nvSpPr>
-        <p:spPr>
-          <a:xfrm>
-            <a:off x="3019436" y="675669"/>
-            <a:ext cx="3076564" cy="213585"/>
-          </a:xfrm>
-          <a:prstGeom prst="rect">
-            <a:avLst/>
-          </a:prstGeom>
-          <a:noFill/>
-        </p:spPr>
-        <p:txBody>
-          <a:bodyPr wrap="square" rtlCol="0">
-            <a:spAutoFit/>
-            <a:scene3d>
-              <a:camera prst="orthographicFront"/>
-              <a:lightRig rig="threePt" dir="t"/>
-            </a:scene3d>
-            <a:sp3d contourW="12700"/>
-          </a:bodyPr>
-          <a:lstStyle/>
-          <a:p>
-            <a:pPr algn="ctr"/>
-            <a:r>
-              <a:rPr lang="en-US" altLang="zh-CN" sz="790" dirty="0">
-                <a:latin typeface="Calibri" panose="020F0502020204030204" pitchFamily="34" charset="0"/>
-                <a:ea typeface="微软雅黑 Light" panose="020B0502040204020203" pitchFamily="34" charset="-122"/>
-                <a:sym typeface="Calibri" panose="020F0502020204030204" pitchFamily="34" charset="0"/>
-              </a:rPr>
-              <a:t>print the presentation and make it into a film a wider field</a:t>
-            </a:r>
           </a:p>
         </p:txBody>
       </p:sp>
@@ -21544,6 +18627,120 @@
           </a:p>
         </p:txBody>
       </p:sp>
+      <p:graphicFrame>
+        <p:nvGraphicFramePr>
+          <p:cNvPr id="14" name="对象 13"/>
+          <p:cNvGraphicFramePr>
+            <a:graphicFrameLocks noChangeAspect="1"/>
+          </p:cNvGraphicFramePr>
+          <p:nvPr>
+            <p:extLst>
+              <p:ext uri="{D42A27DB-BD31-4B8C-83A1-F6EECF244321}">
+                <p14:modId xmlns:p14="http://schemas.microsoft.com/office/powerpoint/2010/main" val="1772815558"/>
+              </p:ext>
+            </p:extLst>
+          </p:nvPr>
+        </p:nvGraphicFramePr>
+        <p:xfrm>
+          <a:off x="486043" y="1039060"/>
+          <a:ext cx="4094747" cy="3075866"/>
+        </p:xfrm>
+        <a:graphic>
+          <a:graphicData uri="http://schemas.openxmlformats.org/presentationml/2006/ole">
+            <mc:AlternateContent xmlns:mc="http://schemas.openxmlformats.org/markup-compatibility/2006">
+              <mc:Choice xmlns:v="urn:schemas-microsoft-com:vml" Requires="v">
+                <p:oleObj spid="_x0000_s6148" name="文档" r:id="rId4" imgW="8177400" imgH="6141600" progId="Word.OpenDocumentText.12">
+                  <p:embed/>
+                </p:oleObj>
+              </mc:Choice>
+              <mc:Fallback>
+                <p:oleObj name="文档" r:id="rId4" imgW="8177400" imgH="6141600" progId="Word.OpenDocumentText.12">
+                  <p:embed/>
+                  <p:pic>
+                    <p:nvPicPr>
+                      <p:cNvPr id="0" name=""/>
+                      <p:cNvPicPr/>
+                      <p:nvPr/>
+                    </p:nvPicPr>
+                    <p:blipFill>
+                      <a:blip r:embed="rId5"/>
+                      <a:stretch>
+                        <a:fillRect/>
+                      </a:stretch>
+                    </p:blipFill>
+                    <p:spPr>
+                      <a:xfrm>
+                        <a:off x="486043" y="1039060"/>
+                        <a:ext cx="4094747" cy="3075866"/>
+                      </a:xfrm>
+                      <a:prstGeom prst="rect">
+                        <a:avLst/>
+                      </a:prstGeom>
+                    </p:spPr>
+                  </p:pic>
+                </p:oleObj>
+              </mc:Fallback>
+            </mc:AlternateContent>
+          </a:graphicData>
+        </a:graphic>
+      </p:graphicFrame>
+      <p:graphicFrame>
+        <p:nvGraphicFramePr>
+          <p:cNvPr id="15" name="对象 14"/>
+          <p:cNvGraphicFramePr>
+            <a:graphicFrameLocks noChangeAspect="1"/>
+          </p:cNvGraphicFramePr>
+          <p:nvPr>
+            <p:extLst>
+              <p:ext uri="{D42A27DB-BD31-4B8C-83A1-F6EECF244321}">
+                <p14:modId xmlns:p14="http://schemas.microsoft.com/office/powerpoint/2010/main" val="3437417884"/>
+              </p:ext>
+            </p:extLst>
+          </p:nvPr>
+        </p:nvGraphicFramePr>
+        <p:xfrm>
+          <a:off x="4968071" y="1070477"/>
+          <a:ext cx="3901931" cy="912721"/>
+        </p:xfrm>
+        <a:graphic>
+          <a:graphicData uri="http://schemas.openxmlformats.org/presentationml/2006/ole">
+            <mc:AlternateContent xmlns:mc="http://schemas.openxmlformats.org/markup-compatibility/2006">
+              <mc:Choice xmlns:v="urn:schemas-microsoft-com:vml" Requires="v">
+                <p:oleObj spid="_x0000_s6149" name="文档" r:id="rId6" imgW="6093360" imgH="1572840" progId="Word.OpenDocumentText.12">
+                  <p:embed/>
+                </p:oleObj>
+              </mc:Choice>
+              <mc:Fallback>
+                <p:oleObj name="文档" r:id="rId6" imgW="6093360" imgH="1572840" progId="Word.OpenDocumentText.12">
+                  <p:embed/>
+                  <p:pic>
+                    <p:nvPicPr>
+                      <p:cNvPr id="0" name=""/>
+                      <p:cNvPicPr/>
+                      <p:nvPr/>
+                    </p:nvPicPr>
+                    <p:blipFill>
+                      <a:blip r:embed="rId7"/>
+                      <a:stretch>
+                        <a:fillRect/>
+                      </a:stretch>
+                    </p:blipFill>
+                    <p:spPr>
+                      <a:xfrm>
+                        <a:off x="4968071" y="1070477"/>
+                        <a:ext cx="3901931" cy="912721"/>
+                      </a:xfrm>
+                      <a:prstGeom prst="rect">
+                        <a:avLst/>
+                      </a:prstGeom>
+                    </p:spPr>
+                  </p:pic>
+                </p:oleObj>
+              </mc:Fallback>
+            </mc:AlternateContent>
+          </a:graphicData>
+        </a:graphic>
+      </p:graphicFrame>
     </p:spTree>
   </p:cSld>
   <p:clrMapOvr>
@@ -21555,93 +18752,14 @@
   <p:timing>
     <p:tnLst>
       <p:par>
-        <p:cTn id="1" dur="indefinite" restart="never" nodeType="tmRoot">
-          <p:childTnLst>
-            <p:seq concurrent="1" nextAc="seek">
-              <p:cTn id="2" dur="indefinite" nodeType="mainSeq">
-                <p:childTnLst>
-                  <p:par>
-                    <p:cTn id="3" fill="hold">
-                      <p:stCondLst>
-                        <p:cond delay="indefinite"/>
-                        <p:cond evt="onBegin" delay="0">
-                          <p:tn val="2"/>
-                        </p:cond>
-                      </p:stCondLst>
-                      <p:childTnLst>
-                        <p:par>
-                          <p:cTn id="4" fill="hold">
-                            <p:stCondLst>
-                              <p:cond delay="0"/>
-                            </p:stCondLst>
-                            <p:childTnLst>
-                              <p:par>
-                                <p:cTn id="5" presetID="22" presetClass="entr" presetSubtype="1" fill="hold" nodeType="withEffect">
-                                  <p:stCondLst>
-                                    <p:cond delay="0"/>
-                                  </p:stCondLst>
-                                  <p:childTnLst>
-                                    <p:set>
-                                      <p:cBhvr>
-                                        <p:cTn id="6" dur="1" fill="hold">
-                                          <p:stCondLst>
-                                            <p:cond delay="0"/>
-                                          </p:stCondLst>
-                                        </p:cTn>
-                                        <p:tgtEl>
-                                          <p:spTgt spid="13"/>
-                                        </p:tgtEl>
-                                        <p:attrNameLst>
-                                          <p:attrName>style.visibility</p:attrName>
-                                        </p:attrNameLst>
-                                      </p:cBhvr>
-                                      <p:to>
-                                        <p:strVal val="visible"/>
-                                      </p:to>
-                                    </p:set>
-                                    <p:animEffect transition="in" filter="wipe(up)">
-                                      <p:cBhvr>
-                                        <p:cTn id="7" dur="500"/>
-                                        <p:tgtEl>
-                                          <p:spTgt spid="13"/>
-                                        </p:tgtEl>
-                                      </p:cBhvr>
-                                    </p:animEffect>
-                                  </p:childTnLst>
-                                </p:cTn>
-                              </p:par>
-                            </p:childTnLst>
-                          </p:cTn>
-                        </p:par>
-                      </p:childTnLst>
-                    </p:cTn>
-                  </p:par>
-                </p:childTnLst>
-              </p:cTn>
-              <p:prevCondLst>
-                <p:cond evt="onPrev" delay="0">
-                  <p:tgtEl>
-                    <p:sldTgt/>
-                  </p:tgtEl>
-                </p:cond>
-              </p:prevCondLst>
-              <p:nextCondLst>
-                <p:cond evt="onNext" delay="0">
-                  <p:tgtEl>
-                    <p:sldTgt/>
-                  </p:tgtEl>
-                </p:cond>
-              </p:nextCondLst>
-            </p:seq>
-          </p:childTnLst>
-        </p:cTn>
+        <p:cTn id="1" dur="indefinite" restart="never" nodeType="tmRoot"/>
       </p:par>
     </p:tnLst>
   </p:timing>
 </p:sld>
 </file>
 
-<file path=ppt/slides/slide18.xml><?xml version="1.0" encoding="utf-8"?>
+<file path=ppt/slides/slide17.xml><?xml version="1.0" encoding="utf-8"?>
 <p:sld xmlns:a="http://schemas.openxmlformats.org/drawingml/2006/main" xmlns:r="http://schemas.openxmlformats.org/officeDocument/2006/relationships" xmlns:p="http://schemas.openxmlformats.org/presentationml/2006/main">
   <p:cSld>
     <p:spTree>
@@ -22177,7 +19295,7 @@
 </p:sld>
 </file>
 
-<file path=ppt/slides/slide19.xml><?xml version="1.0" encoding="utf-8"?>
+<file path=ppt/slides/slide18.xml><?xml version="1.0" encoding="utf-8"?>
 <p:sld xmlns:a="http://schemas.openxmlformats.org/drawingml/2006/main" xmlns:r="http://schemas.openxmlformats.org/officeDocument/2006/relationships" xmlns:p="http://schemas.openxmlformats.org/presentationml/2006/main">
   <p:cSld>
     <p:spTree>
@@ -22202,10 +19320,10 @@
         </p:nvGrpSpPr>
         <p:grpSpPr>
           <a:xfrm>
-            <a:off x="428595" y="1071082"/>
-            <a:ext cx="8343580" cy="4072421"/>
-            <a:chOff x="428595" y="1071082"/>
-            <a:chExt cx="8343580" cy="4072421"/>
+            <a:off x="986848" y="1133477"/>
+            <a:ext cx="7767276" cy="4010026"/>
+            <a:chOff x="986848" y="1133477"/>
+            <a:chExt cx="7767276" cy="4010026"/>
           </a:xfrm>
         </p:grpSpPr>
         <p:grpSp>
@@ -28561,10 +25679,10 @@
           </p:nvGrpSpPr>
           <p:grpSpPr>
             <a:xfrm>
-              <a:off x="6776798" y="2798741"/>
-              <a:ext cx="1995377" cy="641188"/>
-              <a:chOff x="8633134" y="3937440"/>
-              <a:chExt cx="2765626" cy="854918"/>
+              <a:off x="6714636" y="2792092"/>
+              <a:ext cx="2039488" cy="509691"/>
+              <a:chOff x="8546979" y="3928572"/>
+              <a:chExt cx="2826766" cy="679588"/>
             </a:xfrm>
           </p:grpSpPr>
           <p:sp>
@@ -28575,8 +25693,8 @@
             </p:nvSpPr>
             <p:spPr>
               <a:xfrm>
-                <a:off x="8670513" y="3937440"/>
-                <a:ext cx="1535701" cy="369333"/>
+                <a:off x="8546979" y="3928572"/>
+                <a:ext cx="2008765" cy="369332"/>
               </a:xfrm>
               <a:prstGeom prst="rect">
                 <a:avLst/>
@@ -28591,7 +25709,7 @@
               <a:p>
                 <a:pPr algn="ctr"/>
                 <a:r>
-                  <a:rPr lang="zh-CN" altLang="en-US" sz="1200" b="1" dirty="0">
+                  <a:rPr lang="en-US" altLang="zh-CN" sz="1200" b="1" dirty="0" smtClean="0">
                     <a:solidFill>
                       <a:schemeClr val="bg1">
                         <a:lumMod val="50000"/>
@@ -28600,8 +25718,29 @@
                     <a:latin typeface="微软雅黑 Light" panose="020B0502040204020203" pitchFamily="34" charset="-122"/>
                     <a:ea typeface="微软雅黑 Light" panose="020B0502040204020203" pitchFamily="34" charset="-122"/>
                   </a:rPr>
-                  <a:t>单击添加标题</a:t>
+                  <a:t>To </a:t>
                 </a:r>
+                <a:r>
+                  <a:rPr lang="en-US" altLang="zh-CN" sz="1200" b="1" dirty="0" err="1" smtClean="0">
+                    <a:solidFill>
+                      <a:schemeClr val="bg1">
+                        <a:lumMod val="50000"/>
+                      </a:schemeClr>
+                    </a:solidFill>
+                    <a:latin typeface="微软雅黑 Light" panose="020B0502040204020203" pitchFamily="34" charset="-122"/>
+                    <a:ea typeface="微软雅黑 Light" panose="020B0502040204020203" pitchFamily="34" charset="-122"/>
+                  </a:rPr>
+                  <a:t>webassembly</a:t>
+                </a:r>
+                <a:endParaRPr lang="zh-CN" altLang="en-US" sz="1200" b="1" dirty="0">
+                  <a:solidFill>
+                    <a:schemeClr val="bg1">
+                      <a:lumMod val="50000"/>
+                    </a:schemeClr>
+                  </a:solidFill>
+                  <a:latin typeface="微软雅黑 Light" panose="020B0502040204020203" pitchFamily="34" charset="-122"/>
+                  <a:ea typeface="微软雅黑 Light" panose="020B0502040204020203" pitchFamily="34" charset="-122"/>
+                </a:endParaRPr>
               </a:p>
             </p:txBody>
           </p:sp>
@@ -28613,8 +25752,8 @@
             </p:nvSpPr>
             <p:spPr>
               <a:xfrm>
-                <a:off x="8633134" y="4297904"/>
-                <a:ext cx="2765626" cy="494454"/>
+                <a:off x="8608119" y="4297904"/>
+                <a:ext cx="2765626" cy="310256"/>
               </a:xfrm>
               <a:prstGeom prst="rect">
                 <a:avLst/>
@@ -28632,59 +25771,16 @@
                   </a:lnSpc>
                 </a:pPr>
                 <a:r>
-                  <a:rPr lang="zh-CN" altLang="en-US" sz="800" dirty="0">
+                  <a:rPr lang="en-US" altLang="zh-CN" sz="800" dirty="0" err="1" smtClean="0">
                     <a:solidFill>
                       <a:schemeClr val="bg1">
                         <a:lumMod val="50000"/>
                       </a:schemeClr>
                     </a:solidFill>
                     <a:ea typeface="微软雅黑 Light" panose="020B0502040204020203" pitchFamily="34" charset="-122"/>
+                    <a:hlinkClick r:id="rId3"/>
                   </a:rPr>
-                  <a:t>点击输入内容，建议使用微软雅黑字体</a:t>
-                </a:r>
-                <a:r>
-                  <a:rPr lang="zh-CN" altLang="en-US" sz="800" dirty="0" smtClean="0">
-                    <a:solidFill>
-                      <a:schemeClr val="bg1">
-                        <a:lumMod val="50000"/>
-                      </a:schemeClr>
-                    </a:solidFill>
-                    <a:ea typeface="微软雅黑 Light" panose="020B0502040204020203" pitchFamily="34" charset="-122"/>
-                  </a:rPr>
-                  <a:t>，优品</a:t>
-                </a:r>
-                <a:r>
-                  <a:rPr lang="en-US" altLang="zh-CN" sz="800" dirty="0" smtClean="0">
-                    <a:solidFill>
-                      <a:schemeClr val="bg1">
-                        <a:lumMod val="50000"/>
-                      </a:schemeClr>
-                    </a:solidFill>
-                    <a:ea typeface="微软雅黑 Light" panose="020B0502040204020203" pitchFamily="34" charset="-122"/>
-                  </a:rPr>
-                  <a:t>PPT</a:t>
-                </a:r>
-                <a:r>
-                  <a:rPr lang="zh-CN" altLang="en-US" sz="800" dirty="0" smtClean="0">
-                    <a:solidFill>
-                      <a:schemeClr val="bg1">
-                        <a:lumMod val="50000"/>
-                      </a:schemeClr>
-                    </a:solidFill>
-                    <a:ea typeface="微软雅黑 Light" panose="020B0502040204020203" pitchFamily="34" charset="-122"/>
-                  </a:rPr>
-                  <a:t>，</a:t>
-                </a:r>
-                <a:r>
-                  <a:rPr lang="zh-CN" altLang="en-US" sz="800" dirty="0">
-                    <a:solidFill>
-                      <a:schemeClr val="bg1">
-                        <a:lumMod val="50000"/>
-                      </a:schemeClr>
-                    </a:solidFill>
-                    <a:ea typeface="微软雅黑 Light" panose="020B0502040204020203" pitchFamily="34" charset="-122"/>
-                  </a:rPr>
-                  <a:t>专注制作精美的PPT模板。</a:t>
+                  <a:t>AssemblyScript</a:t>
                 </a:r>
                 <a:endParaRPr lang="en-US" altLang="zh-CN" sz="800" dirty="0">
                   <a:solidFill>
@@ -28706,10 +25802,10 @@
           </p:nvGrpSpPr>
           <p:grpSpPr>
             <a:xfrm>
-              <a:off x="6714642" y="1071082"/>
-              <a:ext cx="2034832" cy="524042"/>
-              <a:chOff x="7489453" y="2128279"/>
-              <a:chExt cx="2820311" cy="698721"/>
+              <a:off x="6666518" y="1197013"/>
+              <a:ext cx="2043497" cy="477882"/>
+              <a:chOff x="7422745" y="2296207"/>
+              <a:chExt cx="2832319" cy="637181"/>
             </a:xfrm>
           </p:grpSpPr>
           <p:sp>
@@ -28720,8 +25816,8 @@
             </p:nvSpPr>
             <p:spPr>
               <a:xfrm>
-                <a:off x="7489453" y="2128279"/>
-                <a:ext cx="1782765" cy="369331"/>
+                <a:off x="7422745" y="2296207"/>
+                <a:ext cx="1782764" cy="369334"/>
               </a:xfrm>
               <a:prstGeom prst="rect">
                 <a:avLst/>
@@ -28791,8 +25887,8 @@
             </p:nvSpPr>
             <p:spPr>
               <a:xfrm>
-                <a:off x="7544138" y="2516745"/>
-                <a:ext cx="2765626" cy="310255"/>
+                <a:off x="7489437" y="2623133"/>
+                <a:ext cx="2765627" cy="310255"/>
               </a:xfrm>
               <a:prstGeom prst="rect">
                 <a:avLst/>
@@ -28817,7 +25913,7 @@
                       </a:schemeClr>
                     </a:solidFill>
                     <a:ea typeface="微软雅黑 Light" panose="020B0502040204020203" pitchFamily="34" charset="-122"/>
-                    <a:hlinkClick r:id="rId3"/>
+                    <a:hlinkClick r:id="rId4"/>
                   </a:rPr>
                   <a:t>compile </a:t>
                 </a:r>
@@ -28829,7 +25925,7 @@
                       </a:schemeClr>
                     </a:solidFill>
                     <a:ea typeface="微软雅黑 Light" panose="020B0502040204020203" pitchFamily="34" charset="-122"/>
-                    <a:hlinkClick r:id="rId3"/>
+                    <a:hlinkClick r:id="rId4"/>
                   </a:rPr>
                   <a:t>api</a:t>
                 </a:r>
@@ -28853,10 +25949,10 @@
           </p:nvGrpSpPr>
           <p:grpSpPr>
             <a:xfrm>
-              <a:off x="537751" y="1578516"/>
-              <a:ext cx="1907594" cy="561157"/>
-              <a:chOff x="519901" y="2286053"/>
-              <a:chExt cx="2765624" cy="748207"/>
+              <a:off x="1895764" y="1629982"/>
+              <a:ext cx="1200077" cy="509691"/>
+              <a:chOff x="2488745" y="2354674"/>
+              <a:chExt cx="1739868" cy="679586"/>
             </a:xfrm>
           </p:grpSpPr>
           <p:sp>
@@ -28867,7 +25963,7 @@
             </p:nvSpPr>
             <p:spPr>
               <a:xfrm>
-                <a:off x="1984479" y="2286053"/>
+                <a:off x="2889786" y="2354674"/>
                 <a:ext cx="1160155" cy="369331"/>
               </a:xfrm>
               <a:prstGeom prst="rect">
@@ -28914,8 +26010,8 @@
             </p:nvSpPr>
             <p:spPr>
               <a:xfrm>
-                <a:off x="519901" y="2724005"/>
-                <a:ext cx="2765624" cy="310255"/>
+                <a:off x="2488745" y="2724005"/>
+                <a:ext cx="1739868" cy="310255"/>
               </a:xfrm>
               <a:prstGeom prst="rect">
                 <a:avLst/>
@@ -28940,7 +26036,7 @@
                       </a:schemeClr>
                     </a:solidFill>
                     <a:ea typeface="微软雅黑 Light" panose="020B0502040204020203" pitchFamily="34" charset="-122"/>
-                    <a:hlinkClick r:id="rId4"/>
+                    <a:hlinkClick r:id="rId5"/>
                   </a:rPr>
                   <a:t>typescript-exercises</a:t>
                 </a:r>
@@ -28964,10 +26060,10 @@
           </p:nvGrpSpPr>
           <p:grpSpPr>
             <a:xfrm>
-              <a:off x="428595" y="3285100"/>
-              <a:ext cx="2011931" cy="669431"/>
-              <a:chOff x="265846" y="4108309"/>
-              <a:chExt cx="2802082" cy="892569"/>
+              <a:off x="986848" y="3304480"/>
+              <a:ext cx="1985754" cy="673694"/>
+              <a:chOff x="1043343" y="4134150"/>
+              <a:chExt cx="2765625" cy="898253"/>
             </a:xfrm>
           </p:grpSpPr>
           <p:sp>
@@ -28978,8 +26074,8 @@
             </p:nvSpPr>
             <p:spPr>
               <a:xfrm>
-                <a:off x="1076917" y="4108309"/>
-                <a:ext cx="1991011" cy="369330"/>
+                <a:off x="1817956" y="4134150"/>
+                <a:ext cx="1991012" cy="369330"/>
               </a:xfrm>
               <a:prstGeom prst="rect">
                 <a:avLst/>
@@ -29023,7 +26119,7 @@
             </p:nvSpPr>
             <p:spPr>
               <a:xfrm>
-                <a:off x="265846" y="4503480"/>
+                <a:off x="1043343" y="4535005"/>
                 <a:ext cx="2765625" cy="497398"/>
               </a:xfrm>
               <a:prstGeom prst="rect">
@@ -29043,13 +26139,13 @@
                 </a:pPr>
                 <a:r>
                   <a:rPr lang="en-US" altLang="zh-CN" sz="800" dirty="0" smtClean="0">
-                    <a:hlinkClick r:id="rId5"/>
+                    <a:hlinkClick r:id="rId6"/>
                   </a:rPr>
                   <a:t>typescript</a:t>
                 </a:r>
                 <a:r>
                   <a:rPr lang="zh-CN" altLang="en-US" sz="800" dirty="0">
-                    <a:hlinkClick r:id="rId5"/>
+                    <a:hlinkClick r:id="rId6"/>
                   </a:rPr>
                   <a:t>使用文档及更新说明</a:t>
                 </a:r>
@@ -29314,6 +26410,222 @@
         </p:cTn>
       </p:par>
     </p:tnLst>
+  </p:timing>
+</p:sld>
+</file>
+
+<file path=ppt/slides/slide19.xml><?xml version="1.0" encoding="utf-8"?>
+<p:sld xmlns:a="http://schemas.openxmlformats.org/drawingml/2006/main" xmlns:r="http://schemas.openxmlformats.org/officeDocument/2006/relationships" xmlns:p="http://schemas.openxmlformats.org/presentationml/2006/main">
+  <p:cSld>
+    <p:spTree>
+      <p:nvGrpSpPr>
+        <p:cNvPr id="1" name=""/>
+        <p:cNvGrpSpPr/>
+        <p:nvPr/>
+      </p:nvGrpSpPr>
+      <p:grpSpPr>
+        <a:xfrm>
+          <a:off x="0" y="0"/>
+          <a:ext cx="0" cy="0"/>
+          <a:chOff x="0" y="0"/>
+          <a:chExt cx="0" cy="0"/>
+        </a:xfrm>
+      </p:grpSpPr>
+      <p:sp>
+        <p:nvSpPr>
+          <p:cNvPr id="4" name="标题 3"/>
+          <p:cNvSpPr>
+            <a:spLocks noGrp="1"/>
+          </p:cNvSpPr>
+          <p:nvPr>
+            <p:ph type="title"/>
+            <p:custDataLst>
+              <p:tags r:id="rId2"/>
+            </p:custDataLst>
+          </p:nvPr>
+        </p:nvSpPr>
+        <p:spPr/>
+        <p:txBody>
+          <a:bodyPr>
+            <a:normAutofit/>
+          </a:bodyPr>
+          <a:lstStyle/>
+          <a:p>
+            <a:r>
+              <a:rPr lang="zh-CN" altLang="en-US"/>
+              <a:t>谢谢观看</a:t>
+            </a:r>
+          </a:p>
+        </p:txBody>
+      </p:sp>
+      <p:sp>
+        <p:nvSpPr>
+          <p:cNvPr id="5" name="文本占位符 4"/>
+          <p:cNvSpPr>
+            <a:spLocks noGrp="1"/>
+          </p:cNvSpPr>
+          <p:nvPr>
+            <p:ph type="body" sz="quarter" idx="13"/>
+            <p:custDataLst>
+              <p:tags r:id="rId3"/>
+            </p:custDataLst>
+          </p:nvPr>
+        </p:nvSpPr>
+        <p:spPr/>
+        <p:txBody>
+          <a:bodyPr/>
+          <a:lstStyle/>
+          <a:p>
+            <a:r>
+              <a:rPr lang="en-US" altLang="zh-CN" dirty="0"/>
+              <a:t>THANK YOU</a:t>
+            </a:r>
+          </a:p>
+        </p:txBody>
+      </p:sp>
+    </p:spTree>
+    <p:custDataLst>
+      <p:tags r:id="rId1"/>
+    </p:custDataLst>
+  </p:cSld>
+  <p:clrMapOvr>
+    <a:masterClrMapping/>
+  </p:clrMapOvr>
+  <p:transition spd="slow">
+    <p:cover/>
+  </p:transition>
+  <p:timing>
+    <p:tnLst>
+      <p:par>
+        <p:cTn id="1" dur="indefinite" restart="never" nodeType="tmRoot">
+          <p:childTnLst>
+            <p:seq concurrent="1" nextAc="seek">
+              <p:cTn id="2" dur="indefinite" nodeType="mainSeq">
+                <p:childTnLst>
+                  <p:par>
+                    <p:cTn id="3" fill="hold">
+                      <p:stCondLst>
+                        <p:cond delay="indefinite"/>
+                        <p:cond evt="onBegin" delay="0">
+                          <p:tn val="2"/>
+                        </p:cond>
+                      </p:stCondLst>
+                      <p:childTnLst>
+                        <p:par>
+                          <p:cTn id="4" fill="hold">
+                            <p:stCondLst>
+                              <p:cond delay="0"/>
+                            </p:stCondLst>
+                            <p:childTnLst>
+                              <p:par>
+                                <p:cTn id="5" presetID="16" presetClass="entr" presetSubtype="21" fill="hold" grpId="0" nodeType="withEffect">
+                                  <p:stCondLst>
+                                    <p:cond delay="0"/>
+                                  </p:stCondLst>
+                                  <p:childTnLst>
+                                    <p:set>
+                                      <p:cBhvr>
+                                        <p:cTn id="6" dur="1" fill="hold">
+                                          <p:stCondLst>
+                                            <p:cond delay="0"/>
+                                          </p:stCondLst>
+                                        </p:cTn>
+                                        <p:tgtEl>
+                                          <p:spTgt spid="4"/>
+                                        </p:tgtEl>
+                                        <p:attrNameLst>
+                                          <p:attrName>style.visibility</p:attrName>
+                                        </p:attrNameLst>
+                                      </p:cBhvr>
+                                      <p:to>
+                                        <p:strVal val="visible"/>
+                                      </p:to>
+                                    </p:set>
+                                    <p:animEffect transition="in" filter="barn(inVertical)">
+                                      <p:cBhvr>
+                                        <p:cTn id="7" dur="500"/>
+                                        <p:tgtEl>
+                                          <p:spTgt spid="4"/>
+                                        </p:tgtEl>
+                                      </p:cBhvr>
+                                    </p:animEffect>
+                                  </p:childTnLst>
+                                </p:cTn>
+                              </p:par>
+                              <p:par>
+                                <p:cTn id="8" presetID="16" presetClass="entr" presetSubtype="21" fill="hold" grpId="0" nodeType="withEffect">
+                                  <p:stCondLst>
+                                    <p:cond delay="0"/>
+                                  </p:stCondLst>
+                                  <p:childTnLst>
+                                    <p:set>
+                                      <p:cBhvr>
+                                        <p:cTn id="9" dur="1" fill="hold">
+                                          <p:stCondLst>
+                                            <p:cond delay="0"/>
+                                          </p:stCondLst>
+                                        </p:cTn>
+                                        <p:tgtEl>
+                                          <p:spTgt spid="5">
+                                            <p:txEl>
+                                              <p:pRg st="0" end="0"/>
+                                            </p:txEl>
+                                          </p:spTgt>
+                                        </p:tgtEl>
+                                        <p:attrNameLst>
+                                          <p:attrName>style.visibility</p:attrName>
+                                        </p:attrNameLst>
+                                      </p:cBhvr>
+                                      <p:to>
+                                        <p:strVal val="visible"/>
+                                      </p:to>
+                                    </p:set>
+                                    <p:animEffect transition="in" filter="barn(inVertical)">
+                                      <p:cBhvr>
+                                        <p:cTn id="10" dur="500"/>
+                                        <p:tgtEl>
+                                          <p:spTgt spid="5">
+                                            <p:txEl>
+                                              <p:pRg st="0" end="0"/>
+                                            </p:txEl>
+                                          </p:spTgt>
+                                        </p:tgtEl>
+                                      </p:cBhvr>
+                                    </p:animEffect>
+                                  </p:childTnLst>
+                                </p:cTn>
+                              </p:par>
+                            </p:childTnLst>
+                          </p:cTn>
+                        </p:par>
+                      </p:childTnLst>
+                    </p:cTn>
+                  </p:par>
+                </p:childTnLst>
+              </p:cTn>
+              <p:prevCondLst>
+                <p:cond evt="onPrev" delay="0">
+                  <p:tgtEl>
+                    <p:sldTgt/>
+                  </p:tgtEl>
+                </p:cond>
+              </p:prevCondLst>
+              <p:nextCondLst>
+                <p:cond evt="onNext" delay="0">
+                  <p:tgtEl>
+                    <p:sldTgt/>
+                  </p:tgtEl>
+                </p:cond>
+              </p:nextCondLst>
+            </p:seq>
+          </p:childTnLst>
+        </p:cTn>
+      </p:par>
+    </p:tnLst>
+    <p:bldLst>
+      <p:bldP spid="4" grpId="0"/>
+      <p:bldP spid="5" grpId="0" build="p"/>
+    </p:bldLst>
   </p:timing>
 </p:sld>
 </file>
@@ -31279,222 +28591,6 @@
 </p:sld>
 </file>
 
-<file path=ppt/slides/slide20.xml><?xml version="1.0" encoding="utf-8"?>
-<p:sld xmlns:a="http://schemas.openxmlformats.org/drawingml/2006/main" xmlns:r="http://schemas.openxmlformats.org/officeDocument/2006/relationships" xmlns:p="http://schemas.openxmlformats.org/presentationml/2006/main">
-  <p:cSld>
-    <p:spTree>
-      <p:nvGrpSpPr>
-        <p:cNvPr id="1" name=""/>
-        <p:cNvGrpSpPr/>
-        <p:nvPr/>
-      </p:nvGrpSpPr>
-      <p:grpSpPr>
-        <a:xfrm>
-          <a:off x="0" y="0"/>
-          <a:ext cx="0" cy="0"/>
-          <a:chOff x="0" y="0"/>
-          <a:chExt cx="0" cy="0"/>
-        </a:xfrm>
-      </p:grpSpPr>
-      <p:sp>
-        <p:nvSpPr>
-          <p:cNvPr id="4" name="标题 3"/>
-          <p:cNvSpPr>
-            <a:spLocks noGrp="1"/>
-          </p:cNvSpPr>
-          <p:nvPr>
-            <p:ph type="title"/>
-            <p:custDataLst>
-              <p:tags r:id="rId2"/>
-            </p:custDataLst>
-          </p:nvPr>
-        </p:nvSpPr>
-        <p:spPr/>
-        <p:txBody>
-          <a:bodyPr>
-            <a:normAutofit/>
-          </a:bodyPr>
-          <a:lstStyle/>
-          <a:p>
-            <a:r>
-              <a:rPr lang="zh-CN" altLang="en-US"/>
-              <a:t>谢谢观看</a:t>
-            </a:r>
-          </a:p>
-        </p:txBody>
-      </p:sp>
-      <p:sp>
-        <p:nvSpPr>
-          <p:cNvPr id="5" name="文本占位符 4"/>
-          <p:cNvSpPr>
-            <a:spLocks noGrp="1"/>
-          </p:cNvSpPr>
-          <p:nvPr>
-            <p:ph type="body" sz="quarter" idx="13"/>
-            <p:custDataLst>
-              <p:tags r:id="rId3"/>
-            </p:custDataLst>
-          </p:nvPr>
-        </p:nvSpPr>
-        <p:spPr/>
-        <p:txBody>
-          <a:bodyPr/>
-          <a:lstStyle/>
-          <a:p>
-            <a:r>
-              <a:rPr lang="en-US" altLang="zh-CN" dirty="0"/>
-              <a:t>THANK YOU</a:t>
-            </a:r>
-          </a:p>
-        </p:txBody>
-      </p:sp>
-    </p:spTree>
-    <p:custDataLst>
-      <p:tags r:id="rId1"/>
-    </p:custDataLst>
-  </p:cSld>
-  <p:clrMapOvr>
-    <a:masterClrMapping/>
-  </p:clrMapOvr>
-  <p:transition spd="slow">
-    <p:cover/>
-  </p:transition>
-  <p:timing>
-    <p:tnLst>
-      <p:par>
-        <p:cTn id="1" dur="indefinite" restart="never" nodeType="tmRoot">
-          <p:childTnLst>
-            <p:seq concurrent="1" nextAc="seek">
-              <p:cTn id="2" dur="indefinite" nodeType="mainSeq">
-                <p:childTnLst>
-                  <p:par>
-                    <p:cTn id="3" fill="hold">
-                      <p:stCondLst>
-                        <p:cond delay="indefinite"/>
-                        <p:cond evt="onBegin" delay="0">
-                          <p:tn val="2"/>
-                        </p:cond>
-                      </p:stCondLst>
-                      <p:childTnLst>
-                        <p:par>
-                          <p:cTn id="4" fill="hold">
-                            <p:stCondLst>
-                              <p:cond delay="0"/>
-                            </p:stCondLst>
-                            <p:childTnLst>
-                              <p:par>
-                                <p:cTn id="5" presetID="16" presetClass="entr" presetSubtype="21" fill="hold" grpId="0" nodeType="withEffect">
-                                  <p:stCondLst>
-                                    <p:cond delay="0"/>
-                                  </p:stCondLst>
-                                  <p:childTnLst>
-                                    <p:set>
-                                      <p:cBhvr>
-                                        <p:cTn id="6" dur="1" fill="hold">
-                                          <p:stCondLst>
-                                            <p:cond delay="0"/>
-                                          </p:stCondLst>
-                                        </p:cTn>
-                                        <p:tgtEl>
-                                          <p:spTgt spid="4"/>
-                                        </p:tgtEl>
-                                        <p:attrNameLst>
-                                          <p:attrName>style.visibility</p:attrName>
-                                        </p:attrNameLst>
-                                      </p:cBhvr>
-                                      <p:to>
-                                        <p:strVal val="visible"/>
-                                      </p:to>
-                                    </p:set>
-                                    <p:animEffect transition="in" filter="barn(inVertical)">
-                                      <p:cBhvr>
-                                        <p:cTn id="7" dur="500"/>
-                                        <p:tgtEl>
-                                          <p:spTgt spid="4"/>
-                                        </p:tgtEl>
-                                      </p:cBhvr>
-                                    </p:animEffect>
-                                  </p:childTnLst>
-                                </p:cTn>
-                              </p:par>
-                              <p:par>
-                                <p:cTn id="8" presetID="16" presetClass="entr" presetSubtype="21" fill="hold" grpId="0" nodeType="withEffect">
-                                  <p:stCondLst>
-                                    <p:cond delay="0"/>
-                                  </p:stCondLst>
-                                  <p:childTnLst>
-                                    <p:set>
-                                      <p:cBhvr>
-                                        <p:cTn id="9" dur="1" fill="hold">
-                                          <p:stCondLst>
-                                            <p:cond delay="0"/>
-                                          </p:stCondLst>
-                                        </p:cTn>
-                                        <p:tgtEl>
-                                          <p:spTgt spid="5">
-                                            <p:txEl>
-                                              <p:pRg st="0" end="0"/>
-                                            </p:txEl>
-                                          </p:spTgt>
-                                        </p:tgtEl>
-                                        <p:attrNameLst>
-                                          <p:attrName>style.visibility</p:attrName>
-                                        </p:attrNameLst>
-                                      </p:cBhvr>
-                                      <p:to>
-                                        <p:strVal val="visible"/>
-                                      </p:to>
-                                    </p:set>
-                                    <p:animEffect transition="in" filter="barn(inVertical)">
-                                      <p:cBhvr>
-                                        <p:cTn id="10" dur="500"/>
-                                        <p:tgtEl>
-                                          <p:spTgt spid="5">
-                                            <p:txEl>
-                                              <p:pRg st="0" end="0"/>
-                                            </p:txEl>
-                                          </p:spTgt>
-                                        </p:tgtEl>
-                                      </p:cBhvr>
-                                    </p:animEffect>
-                                  </p:childTnLst>
-                                </p:cTn>
-                              </p:par>
-                            </p:childTnLst>
-                          </p:cTn>
-                        </p:par>
-                      </p:childTnLst>
-                    </p:cTn>
-                  </p:par>
-                </p:childTnLst>
-              </p:cTn>
-              <p:prevCondLst>
-                <p:cond evt="onPrev" delay="0">
-                  <p:tgtEl>
-                    <p:sldTgt/>
-                  </p:tgtEl>
-                </p:cond>
-              </p:prevCondLst>
-              <p:nextCondLst>
-                <p:cond evt="onNext" delay="0">
-                  <p:tgtEl>
-                    <p:sldTgt/>
-                  </p:tgtEl>
-                </p:cond>
-              </p:nextCondLst>
-            </p:seq>
-          </p:childTnLst>
-        </p:cTn>
-      </p:par>
-    </p:tnLst>
-    <p:bldLst>
-      <p:bldP spid="4" grpId="0"/>
-      <p:bldP spid="5" grpId="0" build="p"/>
-    </p:bldLst>
-  </p:timing>
-</p:sld>
-</file>
-
 <file path=ppt/slides/slide3.xml><?xml version="1.0" encoding="utf-8"?>
 <p:sld xmlns:a="http://schemas.openxmlformats.org/drawingml/2006/main" xmlns:r="http://schemas.openxmlformats.org/officeDocument/2006/relationships" xmlns:p="http://schemas.openxmlformats.org/presentationml/2006/main">
   <p:cSld>
@@ -33103,7 +30199,7 @@
           <p:spPr>
             <a:xfrm>
               <a:off x="4785360" y="1968671"/>
-              <a:ext cx="1630680" cy="724557"/>
+              <a:ext cx="1630680" cy="882614"/>
             </a:xfrm>
             <a:prstGeom prst="rect">
               <a:avLst/>
@@ -33179,7 +30275,37 @@
                   <a:latin typeface="微软雅黑 Light" panose="020B0502040204020203" pitchFamily="34" charset="-122"/>
                   <a:ea typeface="微软雅黑 Light" panose="020B0502040204020203" pitchFamily="34" charset="-122"/>
                 </a:rPr>
-                <a:t>写错</a:t>
+                <a:t>写</a:t>
+              </a:r>
+              <a:r>
+                <a:rPr lang="zh-CN" altLang="en-US" sz="790" dirty="0" smtClean="0">
+                  <a:solidFill>
+                    <a:schemeClr val="bg1"/>
+                  </a:solidFill>
+                  <a:latin typeface="微软雅黑 Light" panose="020B0502040204020203" pitchFamily="34" charset="-122"/>
+                  <a:ea typeface="微软雅黑 Light" panose="020B0502040204020203" pitchFamily="34" charset="-122"/>
+                </a:rPr>
+                <a:t>错，从</a:t>
+              </a:r>
+              <a:r>
+                <a:rPr lang="en-US" altLang="zh-CN" sz="790" dirty="0" smtClean="0">
+                  <a:solidFill>
+                    <a:schemeClr val="bg1"/>
+                  </a:solidFill>
+                  <a:latin typeface="微软雅黑 Light" panose="020B0502040204020203" pitchFamily="34" charset="-122"/>
+                  <a:ea typeface="微软雅黑 Light" panose="020B0502040204020203" pitchFamily="34" charset="-122"/>
+                </a:rPr>
+                <a:t>undefined</a:t>
+              </a:r>
+              <a:r>
+                <a:rPr lang="zh-CN" altLang="en-US" sz="790" dirty="0" smtClean="0">
+                  <a:solidFill>
+                    <a:schemeClr val="bg1"/>
+                  </a:solidFill>
+                  <a:latin typeface="微软雅黑 Light" panose="020B0502040204020203" pitchFamily="34" charset="-122"/>
+                  <a:ea typeface="微软雅黑 Light" panose="020B0502040204020203" pitchFamily="34" charset="-122"/>
+                </a:rPr>
+                <a:t>获取值等</a:t>
               </a:r>
               <a:r>
                 <a:rPr lang="en-US" altLang="zh-CN" sz="790" dirty="0" smtClean="0">
@@ -43689,9 +40815,9 @@
         <p:grpSpPr>
           <a:xfrm>
             <a:off x="1803849" y="3036681"/>
-            <a:ext cx="3490045" cy="871017"/>
+            <a:ext cx="3490045" cy="730658"/>
             <a:chOff x="1803850" y="3036681"/>
-            <a:chExt cx="2336178" cy="871017"/>
+            <a:chExt cx="2336178" cy="730658"/>
           </a:xfrm>
         </p:grpSpPr>
         <p:sp>
@@ -43749,7 +40875,7 @@
           <p:spPr>
             <a:xfrm>
               <a:off x="1803851" y="3320466"/>
-              <a:ext cx="2336177" cy="587232"/>
+              <a:ext cx="2336177" cy="446873"/>
             </a:xfrm>
             <a:prstGeom prst="rect">
               <a:avLst/>
@@ -43790,6 +40916,28 @@
                   <a:ea typeface="微软雅黑 Light" panose="020B0502040204020203" pitchFamily="34" charset="-122"/>
                 </a:rPr>
                 <a:t>undefined</a:t>
+              </a:r>
+              <a:r>
+                <a:rPr lang="zh-CN" altLang="en-US" sz="800" dirty="0" smtClean="0">
+                  <a:solidFill>
+                    <a:schemeClr val="bg1">
+                      <a:lumMod val="50000"/>
+                    </a:schemeClr>
+                  </a:solidFill>
+                  <a:ea typeface="微软雅黑 Light" panose="020B0502040204020203" pitchFamily="34" charset="-122"/>
+                </a:rPr>
+                <a:t>、</a:t>
+              </a:r>
+              <a:r>
+                <a:rPr lang="en-US" altLang="zh-CN" sz="800" dirty="0" smtClean="0">
+                  <a:solidFill>
+                    <a:schemeClr val="bg1">
+                      <a:lumMod val="50000"/>
+                    </a:schemeClr>
+                  </a:solidFill>
+                  <a:ea typeface="微软雅黑 Light" panose="020B0502040204020203" pitchFamily="34" charset="-122"/>
+                </a:rPr>
+                <a:t>null</a:t>
               </a:r>
               <a:r>
                 <a:rPr lang="zh-CN" altLang="en-US" sz="800" dirty="0" smtClean="0">
@@ -44037,7 +41185,126 @@
           </a:p>
         </p:txBody>
       </p:sp>
+      <p:graphicFrame>
+        <p:nvGraphicFramePr>
+          <p:cNvPr id="7" name="对象 6"/>
+          <p:cNvGraphicFramePr>
+            <a:graphicFrameLocks noChangeAspect="1"/>
+          </p:cNvGraphicFramePr>
+          <p:nvPr>
+            <p:extLst>
+              <p:ext uri="{D42A27DB-BD31-4B8C-83A1-F6EECF244321}">
+                <p14:modId xmlns:p14="http://schemas.microsoft.com/office/powerpoint/2010/main" val="197414703"/>
+              </p:ext>
+            </p:extLst>
+          </p:nvPr>
+        </p:nvGraphicFramePr>
+        <p:xfrm>
+          <a:off x="4325603" y="1138962"/>
+          <a:ext cx="4496203" cy="1744914"/>
+        </p:xfrm>
+        <a:graphic>
+          <a:graphicData uri="http://schemas.openxmlformats.org/presentationml/2006/ole">
+            <mc:AlternateContent xmlns:mc="http://schemas.openxmlformats.org/markup-compatibility/2006">
+              <mc:Choice xmlns:v="urn:schemas-microsoft-com:vml" Requires="v">
+                <p:oleObj spid="_x0000_s2070" name="文档" r:id="rId4" imgW="6269400" imgH="2575440" progId="Word.OpenDocumentText.12">
+                  <p:embed/>
+                </p:oleObj>
+              </mc:Choice>
+              <mc:Fallback>
+                <p:oleObj name="文档" r:id="rId4" imgW="6269400" imgH="2575440" progId="Word.OpenDocumentText.12">
+                  <p:embed/>
+                  <p:pic>
+                    <p:nvPicPr>
+                      <p:cNvPr id="0" name=""/>
+                      <p:cNvPicPr/>
+                      <p:nvPr/>
+                    </p:nvPicPr>
+                    <p:blipFill>
+                      <a:blip r:embed="rId5"/>
+                      <a:stretch>
+                        <a:fillRect/>
+                      </a:stretch>
+                    </p:blipFill>
+                    <p:spPr>
+                      <a:xfrm>
+                        <a:off x="4325603" y="1138962"/>
+                        <a:ext cx="4496203" cy="1744914"/>
+                      </a:xfrm>
+                      <a:prstGeom prst="rect">
+                        <a:avLst/>
+                      </a:prstGeom>
+                    </p:spPr>
+                  </p:pic>
+                </p:oleObj>
+              </mc:Fallback>
+            </mc:AlternateContent>
+          </a:graphicData>
+        </a:graphic>
+      </p:graphicFrame>
+      <p:graphicFrame>
+        <p:nvGraphicFramePr>
+          <p:cNvPr id="9" name="对象 8"/>
+          <p:cNvGraphicFramePr>
+            <a:graphicFrameLocks noChangeAspect="1"/>
+          </p:cNvGraphicFramePr>
+          <p:nvPr>
+            <p:extLst>
+              <p:ext uri="{D42A27DB-BD31-4B8C-83A1-F6EECF244321}">
+                <p14:modId xmlns:p14="http://schemas.microsoft.com/office/powerpoint/2010/main" val="2203635186"/>
+              </p:ext>
+            </p:extLst>
+          </p:nvPr>
+        </p:nvGraphicFramePr>
+        <p:xfrm>
+          <a:off x="4324852" y="3022306"/>
+          <a:ext cx="4379996" cy="343266"/>
+        </p:xfrm>
+        <a:graphic>
+          <a:graphicData uri="http://schemas.openxmlformats.org/presentationml/2006/ole">
+            <mc:AlternateContent xmlns:mc="http://schemas.openxmlformats.org/markup-compatibility/2006">
+              <mc:Choice xmlns:v="urn:schemas-microsoft-com:vml" Requires="v">
+                <p:oleObj spid="_x0000_s2071" name="文档" r:id="rId6" imgW="6870600" imgH="594360" progId="Word.OpenDocumentText.12">
+                  <p:embed/>
+                </p:oleObj>
+              </mc:Choice>
+              <mc:Fallback>
+                <p:oleObj name="文档" r:id="rId6" imgW="6870600" imgH="594360" progId="Word.OpenDocumentText.12">
+                  <p:embed/>
+                  <p:pic>
+                    <p:nvPicPr>
+                      <p:cNvPr id="0" name=""/>
+                      <p:cNvPicPr/>
+                      <p:nvPr/>
+                    </p:nvPicPr>
+                    <p:blipFill>
+                      <a:blip r:embed="rId7"/>
+                      <a:stretch>
+                        <a:fillRect/>
+                      </a:stretch>
+                    </p:blipFill>
+                    <p:spPr>
+                      <a:xfrm>
+                        <a:off x="4324852" y="3022306"/>
+                        <a:ext cx="4379996" cy="343266"/>
+                      </a:xfrm>
+                      <a:prstGeom prst="rect">
+                        <a:avLst/>
+                      </a:prstGeom>
+                    </p:spPr>
+                  </p:pic>
+                </p:oleObj>
+              </mc:Fallback>
+            </mc:AlternateContent>
+          </a:graphicData>
+        </a:graphic>
+      </p:graphicFrame>
     </p:spTree>
+    <p:extLst>
+      <p:ext uri="{BB962C8B-B14F-4D97-AF65-F5344CB8AC3E}">
+        <p14:creationId xmlns:p14="http://schemas.microsoft.com/office/powerpoint/2010/main" val="213527175"/>
+      </p:ext>
+    </p:extLst>
   </p:cSld>
   <p:clrMapOvr>
     <a:masterClrMapping/>
@@ -45207,7 +42474,7 @@
   <a:extraClrSchemeLst/>
   <a:extLst>
     <a:ext uri="{05A4C25C-085E-4340-85A3-A5531E510DB2}">
-      <thm15:themeFamily xmlns:thm15="http://schemas.microsoft.com/office/thememl/2012/main" xmlns="" name="Office Theme" id="{62F939B6-93AF-4DB8-9C6B-D6C7DFDC589F}" vid="{4A3C46E8-61CC-4603-A589-7422A47A8E4A}"/>
+      <thm15:themeFamily xmlns="" xmlns:thm15="http://schemas.microsoft.com/office/thememl/2012/main" name="Office Theme" id="{62F939B6-93AF-4DB8-9C6B-D6C7DFDC589F}" vid="{4A3C46E8-61CC-4603-A589-7422A47A8E4A}"/>
     </a:ext>
   </a:extLst>
 </a:theme>
@@ -45408,7 +42675,7 @@
   <a:extraClrSchemeLst/>
   <a:extLst>
     <a:ext uri="{05A4C25C-085E-4340-85A3-A5531E510DB2}">
-      <thm15:themeFamily xmlns:thm15="http://schemas.microsoft.com/office/thememl/2012/main" xmlns="" name="Office Theme" id="{62F939B6-93AF-4DB8-9C6B-D6C7DFDC589F}" vid="{4A3C46E8-61CC-4603-A589-7422A47A8E4A}"/>
+      <thm15:themeFamily xmlns="" xmlns:thm15="http://schemas.microsoft.com/office/thememl/2012/main" name="Office Theme" id="{62F939B6-93AF-4DB8-9C6B-D6C7DFDC589F}" vid="{4A3C46E8-61CC-4603-A589-7422A47A8E4A}"/>
     </a:ext>
   </a:extLst>
 </a:theme>
@@ -45669,7 +42936,7 @@
   <a:extraClrSchemeLst/>
   <a:extLst>
     <a:ext uri="{05A4C25C-085E-4340-85A3-A5531E510DB2}">
-      <thm15:themeFamily xmlns:thm15="http://schemas.microsoft.com/office/thememl/2012/main" xmlns="" name="Office Theme" id="{62F939B6-93AF-4DB8-9C6B-D6C7DFDC589F}" vid="{4A3C46E8-61CC-4603-A589-7422A47A8E4A}"/>
+      <thm15:themeFamily xmlns="" xmlns:thm15="http://schemas.microsoft.com/office/thememl/2012/main" name="Office Theme" id="{62F939B6-93AF-4DB8-9C6B-D6C7DFDC589F}" vid="{4A3C46E8-61CC-4603-A589-7422A47A8E4A}"/>
     </a:ext>
   </a:extLst>
 </a:theme>
@@ -45930,7 +43197,7 @@
   <a:extraClrSchemeLst/>
   <a:extLst>
     <a:ext uri="{05A4C25C-085E-4340-85A3-A5531E510DB2}">
-      <thm15:themeFamily xmlns:thm15="http://schemas.microsoft.com/office/thememl/2012/main" xmlns="" name="Office Theme" id="{62F939B6-93AF-4DB8-9C6B-D6C7DFDC589F}" vid="{4A3C46E8-61CC-4603-A589-7422A47A8E4A}"/>
+      <thm15:themeFamily xmlns="" xmlns:thm15="http://schemas.microsoft.com/office/thememl/2012/main" name="Office Theme" id="{62F939B6-93AF-4DB8-9C6B-D6C7DFDC589F}" vid="{4A3C46E8-61CC-4603-A589-7422A47A8E4A}"/>
     </a:ext>
   </a:extLst>
 </a:theme>

--- a/ts-分享.pptx
+++ b/ts-分享.pptx
@@ -6,10 +6,10 @@
     <p:sldMasterId id="2147483669" r:id="rId2"/>
   </p:sldMasterIdLst>
   <p:notesMasterIdLst>
-    <p:notesMasterId r:id="rId22"/>
+    <p:notesMasterId r:id="rId24"/>
   </p:notesMasterIdLst>
   <p:handoutMasterIdLst>
-    <p:handoutMasterId r:id="rId23"/>
+    <p:handoutMasterId r:id="rId25"/>
   </p:handoutMasterIdLst>
   <p:sldIdLst>
     <p:sldId id="3331" r:id="rId3"/>
@@ -28,14 +28,16 @@
     <p:sldId id="1068" r:id="rId16"/>
     <p:sldId id="1067" r:id="rId17"/>
     <p:sldId id="1062" r:id="rId18"/>
-    <p:sldId id="3335" r:id="rId19"/>
-    <p:sldId id="1064" r:id="rId20"/>
-    <p:sldId id="3336" r:id="rId21"/>
+    <p:sldId id="3341" r:id="rId19"/>
+    <p:sldId id="3342" r:id="rId20"/>
+    <p:sldId id="3335" r:id="rId21"/>
+    <p:sldId id="1064" r:id="rId22"/>
+    <p:sldId id="3336" r:id="rId23"/>
   </p:sldIdLst>
   <p:sldSz cx="9144000" cy="5143500" type="screen16x9"/>
   <p:notesSz cx="6858000" cy="9144000"/>
   <p:custDataLst>
-    <p:tags r:id="rId24"/>
+    <p:tags r:id="rId26"/>
   </p:custDataLst>
   <p:defaultTextStyle>
     <a:defPPr>
@@ -233,7 +235,7 @@
           <a:p>
             <a:fld id="{0F9B84EA-7D68-4D60-9CB1-D50884785D1C}" type="datetimeFigureOut">
               <a:rPr lang="zh-CN" altLang="en-US" smtClean="0"/>
-              <a:t>2021/8/26</a:t>
+              <a:t>2021/8/29</a:t>
             </a:fld>
             <a:endParaRPr lang="zh-CN" altLang="en-US"/>
           </a:p>
@@ -398,7 +400,7 @@
           <a:p>
             <a:fld id="{AD4A3340-C542-46E3-BB6B-1E3F28D53E89}" type="datetimeFigureOut">
               <a:rPr lang="zh-CN" altLang="en-US" smtClean="0"/>
-              <a:t>2021/8/26</a:t>
+              <a:t>2021/8/29</a:t>
             </a:fld>
             <a:endParaRPr lang="zh-CN" altLang="en-US"/>
           </a:p>
@@ -1353,9 +1355,9 @@
       </p:grpSpPr>
       <p:sp>
         <p:nvSpPr>
-          <p:cNvPr id="2" name="幻灯片图像占位符 1"/>
+          <p:cNvPr id="41986" name="Rectangle 2"/>
           <p:cNvSpPr>
-            <a:spLocks noGrp="1" noRot="1" noChangeAspect="1"/>
+            <a:spLocks noGrp="1" noRot="1" noChangeAspect="1" noChangeArrowheads="1" noTextEdit="1"/>
           </p:cNvSpPr>
           <p:nvPr>
             <p:ph type="sldImg"/>
@@ -1363,16 +1365,16 @@
         </p:nvSpPr>
         <p:spPr>
           <a:xfrm>
-            <a:off x="685800" y="1143000"/>
-            <a:ext cx="5486400" cy="3086100"/>
+            <a:off x="381000" y="685800"/>
+            <a:ext cx="6096000" cy="3429000"/>
           </a:xfrm>
         </p:spPr>
       </p:sp>
       <p:sp>
         <p:nvSpPr>
-          <p:cNvPr id="3" name="备注占位符 2"/>
+          <p:cNvPr id="41987" name="Rectangle 3"/>
           <p:cNvSpPr>
-            <a:spLocks noGrp="1"/>
+            <a:spLocks noGrp="1" noChangeArrowheads="1"/>
           </p:cNvSpPr>
           <p:nvPr>
             <p:ph type="body" idx="1"/>
@@ -1387,33 +1389,10 @@
           </a:p>
         </p:txBody>
       </p:sp>
-      <p:sp>
-        <p:nvSpPr>
-          <p:cNvPr id="4" name="灯片编号占位符 3"/>
-          <p:cNvSpPr>
-            <a:spLocks noGrp="1"/>
-          </p:cNvSpPr>
-          <p:nvPr>
-            <p:ph type="sldNum" sz="quarter" idx="10"/>
-          </p:nvPr>
-        </p:nvSpPr>
-        <p:spPr/>
-        <p:txBody>
-          <a:bodyPr/>
-          <a:lstStyle/>
-          <a:p>
-            <a:fld id="{FE3C19EA-75F7-469A-9304-1B2BFF998463}" type="slidenum">
-              <a:rPr lang="zh-CN" altLang="en-US" smtClean="0"/>
-              <a:t>17</a:t>
-            </a:fld>
-            <a:endParaRPr lang="zh-CN" altLang="en-US"/>
-          </a:p>
-        </p:txBody>
-      </p:sp>
     </p:spTree>
     <p:extLst>
       <p:ext uri="{BB962C8B-B14F-4D97-AF65-F5344CB8AC3E}">
-        <p14:creationId xmlns:p14="http://schemas.microsoft.com/office/powerpoint/2010/main" val="3404493281"/>
+        <p14:creationId xmlns:p14="http://schemas.microsoft.com/office/powerpoint/2010/main" val="362114208"/>
       </p:ext>
     </p:extLst>
   </p:cSld>
@@ -1442,21 +1421,26 @@
       </p:grpSpPr>
       <p:sp>
         <p:nvSpPr>
-          <p:cNvPr id="2" name="幻灯片图像占位符 1"/>
+          <p:cNvPr id="41986" name="Rectangle 2"/>
           <p:cNvSpPr>
-            <a:spLocks noGrp="1" noRot="1" noChangeAspect="1"/>
+            <a:spLocks noGrp="1" noRot="1" noChangeAspect="1" noChangeArrowheads="1" noTextEdit="1"/>
           </p:cNvSpPr>
           <p:nvPr>
             <p:ph type="sldImg"/>
           </p:nvPr>
         </p:nvSpPr>
-        <p:spPr/>
+        <p:spPr>
+          <a:xfrm>
+            <a:off x="381000" y="685800"/>
+            <a:ext cx="6096000" cy="3429000"/>
+          </a:xfrm>
+        </p:spPr>
       </p:sp>
       <p:sp>
         <p:nvSpPr>
-          <p:cNvPr id="3" name="备注占位符 2"/>
+          <p:cNvPr id="41987" name="Rectangle 3"/>
           <p:cNvSpPr>
-            <a:spLocks noGrp="1"/>
+            <a:spLocks noGrp="1" noChangeArrowheads="1"/>
           </p:cNvSpPr>
           <p:nvPr>
             <p:ph type="body" idx="1"/>
@@ -1471,33 +1455,10 @@
           </a:p>
         </p:txBody>
       </p:sp>
-      <p:sp>
-        <p:nvSpPr>
-          <p:cNvPr id="4" name="灯片编号占位符 3"/>
-          <p:cNvSpPr>
-            <a:spLocks noGrp="1"/>
-          </p:cNvSpPr>
-          <p:nvPr>
-            <p:ph type="sldNum" sz="quarter" idx="10"/>
-          </p:nvPr>
-        </p:nvSpPr>
-        <p:spPr/>
-        <p:txBody>
-          <a:bodyPr/>
-          <a:lstStyle/>
-          <a:p>
-            <a:fld id="{530FAB2B-D77A-4486-826C-4471D40F7AD3}" type="slidenum">
-              <a:rPr lang="zh-CN" altLang="en-US" smtClean="0"/>
-              <a:t>18</a:t>
-            </a:fld>
-            <a:endParaRPr lang="zh-CN" altLang="en-US"/>
-          </a:p>
-        </p:txBody>
-      </p:sp>
     </p:spTree>
     <p:extLst>
       <p:ext uri="{BB962C8B-B14F-4D97-AF65-F5344CB8AC3E}">
-        <p14:creationId xmlns:p14="http://schemas.microsoft.com/office/powerpoint/2010/main" val="2642707526"/>
+        <p14:creationId xmlns:p14="http://schemas.microsoft.com/office/powerpoint/2010/main" val="362114208"/>
       </p:ext>
     </p:extLst>
   </p:cSld>
@@ -1586,7 +1547,7 @@
     </p:spTree>
     <p:extLst>
       <p:ext uri="{BB962C8B-B14F-4D97-AF65-F5344CB8AC3E}">
-        <p14:creationId xmlns:p14="http://schemas.microsoft.com/office/powerpoint/2010/main" val="3346180416"/>
+        <p14:creationId xmlns:p14="http://schemas.microsoft.com/office/powerpoint/2010/main" val="3404493281"/>
       </p:ext>
     </p:extLst>
   </p:cSld>
@@ -1676,6 +1637,179 @@
     <p:extLst>
       <p:ext uri="{BB962C8B-B14F-4D97-AF65-F5344CB8AC3E}">
         <p14:creationId xmlns:p14="http://schemas.microsoft.com/office/powerpoint/2010/main" val="1934549189"/>
+      </p:ext>
+    </p:extLst>
+  </p:cSld>
+  <p:clrMapOvr>
+    <a:masterClrMapping/>
+  </p:clrMapOvr>
+</p:notes>
+</file>
+
+<file path=ppt/notesSlides/notesSlide20.xml><?xml version="1.0" encoding="utf-8"?>
+<p:notes xmlns:a="http://schemas.openxmlformats.org/drawingml/2006/main" xmlns:r="http://schemas.openxmlformats.org/officeDocument/2006/relationships" xmlns:p="http://schemas.openxmlformats.org/presentationml/2006/main">
+  <p:cSld>
+    <p:spTree>
+      <p:nvGrpSpPr>
+        <p:cNvPr id="1" name=""/>
+        <p:cNvGrpSpPr/>
+        <p:nvPr/>
+      </p:nvGrpSpPr>
+      <p:grpSpPr>
+        <a:xfrm>
+          <a:off x="0" y="0"/>
+          <a:ext cx="0" cy="0"/>
+          <a:chOff x="0" y="0"/>
+          <a:chExt cx="0" cy="0"/>
+        </a:xfrm>
+      </p:grpSpPr>
+      <p:sp>
+        <p:nvSpPr>
+          <p:cNvPr id="2" name="幻灯片图像占位符 1"/>
+          <p:cNvSpPr>
+            <a:spLocks noGrp="1" noRot="1" noChangeAspect="1"/>
+          </p:cNvSpPr>
+          <p:nvPr>
+            <p:ph type="sldImg"/>
+          </p:nvPr>
+        </p:nvSpPr>
+        <p:spPr/>
+      </p:sp>
+      <p:sp>
+        <p:nvSpPr>
+          <p:cNvPr id="3" name="备注占位符 2"/>
+          <p:cNvSpPr>
+            <a:spLocks noGrp="1"/>
+          </p:cNvSpPr>
+          <p:nvPr>
+            <p:ph type="body" idx="1"/>
+          </p:nvPr>
+        </p:nvSpPr>
+        <p:spPr/>
+        <p:txBody>
+          <a:bodyPr/>
+          <a:lstStyle/>
+          <a:p>
+            <a:endParaRPr lang="zh-CN" altLang="en-US"/>
+          </a:p>
+        </p:txBody>
+      </p:sp>
+      <p:sp>
+        <p:nvSpPr>
+          <p:cNvPr id="4" name="灯片编号占位符 3"/>
+          <p:cNvSpPr>
+            <a:spLocks noGrp="1"/>
+          </p:cNvSpPr>
+          <p:nvPr>
+            <p:ph type="sldNum" sz="quarter" idx="10"/>
+          </p:nvPr>
+        </p:nvSpPr>
+        <p:spPr/>
+        <p:txBody>
+          <a:bodyPr/>
+          <a:lstStyle/>
+          <a:p>
+            <a:fld id="{530FAB2B-D77A-4486-826C-4471D40F7AD3}" type="slidenum">
+              <a:rPr lang="zh-CN" altLang="en-US" smtClean="0"/>
+              <a:t>20</a:t>
+            </a:fld>
+            <a:endParaRPr lang="zh-CN" altLang="en-US"/>
+          </a:p>
+        </p:txBody>
+      </p:sp>
+    </p:spTree>
+    <p:extLst>
+      <p:ext uri="{BB962C8B-B14F-4D97-AF65-F5344CB8AC3E}">
+        <p14:creationId xmlns:p14="http://schemas.microsoft.com/office/powerpoint/2010/main" val="2642707526"/>
+      </p:ext>
+    </p:extLst>
+  </p:cSld>
+  <p:clrMapOvr>
+    <a:masterClrMapping/>
+  </p:clrMapOvr>
+</p:notes>
+</file>
+
+<file path=ppt/notesSlides/notesSlide21.xml><?xml version="1.0" encoding="utf-8"?>
+<p:notes xmlns:a="http://schemas.openxmlformats.org/drawingml/2006/main" xmlns:r="http://schemas.openxmlformats.org/officeDocument/2006/relationships" xmlns:p="http://schemas.openxmlformats.org/presentationml/2006/main">
+  <p:cSld>
+    <p:spTree>
+      <p:nvGrpSpPr>
+        <p:cNvPr id="1" name=""/>
+        <p:cNvGrpSpPr/>
+        <p:nvPr/>
+      </p:nvGrpSpPr>
+      <p:grpSpPr>
+        <a:xfrm>
+          <a:off x="0" y="0"/>
+          <a:ext cx="0" cy="0"/>
+          <a:chOff x="0" y="0"/>
+          <a:chExt cx="0" cy="0"/>
+        </a:xfrm>
+      </p:grpSpPr>
+      <p:sp>
+        <p:nvSpPr>
+          <p:cNvPr id="2" name="幻灯片图像占位符 1"/>
+          <p:cNvSpPr>
+            <a:spLocks noGrp="1" noRot="1" noChangeAspect="1"/>
+          </p:cNvSpPr>
+          <p:nvPr>
+            <p:ph type="sldImg"/>
+          </p:nvPr>
+        </p:nvSpPr>
+        <p:spPr>
+          <a:xfrm>
+            <a:off x="685800" y="1143000"/>
+            <a:ext cx="5486400" cy="3086100"/>
+          </a:xfrm>
+        </p:spPr>
+      </p:sp>
+      <p:sp>
+        <p:nvSpPr>
+          <p:cNvPr id="3" name="备注占位符 2"/>
+          <p:cNvSpPr>
+            <a:spLocks noGrp="1"/>
+          </p:cNvSpPr>
+          <p:nvPr>
+            <p:ph type="body" idx="1"/>
+          </p:nvPr>
+        </p:nvSpPr>
+        <p:spPr/>
+        <p:txBody>
+          <a:bodyPr/>
+          <a:lstStyle/>
+          <a:p>
+            <a:endParaRPr lang="zh-CN" altLang="en-US"/>
+          </a:p>
+        </p:txBody>
+      </p:sp>
+      <p:sp>
+        <p:nvSpPr>
+          <p:cNvPr id="4" name="灯片编号占位符 3"/>
+          <p:cNvSpPr>
+            <a:spLocks noGrp="1"/>
+          </p:cNvSpPr>
+          <p:nvPr>
+            <p:ph type="sldNum" sz="quarter" idx="10"/>
+          </p:nvPr>
+        </p:nvSpPr>
+        <p:spPr/>
+        <p:txBody>
+          <a:bodyPr/>
+          <a:lstStyle/>
+          <a:p>
+            <a:fld id="{FE3C19EA-75F7-469A-9304-1B2BFF998463}" type="slidenum">
+              <a:rPr lang="zh-CN" altLang="en-US" smtClean="0"/>
+              <a:t>21</a:t>
+            </a:fld>
+            <a:endParaRPr lang="zh-CN" altLang="en-US"/>
+          </a:p>
+        </p:txBody>
+      </p:sp>
+    </p:spTree>
+    <p:extLst>
+      <p:ext uri="{BB962C8B-B14F-4D97-AF65-F5344CB8AC3E}">
+        <p14:creationId xmlns:p14="http://schemas.microsoft.com/office/powerpoint/2010/main" val="3346180416"/>
       </p:ext>
     </p:extLst>
   </p:cSld>
@@ -2392,7 +2526,7 @@
             <a:fld id="{263DB197-84B0-484E-9C0F-88358ECCB797}" type="datetimeFigureOut">
               <a:rPr lang="zh-CN" altLang="en-US" smtClean="0"/>
               <a:pPr/>
-              <a:t>2021/8/26</a:t>
+              <a:t>2021/8/29</a:t>
             </a:fld>
             <a:endParaRPr lang="zh-CN" altLang="en-US" dirty="0"/>
           </a:p>
@@ -2553,7 +2687,7 @@
             <a:fld id="{263DB197-84B0-484E-9C0F-88358ECCB797}" type="datetimeFigureOut">
               <a:rPr lang="zh-CN" altLang="en-US" smtClean="0"/>
               <a:pPr/>
-              <a:t>2021/8/26</a:t>
+              <a:t>2021/8/29</a:t>
             </a:fld>
             <a:endParaRPr lang="zh-CN" altLang="en-US" dirty="0"/>
           </a:p>
@@ -2714,7 +2848,7 @@
             <a:fld id="{263DB197-84B0-484E-9C0F-88358ECCB797}" type="datetimeFigureOut">
               <a:rPr lang="zh-CN" altLang="en-US" smtClean="0"/>
               <a:pPr/>
-              <a:t>2021/8/26</a:t>
+              <a:t>2021/8/29</a:t>
             </a:fld>
             <a:endParaRPr lang="zh-CN" altLang="en-US" dirty="0"/>
           </a:p>
@@ -2875,7 +3009,7 @@
             <a:fld id="{263DB197-84B0-484E-9C0F-88358ECCB797}" type="datetimeFigureOut">
               <a:rPr lang="zh-CN" altLang="en-US" smtClean="0"/>
               <a:pPr/>
-              <a:t>2021/8/26</a:t>
+              <a:t>2021/8/29</a:t>
             </a:fld>
             <a:endParaRPr lang="zh-CN" altLang="en-US" dirty="0"/>
           </a:p>
@@ -3036,7 +3170,7 @@
             <a:fld id="{263DB197-84B0-484E-9C0F-88358ECCB797}" type="datetimeFigureOut">
               <a:rPr lang="zh-CN" altLang="en-US" smtClean="0"/>
               <a:pPr/>
-              <a:t>2021/8/26</a:t>
+              <a:t>2021/8/29</a:t>
             </a:fld>
             <a:endParaRPr lang="zh-CN" altLang="en-US" dirty="0"/>
           </a:p>
@@ -3197,7 +3331,7 @@
             <a:fld id="{263DB197-84B0-484E-9C0F-88358ECCB797}" type="datetimeFigureOut">
               <a:rPr lang="zh-CN" altLang="en-US" smtClean="0"/>
               <a:pPr/>
-              <a:t>2021/8/26</a:t>
+              <a:t>2021/8/29</a:t>
             </a:fld>
             <a:endParaRPr lang="zh-CN" altLang="en-US" dirty="0"/>
           </a:p>
@@ -3358,7 +3492,7 @@
             <a:fld id="{263DB197-84B0-484E-9C0F-88358ECCB797}" type="datetimeFigureOut">
               <a:rPr lang="zh-CN" altLang="en-US" smtClean="0"/>
               <a:pPr/>
-              <a:t>2021/8/26</a:t>
+              <a:t>2021/8/29</a:t>
             </a:fld>
             <a:endParaRPr lang="zh-CN" altLang="en-US" dirty="0"/>
           </a:p>
@@ -3519,7 +3653,7 @@
             <a:fld id="{263DB197-84B0-484E-9C0F-88358ECCB797}" type="datetimeFigureOut">
               <a:rPr lang="zh-CN" altLang="en-US" smtClean="0"/>
               <a:pPr/>
-              <a:t>2021/8/26</a:t>
+              <a:t>2021/8/29</a:t>
             </a:fld>
             <a:endParaRPr lang="zh-CN" altLang="en-US" dirty="0"/>
           </a:p>
@@ -3680,7 +3814,7 @@
             <a:fld id="{263DB197-84B0-484E-9C0F-88358ECCB797}" type="datetimeFigureOut">
               <a:rPr lang="zh-CN" altLang="en-US" smtClean="0"/>
               <a:pPr/>
-              <a:t>2021/8/26</a:t>
+              <a:t>2021/8/29</a:t>
             </a:fld>
             <a:endParaRPr lang="zh-CN" altLang="en-US" dirty="0"/>
           </a:p>
@@ -3841,7 +3975,7 @@
             <a:fld id="{263DB197-84B0-484E-9C0F-88358ECCB797}" type="datetimeFigureOut">
               <a:rPr lang="zh-CN" altLang="en-US" smtClean="0"/>
               <a:pPr/>
-              <a:t>2021/8/26</a:t>
+              <a:t>2021/8/29</a:t>
             </a:fld>
             <a:endParaRPr lang="zh-CN" altLang="en-US" dirty="0"/>
           </a:p>
@@ -4030,7 +4164,7 @@
             <a:fld id="{263DB197-84B0-484E-9C0F-88358ECCB797}" type="datetimeFigureOut">
               <a:rPr lang="zh-CN" altLang="en-US" smtClean="0"/>
               <a:pPr/>
-              <a:t>2021/8/26</a:t>
+              <a:t>2021/8/29</a:t>
             </a:fld>
             <a:endParaRPr lang="zh-CN" altLang="en-US" dirty="0"/>
           </a:p>
@@ -6086,7 +6220,7 @@
           <a:p>
             <a:fld id="{D7E32B8C-E81A-4559-905F-EA468C4AE0F6}" type="datetimeFigureOut">
               <a:rPr lang="zh-CN" altLang="en-US" smtClean="0"/>
-              <a:t>2021/8/26</a:t>
+              <a:t>2021/8/29</a:t>
             </a:fld>
             <a:endParaRPr lang="zh-CN" altLang="en-US"/>
           </a:p>
@@ -6256,7 +6390,7 @@
           <a:p>
             <a:fld id="{D7E32B8C-E81A-4559-905F-EA468C4AE0F6}" type="datetimeFigureOut">
               <a:rPr lang="zh-CN" altLang="en-US" smtClean="0"/>
-              <a:t>2021/8/26</a:t>
+              <a:t>2021/8/29</a:t>
             </a:fld>
             <a:endParaRPr lang="zh-CN" altLang="en-US"/>
           </a:p>
@@ -8426,7 +8560,7 @@
           <a:p>
             <a:fld id="{D7E32B8C-E81A-4559-905F-EA468C4AE0F6}" type="datetimeFigureOut">
               <a:rPr lang="zh-CN" altLang="en-US" smtClean="0"/>
-              <a:t>2021/8/26</a:t>
+              <a:t>2021/8/29</a:t>
             </a:fld>
             <a:endParaRPr lang="zh-CN" altLang="en-US"/>
           </a:p>
@@ -8653,7 +8787,7 @@
           <a:p>
             <a:fld id="{D7E32B8C-E81A-4559-905F-EA468C4AE0F6}" type="datetimeFigureOut">
               <a:rPr lang="zh-CN" altLang="en-US" smtClean="0"/>
-              <a:t>2021/8/26</a:t>
+              <a:t>2021/8/29</a:t>
             </a:fld>
             <a:endParaRPr lang="zh-CN" altLang="en-US"/>
           </a:p>
@@ -9015,7 +9149,7 @@
           <a:p>
             <a:fld id="{D7E32B8C-E81A-4559-905F-EA468C4AE0F6}" type="datetimeFigureOut">
               <a:rPr lang="zh-CN" altLang="en-US" smtClean="0"/>
-              <a:t>2021/8/26</a:t>
+              <a:t>2021/8/29</a:t>
             </a:fld>
             <a:endParaRPr lang="zh-CN" altLang="en-US"/>
           </a:p>
@@ -10815,7 +10949,7 @@
           <a:p>
             <a:fld id="{D7E32B8C-E81A-4559-905F-EA468C4AE0F6}" type="datetimeFigureOut">
               <a:rPr lang="zh-CN" altLang="en-US" smtClean="0"/>
-              <a:t>2021/8/26</a:t>
+              <a:t>2021/8/29</a:t>
             </a:fld>
             <a:endParaRPr lang="zh-CN" altLang="en-US"/>
           </a:p>
@@ -11151,7 +11285,7 @@
           <a:p>
             <a:fld id="{D7E32B8C-E81A-4559-905F-EA468C4AE0F6}" type="datetimeFigureOut">
               <a:rPr lang="zh-CN" altLang="en-US" smtClean="0"/>
-              <a:t>2021/8/26</a:t>
+              <a:t>2021/8/29</a:t>
             </a:fld>
             <a:endParaRPr lang="zh-CN" altLang="en-US"/>
           </a:p>
@@ -11405,7 +11539,7 @@
           <a:p>
             <a:fld id="{9EFD9D74-47D9-4702-A33C-335B63B48DBF}" type="datetimeFigureOut">
               <a:rPr lang="zh-CN" altLang="en-US" smtClean="0"/>
-              <a:t>2021/8/26</a:t>
+              <a:t>2021/8/29</a:t>
             </a:fld>
             <a:endParaRPr lang="zh-CN" altLang="en-US" dirty="0"/>
           </a:p>
@@ -11587,7 +11721,7 @@
           <a:p>
             <a:fld id="{D7E32B8C-E81A-4559-905F-EA468C4AE0F6}" type="datetimeFigureOut">
               <a:rPr lang="zh-CN" altLang="en-US" smtClean="0"/>
-              <a:t>2021/8/26</a:t>
+              <a:t>2021/8/29</a:t>
             </a:fld>
             <a:endParaRPr lang="zh-CN" altLang="en-US"/>
           </a:p>
@@ -11708,7 +11842,7 @@
           <a:p>
             <a:fld id="{760FBDFE-C587-4B4C-A407-44438C67B59E}" type="datetimeFigureOut">
               <a:rPr lang="zh-CN" altLang="en-US" smtClean="0"/>
-              <a:t>2021/8/26</a:t>
+              <a:t>2021/8/29</a:t>
             </a:fld>
             <a:endParaRPr lang="zh-CN" altLang="en-US"/>
           </a:p>
@@ -11958,7 +12092,7 @@
           <a:p>
             <a:fld id="{0DA2CC75-8280-4D50-8556-C2874ADEF926}" type="datetimeFigureOut">
               <a:rPr lang="zh-CN" altLang="en-US" smtClean="0"/>
-              <a:t>2021/8/26</a:t>
+              <a:t>2021/8/29</a:t>
             </a:fld>
             <a:endParaRPr lang="zh-CN" altLang="en-US"/>
           </a:p>
@@ -12282,7 +12416,7 @@
             <a:fld id="{263DB197-84B0-484E-9C0F-88358ECCB797}" type="datetimeFigureOut">
               <a:rPr lang="zh-CN" altLang="en-US" smtClean="0"/>
               <a:pPr/>
-              <a:t>2021/8/26</a:t>
+              <a:t>2021/8/29</a:t>
             </a:fld>
             <a:endParaRPr lang="zh-CN" altLang="en-US" dirty="0"/>
           </a:p>
@@ -12443,7 +12577,7 @@
             <a:fld id="{263DB197-84B0-484E-9C0F-88358ECCB797}" type="datetimeFigureOut">
               <a:rPr lang="zh-CN" altLang="en-US" smtClean="0"/>
               <a:pPr/>
-              <a:t>2021/8/26</a:t>
+              <a:t>2021/8/29</a:t>
             </a:fld>
             <a:endParaRPr lang="zh-CN" altLang="en-US" dirty="0"/>
           </a:p>
@@ -12604,7 +12738,7 @@
             <a:fld id="{263DB197-84B0-484E-9C0F-88358ECCB797}" type="datetimeFigureOut">
               <a:rPr lang="zh-CN" altLang="en-US" smtClean="0"/>
               <a:pPr/>
-              <a:t>2021/8/26</a:t>
+              <a:t>2021/8/29</a:t>
             </a:fld>
             <a:endParaRPr lang="zh-CN" altLang="en-US" dirty="0"/>
           </a:p>
@@ -12765,7 +12899,7 @@
             <a:fld id="{263DB197-84B0-484E-9C0F-88358ECCB797}" type="datetimeFigureOut">
               <a:rPr lang="zh-CN" altLang="en-US" smtClean="0"/>
               <a:pPr/>
-              <a:t>2021/8/26</a:t>
+              <a:t>2021/8/29</a:t>
             </a:fld>
             <a:endParaRPr lang="zh-CN" altLang="en-US" dirty="0"/>
           </a:p>
@@ -12926,7 +13060,7 @@
             <a:fld id="{263DB197-84B0-484E-9C0F-88358ECCB797}" type="datetimeFigureOut">
               <a:rPr lang="zh-CN" altLang="en-US" smtClean="0"/>
               <a:pPr/>
-              <a:t>2021/8/26</a:t>
+              <a:t>2021/8/29</a:t>
             </a:fld>
             <a:endParaRPr lang="zh-CN" altLang="en-US" dirty="0"/>
           </a:p>
@@ -13087,7 +13221,7 @@
             <a:fld id="{263DB197-84B0-484E-9C0F-88358ECCB797}" type="datetimeFigureOut">
               <a:rPr lang="zh-CN" altLang="en-US" smtClean="0"/>
               <a:pPr/>
-              <a:t>2021/8/26</a:t>
+              <a:t>2021/8/29</a:t>
             </a:fld>
             <a:endParaRPr lang="zh-CN" altLang="en-US" dirty="0"/>
           </a:p>
@@ -13980,7 +14114,7 @@
             <a:fld id="{D7E32B8C-E81A-4559-905F-EA468C4AE0F6}" type="datetimeFigureOut">
               <a:rPr lang="zh-CN" altLang="en-US" smtClean="0"/>
               <a:pPr/>
-              <a:t>2021/8/26</a:t>
+              <a:t>2021/8/29</a:t>
             </a:fld>
             <a:endParaRPr lang="zh-CN" altLang="en-US" dirty="0"/>
           </a:p>
@@ -15142,7 +15276,7 @@
           <a:graphicData uri="http://schemas.openxmlformats.org/presentationml/2006/ole">
             <mc:AlternateContent xmlns:mc="http://schemas.openxmlformats.org/markup-compatibility/2006">
               <mc:Choice xmlns:v="urn:schemas-microsoft-com:vml" Requires="v">
-                <p:oleObj spid="_x0000_s1040" name="文档" r:id="rId4" imgW="6171480" imgH="4892760" progId="Word.OpenDocumentText.12">
+                <p:oleObj spid="_x0000_s1046" name="文档" r:id="rId4" imgW="6171480" imgH="4892760" progId="Word.OpenDocumentText.12">
                   <p:embed/>
                 </p:oleObj>
               </mc:Choice>
@@ -16149,7 +16283,7 @@
           <a:graphicData uri="http://schemas.openxmlformats.org/presentationml/2006/ole">
             <mc:AlternateContent xmlns:mc="http://schemas.openxmlformats.org/markup-compatibility/2006">
               <mc:Choice xmlns:v="urn:schemas-microsoft-com:vml" Requires="v">
-                <p:oleObj spid="_x0000_s3085" name="文档" r:id="rId4" imgW="6093360" imgH="2258640" progId="Word.OpenDocumentText.12">
+                <p:oleObj spid="_x0000_s3091" name="文档" r:id="rId4" imgW="6093360" imgH="2258640" progId="Word.OpenDocumentText.12">
                   <p:embed/>
                 </p:oleObj>
               </mc:Choice>
@@ -16240,19 +16374,7 @@
             </a:r>
             <a:r>
               <a:rPr lang="zh-CN" altLang="en-US" sz="1100" dirty="0" smtClean="0"/>
-              <a:t>，在处理的时候会造成类型</a:t>
-            </a:r>
-            <a:r>
-              <a:rPr lang="zh-CN" altLang="en-US" sz="1100" dirty="0" smtClean="0"/>
-              <a:t>丢失</a:t>
-            </a:r>
-            <a:r>
-              <a:rPr lang="zh-CN" altLang="en-US" sz="1100" dirty="0" smtClean="0"/>
-              <a:t>，所以想要提供一种方式，</a:t>
-            </a:r>
-            <a:r>
-              <a:rPr lang="zh-CN" altLang="en-US" sz="1100" dirty="0" smtClean="0"/>
-              <a:t>在</a:t>
+              <a:t>，在处理的时候会造成类型丢失，所以想要提供一种方式，在</a:t>
             </a:r>
             <a:r>
               <a:rPr lang="en-US" altLang="zh-CN" sz="1100" dirty="0" err="1" smtClean="0"/>
@@ -17652,11 +17774,7 @@
             </a:pPr>
             <a:r>
               <a:rPr lang="zh-CN" altLang="en-US" sz="1100" dirty="0" smtClean="0"/>
-              <a:t>树形结构的遍历是常见场景，想要结合类型对遍历的过程封装</a:t>
-            </a:r>
-            <a:r>
-              <a:rPr lang="zh-CN" altLang="en-US" sz="1100" dirty="0" smtClean="0"/>
-              <a:t>；</a:t>
+              <a:t>树形结构的遍历是常见场景，想要结合类型对遍历的过程封装；</a:t>
             </a:r>
             <a:endParaRPr lang="en-US" altLang="zh-CN" sz="1100" dirty="0" smtClean="0"/>
           </a:p>
@@ -17879,7 +17997,7 @@
           <a:graphicData uri="http://schemas.openxmlformats.org/presentationml/2006/ole">
             <mc:AlternateContent xmlns:mc="http://schemas.openxmlformats.org/markup-compatibility/2006">
               <mc:Choice xmlns:v="urn:schemas-microsoft-com:vml" Requires="v">
-                <p:oleObj spid="_x0000_s4108" name="文档" r:id="rId4" imgW="6577200" imgH="9772560" progId="Word.OpenDocumentText.12">
+                <p:oleObj spid="_x0000_s4114" name="文档" r:id="rId4" imgW="6577200" imgH="9772560" progId="Word.OpenDocumentText.12">
                   <p:embed/>
                 </p:oleObj>
               </mc:Choice>
@@ -18263,7 +18381,7 @@
           <a:graphicData uri="http://schemas.openxmlformats.org/presentationml/2006/ole">
             <mc:AlternateContent xmlns:mc="http://schemas.openxmlformats.org/markup-compatibility/2006">
               <mc:Choice xmlns:v="urn:schemas-microsoft-com:vml" Requires="v">
-                <p:oleObj spid="_x0000_s5129" name="文档" r:id="rId4" imgW="5398920" imgH="6537960" progId="Word.OpenDocumentText.12">
+                <p:oleObj spid="_x0000_s5147" name="文档" r:id="rId4" imgW="5398920" imgH="6537960" progId="Word.OpenDocumentText.12">
                   <p:embed/>
                 </p:oleObj>
               </mc:Choice>
@@ -18320,7 +18438,7 @@
           <a:graphicData uri="http://schemas.openxmlformats.org/presentationml/2006/ole">
             <mc:AlternateContent xmlns:mc="http://schemas.openxmlformats.org/markup-compatibility/2006">
               <mc:Choice xmlns:v="urn:schemas-microsoft-com:vml" Requires="v">
-                <p:oleObj spid="_x0000_s5130" name="文档" r:id="rId6" imgW="6726600" imgH="1386720" progId="Word.OpenDocumentText.12">
+                <p:oleObj spid="_x0000_s5148" name="文档" r:id="rId6" imgW="6726600" imgH="1386720" progId="Word.OpenDocumentText.12">
                   <p:embed/>
                 </p:oleObj>
               </mc:Choice>
@@ -18377,7 +18495,7 @@
           <a:graphicData uri="http://schemas.openxmlformats.org/presentationml/2006/ole">
             <mc:AlternateContent xmlns:mc="http://schemas.openxmlformats.org/markup-compatibility/2006">
               <mc:Choice xmlns:v="urn:schemas-microsoft-com:vml" Requires="v">
-                <p:oleObj spid="_x0000_s5131" name="文档" r:id="rId8" imgW="6896880" imgH="4556880" progId="Word.OpenDocumentText.12">
+                <p:oleObj spid="_x0000_s5149" name="文档" r:id="rId8" imgW="6896880" imgH="4556880" progId="Word.OpenDocumentText.12">
                   <p:embed/>
                 </p:oleObj>
               </mc:Choice>
@@ -18649,7 +18767,7 @@
           <a:graphicData uri="http://schemas.openxmlformats.org/presentationml/2006/ole">
             <mc:AlternateContent xmlns:mc="http://schemas.openxmlformats.org/markup-compatibility/2006">
               <mc:Choice xmlns:v="urn:schemas-microsoft-com:vml" Requires="v">
-                <p:oleObj spid="_x0000_s6148" name="文档" r:id="rId4" imgW="8177400" imgH="6141600" progId="Word.OpenDocumentText.12">
+                <p:oleObj spid="_x0000_s6160" name="文档" r:id="rId4" imgW="8177400" imgH="6141600" progId="Word.OpenDocumentText.12">
                   <p:embed/>
                 </p:oleObj>
               </mc:Choice>
@@ -18706,7 +18824,7 @@
           <a:graphicData uri="http://schemas.openxmlformats.org/presentationml/2006/ole">
             <mc:AlternateContent xmlns:mc="http://schemas.openxmlformats.org/markup-compatibility/2006">
               <mc:Choice xmlns:v="urn:schemas-microsoft-com:vml" Requires="v">
-                <p:oleObj spid="_x0000_s6149" name="文档" r:id="rId6" imgW="6093360" imgH="1572840" progId="Word.OpenDocumentText.12">
+                <p:oleObj spid="_x0000_s6161" name="文档" r:id="rId6" imgW="6093360" imgH="1572840" progId="Word.OpenDocumentText.12">
                   <p:embed/>
                 </p:oleObj>
               </mc:Choice>
@@ -18760,6 +18878,805 @@
 </file>
 
 <file path=ppt/slides/slide17.xml><?xml version="1.0" encoding="utf-8"?>
+<p:sld xmlns:a="http://schemas.openxmlformats.org/drawingml/2006/main" xmlns:r="http://schemas.openxmlformats.org/officeDocument/2006/relationships" xmlns:p="http://schemas.openxmlformats.org/presentationml/2006/main">
+  <p:cSld>
+    <p:spTree>
+      <p:nvGrpSpPr>
+        <p:cNvPr id="1" name=""/>
+        <p:cNvGrpSpPr/>
+        <p:nvPr/>
+      </p:nvGrpSpPr>
+      <p:grpSpPr>
+        <a:xfrm>
+          <a:off x="0" y="0"/>
+          <a:ext cx="0" cy="0"/>
+          <a:chOff x="0" y="0"/>
+          <a:chExt cx="0" cy="0"/>
+        </a:xfrm>
+      </p:grpSpPr>
+      <p:sp>
+        <p:nvSpPr>
+          <p:cNvPr id="16" name="文本框 15"/>
+          <p:cNvSpPr txBox="1"/>
+          <p:nvPr/>
+        </p:nvSpPr>
+        <p:spPr>
+          <a:xfrm>
+            <a:off x="1798721" y="283253"/>
+            <a:ext cx="5365118" cy="415498"/>
+          </a:xfrm>
+          <a:prstGeom prst="rect">
+            <a:avLst/>
+          </a:prstGeom>
+          <a:noFill/>
+        </p:spPr>
+        <p:txBody>
+          <a:bodyPr wrap="square" rtlCol="0">
+            <a:spAutoFit/>
+          </a:bodyPr>
+          <a:lstStyle/>
+          <a:p>
+            <a:pPr algn="ctr"/>
+            <a:r>
+              <a:rPr lang="en-US" altLang="zh-CN" sz="2100" b="1" dirty="0" smtClean="0">
+                <a:solidFill>
+                  <a:schemeClr val="tx2"/>
+                </a:solidFill>
+                <a:latin typeface="Calibri" panose="020F0502020204030204" pitchFamily="34" charset="0"/>
+                <a:ea typeface="微软雅黑 Light" panose="020B0502040204020203" pitchFamily="34" charset="-122"/>
+                <a:sym typeface="Calibri" panose="020F0502020204030204" pitchFamily="34" charset="0"/>
+              </a:rPr>
+              <a:t>Intersection type</a:t>
+            </a:r>
+            <a:r>
+              <a:rPr lang="zh-CN" altLang="en-US" sz="2100" b="1" dirty="0" smtClean="0">
+                <a:solidFill>
+                  <a:schemeClr val="tx2"/>
+                </a:solidFill>
+                <a:latin typeface="Calibri" panose="020F0502020204030204" pitchFamily="34" charset="0"/>
+                <a:ea typeface="微软雅黑 Light" panose="020B0502040204020203" pitchFamily="34" charset="-122"/>
+                <a:sym typeface="Calibri" panose="020F0502020204030204" pitchFamily="34" charset="0"/>
+              </a:rPr>
+              <a:t>应用之</a:t>
+            </a:r>
+            <a:r>
+              <a:rPr lang="en-US" altLang="zh-CN" sz="2100" b="1" dirty="0" err="1" smtClean="0">
+                <a:solidFill>
+                  <a:schemeClr val="tx2"/>
+                </a:solidFill>
+                <a:latin typeface="Calibri" panose="020F0502020204030204" pitchFamily="34" charset="0"/>
+                <a:ea typeface="微软雅黑 Light" panose="020B0502040204020203" pitchFamily="34" charset="-122"/>
+                <a:sym typeface="Calibri" panose="020F0502020204030204" pitchFamily="34" charset="0"/>
+              </a:rPr>
+              <a:t>mixins</a:t>
+            </a:r>
+            <a:endParaRPr lang="en-US" altLang="zh-CN" sz="2100" b="1" dirty="0">
+              <a:solidFill>
+                <a:schemeClr val="tx2"/>
+              </a:solidFill>
+              <a:latin typeface="Calibri" panose="020F0502020204030204" pitchFamily="34" charset="0"/>
+              <a:ea typeface="微软雅黑 Light" panose="020B0502040204020203" pitchFamily="34" charset="-122"/>
+              <a:sym typeface="Calibri" panose="020F0502020204030204" pitchFamily="34" charset="0"/>
+            </a:endParaRPr>
+          </a:p>
+        </p:txBody>
+      </p:sp>
+      <p:sp>
+        <p:nvSpPr>
+          <p:cNvPr id="18" name="任意多边形 22"/>
+          <p:cNvSpPr/>
+          <p:nvPr/>
+        </p:nvSpPr>
+        <p:spPr>
+          <a:xfrm>
+            <a:off x="4193509" y="0"/>
+            <a:ext cx="774562" cy="223597"/>
+          </a:xfrm>
+          <a:custGeom>
+            <a:avLst/>
+            <a:gdLst>
+              <a:gd name="connsiteX0" fmla="*/ 0 w 1032749"/>
+              <a:gd name="connsiteY0" fmla="*/ 0 h 298129"/>
+              <a:gd name="connsiteX1" fmla="*/ 1032749 w 1032749"/>
+              <a:gd name="connsiteY1" fmla="*/ 0 h 298129"/>
+              <a:gd name="connsiteX2" fmla="*/ 516374 w 1032749"/>
+              <a:gd name="connsiteY2" fmla="*/ 298129 h 298129"/>
+              <a:gd name="connsiteX3" fmla="*/ 0 w 1032749"/>
+              <a:gd name="connsiteY3" fmla="*/ 0 h 298129"/>
+            </a:gdLst>
+            <a:ahLst/>
+            <a:cxnLst>
+              <a:cxn ang="0">
+                <a:pos x="connsiteX0" y="connsiteY0"/>
+              </a:cxn>
+              <a:cxn ang="0">
+                <a:pos x="connsiteX1" y="connsiteY1"/>
+              </a:cxn>
+              <a:cxn ang="0">
+                <a:pos x="connsiteX2" y="connsiteY2"/>
+              </a:cxn>
+              <a:cxn ang="0">
+                <a:pos x="connsiteX3" y="connsiteY3"/>
+              </a:cxn>
+            </a:cxnLst>
+            <a:rect l="l" t="t" r="r" b="b"/>
+            <a:pathLst>
+              <a:path w="1032749" h="298129">
+                <a:moveTo>
+                  <a:pt x="0" y="0"/>
+                </a:moveTo>
+                <a:lnTo>
+                  <a:pt x="1032749" y="0"/>
+                </a:lnTo>
+                <a:lnTo>
+                  <a:pt x="516374" y="298129"/>
+                </a:lnTo>
+                <a:lnTo>
+                  <a:pt x="0" y="0"/>
+                </a:lnTo>
+                <a:close/>
+              </a:path>
+            </a:pathLst>
+          </a:custGeom>
+          <a:solidFill>
+            <a:schemeClr val="accent1"/>
+          </a:solidFill>
+          <a:ln>
+            <a:noFill/>
+          </a:ln>
+        </p:spPr>
+        <p:style>
+          <a:lnRef idx="2">
+            <a:schemeClr val="accent1">
+              <a:shade val="50000"/>
+            </a:schemeClr>
+          </a:lnRef>
+          <a:fillRef idx="1">
+            <a:schemeClr val="accent1"/>
+          </a:fillRef>
+          <a:effectRef idx="0">
+            <a:schemeClr val="accent1"/>
+          </a:effectRef>
+          <a:fontRef idx="minor">
+            <a:schemeClr val="lt1"/>
+          </a:fontRef>
+        </p:style>
+        <p:txBody>
+          <a:bodyPr rtlCol="0" anchor="ctr"/>
+          <a:lstStyle/>
+          <a:p>
+            <a:pPr algn="ctr"/>
+            <a:endParaRPr lang="zh-CN" altLang="en-US" sz="1015" dirty="0">
+              <a:ea typeface="微软雅黑 Light" panose="020B0502040204020203" pitchFamily="34" charset="-122"/>
+            </a:endParaRPr>
+          </a:p>
+        </p:txBody>
+      </p:sp>
+      <p:graphicFrame>
+        <p:nvGraphicFramePr>
+          <p:cNvPr id="3" name="对象 2"/>
+          <p:cNvGraphicFramePr>
+            <a:graphicFrameLocks noChangeAspect="1"/>
+          </p:cNvGraphicFramePr>
+          <p:nvPr>
+            <p:extLst>
+              <p:ext uri="{D42A27DB-BD31-4B8C-83A1-F6EECF244321}">
+                <p14:modId xmlns:p14="http://schemas.microsoft.com/office/powerpoint/2010/main" val="545423636"/>
+              </p:ext>
+            </p:extLst>
+          </p:nvPr>
+        </p:nvGraphicFramePr>
+        <p:xfrm>
+          <a:off x="740376" y="934948"/>
+          <a:ext cx="3840414" cy="3714190"/>
+        </p:xfrm>
+        <a:graphic>
+          <a:graphicData uri="http://schemas.openxmlformats.org/presentationml/2006/ole">
+            <mc:AlternateContent xmlns:mc="http://schemas.openxmlformats.org/markup-compatibility/2006">
+              <mc:Choice xmlns:v="urn:schemas-microsoft-com:vml" Requires="v">
+                <p:oleObj spid="_x0000_s7183" name="文档" r:id="rId4" imgW="6937200" imgH="6709320" progId="Word.OpenDocumentText.12">
+                  <p:embed/>
+                </p:oleObj>
+              </mc:Choice>
+              <mc:Fallback>
+                <p:oleObj name="文档" r:id="rId4" imgW="6937200" imgH="6709320" progId="Word.OpenDocumentText.12">
+                  <p:embed/>
+                  <p:pic>
+                    <p:nvPicPr>
+                      <p:cNvPr id="0" name=""/>
+                      <p:cNvPicPr/>
+                      <p:nvPr/>
+                    </p:nvPicPr>
+                    <p:blipFill>
+                      <a:blip r:embed="rId5"/>
+                      <a:stretch>
+                        <a:fillRect/>
+                      </a:stretch>
+                    </p:blipFill>
+                    <p:spPr>
+                      <a:xfrm>
+                        <a:off x="740376" y="934948"/>
+                        <a:ext cx="3840414" cy="3714190"/>
+                      </a:xfrm>
+                      <a:prstGeom prst="rect">
+                        <a:avLst/>
+                      </a:prstGeom>
+                    </p:spPr>
+                  </p:pic>
+                </p:oleObj>
+              </mc:Fallback>
+            </mc:AlternateContent>
+          </a:graphicData>
+        </a:graphic>
+      </p:graphicFrame>
+      <p:graphicFrame>
+        <p:nvGraphicFramePr>
+          <p:cNvPr id="2" name="对象 1"/>
+          <p:cNvGraphicFramePr>
+            <a:graphicFrameLocks noChangeAspect="1"/>
+          </p:cNvGraphicFramePr>
+          <p:nvPr>
+            <p:extLst>
+              <p:ext uri="{D42A27DB-BD31-4B8C-83A1-F6EECF244321}">
+                <p14:modId xmlns:p14="http://schemas.microsoft.com/office/powerpoint/2010/main" val="459210134"/>
+              </p:ext>
+            </p:extLst>
+          </p:nvPr>
+        </p:nvGraphicFramePr>
+        <p:xfrm>
+          <a:off x="4764506" y="2370221"/>
+          <a:ext cx="4054641" cy="793255"/>
+        </p:xfrm>
+        <a:graphic>
+          <a:graphicData uri="http://schemas.openxmlformats.org/presentationml/2006/ole">
+            <mc:AlternateContent xmlns:mc="http://schemas.openxmlformats.org/markup-compatibility/2006">
+              <mc:Choice xmlns:v="urn:schemas-microsoft-com:vml" Requires="v">
+                <p:oleObj spid="_x0000_s7184" name="文档" r:id="rId6" imgW="6093360" imgH="1386720" progId="Word.OpenDocumentText.12">
+                  <p:embed/>
+                </p:oleObj>
+              </mc:Choice>
+              <mc:Fallback>
+                <p:oleObj name="文档" r:id="rId6" imgW="6093360" imgH="1386720" progId="Word.OpenDocumentText.12">
+                  <p:embed/>
+                  <p:pic>
+                    <p:nvPicPr>
+                      <p:cNvPr id="0" name=""/>
+                      <p:cNvPicPr/>
+                      <p:nvPr/>
+                    </p:nvPicPr>
+                    <p:blipFill>
+                      <a:blip r:embed="rId7"/>
+                      <a:stretch>
+                        <a:fillRect/>
+                      </a:stretch>
+                    </p:blipFill>
+                    <p:spPr>
+                      <a:xfrm>
+                        <a:off x="4764506" y="2370221"/>
+                        <a:ext cx="4054641" cy="793255"/>
+                      </a:xfrm>
+                      <a:prstGeom prst="rect">
+                        <a:avLst/>
+                      </a:prstGeom>
+                    </p:spPr>
+                  </p:pic>
+                </p:oleObj>
+              </mc:Fallback>
+            </mc:AlternateContent>
+          </a:graphicData>
+        </a:graphic>
+      </p:graphicFrame>
+    </p:spTree>
+    <p:extLst>
+      <p:ext uri="{BB962C8B-B14F-4D97-AF65-F5344CB8AC3E}">
+        <p14:creationId xmlns:p14="http://schemas.microsoft.com/office/powerpoint/2010/main" val="607783915"/>
+      </p:ext>
+    </p:extLst>
+  </p:cSld>
+  <p:clrMapOvr>
+    <a:masterClrMapping/>
+  </p:clrMapOvr>
+  <p:transition spd="slow">
+    <p:cover/>
+  </p:transition>
+  <p:timing>
+    <p:tnLst>
+      <p:par>
+        <p:cTn id="1" dur="indefinite" restart="never" nodeType="tmRoot"/>
+      </p:par>
+    </p:tnLst>
+  </p:timing>
+</p:sld>
+</file>
+
+<file path=ppt/slides/slide18.xml><?xml version="1.0" encoding="utf-8"?>
+<p:sld xmlns:a="http://schemas.openxmlformats.org/drawingml/2006/main" xmlns:r="http://schemas.openxmlformats.org/officeDocument/2006/relationships" xmlns:p="http://schemas.openxmlformats.org/presentationml/2006/main">
+  <p:cSld>
+    <p:spTree>
+      <p:nvGrpSpPr>
+        <p:cNvPr id="1" name=""/>
+        <p:cNvGrpSpPr/>
+        <p:nvPr/>
+      </p:nvGrpSpPr>
+      <p:grpSpPr>
+        <a:xfrm>
+          <a:off x="0" y="0"/>
+          <a:ext cx="0" cy="0"/>
+          <a:chOff x="0" y="0"/>
+          <a:chExt cx="0" cy="0"/>
+        </a:xfrm>
+      </p:grpSpPr>
+      <p:sp>
+        <p:nvSpPr>
+          <p:cNvPr id="16" name="文本框 15"/>
+          <p:cNvSpPr txBox="1"/>
+          <p:nvPr/>
+        </p:nvSpPr>
+        <p:spPr>
+          <a:xfrm>
+            <a:off x="1798721" y="299008"/>
+            <a:ext cx="5365118" cy="415498"/>
+          </a:xfrm>
+          <a:prstGeom prst="rect">
+            <a:avLst/>
+          </a:prstGeom>
+          <a:noFill/>
+        </p:spPr>
+        <p:txBody>
+          <a:bodyPr wrap="square" rtlCol="0">
+            <a:spAutoFit/>
+          </a:bodyPr>
+          <a:lstStyle/>
+          <a:p>
+            <a:pPr algn="ctr"/>
+            <a:r>
+              <a:rPr lang="en-US" altLang="zh-CN" sz="2100" b="1" dirty="0" smtClean="0">
+                <a:solidFill>
+                  <a:schemeClr val="tx2"/>
+                </a:solidFill>
+                <a:latin typeface="Calibri" panose="020F0502020204030204" pitchFamily="34" charset="0"/>
+                <a:ea typeface="微软雅黑 Light" panose="020B0502040204020203" pitchFamily="34" charset="-122"/>
+                <a:sym typeface="Calibri" panose="020F0502020204030204" pitchFamily="34" charset="0"/>
+              </a:rPr>
+              <a:t>URL parser</a:t>
+            </a:r>
+            <a:endParaRPr lang="en-US" altLang="zh-CN" sz="2100" b="1" dirty="0">
+              <a:solidFill>
+                <a:schemeClr val="tx2"/>
+              </a:solidFill>
+              <a:latin typeface="Calibri" panose="020F0502020204030204" pitchFamily="34" charset="0"/>
+              <a:ea typeface="微软雅黑 Light" panose="020B0502040204020203" pitchFamily="34" charset="-122"/>
+              <a:sym typeface="Calibri" panose="020F0502020204030204" pitchFamily="34" charset="0"/>
+            </a:endParaRPr>
+          </a:p>
+        </p:txBody>
+      </p:sp>
+      <p:sp>
+        <p:nvSpPr>
+          <p:cNvPr id="18" name="任意多边形 22"/>
+          <p:cNvSpPr/>
+          <p:nvPr/>
+        </p:nvSpPr>
+        <p:spPr>
+          <a:xfrm>
+            <a:off x="4193509" y="0"/>
+            <a:ext cx="774562" cy="223597"/>
+          </a:xfrm>
+          <a:custGeom>
+            <a:avLst/>
+            <a:gdLst>
+              <a:gd name="connsiteX0" fmla="*/ 0 w 1032749"/>
+              <a:gd name="connsiteY0" fmla="*/ 0 h 298129"/>
+              <a:gd name="connsiteX1" fmla="*/ 1032749 w 1032749"/>
+              <a:gd name="connsiteY1" fmla="*/ 0 h 298129"/>
+              <a:gd name="connsiteX2" fmla="*/ 516374 w 1032749"/>
+              <a:gd name="connsiteY2" fmla="*/ 298129 h 298129"/>
+              <a:gd name="connsiteX3" fmla="*/ 0 w 1032749"/>
+              <a:gd name="connsiteY3" fmla="*/ 0 h 298129"/>
+            </a:gdLst>
+            <a:ahLst/>
+            <a:cxnLst>
+              <a:cxn ang="0">
+                <a:pos x="connsiteX0" y="connsiteY0"/>
+              </a:cxn>
+              <a:cxn ang="0">
+                <a:pos x="connsiteX1" y="connsiteY1"/>
+              </a:cxn>
+              <a:cxn ang="0">
+                <a:pos x="connsiteX2" y="connsiteY2"/>
+              </a:cxn>
+              <a:cxn ang="0">
+                <a:pos x="connsiteX3" y="connsiteY3"/>
+              </a:cxn>
+            </a:cxnLst>
+            <a:rect l="l" t="t" r="r" b="b"/>
+            <a:pathLst>
+              <a:path w="1032749" h="298129">
+                <a:moveTo>
+                  <a:pt x="0" y="0"/>
+                </a:moveTo>
+                <a:lnTo>
+                  <a:pt x="1032749" y="0"/>
+                </a:lnTo>
+                <a:lnTo>
+                  <a:pt x="516374" y="298129"/>
+                </a:lnTo>
+                <a:lnTo>
+                  <a:pt x="0" y="0"/>
+                </a:lnTo>
+                <a:close/>
+              </a:path>
+            </a:pathLst>
+          </a:custGeom>
+          <a:solidFill>
+            <a:schemeClr val="accent1"/>
+          </a:solidFill>
+          <a:ln>
+            <a:noFill/>
+          </a:ln>
+        </p:spPr>
+        <p:style>
+          <a:lnRef idx="2">
+            <a:schemeClr val="accent1">
+              <a:shade val="50000"/>
+            </a:schemeClr>
+          </a:lnRef>
+          <a:fillRef idx="1">
+            <a:schemeClr val="accent1"/>
+          </a:fillRef>
+          <a:effectRef idx="0">
+            <a:schemeClr val="accent1"/>
+          </a:effectRef>
+          <a:fontRef idx="minor">
+            <a:schemeClr val="lt1"/>
+          </a:fontRef>
+        </p:style>
+        <p:txBody>
+          <a:bodyPr rtlCol="0" anchor="ctr"/>
+          <a:lstStyle/>
+          <a:p>
+            <a:pPr algn="ctr"/>
+            <a:endParaRPr lang="zh-CN" altLang="en-US" sz="1015" dirty="0">
+              <a:ea typeface="微软雅黑 Light" panose="020B0502040204020203" pitchFamily="34" charset="-122"/>
+            </a:endParaRPr>
+          </a:p>
+        </p:txBody>
+      </p:sp>
+      <p:graphicFrame>
+        <p:nvGraphicFramePr>
+          <p:cNvPr id="4" name="对象 3"/>
+          <p:cNvGraphicFramePr>
+            <a:graphicFrameLocks noChangeAspect="1"/>
+          </p:cNvGraphicFramePr>
+          <p:nvPr>
+            <p:extLst>
+              <p:ext uri="{D42A27DB-BD31-4B8C-83A1-F6EECF244321}">
+                <p14:modId xmlns:p14="http://schemas.microsoft.com/office/powerpoint/2010/main" val="2553849658"/>
+              </p:ext>
+            </p:extLst>
+          </p:nvPr>
+        </p:nvGraphicFramePr>
+        <p:xfrm>
+          <a:off x="5931486" y="1010653"/>
+          <a:ext cx="3109867" cy="3332747"/>
+        </p:xfrm>
+        <a:graphic>
+          <a:graphicData uri="http://schemas.openxmlformats.org/presentationml/2006/ole">
+            <mc:AlternateContent xmlns:mc="http://schemas.openxmlformats.org/markup-compatibility/2006">
+              <mc:Choice xmlns:v="urn:schemas-microsoft-com:vml" Requires="v">
+                <p:oleObj spid="_x0000_s8204" name="文档" r:id="rId4" imgW="8223120" imgH="8807040" progId="Word.OpenDocumentText.12">
+                  <p:embed/>
+                </p:oleObj>
+              </mc:Choice>
+              <mc:Fallback>
+                <p:oleObj name="文档" r:id="rId4" imgW="8223120" imgH="8807040" progId="Word.OpenDocumentText.12">
+                  <p:embed/>
+                  <p:pic>
+                    <p:nvPicPr>
+                      <p:cNvPr id="0" name=""/>
+                      <p:cNvPicPr/>
+                      <p:nvPr/>
+                    </p:nvPicPr>
+                    <p:blipFill>
+                      <a:blip r:embed="rId5"/>
+                      <a:stretch>
+                        <a:fillRect/>
+                      </a:stretch>
+                    </p:blipFill>
+                    <p:spPr>
+                      <a:xfrm>
+                        <a:off x="5931486" y="1010653"/>
+                        <a:ext cx="3109867" cy="3332747"/>
+                      </a:xfrm>
+                      <a:prstGeom prst="rect">
+                        <a:avLst/>
+                      </a:prstGeom>
+                    </p:spPr>
+                  </p:pic>
+                </p:oleObj>
+              </mc:Fallback>
+            </mc:AlternateContent>
+          </a:graphicData>
+        </a:graphic>
+      </p:graphicFrame>
+      <p:graphicFrame>
+        <p:nvGraphicFramePr>
+          <p:cNvPr id="5" name="对象 4"/>
+          <p:cNvGraphicFramePr>
+            <a:graphicFrameLocks noChangeAspect="1"/>
+          </p:cNvGraphicFramePr>
+          <p:nvPr>
+            <p:extLst>
+              <p:ext uri="{D42A27DB-BD31-4B8C-83A1-F6EECF244321}">
+                <p14:modId xmlns:p14="http://schemas.microsoft.com/office/powerpoint/2010/main" val="2057702849"/>
+              </p:ext>
+            </p:extLst>
+          </p:nvPr>
+        </p:nvGraphicFramePr>
+        <p:xfrm>
+          <a:off x="119063" y="985838"/>
+          <a:ext cx="2930525" cy="3324225"/>
+        </p:xfrm>
+        <a:graphic>
+          <a:graphicData uri="http://schemas.openxmlformats.org/presentationml/2006/ole">
+            <mc:AlternateContent xmlns:mc="http://schemas.openxmlformats.org/markup-compatibility/2006">
+              <mc:Choice xmlns:v="urn:schemas-microsoft-com:vml" Requires="v">
+                <p:oleObj spid="_x0000_s8205" name="文档" r:id="rId6" imgW="7753320" imgH="8807040" progId="Word.OpenDocumentText.12">
+                  <p:embed/>
+                </p:oleObj>
+              </mc:Choice>
+              <mc:Fallback>
+                <p:oleObj name="文档" r:id="rId6" imgW="7753320" imgH="8807040" progId="Word.OpenDocumentText.12">
+                  <p:embed/>
+                  <p:pic>
+                    <p:nvPicPr>
+                      <p:cNvPr id="0" name=""/>
+                      <p:cNvPicPr/>
+                      <p:nvPr/>
+                    </p:nvPicPr>
+                    <p:blipFill>
+                      <a:blip r:embed="rId7"/>
+                      <a:stretch>
+                        <a:fillRect/>
+                      </a:stretch>
+                    </p:blipFill>
+                    <p:spPr>
+                      <a:xfrm>
+                        <a:off x="119063" y="985838"/>
+                        <a:ext cx="2930525" cy="3324225"/>
+                      </a:xfrm>
+                      <a:prstGeom prst="rect">
+                        <a:avLst/>
+                      </a:prstGeom>
+                    </p:spPr>
+                  </p:pic>
+                </p:oleObj>
+              </mc:Fallback>
+            </mc:AlternateContent>
+          </a:graphicData>
+        </a:graphic>
+      </p:graphicFrame>
+      <p:graphicFrame>
+        <p:nvGraphicFramePr>
+          <p:cNvPr id="7" name="对象 6"/>
+          <p:cNvGraphicFramePr>
+            <a:graphicFrameLocks noChangeAspect="1"/>
+          </p:cNvGraphicFramePr>
+          <p:nvPr>
+            <p:extLst>
+              <p:ext uri="{D42A27DB-BD31-4B8C-83A1-F6EECF244321}">
+                <p14:modId xmlns:p14="http://schemas.microsoft.com/office/powerpoint/2010/main" val="530615474"/>
+              </p:ext>
+            </p:extLst>
+          </p:nvPr>
+        </p:nvGraphicFramePr>
+        <p:xfrm>
+          <a:off x="3116030" y="914400"/>
+          <a:ext cx="2730500" cy="3711575"/>
+        </p:xfrm>
+        <a:graphic>
+          <a:graphicData uri="http://schemas.openxmlformats.org/presentationml/2006/ole">
+            <mc:AlternateContent xmlns:mc="http://schemas.openxmlformats.org/markup-compatibility/2006">
+              <mc:Choice xmlns:v="urn:schemas-microsoft-com:vml" Requires="v">
+                <p:oleObj spid="_x0000_s8206" name="文档" r:id="rId8" imgW="6489000" imgH="8771040" progId="Word.OpenDocumentText.12">
+                  <p:embed/>
+                </p:oleObj>
+              </mc:Choice>
+              <mc:Fallback>
+                <p:oleObj name="文档" r:id="rId8" imgW="6489000" imgH="8771040" progId="Word.OpenDocumentText.12">
+                  <p:embed/>
+                  <p:pic>
+                    <p:nvPicPr>
+                      <p:cNvPr id="0" name=""/>
+                      <p:cNvPicPr/>
+                      <p:nvPr/>
+                    </p:nvPicPr>
+                    <p:blipFill>
+                      <a:blip r:embed="rId9"/>
+                      <a:stretch>
+                        <a:fillRect/>
+                      </a:stretch>
+                    </p:blipFill>
+                    <p:spPr>
+                      <a:xfrm>
+                        <a:off x="3116030" y="914400"/>
+                        <a:ext cx="2730500" cy="3711575"/>
+                      </a:xfrm>
+                      <a:prstGeom prst="rect">
+                        <a:avLst/>
+                      </a:prstGeom>
+                    </p:spPr>
+                  </p:pic>
+                </p:oleObj>
+              </mc:Fallback>
+            </mc:AlternateContent>
+          </a:graphicData>
+        </a:graphic>
+      </p:graphicFrame>
+      <p:pic>
+        <p:nvPicPr>
+          <p:cNvPr id="8200" name="Picture 8"/>
+          <p:cNvPicPr>
+            <a:picLocks noChangeAspect="1" noChangeArrowheads="1"/>
+          </p:cNvPicPr>
+          <p:nvPr/>
+        </p:nvPicPr>
+        <p:blipFill>
+          <a:blip r:embed="rId10">
+            <a:extLst>
+              <a:ext uri="{28A0092B-C50C-407E-A947-70E740481C1C}">
+                <a14:useLocalDpi xmlns:a14="http://schemas.microsoft.com/office/drawing/2010/main" val="0"/>
+              </a:ext>
+            </a:extLst>
+          </a:blip>
+          <a:srcRect/>
+          <a:stretch>
+            <a:fillRect/>
+          </a:stretch>
+        </p:blipFill>
+        <p:spPr bwMode="auto">
+          <a:xfrm>
+            <a:off x="1700463" y="1222710"/>
+            <a:ext cx="5105400" cy="3371850"/>
+          </a:xfrm>
+          <a:prstGeom prst="rect">
+            <a:avLst/>
+          </a:prstGeom>
+          <a:noFill/>
+          <a:ln>
+            <a:noFill/>
+          </a:ln>
+          <a:effectLst/>
+          <a:extLst>
+            <a:ext uri="{909E8E84-426E-40DD-AFC4-6F175D3DCCD1}">
+              <a14:hiddenFill xmlns:a14="http://schemas.microsoft.com/office/drawing/2010/main">
+                <a:solidFill>
+                  <a:schemeClr val="accent1"/>
+                </a:solidFill>
+              </a14:hiddenFill>
+            </a:ext>
+            <a:ext uri="{91240B29-F687-4F45-9708-019B960494DF}">
+              <a14:hiddenLine xmlns:a14="http://schemas.microsoft.com/office/drawing/2010/main" w="9525">
+                <a:solidFill>
+                  <a:schemeClr val="tx1"/>
+                </a:solidFill>
+                <a:miter lim="800000"/>
+                <a:headEnd/>
+                <a:tailEnd/>
+              </a14:hiddenLine>
+            </a:ext>
+            <a:ext uri="{AF507438-7753-43E0-B8FC-AC1667EBCBE1}">
+              <a14:hiddenEffects xmlns:a14="http://schemas.microsoft.com/office/drawing/2010/main">
+                <a:effectLst>
+                  <a:outerShdw dist="35921" dir="2700000" algn="ctr" rotWithShape="0">
+                    <a:schemeClr val="bg2"/>
+                  </a:outerShdw>
+                </a:effectLst>
+              </a14:hiddenEffects>
+            </a:ext>
+          </a:extLst>
+        </p:spPr>
+      </p:pic>
+    </p:spTree>
+    <p:extLst>
+      <p:ext uri="{BB962C8B-B14F-4D97-AF65-F5344CB8AC3E}">
+        <p14:creationId xmlns:p14="http://schemas.microsoft.com/office/powerpoint/2010/main" val="409491758"/>
+      </p:ext>
+    </p:extLst>
+  </p:cSld>
+  <p:clrMapOvr>
+    <a:masterClrMapping/>
+  </p:clrMapOvr>
+  <p:transition spd="slow">
+    <p:cover/>
+  </p:transition>
+  <p:timing>
+    <p:tnLst>
+      <p:par>
+        <p:cTn id="1" dur="indefinite" restart="never" nodeType="tmRoot">
+          <p:childTnLst>
+            <p:seq concurrent="1" nextAc="seek">
+              <p:cTn id="2" dur="indefinite" nodeType="mainSeq">
+                <p:childTnLst>
+                  <p:par>
+                    <p:cTn id="3" fill="hold">
+                      <p:stCondLst>
+                        <p:cond delay="indefinite"/>
+                      </p:stCondLst>
+                      <p:childTnLst>
+                        <p:par>
+                          <p:cTn id="4" fill="hold">
+                            <p:stCondLst>
+                              <p:cond delay="0"/>
+                            </p:stCondLst>
+                            <p:childTnLst>
+                              <p:par>
+                                <p:cTn id="5" presetID="10" presetClass="entr" presetSubtype="0" fill="hold" nodeType="clickEffect">
+                                  <p:stCondLst>
+                                    <p:cond delay="0"/>
+                                  </p:stCondLst>
+                                  <p:childTnLst>
+                                    <p:set>
+                                      <p:cBhvr>
+                                        <p:cTn id="6" dur="1" fill="hold">
+                                          <p:stCondLst>
+                                            <p:cond delay="0"/>
+                                          </p:stCondLst>
+                                        </p:cTn>
+                                        <p:tgtEl>
+                                          <p:spTgt spid="8200"/>
+                                        </p:tgtEl>
+                                        <p:attrNameLst>
+                                          <p:attrName>style.visibility</p:attrName>
+                                        </p:attrNameLst>
+                                      </p:cBhvr>
+                                      <p:to>
+                                        <p:strVal val="visible"/>
+                                      </p:to>
+                                    </p:set>
+                                    <p:animEffect transition="in" filter="fade">
+                                      <p:cBhvr>
+                                        <p:cTn id="7" dur="500"/>
+                                        <p:tgtEl>
+                                          <p:spTgt spid="8200"/>
+                                        </p:tgtEl>
+                                      </p:cBhvr>
+                                    </p:animEffect>
+                                  </p:childTnLst>
+                                </p:cTn>
+                              </p:par>
+                            </p:childTnLst>
+                          </p:cTn>
+                        </p:par>
+                      </p:childTnLst>
+                    </p:cTn>
+                  </p:par>
+                </p:childTnLst>
+              </p:cTn>
+              <p:prevCondLst>
+                <p:cond evt="onPrev" delay="0">
+                  <p:tgtEl>
+                    <p:sldTgt/>
+                  </p:tgtEl>
+                </p:cond>
+              </p:prevCondLst>
+              <p:nextCondLst>
+                <p:cond evt="onNext" delay="0">
+                  <p:tgtEl>
+                    <p:sldTgt/>
+                  </p:tgtEl>
+                </p:cond>
+              </p:nextCondLst>
+            </p:seq>
+          </p:childTnLst>
+        </p:cTn>
+      </p:par>
+    </p:tnLst>
+  </p:timing>
+</p:sld>
+</file>
+
+<file path=ppt/slides/slide19.xml><?xml version="1.0" encoding="utf-8"?>
 <p:sld xmlns:a="http://schemas.openxmlformats.org/drawingml/2006/main" xmlns:r="http://schemas.openxmlformats.org/officeDocument/2006/relationships" xmlns:p="http://schemas.openxmlformats.org/presentationml/2006/main">
   <p:cSld>
     <p:spTree>
@@ -19295,7 +20212,1968 @@
 </p:sld>
 </file>
 
-<file path=ppt/slides/slide18.xml><?xml version="1.0" encoding="utf-8"?>
+<file path=ppt/slides/slide2.xml><?xml version="1.0" encoding="utf-8"?>
+<p:sld xmlns:a="http://schemas.openxmlformats.org/drawingml/2006/main" xmlns:r="http://schemas.openxmlformats.org/officeDocument/2006/relationships" xmlns:p="http://schemas.openxmlformats.org/presentationml/2006/main">
+  <p:cSld>
+    <p:spTree>
+      <p:nvGrpSpPr>
+        <p:cNvPr id="1" name=""/>
+        <p:cNvGrpSpPr/>
+        <p:nvPr/>
+      </p:nvGrpSpPr>
+      <p:grpSpPr>
+        <a:xfrm>
+          <a:off x="0" y="0"/>
+          <a:ext cx="0" cy="0"/>
+          <a:chOff x="0" y="0"/>
+          <a:chExt cx="0" cy="0"/>
+        </a:xfrm>
+      </p:grpSpPr>
+      <p:sp>
+        <p:nvSpPr>
+          <p:cNvPr id="9" name="立方体 8"/>
+          <p:cNvSpPr/>
+          <p:nvPr>
+            <p:custDataLst>
+              <p:tags r:id="rId2"/>
+            </p:custDataLst>
+          </p:nvPr>
+        </p:nvSpPr>
+        <p:spPr>
+          <a:xfrm>
+            <a:off x="1085000" y="2014720"/>
+            <a:ext cx="452169" cy="438830"/>
+          </a:xfrm>
+          <a:prstGeom prst="cube">
+            <a:avLst/>
+          </a:prstGeom>
+          <a:solidFill>
+            <a:schemeClr val="accent1"/>
+          </a:solidFill>
+          <a:ln>
+            <a:noFill/>
+          </a:ln>
+        </p:spPr>
+        <p:style>
+          <a:lnRef idx="2">
+            <a:schemeClr val="accent1">
+              <a:shade val="50000"/>
+            </a:schemeClr>
+          </a:lnRef>
+          <a:fillRef idx="1">
+            <a:schemeClr val="accent1"/>
+          </a:fillRef>
+          <a:effectRef idx="0">
+            <a:schemeClr val="accent1"/>
+          </a:effectRef>
+          <a:fontRef idx="minor">
+            <a:schemeClr val="lt1"/>
+          </a:fontRef>
+        </p:style>
+        <p:txBody>
+          <a:bodyPr rtlCol="0" anchor="ctr"/>
+          <a:lstStyle/>
+          <a:p>
+            <a:pPr algn="ctr"/>
+            <a:r>
+              <a:rPr lang="en-US" altLang="zh-CN" sz="1500" b="1" dirty="0">
+                <a:solidFill>
+                  <a:schemeClr val="bg1"/>
+                </a:solidFill>
+                <a:ea typeface="微软雅黑 Light" panose="020B0502040204020203" pitchFamily="34" charset="-122"/>
+              </a:rPr>
+              <a:t>1</a:t>
+            </a:r>
+            <a:endParaRPr lang="zh-CN" altLang="en-US" sz="1500" b="1" dirty="0">
+              <a:solidFill>
+                <a:schemeClr val="bg1"/>
+              </a:solidFill>
+              <a:ea typeface="微软雅黑 Light" panose="020B0502040204020203" pitchFamily="34" charset="-122"/>
+            </a:endParaRPr>
+          </a:p>
+        </p:txBody>
+      </p:sp>
+      <p:sp>
+        <p:nvSpPr>
+          <p:cNvPr id="10" name="立方体 9"/>
+          <p:cNvSpPr/>
+          <p:nvPr>
+            <p:custDataLst>
+              <p:tags r:id="rId3"/>
+            </p:custDataLst>
+          </p:nvPr>
+        </p:nvSpPr>
+        <p:spPr>
+          <a:xfrm>
+            <a:off x="1085000" y="3241438"/>
+            <a:ext cx="452169" cy="438830"/>
+          </a:xfrm>
+          <a:prstGeom prst="cube">
+            <a:avLst/>
+          </a:prstGeom>
+          <a:solidFill>
+            <a:schemeClr val="accent1"/>
+          </a:solidFill>
+          <a:ln>
+            <a:noFill/>
+          </a:ln>
+        </p:spPr>
+        <p:style>
+          <a:lnRef idx="2">
+            <a:schemeClr val="accent1">
+              <a:shade val="50000"/>
+            </a:schemeClr>
+          </a:lnRef>
+          <a:fillRef idx="1">
+            <a:schemeClr val="accent1"/>
+          </a:fillRef>
+          <a:effectRef idx="0">
+            <a:schemeClr val="accent1"/>
+          </a:effectRef>
+          <a:fontRef idx="minor">
+            <a:schemeClr val="lt1"/>
+          </a:fontRef>
+        </p:style>
+        <p:txBody>
+          <a:bodyPr rtlCol="0" anchor="ctr"/>
+          <a:lstStyle/>
+          <a:p>
+            <a:pPr algn="ctr"/>
+            <a:r>
+              <a:rPr lang="en-US" altLang="zh-CN" sz="1500" b="1" dirty="0">
+                <a:solidFill>
+                  <a:schemeClr val="bg1"/>
+                </a:solidFill>
+                <a:ea typeface="微软雅黑 Light" panose="020B0502040204020203" pitchFamily="34" charset="-122"/>
+              </a:rPr>
+              <a:t>3</a:t>
+            </a:r>
+            <a:endParaRPr lang="zh-CN" altLang="en-US" sz="1500" b="1" dirty="0">
+              <a:solidFill>
+                <a:schemeClr val="bg1"/>
+              </a:solidFill>
+              <a:ea typeface="微软雅黑 Light" panose="020B0502040204020203" pitchFamily="34" charset="-122"/>
+            </a:endParaRPr>
+          </a:p>
+        </p:txBody>
+      </p:sp>
+      <p:sp>
+        <p:nvSpPr>
+          <p:cNvPr id="14" name="立方体 13"/>
+          <p:cNvSpPr/>
+          <p:nvPr>
+            <p:custDataLst>
+              <p:tags r:id="rId4"/>
+            </p:custDataLst>
+          </p:nvPr>
+        </p:nvSpPr>
+        <p:spPr>
+          <a:xfrm>
+            <a:off x="4709942" y="2014720"/>
+            <a:ext cx="452169" cy="438830"/>
+          </a:xfrm>
+          <a:prstGeom prst="cube">
+            <a:avLst/>
+          </a:prstGeom>
+          <a:solidFill>
+            <a:schemeClr val="accent1"/>
+          </a:solidFill>
+          <a:ln>
+            <a:noFill/>
+          </a:ln>
+        </p:spPr>
+        <p:style>
+          <a:lnRef idx="2">
+            <a:schemeClr val="accent1">
+              <a:shade val="50000"/>
+            </a:schemeClr>
+          </a:lnRef>
+          <a:fillRef idx="1">
+            <a:schemeClr val="accent1"/>
+          </a:fillRef>
+          <a:effectRef idx="0">
+            <a:schemeClr val="accent1"/>
+          </a:effectRef>
+          <a:fontRef idx="minor">
+            <a:schemeClr val="lt1"/>
+          </a:fontRef>
+        </p:style>
+        <p:txBody>
+          <a:bodyPr rtlCol="0" anchor="ctr"/>
+          <a:lstStyle/>
+          <a:p>
+            <a:pPr algn="ctr"/>
+            <a:r>
+              <a:rPr lang="en-US" altLang="zh-CN" sz="1500" b="1" dirty="0">
+                <a:solidFill>
+                  <a:schemeClr val="bg1"/>
+                </a:solidFill>
+                <a:ea typeface="微软雅黑 Light" panose="020B0502040204020203" pitchFamily="34" charset="-122"/>
+              </a:rPr>
+              <a:t>2</a:t>
+            </a:r>
+            <a:endParaRPr lang="zh-CN" altLang="en-US" sz="1500" b="1" dirty="0">
+              <a:solidFill>
+                <a:schemeClr val="bg1"/>
+              </a:solidFill>
+              <a:ea typeface="微软雅黑 Light" panose="020B0502040204020203" pitchFamily="34" charset="-122"/>
+            </a:endParaRPr>
+          </a:p>
+        </p:txBody>
+      </p:sp>
+      <p:sp>
+        <p:nvSpPr>
+          <p:cNvPr id="16" name="立方体 15"/>
+          <p:cNvSpPr/>
+          <p:nvPr>
+            <p:custDataLst>
+              <p:tags r:id="rId5"/>
+            </p:custDataLst>
+          </p:nvPr>
+        </p:nvSpPr>
+        <p:spPr>
+          <a:xfrm>
+            <a:off x="4709942" y="3241438"/>
+            <a:ext cx="452169" cy="438830"/>
+          </a:xfrm>
+          <a:prstGeom prst="cube">
+            <a:avLst/>
+          </a:prstGeom>
+          <a:solidFill>
+            <a:schemeClr val="accent1"/>
+          </a:solidFill>
+          <a:ln>
+            <a:noFill/>
+          </a:ln>
+        </p:spPr>
+        <p:style>
+          <a:lnRef idx="2">
+            <a:schemeClr val="accent1">
+              <a:shade val="50000"/>
+            </a:schemeClr>
+          </a:lnRef>
+          <a:fillRef idx="1">
+            <a:schemeClr val="accent1"/>
+          </a:fillRef>
+          <a:effectRef idx="0">
+            <a:schemeClr val="accent1"/>
+          </a:effectRef>
+          <a:fontRef idx="minor">
+            <a:schemeClr val="lt1"/>
+          </a:fontRef>
+        </p:style>
+        <p:txBody>
+          <a:bodyPr rtlCol="0" anchor="ctr"/>
+          <a:lstStyle/>
+          <a:p>
+            <a:pPr algn="ctr"/>
+            <a:r>
+              <a:rPr lang="en-US" altLang="zh-CN" sz="1500" b="1" dirty="0">
+                <a:solidFill>
+                  <a:schemeClr val="bg1"/>
+                </a:solidFill>
+                <a:ea typeface="微软雅黑 Light" panose="020B0502040204020203" pitchFamily="34" charset="-122"/>
+              </a:rPr>
+              <a:t>4</a:t>
+            </a:r>
+            <a:endParaRPr lang="zh-CN" altLang="en-US" sz="1500" b="1" dirty="0">
+              <a:solidFill>
+                <a:schemeClr val="bg1"/>
+              </a:solidFill>
+              <a:ea typeface="微软雅黑 Light" panose="020B0502040204020203" pitchFamily="34" charset="-122"/>
+            </a:endParaRPr>
+          </a:p>
+        </p:txBody>
+      </p:sp>
+      <p:sp>
+        <p:nvSpPr>
+          <p:cNvPr id="2" name="文本框 1"/>
+          <p:cNvSpPr txBox="1"/>
+          <p:nvPr>
+            <p:custDataLst>
+              <p:tags r:id="rId6"/>
+            </p:custDataLst>
+          </p:nvPr>
+        </p:nvSpPr>
+        <p:spPr>
+          <a:xfrm>
+            <a:off x="5330768" y="3217906"/>
+            <a:ext cx="2920604" cy="485894"/>
+          </a:xfrm>
+          <a:prstGeom prst="rect">
+            <a:avLst/>
+          </a:prstGeom>
+          <a:noFill/>
+          <a:ln>
+            <a:noFill/>
+          </a:ln>
+          <a:effectLst/>
+          <a:extLst>
+            <a:ext uri="{909E8E84-426E-40DD-AFC4-6F175D3DCCD1}">
+              <a14:hiddenFill xmlns:a14="http://schemas.microsoft.com/office/drawing/2010/main">
+                <a:solidFill>
+                  <a:schemeClr val="accent1"/>
+                </a:solidFill>
+              </a14:hiddenFill>
+            </a:ext>
+            <a:ext uri="{91240B29-F687-4F45-9708-019B960494DF}">
+              <a14:hiddenLine xmlns:a14="http://schemas.microsoft.com/office/drawing/2010/main" w="9525">
+                <a:solidFill>
+                  <a:schemeClr val="tx1"/>
+                </a:solidFill>
+                <a:miter lim="800000"/>
+                <a:headEnd/>
+                <a:tailEnd/>
+              </a14:hiddenLine>
+            </a:ext>
+            <a:ext uri="{AF507438-7753-43E0-B8FC-AC1667EBCBE1}">
+              <a14:hiddenEffects xmlns:a14="http://schemas.microsoft.com/office/drawing/2010/main">
+                <a:effectLst>
+                  <a:outerShdw dist="35921" dir="2700000" algn="ctr" rotWithShape="0">
+                    <a:schemeClr val="bg2"/>
+                  </a:outerShdw>
+                </a:effectLst>
+              </a14:hiddenEffects>
+            </a:ext>
+          </a:extLst>
+        </p:spPr>
+        <p:txBody>
+          <a:bodyPr wrap="square" lIns="0" tIns="0" rIns="0" bIns="0" anchor="ctr" anchorCtr="0">
+            <a:normAutofit/>
+          </a:bodyPr>
+          <a:lstStyle>
+            <a:defPPr>
+              <a:defRPr lang="zh-CN"/>
+            </a:defPPr>
+            <a:lvl1pPr>
+              <a:lnSpc>
+                <a:spcPct val="90000"/>
+              </a:lnSpc>
+              <a:spcBef>
+                <a:spcPct val="0"/>
+              </a:spcBef>
+              <a:buFontTx/>
+              <a:buNone/>
+              <a:defRPr sz="2400">
+                <a:solidFill>
+                  <a:srgbClr val="333333"/>
+                </a:solidFill>
+              </a:defRPr>
+            </a:lvl1pPr>
+            <a:lvl2pPr marL="742950" indent="-285750">
+              <a:lnSpc>
+                <a:spcPct val="90000"/>
+              </a:lnSpc>
+              <a:spcBef>
+                <a:spcPts val="500"/>
+              </a:spcBef>
+              <a:buFont typeface="Arial" panose="020B0604020202020204" pitchFamily="34" charset="0"/>
+              <a:buChar char="•"/>
+              <a:defRPr sz="2400">
+                <a:latin typeface="Calibri" panose="020F0502020204030204" pitchFamily="34" charset="0"/>
+                <a:ea typeface="宋体" panose="02010600030101010101" pitchFamily="2" charset="-122"/>
+              </a:defRPr>
+            </a:lvl2pPr>
+            <a:lvl3pPr marL="1143000" indent="-228600">
+              <a:lnSpc>
+                <a:spcPct val="90000"/>
+              </a:lnSpc>
+              <a:spcBef>
+                <a:spcPts val="500"/>
+              </a:spcBef>
+              <a:buFont typeface="Arial" panose="020B0604020202020204" pitchFamily="34" charset="0"/>
+              <a:buChar char="•"/>
+              <a:defRPr sz="2000">
+                <a:latin typeface="Calibri" panose="020F0502020204030204" pitchFamily="34" charset="0"/>
+                <a:ea typeface="宋体" panose="02010600030101010101" pitchFamily="2" charset="-122"/>
+              </a:defRPr>
+            </a:lvl3pPr>
+            <a:lvl4pPr marL="1600200" indent="-228600">
+              <a:lnSpc>
+                <a:spcPct val="90000"/>
+              </a:lnSpc>
+              <a:spcBef>
+                <a:spcPts val="500"/>
+              </a:spcBef>
+              <a:buFont typeface="Arial" panose="020B0604020202020204" pitchFamily="34" charset="0"/>
+              <a:buChar char="•"/>
+              <a:defRPr>
+                <a:latin typeface="Calibri" panose="020F0502020204030204" pitchFamily="34" charset="0"/>
+                <a:ea typeface="宋体" panose="02010600030101010101" pitchFamily="2" charset="-122"/>
+              </a:defRPr>
+            </a:lvl4pPr>
+            <a:lvl5pPr marL="2057400" indent="-228600">
+              <a:lnSpc>
+                <a:spcPct val="90000"/>
+              </a:lnSpc>
+              <a:spcBef>
+                <a:spcPts val="500"/>
+              </a:spcBef>
+              <a:buFont typeface="Arial" panose="020B0604020202020204" pitchFamily="34" charset="0"/>
+              <a:buChar char="•"/>
+              <a:defRPr>
+                <a:latin typeface="Calibri" panose="020F0502020204030204" pitchFamily="34" charset="0"/>
+                <a:ea typeface="宋体" panose="02010600030101010101" pitchFamily="2" charset="-122"/>
+              </a:defRPr>
+            </a:lvl5pPr>
+            <a:lvl6pPr marL="2514600" indent="-228600" eaLnBrk="0" fontAlgn="base" hangingPunct="0">
+              <a:lnSpc>
+                <a:spcPct val="90000"/>
+              </a:lnSpc>
+              <a:spcBef>
+                <a:spcPts val="500"/>
+              </a:spcBef>
+              <a:spcAft>
+                <a:spcPct val="0"/>
+              </a:spcAft>
+              <a:buFont typeface="Arial" panose="020B0604020202020204" pitchFamily="34" charset="0"/>
+              <a:buChar char="•"/>
+              <a:defRPr>
+                <a:latin typeface="Calibri" panose="020F0502020204030204" pitchFamily="34" charset="0"/>
+                <a:ea typeface="宋体" panose="02010600030101010101" pitchFamily="2" charset="-122"/>
+              </a:defRPr>
+            </a:lvl6pPr>
+            <a:lvl7pPr marL="2971800" indent="-228600" eaLnBrk="0" fontAlgn="base" hangingPunct="0">
+              <a:lnSpc>
+                <a:spcPct val="90000"/>
+              </a:lnSpc>
+              <a:spcBef>
+                <a:spcPts val="500"/>
+              </a:spcBef>
+              <a:spcAft>
+                <a:spcPct val="0"/>
+              </a:spcAft>
+              <a:buFont typeface="Arial" panose="020B0604020202020204" pitchFamily="34" charset="0"/>
+              <a:buChar char="•"/>
+              <a:defRPr>
+                <a:latin typeface="Calibri" panose="020F0502020204030204" pitchFamily="34" charset="0"/>
+                <a:ea typeface="宋体" panose="02010600030101010101" pitchFamily="2" charset="-122"/>
+              </a:defRPr>
+            </a:lvl7pPr>
+            <a:lvl8pPr marL="3429000" indent="-228600" eaLnBrk="0" fontAlgn="base" hangingPunct="0">
+              <a:lnSpc>
+                <a:spcPct val="90000"/>
+              </a:lnSpc>
+              <a:spcBef>
+                <a:spcPts val="500"/>
+              </a:spcBef>
+              <a:spcAft>
+                <a:spcPct val="0"/>
+              </a:spcAft>
+              <a:buFont typeface="Arial" panose="020B0604020202020204" pitchFamily="34" charset="0"/>
+              <a:buChar char="•"/>
+              <a:defRPr>
+                <a:latin typeface="Calibri" panose="020F0502020204030204" pitchFamily="34" charset="0"/>
+                <a:ea typeface="宋体" panose="02010600030101010101" pitchFamily="2" charset="-122"/>
+              </a:defRPr>
+            </a:lvl8pPr>
+            <a:lvl9pPr marL="3886200" indent="-228600" eaLnBrk="0" fontAlgn="base" hangingPunct="0">
+              <a:lnSpc>
+                <a:spcPct val="90000"/>
+              </a:lnSpc>
+              <a:spcBef>
+                <a:spcPts val="500"/>
+              </a:spcBef>
+              <a:spcAft>
+                <a:spcPct val="0"/>
+              </a:spcAft>
+              <a:buFont typeface="Arial" panose="020B0604020202020204" pitchFamily="34" charset="0"/>
+              <a:buChar char="•"/>
+              <a:defRPr>
+                <a:latin typeface="Calibri" panose="020F0502020204030204" pitchFamily="34" charset="0"/>
+                <a:ea typeface="宋体" panose="02010600030101010101" pitchFamily="2" charset="-122"/>
+              </a:defRPr>
+            </a:lvl9pPr>
+          </a:lstStyle>
+          <a:p>
+            <a:r>
+              <a:rPr lang="zh-CN" altLang="en-US" sz="2000" dirty="0">
+                <a:solidFill>
+                  <a:schemeClr val="tx1">
+                    <a:lumMod val="75000"/>
+                    <a:lumOff val="25000"/>
+                  </a:schemeClr>
+                </a:solidFill>
+                <a:ea typeface="微软雅黑 Light" panose="020B0502040204020203" pitchFamily="34" charset="-122"/>
+              </a:rPr>
+              <a:t>其他</a:t>
+            </a:r>
+          </a:p>
+        </p:txBody>
+      </p:sp>
+      <p:sp>
+        <p:nvSpPr>
+          <p:cNvPr id="3" name="文本框 2"/>
+          <p:cNvSpPr txBox="1"/>
+          <p:nvPr>
+            <p:custDataLst>
+              <p:tags r:id="rId7"/>
+            </p:custDataLst>
+          </p:nvPr>
+        </p:nvSpPr>
+        <p:spPr>
+          <a:xfrm>
+            <a:off x="5330768" y="1967657"/>
+            <a:ext cx="2920604" cy="485894"/>
+          </a:xfrm>
+          <a:prstGeom prst="rect">
+            <a:avLst/>
+          </a:prstGeom>
+          <a:noFill/>
+          <a:ln>
+            <a:noFill/>
+          </a:ln>
+          <a:effectLst/>
+          <a:extLst>
+            <a:ext uri="{909E8E84-426E-40DD-AFC4-6F175D3DCCD1}">
+              <a14:hiddenFill xmlns:a14="http://schemas.microsoft.com/office/drawing/2010/main">
+                <a:solidFill>
+                  <a:schemeClr val="accent1"/>
+                </a:solidFill>
+              </a14:hiddenFill>
+            </a:ext>
+            <a:ext uri="{91240B29-F687-4F45-9708-019B960494DF}">
+              <a14:hiddenLine xmlns:a14="http://schemas.microsoft.com/office/drawing/2010/main" w="9525">
+                <a:solidFill>
+                  <a:schemeClr val="tx1"/>
+                </a:solidFill>
+                <a:miter lim="800000"/>
+                <a:headEnd/>
+                <a:tailEnd/>
+              </a14:hiddenLine>
+            </a:ext>
+            <a:ext uri="{AF507438-7753-43E0-B8FC-AC1667EBCBE1}">
+              <a14:hiddenEffects xmlns:a14="http://schemas.microsoft.com/office/drawing/2010/main">
+                <a:effectLst>
+                  <a:outerShdw dist="35921" dir="2700000" algn="ctr" rotWithShape="0">
+                    <a:schemeClr val="bg2"/>
+                  </a:outerShdw>
+                </a:effectLst>
+              </a14:hiddenEffects>
+            </a:ext>
+          </a:extLst>
+        </p:spPr>
+        <p:txBody>
+          <a:bodyPr wrap="square" lIns="0" tIns="0" rIns="0" bIns="0" anchor="ctr" anchorCtr="0">
+            <a:normAutofit/>
+          </a:bodyPr>
+          <a:lstStyle>
+            <a:defPPr>
+              <a:defRPr lang="zh-CN"/>
+            </a:defPPr>
+            <a:lvl1pPr>
+              <a:lnSpc>
+                <a:spcPct val="90000"/>
+              </a:lnSpc>
+              <a:spcBef>
+                <a:spcPct val="0"/>
+              </a:spcBef>
+              <a:buFontTx/>
+              <a:buNone/>
+              <a:defRPr sz="2400">
+                <a:solidFill>
+                  <a:srgbClr val="333333"/>
+                </a:solidFill>
+              </a:defRPr>
+            </a:lvl1pPr>
+            <a:lvl2pPr marL="742950" indent="-285750">
+              <a:lnSpc>
+                <a:spcPct val="90000"/>
+              </a:lnSpc>
+              <a:spcBef>
+                <a:spcPts val="500"/>
+              </a:spcBef>
+              <a:buFont typeface="Arial" panose="020B0604020202020204" pitchFamily="34" charset="0"/>
+              <a:buChar char="•"/>
+              <a:defRPr sz="2400">
+                <a:latin typeface="Calibri" panose="020F0502020204030204" pitchFamily="34" charset="0"/>
+                <a:ea typeface="宋体" panose="02010600030101010101" pitchFamily="2" charset="-122"/>
+              </a:defRPr>
+            </a:lvl2pPr>
+            <a:lvl3pPr marL="1143000" indent="-228600">
+              <a:lnSpc>
+                <a:spcPct val="90000"/>
+              </a:lnSpc>
+              <a:spcBef>
+                <a:spcPts val="500"/>
+              </a:spcBef>
+              <a:buFont typeface="Arial" panose="020B0604020202020204" pitchFamily="34" charset="0"/>
+              <a:buChar char="•"/>
+              <a:defRPr sz="2000">
+                <a:latin typeface="Calibri" panose="020F0502020204030204" pitchFamily="34" charset="0"/>
+                <a:ea typeface="宋体" panose="02010600030101010101" pitchFamily="2" charset="-122"/>
+              </a:defRPr>
+            </a:lvl3pPr>
+            <a:lvl4pPr marL="1600200" indent="-228600">
+              <a:lnSpc>
+                <a:spcPct val="90000"/>
+              </a:lnSpc>
+              <a:spcBef>
+                <a:spcPts val="500"/>
+              </a:spcBef>
+              <a:buFont typeface="Arial" panose="020B0604020202020204" pitchFamily="34" charset="0"/>
+              <a:buChar char="•"/>
+              <a:defRPr>
+                <a:latin typeface="Calibri" panose="020F0502020204030204" pitchFamily="34" charset="0"/>
+                <a:ea typeface="宋体" panose="02010600030101010101" pitchFamily="2" charset="-122"/>
+              </a:defRPr>
+            </a:lvl4pPr>
+            <a:lvl5pPr marL="2057400" indent="-228600">
+              <a:lnSpc>
+                <a:spcPct val="90000"/>
+              </a:lnSpc>
+              <a:spcBef>
+                <a:spcPts val="500"/>
+              </a:spcBef>
+              <a:buFont typeface="Arial" panose="020B0604020202020204" pitchFamily="34" charset="0"/>
+              <a:buChar char="•"/>
+              <a:defRPr>
+                <a:latin typeface="Calibri" panose="020F0502020204030204" pitchFamily="34" charset="0"/>
+                <a:ea typeface="宋体" panose="02010600030101010101" pitchFamily="2" charset="-122"/>
+              </a:defRPr>
+            </a:lvl5pPr>
+            <a:lvl6pPr marL="2514600" indent="-228600" eaLnBrk="0" fontAlgn="base" hangingPunct="0">
+              <a:lnSpc>
+                <a:spcPct val="90000"/>
+              </a:lnSpc>
+              <a:spcBef>
+                <a:spcPts val="500"/>
+              </a:spcBef>
+              <a:spcAft>
+                <a:spcPct val="0"/>
+              </a:spcAft>
+              <a:buFont typeface="Arial" panose="020B0604020202020204" pitchFamily="34" charset="0"/>
+              <a:buChar char="•"/>
+              <a:defRPr>
+                <a:latin typeface="Calibri" panose="020F0502020204030204" pitchFamily="34" charset="0"/>
+                <a:ea typeface="宋体" panose="02010600030101010101" pitchFamily="2" charset="-122"/>
+              </a:defRPr>
+            </a:lvl6pPr>
+            <a:lvl7pPr marL="2971800" indent="-228600" eaLnBrk="0" fontAlgn="base" hangingPunct="0">
+              <a:lnSpc>
+                <a:spcPct val="90000"/>
+              </a:lnSpc>
+              <a:spcBef>
+                <a:spcPts val="500"/>
+              </a:spcBef>
+              <a:spcAft>
+                <a:spcPct val="0"/>
+              </a:spcAft>
+              <a:buFont typeface="Arial" panose="020B0604020202020204" pitchFamily="34" charset="0"/>
+              <a:buChar char="•"/>
+              <a:defRPr>
+                <a:latin typeface="Calibri" panose="020F0502020204030204" pitchFamily="34" charset="0"/>
+                <a:ea typeface="宋体" panose="02010600030101010101" pitchFamily="2" charset="-122"/>
+              </a:defRPr>
+            </a:lvl7pPr>
+            <a:lvl8pPr marL="3429000" indent="-228600" eaLnBrk="0" fontAlgn="base" hangingPunct="0">
+              <a:lnSpc>
+                <a:spcPct val="90000"/>
+              </a:lnSpc>
+              <a:spcBef>
+                <a:spcPts val="500"/>
+              </a:spcBef>
+              <a:spcAft>
+                <a:spcPct val="0"/>
+              </a:spcAft>
+              <a:buFont typeface="Arial" panose="020B0604020202020204" pitchFamily="34" charset="0"/>
+              <a:buChar char="•"/>
+              <a:defRPr>
+                <a:latin typeface="Calibri" panose="020F0502020204030204" pitchFamily="34" charset="0"/>
+                <a:ea typeface="宋体" panose="02010600030101010101" pitchFamily="2" charset="-122"/>
+              </a:defRPr>
+            </a:lvl8pPr>
+            <a:lvl9pPr marL="3886200" indent="-228600" eaLnBrk="0" fontAlgn="base" hangingPunct="0">
+              <a:lnSpc>
+                <a:spcPct val="90000"/>
+              </a:lnSpc>
+              <a:spcBef>
+                <a:spcPts val="500"/>
+              </a:spcBef>
+              <a:spcAft>
+                <a:spcPct val="0"/>
+              </a:spcAft>
+              <a:buFont typeface="Arial" panose="020B0604020202020204" pitchFamily="34" charset="0"/>
+              <a:buChar char="•"/>
+              <a:defRPr>
+                <a:latin typeface="Calibri" panose="020F0502020204030204" pitchFamily="34" charset="0"/>
+                <a:ea typeface="宋体" panose="02010600030101010101" pitchFamily="2" charset="-122"/>
+              </a:defRPr>
+            </a:lvl9pPr>
+          </a:lstStyle>
+          <a:p>
+            <a:r>
+              <a:rPr lang="zh-CN" altLang="en-US" sz="2000" dirty="0" smtClean="0">
+                <a:solidFill>
+                  <a:schemeClr val="tx1">
+                    <a:lumMod val="75000"/>
+                    <a:lumOff val="25000"/>
+                  </a:schemeClr>
+                </a:solidFill>
+                <a:ea typeface="微软雅黑 Light" panose="020B0502040204020203" pitchFamily="34" charset="-122"/>
+              </a:rPr>
+              <a:t>从配置说起</a:t>
+            </a:r>
+            <a:endParaRPr lang="zh-CN" altLang="en-US" sz="2000" dirty="0">
+              <a:solidFill>
+                <a:schemeClr val="tx1">
+                  <a:lumMod val="75000"/>
+                  <a:lumOff val="25000"/>
+                </a:schemeClr>
+              </a:solidFill>
+              <a:ea typeface="微软雅黑 Light" panose="020B0502040204020203" pitchFamily="34" charset="-122"/>
+            </a:endParaRPr>
+          </a:p>
+        </p:txBody>
+      </p:sp>
+      <p:sp>
+        <p:nvSpPr>
+          <p:cNvPr id="4" name="文本框 3"/>
+          <p:cNvSpPr txBox="1"/>
+          <p:nvPr>
+            <p:custDataLst>
+              <p:tags r:id="rId8"/>
+            </p:custDataLst>
+          </p:nvPr>
+        </p:nvSpPr>
+        <p:spPr>
+          <a:xfrm>
+            <a:off x="1705826" y="3212234"/>
+            <a:ext cx="2648460" cy="485894"/>
+          </a:xfrm>
+          <a:prstGeom prst="rect">
+            <a:avLst/>
+          </a:prstGeom>
+          <a:noFill/>
+          <a:ln>
+            <a:noFill/>
+          </a:ln>
+          <a:effectLst/>
+          <a:extLst>
+            <a:ext uri="{909E8E84-426E-40DD-AFC4-6F175D3DCCD1}">
+              <a14:hiddenFill xmlns:a14="http://schemas.microsoft.com/office/drawing/2010/main">
+                <a:solidFill>
+                  <a:schemeClr val="accent1"/>
+                </a:solidFill>
+              </a14:hiddenFill>
+            </a:ext>
+            <a:ext uri="{91240B29-F687-4F45-9708-019B960494DF}">
+              <a14:hiddenLine xmlns:a14="http://schemas.microsoft.com/office/drawing/2010/main" w="9525">
+                <a:solidFill>
+                  <a:schemeClr val="tx1"/>
+                </a:solidFill>
+                <a:miter lim="800000"/>
+                <a:headEnd/>
+                <a:tailEnd/>
+              </a14:hiddenLine>
+            </a:ext>
+            <a:ext uri="{AF507438-7753-43E0-B8FC-AC1667EBCBE1}">
+              <a14:hiddenEffects xmlns:a14="http://schemas.microsoft.com/office/drawing/2010/main">
+                <a:effectLst>
+                  <a:outerShdw dist="35921" dir="2700000" algn="ctr" rotWithShape="0">
+                    <a:schemeClr val="bg2"/>
+                  </a:outerShdw>
+                </a:effectLst>
+              </a14:hiddenEffects>
+            </a:ext>
+          </a:extLst>
+        </p:spPr>
+        <p:txBody>
+          <a:bodyPr wrap="square" lIns="0" tIns="0" rIns="0" bIns="0" anchor="ctr" anchorCtr="0">
+            <a:normAutofit/>
+          </a:bodyPr>
+          <a:lstStyle>
+            <a:defPPr>
+              <a:defRPr lang="zh-CN"/>
+            </a:defPPr>
+            <a:lvl1pPr>
+              <a:lnSpc>
+                <a:spcPct val="90000"/>
+              </a:lnSpc>
+              <a:spcBef>
+                <a:spcPct val="0"/>
+              </a:spcBef>
+              <a:buFontTx/>
+              <a:buNone/>
+              <a:defRPr sz="2400">
+                <a:solidFill>
+                  <a:srgbClr val="333333"/>
+                </a:solidFill>
+              </a:defRPr>
+            </a:lvl1pPr>
+            <a:lvl2pPr marL="742950" indent="-285750">
+              <a:lnSpc>
+                <a:spcPct val="90000"/>
+              </a:lnSpc>
+              <a:spcBef>
+                <a:spcPts val="500"/>
+              </a:spcBef>
+              <a:buFont typeface="Arial" panose="020B0604020202020204" pitchFamily="34" charset="0"/>
+              <a:buChar char="•"/>
+              <a:defRPr sz="2400">
+                <a:latin typeface="Calibri" panose="020F0502020204030204" pitchFamily="34" charset="0"/>
+                <a:ea typeface="宋体" panose="02010600030101010101" pitchFamily="2" charset="-122"/>
+              </a:defRPr>
+            </a:lvl2pPr>
+            <a:lvl3pPr marL="1143000" indent="-228600">
+              <a:lnSpc>
+                <a:spcPct val="90000"/>
+              </a:lnSpc>
+              <a:spcBef>
+                <a:spcPts val="500"/>
+              </a:spcBef>
+              <a:buFont typeface="Arial" panose="020B0604020202020204" pitchFamily="34" charset="0"/>
+              <a:buChar char="•"/>
+              <a:defRPr sz="2000">
+                <a:latin typeface="Calibri" panose="020F0502020204030204" pitchFamily="34" charset="0"/>
+                <a:ea typeface="宋体" panose="02010600030101010101" pitchFamily="2" charset="-122"/>
+              </a:defRPr>
+            </a:lvl3pPr>
+            <a:lvl4pPr marL="1600200" indent="-228600">
+              <a:lnSpc>
+                <a:spcPct val="90000"/>
+              </a:lnSpc>
+              <a:spcBef>
+                <a:spcPts val="500"/>
+              </a:spcBef>
+              <a:buFont typeface="Arial" panose="020B0604020202020204" pitchFamily="34" charset="0"/>
+              <a:buChar char="•"/>
+              <a:defRPr>
+                <a:latin typeface="Calibri" panose="020F0502020204030204" pitchFamily="34" charset="0"/>
+                <a:ea typeface="宋体" panose="02010600030101010101" pitchFamily="2" charset="-122"/>
+              </a:defRPr>
+            </a:lvl4pPr>
+            <a:lvl5pPr marL="2057400" indent="-228600">
+              <a:lnSpc>
+                <a:spcPct val="90000"/>
+              </a:lnSpc>
+              <a:spcBef>
+                <a:spcPts val="500"/>
+              </a:spcBef>
+              <a:buFont typeface="Arial" panose="020B0604020202020204" pitchFamily="34" charset="0"/>
+              <a:buChar char="•"/>
+              <a:defRPr>
+                <a:latin typeface="Calibri" panose="020F0502020204030204" pitchFamily="34" charset="0"/>
+                <a:ea typeface="宋体" panose="02010600030101010101" pitchFamily="2" charset="-122"/>
+              </a:defRPr>
+            </a:lvl5pPr>
+            <a:lvl6pPr marL="2514600" indent="-228600" eaLnBrk="0" fontAlgn="base" hangingPunct="0">
+              <a:lnSpc>
+                <a:spcPct val="90000"/>
+              </a:lnSpc>
+              <a:spcBef>
+                <a:spcPts val="500"/>
+              </a:spcBef>
+              <a:spcAft>
+                <a:spcPct val="0"/>
+              </a:spcAft>
+              <a:buFont typeface="Arial" panose="020B0604020202020204" pitchFamily="34" charset="0"/>
+              <a:buChar char="•"/>
+              <a:defRPr>
+                <a:latin typeface="Calibri" panose="020F0502020204030204" pitchFamily="34" charset="0"/>
+                <a:ea typeface="宋体" panose="02010600030101010101" pitchFamily="2" charset="-122"/>
+              </a:defRPr>
+            </a:lvl6pPr>
+            <a:lvl7pPr marL="2971800" indent="-228600" eaLnBrk="0" fontAlgn="base" hangingPunct="0">
+              <a:lnSpc>
+                <a:spcPct val="90000"/>
+              </a:lnSpc>
+              <a:spcBef>
+                <a:spcPts val="500"/>
+              </a:spcBef>
+              <a:spcAft>
+                <a:spcPct val="0"/>
+              </a:spcAft>
+              <a:buFont typeface="Arial" panose="020B0604020202020204" pitchFamily="34" charset="0"/>
+              <a:buChar char="•"/>
+              <a:defRPr>
+                <a:latin typeface="Calibri" panose="020F0502020204030204" pitchFamily="34" charset="0"/>
+                <a:ea typeface="宋体" panose="02010600030101010101" pitchFamily="2" charset="-122"/>
+              </a:defRPr>
+            </a:lvl7pPr>
+            <a:lvl8pPr marL="3429000" indent="-228600" eaLnBrk="0" fontAlgn="base" hangingPunct="0">
+              <a:lnSpc>
+                <a:spcPct val="90000"/>
+              </a:lnSpc>
+              <a:spcBef>
+                <a:spcPts val="500"/>
+              </a:spcBef>
+              <a:spcAft>
+                <a:spcPct val="0"/>
+              </a:spcAft>
+              <a:buFont typeface="Arial" panose="020B0604020202020204" pitchFamily="34" charset="0"/>
+              <a:buChar char="•"/>
+              <a:defRPr>
+                <a:latin typeface="Calibri" panose="020F0502020204030204" pitchFamily="34" charset="0"/>
+                <a:ea typeface="宋体" panose="02010600030101010101" pitchFamily="2" charset="-122"/>
+              </a:defRPr>
+            </a:lvl8pPr>
+            <a:lvl9pPr marL="3886200" indent="-228600" eaLnBrk="0" fontAlgn="base" hangingPunct="0">
+              <a:lnSpc>
+                <a:spcPct val="90000"/>
+              </a:lnSpc>
+              <a:spcBef>
+                <a:spcPts val="500"/>
+              </a:spcBef>
+              <a:spcAft>
+                <a:spcPct val="0"/>
+              </a:spcAft>
+              <a:buFont typeface="Arial" panose="020B0604020202020204" pitchFamily="34" charset="0"/>
+              <a:buChar char="•"/>
+              <a:defRPr>
+                <a:latin typeface="Calibri" panose="020F0502020204030204" pitchFamily="34" charset="0"/>
+                <a:ea typeface="宋体" panose="02010600030101010101" pitchFamily="2" charset="-122"/>
+              </a:defRPr>
+            </a:lvl9pPr>
+          </a:lstStyle>
+          <a:p>
+            <a:r>
+              <a:rPr lang="zh-CN" altLang="en-US" sz="2000" dirty="0" smtClean="0">
+                <a:solidFill>
+                  <a:schemeClr val="tx1">
+                    <a:lumMod val="75000"/>
+                    <a:lumOff val="25000"/>
+                  </a:schemeClr>
+                </a:solidFill>
+                <a:ea typeface="微软雅黑 Light" panose="020B0502040204020203" pitchFamily="34" charset="-122"/>
+              </a:rPr>
+              <a:t>项目内的一些实践</a:t>
+            </a:r>
+            <a:endParaRPr lang="zh-CN" altLang="en-US" sz="2000" dirty="0">
+              <a:solidFill>
+                <a:schemeClr val="tx1">
+                  <a:lumMod val="75000"/>
+                  <a:lumOff val="25000"/>
+                </a:schemeClr>
+              </a:solidFill>
+              <a:ea typeface="微软雅黑 Light" panose="020B0502040204020203" pitchFamily="34" charset="-122"/>
+            </a:endParaRPr>
+          </a:p>
+        </p:txBody>
+      </p:sp>
+      <p:sp>
+        <p:nvSpPr>
+          <p:cNvPr id="5" name="文本框 4"/>
+          <p:cNvSpPr txBox="1"/>
+          <p:nvPr>
+            <p:custDataLst>
+              <p:tags r:id="rId9"/>
+            </p:custDataLst>
+          </p:nvPr>
+        </p:nvSpPr>
+        <p:spPr>
+          <a:xfrm>
+            <a:off x="1705826" y="1980158"/>
+            <a:ext cx="2648460" cy="485894"/>
+          </a:xfrm>
+          <a:prstGeom prst="rect">
+            <a:avLst/>
+          </a:prstGeom>
+          <a:noFill/>
+          <a:ln>
+            <a:noFill/>
+          </a:ln>
+          <a:effectLst/>
+          <a:extLst>
+            <a:ext uri="{909E8E84-426E-40DD-AFC4-6F175D3DCCD1}">
+              <a14:hiddenFill xmlns:a14="http://schemas.microsoft.com/office/drawing/2010/main">
+                <a:solidFill>
+                  <a:schemeClr val="accent1"/>
+                </a:solidFill>
+              </a14:hiddenFill>
+            </a:ext>
+            <a:ext uri="{91240B29-F687-4F45-9708-019B960494DF}">
+              <a14:hiddenLine xmlns:a14="http://schemas.microsoft.com/office/drawing/2010/main" w="9525">
+                <a:solidFill>
+                  <a:schemeClr val="tx1"/>
+                </a:solidFill>
+                <a:miter lim="800000"/>
+                <a:headEnd/>
+                <a:tailEnd/>
+              </a14:hiddenLine>
+            </a:ext>
+            <a:ext uri="{AF507438-7753-43E0-B8FC-AC1667EBCBE1}">
+              <a14:hiddenEffects xmlns:a14="http://schemas.microsoft.com/office/drawing/2010/main">
+                <a:effectLst>
+                  <a:outerShdw dist="35921" dir="2700000" algn="ctr" rotWithShape="0">
+                    <a:schemeClr val="bg2"/>
+                  </a:outerShdw>
+                </a:effectLst>
+              </a14:hiddenEffects>
+            </a:ext>
+          </a:extLst>
+        </p:spPr>
+        <p:txBody>
+          <a:bodyPr wrap="square" lIns="0" tIns="0" rIns="0" bIns="0" anchor="ctr" anchorCtr="0">
+            <a:normAutofit/>
+          </a:bodyPr>
+          <a:lstStyle>
+            <a:defPPr>
+              <a:defRPr lang="zh-CN"/>
+            </a:defPPr>
+            <a:lvl1pPr>
+              <a:lnSpc>
+                <a:spcPct val="90000"/>
+              </a:lnSpc>
+              <a:spcBef>
+                <a:spcPct val="0"/>
+              </a:spcBef>
+              <a:buFontTx/>
+              <a:buNone/>
+              <a:defRPr sz="2400">
+                <a:solidFill>
+                  <a:srgbClr val="333333"/>
+                </a:solidFill>
+              </a:defRPr>
+            </a:lvl1pPr>
+            <a:lvl2pPr marL="742950" indent="-285750">
+              <a:lnSpc>
+                <a:spcPct val="90000"/>
+              </a:lnSpc>
+              <a:spcBef>
+                <a:spcPts val="500"/>
+              </a:spcBef>
+              <a:buFont typeface="Arial" panose="020B0604020202020204" pitchFamily="34" charset="0"/>
+              <a:buChar char="•"/>
+              <a:defRPr sz="2400">
+                <a:latin typeface="Calibri" panose="020F0502020204030204" pitchFamily="34" charset="0"/>
+                <a:ea typeface="宋体" panose="02010600030101010101" pitchFamily="2" charset="-122"/>
+              </a:defRPr>
+            </a:lvl2pPr>
+            <a:lvl3pPr marL="1143000" indent="-228600">
+              <a:lnSpc>
+                <a:spcPct val="90000"/>
+              </a:lnSpc>
+              <a:spcBef>
+                <a:spcPts val="500"/>
+              </a:spcBef>
+              <a:buFont typeface="Arial" panose="020B0604020202020204" pitchFamily="34" charset="0"/>
+              <a:buChar char="•"/>
+              <a:defRPr sz="2000">
+                <a:latin typeface="Calibri" panose="020F0502020204030204" pitchFamily="34" charset="0"/>
+                <a:ea typeface="宋体" panose="02010600030101010101" pitchFamily="2" charset="-122"/>
+              </a:defRPr>
+            </a:lvl3pPr>
+            <a:lvl4pPr marL="1600200" indent="-228600">
+              <a:lnSpc>
+                <a:spcPct val="90000"/>
+              </a:lnSpc>
+              <a:spcBef>
+                <a:spcPts val="500"/>
+              </a:spcBef>
+              <a:buFont typeface="Arial" panose="020B0604020202020204" pitchFamily="34" charset="0"/>
+              <a:buChar char="•"/>
+              <a:defRPr>
+                <a:latin typeface="Calibri" panose="020F0502020204030204" pitchFamily="34" charset="0"/>
+                <a:ea typeface="宋体" panose="02010600030101010101" pitchFamily="2" charset="-122"/>
+              </a:defRPr>
+            </a:lvl4pPr>
+            <a:lvl5pPr marL="2057400" indent="-228600">
+              <a:lnSpc>
+                <a:spcPct val="90000"/>
+              </a:lnSpc>
+              <a:spcBef>
+                <a:spcPts val="500"/>
+              </a:spcBef>
+              <a:buFont typeface="Arial" panose="020B0604020202020204" pitchFamily="34" charset="0"/>
+              <a:buChar char="•"/>
+              <a:defRPr>
+                <a:latin typeface="Calibri" panose="020F0502020204030204" pitchFamily="34" charset="0"/>
+                <a:ea typeface="宋体" panose="02010600030101010101" pitchFamily="2" charset="-122"/>
+              </a:defRPr>
+            </a:lvl5pPr>
+            <a:lvl6pPr marL="2514600" indent="-228600" eaLnBrk="0" fontAlgn="base" hangingPunct="0">
+              <a:lnSpc>
+                <a:spcPct val="90000"/>
+              </a:lnSpc>
+              <a:spcBef>
+                <a:spcPts val="500"/>
+              </a:spcBef>
+              <a:spcAft>
+                <a:spcPct val="0"/>
+              </a:spcAft>
+              <a:buFont typeface="Arial" panose="020B0604020202020204" pitchFamily="34" charset="0"/>
+              <a:buChar char="•"/>
+              <a:defRPr>
+                <a:latin typeface="Calibri" panose="020F0502020204030204" pitchFamily="34" charset="0"/>
+                <a:ea typeface="宋体" panose="02010600030101010101" pitchFamily="2" charset="-122"/>
+              </a:defRPr>
+            </a:lvl6pPr>
+            <a:lvl7pPr marL="2971800" indent="-228600" eaLnBrk="0" fontAlgn="base" hangingPunct="0">
+              <a:lnSpc>
+                <a:spcPct val="90000"/>
+              </a:lnSpc>
+              <a:spcBef>
+                <a:spcPts val="500"/>
+              </a:spcBef>
+              <a:spcAft>
+                <a:spcPct val="0"/>
+              </a:spcAft>
+              <a:buFont typeface="Arial" panose="020B0604020202020204" pitchFamily="34" charset="0"/>
+              <a:buChar char="•"/>
+              <a:defRPr>
+                <a:latin typeface="Calibri" panose="020F0502020204030204" pitchFamily="34" charset="0"/>
+                <a:ea typeface="宋体" panose="02010600030101010101" pitchFamily="2" charset="-122"/>
+              </a:defRPr>
+            </a:lvl7pPr>
+            <a:lvl8pPr marL="3429000" indent="-228600" eaLnBrk="0" fontAlgn="base" hangingPunct="0">
+              <a:lnSpc>
+                <a:spcPct val="90000"/>
+              </a:lnSpc>
+              <a:spcBef>
+                <a:spcPts val="500"/>
+              </a:spcBef>
+              <a:spcAft>
+                <a:spcPct val="0"/>
+              </a:spcAft>
+              <a:buFont typeface="Arial" panose="020B0604020202020204" pitchFamily="34" charset="0"/>
+              <a:buChar char="•"/>
+              <a:defRPr>
+                <a:latin typeface="Calibri" panose="020F0502020204030204" pitchFamily="34" charset="0"/>
+                <a:ea typeface="宋体" panose="02010600030101010101" pitchFamily="2" charset="-122"/>
+              </a:defRPr>
+            </a:lvl8pPr>
+            <a:lvl9pPr marL="3886200" indent="-228600" eaLnBrk="0" fontAlgn="base" hangingPunct="0">
+              <a:lnSpc>
+                <a:spcPct val="90000"/>
+              </a:lnSpc>
+              <a:spcBef>
+                <a:spcPts val="500"/>
+              </a:spcBef>
+              <a:spcAft>
+                <a:spcPct val="0"/>
+              </a:spcAft>
+              <a:buFont typeface="Arial" panose="020B0604020202020204" pitchFamily="34" charset="0"/>
+              <a:buChar char="•"/>
+              <a:defRPr>
+                <a:latin typeface="Calibri" panose="020F0502020204030204" pitchFamily="34" charset="0"/>
+                <a:ea typeface="宋体" panose="02010600030101010101" pitchFamily="2" charset="-122"/>
+              </a:defRPr>
+            </a:lvl9pPr>
+          </a:lstStyle>
+          <a:p>
+            <a:r>
+              <a:rPr lang="zh-CN" altLang="en-US" sz="2000" dirty="0" smtClean="0">
+                <a:solidFill>
+                  <a:schemeClr val="tx1">
+                    <a:lumMod val="75000"/>
+                    <a:lumOff val="25000"/>
+                  </a:schemeClr>
+                </a:solidFill>
+                <a:ea typeface="微软雅黑 Light" panose="020B0502040204020203" pitchFamily="34" charset="-122"/>
+              </a:rPr>
+              <a:t>对</a:t>
+            </a:r>
+            <a:r>
+              <a:rPr lang="en-US" altLang="zh-CN" sz="2000" dirty="0" smtClean="0">
+                <a:solidFill>
+                  <a:schemeClr val="tx1">
+                    <a:lumMod val="75000"/>
+                    <a:lumOff val="25000"/>
+                  </a:schemeClr>
+                </a:solidFill>
+                <a:ea typeface="微软雅黑 Light" panose="020B0502040204020203" pitchFamily="34" charset="-122"/>
+              </a:rPr>
+              <a:t>TS</a:t>
+            </a:r>
+            <a:r>
+              <a:rPr lang="zh-CN" altLang="en-US" sz="2000" dirty="0" smtClean="0">
+                <a:solidFill>
+                  <a:schemeClr val="tx1">
+                    <a:lumMod val="75000"/>
+                    <a:lumOff val="25000"/>
+                  </a:schemeClr>
+                </a:solidFill>
+                <a:ea typeface="微软雅黑 Light" panose="020B0502040204020203" pitchFamily="34" charset="-122"/>
+              </a:rPr>
+              <a:t>的一些看法</a:t>
+            </a:r>
+            <a:endParaRPr lang="zh-CN" altLang="en-US" sz="2000" dirty="0">
+              <a:solidFill>
+                <a:schemeClr val="tx1">
+                  <a:lumMod val="75000"/>
+                  <a:lumOff val="25000"/>
+                </a:schemeClr>
+              </a:solidFill>
+              <a:ea typeface="微软雅黑 Light" panose="020B0502040204020203" pitchFamily="34" charset="-122"/>
+            </a:endParaRPr>
+          </a:p>
+        </p:txBody>
+      </p:sp>
+      <p:sp>
+        <p:nvSpPr>
+          <p:cNvPr id="12" name="圆角矩形 11"/>
+          <p:cNvSpPr/>
+          <p:nvPr>
+            <p:custDataLst>
+              <p:tags r:id="rId10"/>
+            </p:custDataLst>
+          </p:nvPr>
+        </p:nvSpPr>
+        <p:spPr>
+          <a:xfrm>
+            <a:off x="3211105" y="561703"/>
+            <a:ext cx="2721429" cy="533400"/>
+          </a:xfrm>
+          <a:prstGeom prst="roundRect">
+            <a:avLst>
+              <a:gd name="adj" fmla="val 50000"/>
+            </a:avLst>
+          </a:prstGeom>
+          <a:solidFill>
+            <a:schemeClr val="accent1"/>
+          </a:solidFill>
+          <a:ln>
+            <a:noFill/>
+          </a:ln>
+        </p:spPr>
+        <p:style>
+          <a:lnRef idx="2">
+            <a:schemeClr val="accent1">
+              <a:shade val="50000"/>
+            </a:schemeClr>
+          </a:lnRef>
+          <a:fillRef idx="1">
+            <a:schemeClr val="accent1"/>
+          </a:fillRef>
+          <a:effectRef idx="0">
+            <a:schemeClr val="accent1"/>
+          </a:effectRef>
+          <a:fontRef idx="minor">
+            <a:schemeClr val="lt1"/>
+          </a:fontRef>
+        </p:style>
+        <p:txBody>
+          <a:bodyPr tIns="0" bIns="0" rtlCol="0" anchor="ctr"/>
+          <a:lstStyle/>
+          <a:p>
+            <a:pPr algn="ctr"/>
+            <a:r>
+              <a:rPr lang="en-US" altLang="zh-CN" sz="3000" dirty="0">
+                <a:solidFill>
+                  <a:schemeClr val="bg1"/>
+                </a:solidFill>
+                <a:latin typeface="+mj-lt"/>
+                <a:ea typeface="微软雅黑 Light" panose="020B0502040204020203" pitchFamily="34" charset="-122"/>
+                <a:cs typeface="+mj-cs"/>
+              </a:rPr>
+              <a:t>CONTENTS</a:t>
+            </a:r>
+          </a:p>
+        </p:txBody>
+      </p:sp>
+      <p:sp>
+        <p:nvSpPr>
+          <p:cNvPr id="34" name="任意多边形 22"/>
+          <p:cNvSpPr/>
+          <p:nvPr/>
+        </p:nvSpPr>
+        <p:spPr>
+          <a:xfrm>
+            <a:off x="4193509" y="0"/>
+            <a:ext cx="774562" cy="223597"/>
+          </a:xfrm>
+          <a:custGeom>
+            <a:avLst/>
+            <a:gdLst>
+              <a:gd name="connsiteX0" fmla="*/ 0 w 1032749"/>
+              <a:gd name="connsiteY0" fmla="*/ 0 h 298129"/>
+              <a:gd name="connsiteX1" fmla="*/ 1032749 w 1032749"/>
+              <a:gd name="connsiteY1" fmla="*/ 0 h 298129"/>
+              <a:gd name="connsiteX2" fmla="*/ 516374 w 1032749"/>
+              <a:gd name="connsiteY2" fmla="*/ 298129 h 298129"/>
+              <a:gd name="connsiteX3" fmla="*/ 0 w 1032749"/>
+              <a:gd name="connsiteY3" fmla="*/ 0 h 298129"/>
+            </a:gdLst>
+            <a:ahLst/>
+            <a:cxnLst>
+              <a:cxn ang="0">
+                <a:pos x="connsiteX0" y="connsiteY0"/>
+              </a:cxn>
+              <a:cxn ang="0">
+                <a:pos x="connsiteX1" y="connsiteY1"/>
+              </a:cxn>
+              <a:cxn ang="0">
+                <a:pos x="connsiteX2" y="connsiteY2"/>
+              </a:cxn>
+              <a:cxn ang="0">
+                <a:pos x="connsiteX3" y="connsiteY3"/>
+              </a:cxn>
+            </a:cxnLst>
+            <a:rect l="l" t="t" r="r" b="b"/>
+            <a:pathLst>
+              <a:path w="1032749" h="298129">
+                <a:moveTo>
+                  <a:pt x="0" y="0"/>
+                </a:moveTo>
+                <a:lnTo>
+                  <a:pt x="1032749" y="0"/>
+                </a:lnTo>
+                <a:lnTo>
+                  <a:pt x="516374" y="298129"/>
+                </a:lnTo>
+                <a:lnTo>
+                  <a:pt x="0" y="0"/>
+                </a:lnTo>
+                <a:close/>
+              </a:path>
+            </a:pathLst>
+          </a:custGeom>
+          <a:solidFill>
+            <a:schemeClr val="accent1"/>
+          </a:solidFill>
+          <a:ln>
+            <a:noFill/>
+          </a:ln>
+        </p:spPr>
+        <p:style>
+          <a:lnRef idx="2">
+            <a:schemeClr val="accent1">
+              <a:shade val="50000"/>
+            </a:schemeClr>
+          </a:lnRef>
+          <a:fillRef idx="1">
+            <a:schemeClr val="accent1"/>
+          </a:fillRef>
+          <a:effectRef idx="0">
+            <a:schemeClr val="accent1"/>
+          </a:effectRef>
+          <a:fontRef idx="minor">
+            <a:schemeClr val="lt1"/>
+          </a:fontRef>
+        </p:style>
+        <p:txBody>
+          <a:bodyPr rtlCol="0" anchor="ctr"/>
+          <a:lstStyle/>
+          <a:p>
+            <a:pPr algn="ctr"/>
+            <a:endParaRPr lang="zh-CN" altLang="en-US" sz="1015" dirty="0">
+              <a:ea typeface="微软雅黑 Light" panose="020B0502040204020203" pitchFamily="34" charset="-122"/>
+            </a:endParaRPr>
+          </a:p>
+        </p:txBody>
+      </p:sp>
+    </p:spTree>
+    <p:custDataLst>
+      <p:tags r:id="rId1"/>
+    </p:custDataLst>
+  </p:cSld>
+  <p:clrMapOvr>
+    <a:masterClrMapping/>
+  </p:clrMapOvr>
+  <p:transition spd="slow">
+    <p:cover/>
+  </p:transition>
+  <p:timing>
+    <p:tnLst>
+      <p:par>
+        <p:cTn id="1" dur="indefinite" restart="never" nodeType="tmRoot">
+          <p:childTnLst>
+            <p:seq concurrent="1" nextAc="seek">
+              <p:cTn id="2" dur="indefinite" nodeType="mainSeq">
+                <p:childTnLst>
+                  <p:par>
+                    <p:cTn id="3" fill="hold">
+                      <p:stCondLst>
+                        <p:cond delay="indefinite"/>
+                        <p:cond evt="onBegin" delay="0">
+                          <p:tn val="2"/>
+                        </p:cond>
+                      </p:stCondLst>
+                      <p:childTnLst>
+                        <p:par>
+                          <p:cTn id="4" fill="hold">
+                            <p:stCondLst>
+                              <p:cond delay="0"/>
+                            </p:stCondLst>
+                            <p:childTnLst>
+                              <p:par>
+                                <p:cTn id="5" presetID="16" presetClass="entr" presetSubtype="21" fill="hold" grpId="0" nodeType="withEffect">
+                                  <p:stCondLst>
+                                    <p:cond delay="0"/>
+                                  </p:stCondLst>
+                                  <p:childTnLst>
+                                    <p:set>
+                                      <p:cBhvr>
+                                        <p:cTn id="6" dur="1" fill="hold">
+                                          <p:stCondLst>
+                                            <p:cond delay="0"/>
+                                          </p:stCondLst>
+                                        </p:cTn>
+                                        <p:tgtEl>
+                                          <p:spTgt spid="12"/>
+                                        </p:tgtEl>
+                                        <p:attrNameLst>
+                                          <p:attrName>style.visibility</p:attrName>
+                                        </p:attrNameLst>
+                                      </p:cBhvr>
+                                      <p:to>
+                                        <p:strVal val="visible"/>
+                                      </p:to>
+                                    </p:set>
+                                    <p:animEffect transition="in" filter="barn(inVertical)">
+                                      <p:cBhvr>
+                                        <p:cTn id="7" dur="500"/>
+                                        <p:tgtEl>
+                                          <p:spTgt spid="12"/>
+                                        </p:tgtEl>
+                                      </p:cBhvr>
+                                    </p:animEffect>
+                                  </p:childTnLst>
+                                </p:cTn>
+                              </p:par>
+                            </p:childTnLst>
+                          </p:cTn>
+                        </p:par>
+                        <p:par>
+                          <p:cTn id="8" fill="hold">
+                            <p:stCondLst>
+                              <p:cond delay="500"/>
+                            </p:stCondLst>
+                            <p:childTnLst>
+                              <p:par>
+                                <p:cTn id="9" presetID="42" presetClass="entr" presetSubtype="0" fill="hold" grpId="0" nodeType="afterEffect">
+                                  <p:stCondLst>
+                                    <p:cond delay="0"/>
+                                  </p:stCondLst>
+                                  <p:childTnLst>
+                                    <p:set>
+                                      <p:cBhvr>
+                                        <p:cTn id="10" dur="1" fill="hold">
+                                          <p:stCondLst>
+                                            <p:cond delay="0"/>
+                                          </p:stCondLst>
+                                        </p:cTn>
+                                        <p:tgtEl>
+                                          <p:spTgt spid="9"/>
+                                        </p:tgtEl>
+                                        <p:attrNameLst>
+                                          <p:attrName>style.visibility</p:attrName>
+                                        </p:attrNameLst>
+                                      </p:cBhvr>
+                                      <p:to>
+                                        <p:strVal val="visible"/>
+                                      </p:to>
+                                    </p:set>
+                                    <p:animEffect transition="in" filter="fade">
+                                      <p:cBhvr>
+                                        <p:cTn id="11" dur="1000"/>
+                                        <p:tgtEl>
+                                          <p:spTgt spid="9"/>
+                                        </p:tgtEl>
+                                      </p:cBhvr>
+                                    </p:animEffect>
+                                    <p:anim calcmode="lin" valueType="num">
+                                      <p:cBhvr>
+                                        <p:cTn id="12" dur="1000" fill="hold"/>
+                                        <p:tgtEl>
+                                          <p:spTgt spid="9"/>
+                                        </p:tgtEl>
+                                        <p:attrNameLst>
+                                          <p:attrName>ppt_x</p:attrName>
+                                        </p:attrNameLst>
+                                      </p:cBhvr>
+                                      <p:tavLst>
+                                        <p:tav tm="0">
+                                          <p:val>
+                                            <p:strVal val="#ppt_x"/>
+                                          </p:val>
+                                        </p:tav>
+                                        <p:tav tm="100000">
+                                          <p:val>
+                                            <p:strVal val="#ppt_x"/>
+                                          </p:val>
+                                        </p:tav>
+                                      </p:tavLst>
+                                    </p:anim>
+                                    <p:anim calcmode="lin" valueType="num">
+                                      <p:cBhvr>
+                                        <p:cTn id="13" dur="1000" fill="hold"/>
+                                        <p:tgtEl>
+                                          <p:spTgt spid="9"/>
+                                        </p:tgtEl>
+                                        <p:attrNameLst>
+                                          <p:attrName>ppt_y</p:attrName>
+                                        </p:attrNameLst>
+                                      </p:cBhvr>
+                                      <p:tavLst>
+                                        <p:tav tm="0">
+                                          <p:val>
+                                            <p:strVal val="#ppt_y+.1"/>
+                                          </p:val>
+                                        </p:tav>
+                                        <p:tav tm="100000">
+                                          <p:val>
+                                            <p:strVal val="#ppt_y"/>
+                                          </p:val>
+                                        </p:tav>
+                                      </p:tavLst>
+                                    </p:anim>
+                                  </p:childTnLst>
+                                </p:cTn>
+                              </p:par>
+                            </p:childTnLst>
+                          </p:cTn>
+                        </p:par>
+                        <p:par>
+                          <p:cTn id="14" fill="hold">
+                            <p:stCondLst>
+                              <p:cond delay="1500"/>
+                            </p:stCondLst>
+                            <p:childTnLst>
+                              <p:par>
+                                <p:cTn id="15" presetID="22" presetClass="entr" presetSubtype="8" fill="hold" grpId="0" nodeType="afterEffect">
+                                  <p:stCondLst>
+                                    <p:cond delay="0"/>
+                                  </p:stCondLst>
+                                  <p:childTnLst>
+                                    <p:set>
+                                      <p:cBhvr>
+                                        <p:cTn id="16" dur="1" fill="hold">
+                                          <p:stCondLst>
+                                            <p:cond delay="0"/>
+                                          </p:stCondLst>
+                                        </p:cTn>
+                                        <p:tgtEl>
+                                          <p:spTgt spid="5"/>
+                                        </p:tgtEl>
+                                        <p:attrNameLst>
+                                          <p:attrName>style.visibility</p:attrName>
+                                        </p:attrNameLst>
+                                      </p:cBhvr>
+                                      <p:to>
+                                        <p:strVal val="visible"/>
+                                      </p:to>
+                                    </p:set>
+                                    <p:animEffect transition="in" filter="wipe(left)">
+                                      <p:cBhvr>
+                                        <p:cTn id="17" dur="500"/>
+                                        <p:tgtEl>
+                                          <p:spTgt spid="5"/>
+                                        </p:tgtEl>
+                                      </p:cBhvr>
+                                    </p:animEffect>
+                                  </p:childTnLst>
+                                </p:cTn>
+                              </p:par>
+                            </p:childTnLst>
+                          </p:cTn>
+                        </p:par>
+                        <p:par>
+                          <p:cTn id="18" fill="hold">
+                            <p:stCondLst>
+                              <p:cond delay="2000"/>
+                            </p:stCondLst>
+                            <p:childTnLst>
+                              <p:par>
+                                <p:cTn id="19" presetID="42" presetClass="entr" presetSubtype="0" fill="hold" grpId="0" nodeType="afterEffect">
+                                  <p:stCondLst>
+                                    <p:cond delay="0"/>
+                                  </p:stCondLst>
+                                  <p:childTnLst>
+                                    <p:set>
+                                      <p:cBhvr>
+                                        <p:cTn id="20" dur="1" fill="hold">
+                                          <p:stCondLst>
+                                            <p:cond delay="0"/>
+                                          </p:stCondLst>
+                                        </p:cTn>
+                                        <p:tgtEl>
+                                          <p:spTgt spid="14"/>
+                                        </p:tgtEl>
+                                        <p:attrNameLst>
+                                          <p:attrName>style.visibility</p:attrName>
+                                        </p:attrNameLst>
+                                      </p:cBhvr>
+                                      <p:to>
+                                        <p:strVal val="visible"/>
+                                      </p:to>
+                                    </p:set>
+                                    <p:animEffect transition="in" filter="fade">
+                                      <p:cBhvr>
+                                        <p:cTn id="21" dur="1000"/>
+                                        <p:tgtEl>
+                                          <p:spTgt spid="14"/>
+                                        </p:tgtEl>
+                                      </p:cBhvr>
+                                    </p:animEffect>
+                                    <p:anim calcmode="lin" valueType="num">
+                                      <p:cBhvr>
+                                        <p:cTn id="22" dur="1000" fill="hold"/>
+                                        <p:tgtEl>
+                                          <p:spTgt spid="14"/>
+                                        </p:tgtEl>
+                                        <p:attrNameLst>
+                                          <p:attrName>ppt_x</p:attrName>
+                                        </p:attrNameLst>
+                                      </p:cBhvr>
+                                      <p:tavLst>
+                                        <p:tav tm="0">
+                                          <p:val>
+                                            <p:strVal val="#ppt_x"/>
+                                          </p:val>
+                                        </p:tav>
+                                        <p:tav tm="100000">
+                                          <p:val>
+                                            <p:strVal val="#ppt_x"/>
+                                          </p:val>
+                                        </p:tav>
+                                      </p:tavLst>
+                                    </p:anim>
+                                    <p:anim calcmode="lin" valueType="num">
+                                      <p:cBhvr>
+                                        <p:cTn id="23" dur="1000" fill="hold"/>
+                                        <p:tgtEl>
+                                          <p:spTgt spid="14"/>
+                                        </p:tgtEl>
+                                        <p:attrNameLst>
+                                          <p:attrName>ppt_y</p:attrName>
+                                        </p:attrNameLst>
+                                      </p:cBhvr>
+                                      <p:tavLst>
+                                        <p:tav tm="0">
+                                          <p:val>
+                                            <p:strVal val="#ppt_y+.1"/>
+                                          </p:val>
+                                        </p:tav>
+                                        <p:tav tm="100000">
+                                          <p:val>
+                                            <p:strVal val="#ppt_y"/>
+                                          </p:val>
+                                        </p:tav>
+                                      </p:tavLst>
+                                    </p:anim>
+                                  </p:childTnLst>
+                                </p:cTn>
+                              </p:par>
+                              <p:par>
+                                <p:cTn id="24" presetID="22" presetClass="entr" presetSubtype="8" fill="hold" grpId="0" nodeType="withEffect">
+                                  <p:stCondLst>
+                                    <p:cond delay="0"/>
+                                  </p:stCondLst>
+                                  <p:childTnLst>
+                                    <p:set>
+                                      <p:cBhvr>
+                                        <p:cTn id="25" dur="1" fill="hold">
+                                          <p:stCondLst>
+                                            <p:cond delay="0"/>
+                                          </p:stCondLst>
+                                        </p:cTn>
+                                        <p:tgtEl>
+                                          <p:spTgt spid="3"/>
+                                        </p:tgtEl>
+                                        <p:attrNameLst>
+                                          <p:attrName>style.visibility</p:attrName>
+                                        </p:attrNameLst>
+                                      </p:cBhvr>
+                                      <p:to>
+                                        <p:strVal val="visible"/>
+                                      </p:to>
+                                    </p:set>
+                                    <p:animEffect transition="in" filter="wipe(left)">
+                                      <p:cBhvr>
+                                        <p:cTn id="26" dur="500"/>
+                                        <p:tgtEl>
+                                          <p:spTgt spid="3"/>
+                                        </p:tgtEl>
+                                      </p:cBhvr>
+                                    </p:animEffect>
+                                  </p:childTnLst>
+                                </p:cTn>
+                              </p:par>
+                            </p:childTnLst>
+                          </p:cTn>
+                        </p:par>
+                        <p:par>
+                          <p:cTn id="27" fill="hold">
+                            <p:stCondLst>
+                              <p:cond delay="3000"/>
+                            </p:stCondLst>
+                            <p:childTnLst>
+                              <p:par>
+                                <p:cTn id="28" presetID="42" presetClass="entr" presetSubtype="0" fill="hold" grpId="0" nodeType="afterEffect">
+                                  <p:stCondLst>
+                                    <p:cond delay="0"/>
+                                  </p:stCondLst>
+                                  <p:childTnLst>
+                                    <p:set>
+                                      <p:cBhvr>
+                                        <p:cTn id="29" dur="1" fill="hold">
+                                          <p:stCondLst>
+                                            <p:cond delay="0"/>
+                                          </p:stCondLst>
+                                        </p:cTn>
+                                        <p:tgtEl>
+                                          <p:spTgt spid="10"/>
+                                        </p:tgtEl>
+                                        <p:attrNameLst>
+                                          <p:attrName>style.visibility</p:attrName>
+                                        </p:attrNameLst>
+                                      </p:cBhvr>
+                                      <p:to>
+                                        <p:strVal val="visible"/>
+                                      </p:to>
+                                    </p:set>
+                                    <p:animEffect transition="in" filter="fade">
+                                      <p:cBhvr>
+                                        <p:cTn id="30" dur="1000"/>
+                                        <p:tgtEl>
+                                          <p:spTgt spid="10"/>
+                                        </p:tgtEl>
+                                      </p:cBhvr>
+                                    </p:animEffect>
+                                    <p:anim calcmode="lin" valueType="num">
+                                      <p:cBhvr>
+                                        <p:cTn id="31" dur="1000" fill="hold"/>
+                                        <p:tgtEl>
+                                          <p:spTgt spid="10"/>
+                                        </p:tgtEl>
+                                        <p:attrNameLst>
+                                          <p:attrName>ppt_x</p:attrName>
+                                        </p:attrNameLst>
+                                      </p:cBhvr>
+                                      <p:tavLst>
+                                        <p:tav tm="0">
+                                          <p:val>
+                                            <p:strVal val="#ppt_x"/>
+                                          </p:val>
+                                        </p:tav>
+                                        <p:tav tm="100000">
+                                          <p:val>
+                                            <p:strVal val="#ppt_x"/>
+                                          </p:val>
+                                        </p:tav>
+                                      </p:tavLst>
+                                    </p:anim>
+                                    <p:anim calcmode="lin" valueType="num">
+                                      <p:cBhvr>
+                                        <p:cTn id="32" dur="1000" fill="hold"/>
+                                        <p:tgtEl>
+                                          <p:spTgt spid="10"/>
+                                        </p:tgtEl>
+                                        <p:attrNameLst>
+                                          <p:attrName>ppt_y</p:attrName>
+                                        </p:attrNameLst>
+                                      </p:cBhvr>
+                                      <p:tavLst>
+                                        <p:tav tm="0">
+                                          <p:val>
+                                            <p:strVal val="#ppt_y+.1"/>
+                                          </p:val>
+                                        </p:tav>
+                                        <p:tav tm="100000">
+                                          <p:val>
+                                            <p:strVal val="#ppt_y"/>
+                                          </p:val>
+                                        </p:tav>
+                                      </p:tavLst>
+                                    </p:anim>
+                                  </p:childTnLst>
+                                </p:cTn>
+                              </p:par>
+                              <p:par>
+                                <p:cTn id="33" presetID="22" presetClass="entr" presetSubtype="8" fill="hold" grpId="0" nodeType="withEffect">
+                                  <p:stCondLst>
+                                    <p:cond delay="0"/>
+                                  </p:stCondLst>
+                                  <p:childTnLst>
+                                    <p:set>
+                                      <p:cBhvr>
+                                        <p:cTn id="34" dur="1" fill="hold">
+                                          <p:stCondLst>
+                                            <p:cond delay="0"/>
+                                          </p:stCondLst>
+                                        </p:cTn>
+                                        <p:tgtEl>
+                                          <p:spTgt spid="4"/>
+                                        </p:tgtEl>
+                                        <p:attrNameLst>
+                                          <p:attrName>style.visibility</p:attrName>
+                                        </p:attrNameLst>
+                                      </p:cBhvr>
+                                      <p:to>
+                                        <p:strVal val="visible"/>
+                                      </p:to>
+                                    </p:set>
+                                    <p:animEffect transition="in" filter="wipe(left)">
+                                      <p:cBhvr>
+                                        <p:cTn id="35" dur="500"/>
+                                        <p:tgtEl>
+                                          <p:spTgt spid="4"/>
+                                        </p:tgtEl>
+                                      </p:cBhvr>
+                                    </p:animEffect>
+                                  </p:childTnLst>
+                                </p:cTn>
+                              </p:par>
+                            </p:childTnLst>
+                          </p:cTn>
+                        </p:par>
+                        <p:par>
+                          <p:cTn id="36" fill="hold">
+                            <p:stCondLst>
+                              <p:cond delay="4000"/>
+                            </p:stCondLst>
+                            <p:childTnLst>
+                              <p:par>
+                                <p:cTn id="37" presetID="42" presetClass="entr" presetSubtype="0" fill="hold" grpId="0" nodeType="afterEffect">
+                                  <p:stCondLst>
+                                    <p:cond delay="0"/>
+                                  </p:stCondLst>
+                                  <p:childTnLst>
+                                    <p:set>
+                                      <p:cBhvr>
+                                        <p:cTn id="38" dur="1" fill="hold">
+                                          <p:stCondLst>
+                                            <p:cond delay="0"/>
+                                          </p:stCondLst>
+                                        </p:cTn>
+                                        <p:tgtEl>
+                                          <p:spTgt spid="16"/>
+                                        </p:tgtEl>
+                                        <p:attrNameLst>
+                                          <p:attrName>style.visibility</p:attrName>
+                                        </p:attrNameLst>
+                                      </p:cBhvr>
+                                      <p:to>
+                                        <p:strVal val="visible"/>
+                                      </p:to>
+                                    </p:set>
+                                    <p:animEffect transition="in" filter="fade">
+                                      <p:cBhvr>
+                                        <p:cTn id="39" dur="1000"/>
+                                        <p:tgtEl>
+                                          <p:spTgt spid="16"/>
+                                        </p:tgtEl>
+                                      </p:cBhvr>
+                                    </p:animEffect>
+                                    <p:anim calcmode="lin" valueType="num">
+                                      <p:cBhvr>
+                                        <p:cTn id="40" dur="1000" fill="hold"/>
+                                        <p:tgtEl>
+                                          <p:spTgt spid="16"/>
+                                        </p:tgtEl>
+                                        <p:attrNameLst>
+                                          <p:attrName>ppt_x</p:attrName>
+                                        </p:attrNameLst>
+                                      </p:cBhvr>
+                                      <p:tavLst>
+                                        <p:tav tm="0">
+                                          <p:val>
+                                            <p:strVal val="#ppt_x"/>
+                                          </p:val>
+                                        </p:tav>
+                                        <p:tav tm="100000">
+                                          <p:val>
+                                            <p:strVal val="#ppt_x"/>
+                                          </p:val>
+                                        </p:tav>
+                                      </p:tavLst>
+                                    </p:anim>
+                                    <p:anim calcmode="lin" valueType="num">
+                                      <p:cBhvr>
+                                        <p:cTn id="41" dur="1000" fill="hold"/>
+                                        <p:tgtEl>
+                                          <p:spTgt spid="16"/>
+                                        </p:tgtEl>
+                                        <p:attrNameLst>
+                                          <p:attrName>ppt_y</p:attrName>
+                                        </p:attrNameLst>
+                                      </p:cBhvr>
+                                      <p:tavLst>
+                                        <p:tav tm="0">
+                                          <p:val>
+                                            <p:strVal val="#ppt_y+.1"/>
+                                          </p:val>
+                                        </p:tav>
+                                        <p:tav tm="100000">
+                                          <p:val>
+                                            <p:strVal val="#ppt_y"/>
+                                          </p:val>
+                                        </p:tav>
+                                      </p:tavLst>
+                                    </p:anim>
+                                  </p:childTnLst>
+                                </p:cTn>
+                              </p:par>
+                              <p:par>
+                                <p:cTn id="42" presetID="22" presetClass="entr" presetSubtype="8" fill="hold" grpId="0" nodeType="withEffect">
+                                  <p:stCondLst>
+                                    <p:cond delay="0"/>
+                                  </p:stCondLst>
+                                  <p:childTnLst>
+                                    <p:set>
+                                      <p:cBhvr>
+                                        <p:cTn id="43" dur="1" fill="hold">
+                                          <p:stCondLst>
+                                            <p:cond delay="0"/>
+                                          </p:stCondLst>
+                                        </p:cTn>
+                                        <p:tgtEl>
+                                          <p:spTgt spid="2"/>
+                                        </p:tgtEl>
+                                        <p:attrNameLst>
+                                          <p:attrName>style.visibility</p:attrName>
+                                        </p:attrNameLst>
+                                      </p:cBhvr>
+                                      <p:to>
+                                        <p:strVal val="visible"/>
+                                      </p:to>
+                                    </p:set>
+                                    <p:animEffect transition="in" filter="wipe(left)">
+                                      <p:cBhvr>
+                                        <p:cTn id="44" dur="500"/>
+                                        <p:tgtEl>
+                                          <p:spTgt spid="2"/>
+                                        </p:tgtEl>
+                                      </p:cBhvr>
+                                    </p:animEffect>
+                                  </p:childTnLst>
+                                </p:cTn>
+                              </p:par>
+                            </p:childTnLst>
+                          </p:cTn>
+                        </p:par>
+                      </p:childTnLst>
+                    </p:cTn>
+                  </p:par>
+                </p:childTnLst>
+              </p:cTn>
+              <p:prevCondLst>
+                <p:cond evt="onPrev" delay="0">
+                  <p:tgtEl>
+                    <p:sldTgt/>
+                  </p:tgtEl>
+                </p:cond>
+              </p:prevCondLst>
+              <p:nextCondLst>
+                <p:cond evt="onNext" delay="0">
+                  <p:tgtEl>
+                    <p:sldTgt/>
+                  </p:tgtEl>
+                </p:cond>
+              </p:nextCondLst>
+            </p:seq>
+          </p:childTnLst>
+        </p:cTn>
+      </p:par>
+    </p:tnLst>
+    <p:bldLst>
+      <p:bldP spid="9" grpId="0" animBg="1"/>
+      <p:bldP spid="10" grpId="0" animBg="1"/>
+      <p:bldP spid="14" grpId="0" animBg="1"/>
+      <p:bldP spid="16" grpId="0" animBg="1"/>
+      <p:bldP spid="2" grpId="0"/>
+      <p:bldP spid="3" grpId="0"/>
+      <p:bldP spid="4" grpId="0"/>
+      <p:bldP spid="5" grpId="0"/>
+      <p:bldP spid="12" grpId="0" animBg="1"/>
+    </p:bldLst>
+  </p:timing>
+</p:sld>
+</file>
+
+<file path=ppt/slides/slide20.xml><?xml version="1.0" encoding="utf-8"?>
 <p:sld xmlns:a="http://schemas.openxmlformats.org/drawingml/2006/main" xmlns:r="http://schemas.openxmlformats.org/officeDocument/2006/relationships" xmlns:p="http://schemas.openxmlformats.org/presentationml/2006/main">
   <p:cSld>
     <p:spTree>
@@ -19320,10 +22198,10 @@
         </p:nvGrpSpPr>
         <p:grpSpPr>
           <a:xfrm>
-            <a:off x="986848" y="1133477"/>
-            <a:ext cx="7767276" cy="4010026"/>
-            <a:chOff x="986848" y="1133477"/>
-            <a:chExt cx="7767276" cy="4010026"/>
+            <a:off x="1155178" y="1133477"/>
+            <a:ext cx="7598946" cy="4010026"/>
+            <a:chOff x="1155178" y="1133477"/>
+            <a:chExt cx="7598946" cy="4010026"/>
           </a:xfrm>
         </p:grpSpPr>
         <p:grpSp>
@@ -25949,10 +28827,10 @@
           </p:nvGrpSpPr>
           <p:grpSpPr>
             <a:xfrm>
-              <a:off x="1895764" y="1629982"/>
-              <a:ext cx="1200077" cy="509691"/>
-              <a:chOff x="2488745" y="2354674"/>
-              <a:chExt cx="1739868" cy="679586"/>
+              <a:off x="1473880" y="1762334"/>
+              <a:ext cx="1784399" cy="509691"/>
+              <a:chOff x="1877100" y="2531136"/>
+              <a:chExt cx="2587016" cy="679586"/>
             </a:xfrm>
           </p:grpSpPr>
           <p:sp>
@@ -25963,8 +28841,8 @@
             </p:nvSpPr>
             <p:spPr>
               <a:xfrm>
-                <a:off x="2889786" y="2354674"/>
-                <a:ext cx="1160155" cy="369331"/>
+                <a:off x="2531209" y="2531136"/>
+                <a:ext cx="1932907" cy="369331"/>
               </a:xfrm>
               <a:prstGeom prst="rect">
                 <a:avLst/>
@@ -25972,14 +28850,14 @@
               <a:noFill/>
             </p:spPr>
             <p:txBody>
-              <a:bodyPr wrap="none" rtlCol="0">
+              <a:bodyPr wrap="square" rtlCol="0">
                 <a:spAutoFit/>
               </a:bodyPr>
               <a:lstStyle/>
               <a:p>
                 <a:pPr algn="ctr"/>
                 <a:r>
-                  <a:rPr lang="zh-CN" altLang="en-US" sz="1200" b="1" dirty="0" smtClean="0">
+                  <a:rPr lang="en-US" altLang="zh-CN" sz="1200" b="1" dirty="0" smtClean="0">
                     <a:solidFill>
                       <a:schemeClr val="bg1">
                         <a:lumMod val="50000"/>
@@ -25988,7 +28866,7 @@
                     <a:latin typeface="微软雅黑 Light" panose="020B0502040204020203" pitchFamily="34" charset="-122"/>
                     <a:ea typeface="微软雅黑 Light" panose="020B0502040204020203" pitchFamily="34" charset="-122"/>
                   </a:rPr>
-                  <a:t>能力测试</a:t>
+                  <a:t>Typescript Test</a:t>
                 </a:r>
                 <a:endParaRPr lang="zh-CN" altLang="en-US" sz="1200" b="1" dirty="0">
                   <a:solidFill>
@@ -26010,8 +28888,8 @@
             </p:nvSpPr>
             <p:spPr>
               <a:xfrm>
-                <a:off x="2488745" y="2724005"/>
-                <a:ext cx="1739868" cy="310255"/>
+                <a:off x="1877100" y="2900467"/>
+                <a:ext cx="2587016" cy="310255"/>
               </a:xfrm>
               <a:prstGeom prst="rect">
                 <a:avLst/>
@@ -26040,6 +28918,29 @@
                   </a:rPr>
                   <a:t>typescript-exercises</a:t>
                 </a:r>
+                <a:r>
+                  <a:rPr lang="zh-CN" altLang="en-US" sz="800" dirty="0" smtClean="0">
+                    <a:solidFill>
+                      <a:schemeClr val="bg1">
+                        <a:lumMod val="50000"/>
+                      </a:schemeClr>
+                    </a:solidFill>
+                    <a:ea typeface="微软雅黑 Light" panose="020B0502040204020203" pitchFamily="34" charset="-122"/>
+                  </a:rPr>
+                  <a:t>、</a:t>
+                </a:r>
+                <a:r>
+                  <a:rPr lang="en-US" altLang="zh-CN" sz="800" dirty="0" smtClean="0">
+                    <a:solidFill>
+                      <a:schemeClr val="bg1">
+                        <a:lumMod val="50000"/>
+                      </a:schemeClr>
+                    </a:solidFill>
+                    <a:ea typeface="微软雅黑 Light" panose="020B0502040204020203" pitchFamily="34" charset="-122"/>
+                    <a:hlinkClick r:id="rId6"/>
+                  </a:rPr>
+                  <a:t>type-challenges</a:t>
+                </a:r>
                 <a:endParaRPr lang="en-US" altLang="zh-CN" sz="800" dirty="0">
                   <a:solidFill>
                     <a:schemeClr val="bg1">
@@ -26060,10 +28961,10 @@
           </p:nvGrpSpPr>
           <p:grpSpPr>
             <a:xfrm>
-              <a:off x="986848" y="3304480"/>
-              <a:ext cx="1985754" cy="673694"/>
-              <a:chOff x="1043343" y="4134150"/>
-              <a:chExt cx="2765625" cy="898253"/>
+              <a:off x="1155178" y="3295265"/>
+              <a:ext cx="1985754" cy="689253"/>
+              <a:chOff x="1277782" y="4121862"/>
+              <a:chExt cx="2765625" cy="918998"/>
             </a:xfrm>
           </p:grpSpPr>
           <p:sp>
@@ -26074,7 +28975,7 @@
             </p:nvSpPr>
             <p:spPr>
               <a:xfrm>
-                <a:off x="1817956" y="4134150"/>
+                <a:off x="2052395" y="4121862"/>
                 <a:ext cx="1991012" cy="369330"/>
               </a:xfrm>
               <a:prstGeom prst="rect">
@@ -26083,7 +28984,7 @@
               <a:noFill/>
             </p:spPr>
             <p:txBody>
-              <a:bodyPr wrap="none" rtlCol="0">
+              <a:bodyPr wrap="square" rtlCol="0">
                 <a:spAutoFit/>
               </a:bodyPr>
               <a:lstStyle>
@@ -26119,7 +29020,7 @@
             </p:nvSpPr>
             <p:spPr>
               <a:xfrm>
-                <a:off x="1043343" y="4535005"/>
+                <a:off x="1277782" y="4543462"/>
                 <a:ext cx="2765625" cy="497398"/>
               </a:xfrm>
               <a:prstGeom prst="rect">
@@ -26139,13 +29040,13 @@
                 </a:pPr>
                 <a:r>
                   <a:rPr lang="en-US" altLang="zh-CN" sz="800" dirty="0" smtClean="0">
-                    <a:hlinkClick r:id="rId6"/>
+                    <a:hlinkClick r:id="rId7"/>
                   </a:rPr>
                   <a:t>typescript</a:t>
                 </a:r>
                 <a:r>
                   <a:rPr lang="zh-CN" altLang="en-US" sz="800" dirty="0">
-                    <a:hlinkClick r:id="rId6"/>
+                    <a:hlinkClick r:id="rId7"/>
                   </a:rPr>
                   <a:t>使用文档及更新说明</a:t>
                 </a:r>
@@ -26414,7 +29315,7 @@
 </p:sld>
 </file>
 
-<file path=ppt/slides/slide19.xml><?xml version="1.0" encoding="utf-8"?>
+<file path=ppt/slides/slide21.xml><?xml version="1.0" encoding="utf-8"?>
 <p:sld xmlns:a="http://schemas.openxmlformats.org/drawingml/2006/main" xmlns:r="http://schemas.openxmlformats.org/officeDocument/2006/relationships" xmlns:p="http://schemas.openxmlformats.org/presentationml/2006/main">
   <p:cSld>
     <p:spTree>
@@ -26625,1967 +29526,6 @@
     <p:bldLst>
       <p:bldP spid="4" grpId="0"/>
       <p:bldP spid="5" grpId="0" build="p"/>
-    </p:bldLst>
-  </p:timing>
-</p:sld>
-</file>
-
-<file path=ppt/slides/slide2.xml><?xml version="1.0" encoding="utf-8"?>
-<p:sld xmlns:a="http://schemas.openxmlformats.org/drawingml/2006/main" xmlns:r="http://schemas.openxmlformats.org/officeDocument/2006/relationships" xmlns:p="http://schemas.openxmlformats.org/presentationml/2006/main">
-  <p:cSld>
-    <p:spTree>
-      <p:nvGrpSpPr>
-        <p:cNvPr id="1" name=""/>
-        <p:cNvGrpSpPr/>
-        <p:nvPr/>
-      </p:nvGrpSpPr>
-      <p:grpSpPr>
-        <a:xfrm>
-          <a:off x="0" y="0"/>
-          <a:ext cx="0" cy="0"/>
-          <a:chOff x="0" y="0"/>
-          <a:chExt cx="0" cy="0"/>
-        </a:xfrm>
-      </p:grpSpPr>
-      <p:sp>
-        <p:nvSpPr>
-          <p:cNvPr id="9" name="立方体 8"/>
-          <p:cNvSpPr/>
-          <p:nvPr>
-            <p:custDataLst>
-              <p:tags r:id="rId2"/>
-            </p:custDataLst>
-          </p:nvPr>
-        </p:nvSpPr>
-        <p:spPr>
-          <a:xfrm>
-            <a:off x="1085000" y="2014720"/>
-            <a:ext cx="452169" cy="438830"/>
-          </a:xfrm>
-          <a:prstGeom prst="cube">
-            <a:avLst/>
-          </a:prstGeom>
-          <a:solidFill>
-            <a:schemeClr val="accent1"/>
-          </a:solidFill>
-          <a:ln>
-            <a:noFill/>
-          </a:ln>
-        </p:spPr>
-        <p:style>
-          <a:lnRef idx="2">
-            <a:schemeClr val="accent1">
-              <a:shade val="50000"/>
-            </a:schemeClr>
-          </a:lnRef>
-          <a:fillRef idx="1">
-            <a:schemeClr val="accent1"/>
-          </a:fillRef>
-          <a:effectRef idx="0">
-            <a:schemeClr val="accent1"/>
-          </a:effectRef>
-          <a:fontRef idx="minor">
-            <a:schemeClr val="lt1"/>
-          </a:fontRef>
-        </p:style>
-        <p:txBody>
-          <a:bodyPr rtlCol="0" anchor="ctr"/>
-          <a:lstStyle/>
-          <a:p>
-            <a:pPr algn="ctr"/>
-            <a:r>
-              <a:rPr lang="en-US" altLang="zh-CN" sz="1500" b="1" dirty="0">
-                <a:solidFill>
-                  <a:schemeClr val="bg1"/>
-                </a:solidFill>
-                <a:ea typeface="微软雅黑 Light" panose="020B0502040204020203" pitchFamily="34" charset="-122"/>
-              </a:rPr>
-              <a:t>1</a:t>
-            </a:r>
-            <a:endParaRPr lang="zh-CN" altLang="en-US" sz="1500" b="1" dirty="0">
-              <a:solidFill>
-                <a:schemeClr val="bg1"/>
-              </a:solidFill>
-              <a:ea typeface="微软雅黑 Light" panose="020B0502040204020203" pitchFamily="34" charset="-122"/>
-            </a:endParaRPr>
-          </a:p>
-        </p:txBody>
-      </p:sp>
-      <p:sp>
-        <p:nvSpPr>
-          <p:cNvPr id="10" name="立方体 9"/>
-          <p:cNvSpPr/>
-          <p:nvPr>
-            <p:custDataLst>
-              <p:tags r:id="rId3"/>
-            </p:custDataLst>
-          </p:nvPr>
-        </p:nvSpPr>
-        <p:spPr>
-          <a:xfrm>
-            <a:off x="1085000" y="3241438"/>
-            <a:ext cx="452169" cy="438830"/>
-          </a:xfrm>
-          <a:prstGeom prst="cube">
-            <a:avLst/>
-          </a:prstGeom>
-          <a:solidFill>
-            <a:schemeClr val="accent1"/>
-          </a:solidFill>
-          <a:ln>
-            <a:noFill/>
-          </a:ln>
-        </p:spPr>
-        <p:style>
-          <a:lnRef idx="2">
-            <a:schemeClr val="accent1">
-              <a:shade val="50000"/>
-            </a:schemeClr>
-          </a:lnRef>
-          <a:fillRef idx="1">
-            <a:schemeClr val="accent1"/>
-          </a:fillRef>
-          <a:effectRef idx="0">
-            <a:schemeClr val="accent1"/>
-          </a:effectRef>
-          <a:fontRef idx="minor">
-            <a:schemeClr val="lt1"/>
-          </a:fontRef>
-        </p:style>
-        <p:txBody>
-          <a:bodyPr rtlCol="0" anchor="ctr"/>
-          <a:lstStyle/>
-          <a:p>
-            <a:pPr algn="ctr"/>
-            <a:r>
-              <a:rPr lang="en-US" altLang="zh-CN" sz="1500" b="1" dirty="0">
-                <a:solidFill>
-                  <a:schemeClr val="bg1"/>
-                </a:solidFill>
-                <a:ea typeface="微软雅黑 Light" panose="020B0502040204020203" pitchFamily="34" charset="-122"/>
-              </a:rPr>
-              <a:t>3</a:t>
-            </a:r>
-            <a:endParaRPr lang="zh-CN" altLang="en-US" sz="1500" b="1" dirty="0">
-              <a:solidFill>
-                <a:schemeClr val="bg1"/>
-              </a:solidFill>
-              <a:ea typeface="微软雅黑 Light" panose="020B0502040204020203" pitchFamily="34" charset="-122"/>
-            </a:endParaRPr>
-          </a:p>
-        </p:txBody>
-      </p:sp>
-      <p:sp>
-        <p:nvSpPr>
-          <p:cNvPr id="14" name="立方体 13"/>
-          <p:cNvSpPr/>
-          <p:nvPr>
-            <p:custDataLst>
-              <p:tags r:id="rId4"/>
-            </p:custDataLst>
-          </p:nvPr>
-        </p:nvSpPr>
-        <p:spPr>
-          <a:xfrm>
-            <a:off x="4709942" y="2014720"/>
-            <a:ext cx="452169" cy="438830"/>
-          </a:xfrm>
-          <a:prstGeom prst="cube">
-            <a:avLst/>
-          </a:prstGeom>
-          <a:solidFill>
-            <a:schemeClr val="accent1"/>
-          </a:solidFill>
-          <a:ln>
-            <a:noFill/>
-          </a:ln>
-        </p:spPr>
-        <p:style>
-          <a:lnRef idx="2">
-            <a:schemeClr val="accent1">
-              <a:shade val="50000"/>
-            </a:schemeClr>
-          </a:lnRef>
-          <a:fillRef idx="1">
-            <a:schemeClr val="accent1"/>
-          </a:fillRef>
-          <a:effectRef idx="0">
-            <a:schemeClr val="accent1"/>
-          </a:effectRef>
-          <a:fontRef idx="minor">
-            <a:schemeClr val="lt1"/>
-          </a:fontRef>
-        </p:style>
-        <p:txBody>
-          <a:bodyPr rtlCol="0" anchor="ctr"/>
-          <a:lstStyle/>
-          <a:p>
-            <a:pPr algn="ctr"/>
-            <a:r>
-              <a:rPr lang="en-US" altLang="zh-CN" sz="1500" b="1" dirty="0">
-                <a:solidFill>
-                  <a:schemeClr val="bg1"/>
-                </a:solidFill>
-                <a:ea typeface="微软雅黑 Light" panose="020B0502040204020203" pitchFamily="34" charset="-122"/>
-              </a:rPr>
-              <a:t>2</a:t>
-            </a:r>
-            <a:endParaRPr lang="zh-CN" altLang="en-US" sz="1500" b="1" dirty="0">
-              <a:solidFill>
-                <a:schemeClr val="bg1"/>
-              </a:solidFill>
-              <a:ea typeface="微软雅黑 Light" panose="020B0502040204020203" pitchFamily="34" charset="-122"/>
-            </a:endParaRPr>
-          </a:p>
-        </p:txBody>
-      </p:sp>
-      <p:sp>
-        <p:nvSpPr>
-          <p:cNvPr id="16" name="立方体 15"/>
-          <p:cNvSpPr/>
-          <p:nvPr>
-            <p:custDataLst>
-              <p:tags r:id="rId5"/>
-            </p:custDataLst>
-          </p:nvPr>
-        </p:nvSpPr>
-        <p:spPr>
-          <a:xfrm>
-            <a:off x="4709942" y="3241438"/>
-            <a:ext cx="452169" cy="438830"/>
-          </a:xfrm>
-          <a:prstGeom prst="cube">
-            <a:avLst/>
-          </a:prstGeom>
-          <a:solidFill>
-            <a:schemeClr val="accent1"/>
-          </a:solidFill>
-          <a:ln>
-            <a:noFill/>
-          </a:ln>
-        </p:spPr>
-        <p:style>
-          <a:lnRef idx="2">
-            <a:schemeClr val="accent1">
-              <a:shade val="50000"/>
-            </a:schemeClr>
-          </a:lnRef>
-          <a:fillRef idx="1">
-            <a:schemeClr val="accent1"/>
-          </a:fillRef>
-          <a:effectRef idx="0">
-            <a:schemeClr val="accent1"/>
-          </a:effectRef>
-          <a:fontRef idx="minor">
-            <a:schemeClr val="lt1"/>
-          </a:fontRef>
-        </p:style>
-        <p:txBody>
-          <a:bodyPr rtlCol="0" anchor="ctr"/>
-          <a:lstStyle/>
-          <a:p>
-            <a:pPr algn="ctr"/>
-            <a:r>
-              <a:rPr lang="en-US" altLang="zh-CN" sz="1500" b="1" dirty="0">
-                <a:solidFill>
-                  <a:schemeClr val="bg1"/>
-                </a:solidFill>
-                <a:ea typeface="微软雅黑 Light" panose="020B0502040204020203" pitchFamily="34" charset="-122"/>
-              </a:rPr>
-              <a:t>4</a:t>
-            </a:r>
-            <a:endParaRPr lang="zh-CN" altLang="en-US" sz="1500" b="1" dirty="0">
-              <a:solidFill>
-                <a:schemeClr val="bg1"/>
-              </a:solidFill>
-              <a:ea typeface="微软雅黑 Light" panose="020B0502040204020203" pitchFamily="34" charset="-122"/>
-            </a:endParaRPr>
-          </a:p>
-        </p:txBody>
-      </p:sp>
-      <p:sp>
-        <p:nvSpPr>
-          <p:cNvPr id="2" name="文本框 1"/>
-          <p:cNvSpPr txBox="1"/>
-          <p:nvPr>
-            <p:custDataLst>
-              <p:tags r:id="rId6"/>
-            </p:custDataLst>
-          </p:nvPr>
-        </p:nvSpPr>
-        <p:spPr>
-          <a:xfrm>
-            <a:off x="5330768" y="3217906"/>
-            <a:ext cx="2920604" cy="485894"/>
-          </a:xfrm>
-          <a:prstGeom prst="rect">
-            <a:avLst/>
-          </a:prstGeom>
-          <a:noFill/>
-          <a:ln>
-            <a:noFill/>
-          </a:ln>
-          <a:effectLst/>
-          <a:extLst>
-            <a:ext uri="{909E8E84-426E-40DD-AFC4-6F175D3DCCD1}">
-              <a14:hiddenFill xmlns:a14="http://schemas.microsoft.com/office/drawing/2010/main">
-                <a:solidFill>
-                  <a:schemeClr val="accent1"/>
-                </a:solidFill>
-              </a14:hiddenFill>
-            </a:ext>
-            <a:ext uri="{91240B29-F687-4F45-9708-019B960494DF}">
-              <a14:hiddenLine xmlns:a14="http://schemas.microsoft.com/office/drawing/2010/main" w="9525">
-                <a:solidFill>
-                  <a:schemeClr val="tx1"/>
-                </a:solidFill>
-                <a:miter lim="800000"/>
-                <a:headEnd/>
-                <a:tailEnd/>
-              </a14:hiddenLine>
-            </a:ext>
-            <a:ext uri="{AF507438-7753-43E0-B8FC-AC1667EBCBE1}">
-              <a14:hiddenEffects xmlns:a14="http://schemas.microsoft.com/office/drawing/2010/main">
-                <a:effectLst>
-                  <a:outerShdw dist="35921" dir="2700000" algn="ctr" rotWithShape="0">
-                    <a:schemeClr val="bg2"/>
-                  </a:outerShdw>
-                </a:effectLst>
-              </a14:hiddenEffects>
-            </a:ext>
-          </a:extLst>
-        </p:spPr>
-        <p:txBody>
-          <a:bodyPr wrap="square" lIns="0" tIns="0" rIns="0" bIns="0" anchor="ctr" anchorCtr="0">
-            <a:normAutofit/>
-          </a:bodyPr>
-          <a:lstStyle>
-            <a:defPPr>
-              <a:defRPr lang="zh-CN"/>
-            </a:defPPr>
-            <a:lvl1pPr>
-              <a:lnSpc>
-                <a:spcPct val="90000"/>
-              </a:lnSpc>
-              <a:spcBef>
-                <a:spcPct val="0"/>
-              </a:spcBef>
-              <a:buFontTx/>
-              <a:buNone/>
-              <a:defRPr sz="2400">
-                <a:solidFill>
-                  <a:srgbClr val="333333"/>
-                </a:solidFill>
-              </a:defRPr>
-            </a:lvl1pPr>
-            <a:lvl2pPr marL="742950" indent="-285750">
-              <a:lnSpc>
-                <a:spcPct val="90000"/>
-              </a:lnSpc>
-              <a:spcBef>
-                <a:spcPts val="500"/>
-              </a:spcBef>
-              <a:buFont typeface="Arial" panose="020B0604020202020204" pitchFamily="34" charset="0"/>
-              <a:buChar char="•"/>
-              <a:defRPr sz="2400">
-                <a:latin typeface="Calibri" panose="020F0502020204030204" pitchFamily="34" charset="0"/>
-                <a:ea typeface="宋体" panose="02010600030101010101" pitchFamily="2" charset="-122"/>
-              </a:defRPr>
-            </a:lvl2pPr>
-            <a:lvl3pPr marL="1143000" indent="-228600">
-              <a:lnSpc>
-                <a:spcPct val="90000"/>
-              </a:lnSpc>
-              <a:spcBef>
-                <a:spcPts val="500"/>
-              </a:spcBef>
-              <a:buFont typeface="Arial" panose="020B0604020202020204" pitchFamily="34" charset="0"/>
-              <a:buChar char="•"/>
-              <a:defRPr sz="2000">
-                <a:latin typeface="Calibri" panose="020F0502020204030204" pitchFamily="34" charset="0"/>
-                <a:ea typeface="宋体" panose="02010600030101010101" pitchFamily="2" charset="-122"/>
-              </a:defRPr>
-            </a:lvl3pPr>
-            <a:lvl4pPr marL="1600200" indent="-228600">
-              <a:lnSpc>
-                <a:spcPct val="90000"/>
-              </a:lnSpc>
-              <a:spcBef>
-                <a:spcPts val="500"/>
-              </a:spcBef>
-              <a:buFont typeface="Arial" panose="020B0604020202020204" pitchFamily="34" charset="0"/>
-              <a:buChar char="•"/>
-              <a:defRPr>
-                <a:latin typeface="Calibri" panose="020F0502020204030204" pitchFamily="34" charset="0"/>
-                <a:ea typeface="宋体" panose="02010600030101010101" pitchFamily="2" charset="-122"/>
-              </a:defRPr>
-            </a:lvl4pPr>
-            <a:lvl5pPr marL="2057400" indent="-228600">
-              <a:lnSpc>
-                <a:spcPct val="90000"/>
-              </a:lnSpc>
-              <a:spcBef>
-                <a:spcPts val="500"/>
-              </a:spcBef>
-              <a:buFont typeface="Arial" panose="020B0604020202020204" pitchFamily="34" charset="0"/>
-              <a:buChar char="•"/>
-              <a:defRPr>
-                <a:latin typeface="Calibri" panose="020F0502020204030204" pitchFamily="34" charset="0"/>
-                <a:ea typeface="宋体" panose="02010600030101010101" pitchFamily="2" charset="-122"/>
-              </a:defRPr>
-            </a:lvl5pPr>
-            <a:lvl6pPr marL="2514600" indent="-228600" eaLnBrk="0" fontAlgn="base" hangingPunct="0">
-              <a:lnSpc>
-                <a:spcPct val="90000"/>
-              </a:lnSpc>
-              <a:spcBef>
-                <a:spcPts val="500"/>
-              </a:spcBef>
-              <a:spcAft>
-                <a:spcPct val="0"/>
-              </a:spcAft>
-              <a:buFont typeface="Arial" panose="020B0604020202020204" pitchFamily="34" charset="0"/>
-              <a:buChar char="•"/>
-              <a:defRPr>
-                <a:latin typeface="Calibri" panose="020F0502020204030204" pitchFamily="34" charset="0"/>
-                <a:ea typeface="宋体" panose="02010600030101010101" pitchFamily="2" charset="-122"/>
-              </a:defRPr>
-            </a:lvl6pPr>
-            <a:lvl7pPr marL="2971800" indent="-228600" eaLnBrk="0" fontAlgn="base" hangingPunct="0">
-              <a:lnSpc>
-                <a:spcPct val="90000"/>
-              </a:lnSpc>
-              <a:spcBef>
-                <a:spcPts val="500"/>
-              </a:spcBef>
-              <a:spcAft>
-                <a:spcPct val="0"/>
-              </a:spcAft>
-              <a:buFont typeface="Arial" panose="020B0604020202020204" pitchFamily="34" charset="0"/>
-              <a:buChar char="•"/>
-              <a:defRPr>
-                <a:latin typeface="Calibri" panose="020F0502020204030204" pitchFamily="34" charset="0"/>
-                <a:ea typeface="宋体" panose="02010600030101010101" pitchFamily="2" charset="-122"/>
-              </a:defRPr>
-            </a:lvl7pPr>
-            <a:lvl8pPr marL="3429000" indent="-228600" eaLnBrk="0" fontAlgn="base" hangingPunct="0">
-              <a:lnSpc>
-                <a:spcPct val="90000"/>
-              </a:lnSpc>
-              <a:spcBef>
-                <a:spcPts val="500"/>
-              </a:spcBef>
-              <a:spcAft>
-                <a:spcPct val="0"/>
-              </a:spcAft>
-              <a:buFont typeface="Arial" panose="020B0604020202020204" pitchFamily="34" charset="0"/>
-              <a:buChar char="•"/>
-              <a:defRPr>
-                <a:latin typeface="Calibri" panose="020F0502020204030204" pitchFamily="34" charset="0"/>
-                <a:ea typeface="宋体" panose="02010600030101010101" pitchFamily="2" charset="-122"/>
-              </a:defRPr>
-            </a:lvl8pPr>
-            <a:lvl9pPr marL="3886200" indent="-228600" eaLnBrk="0" fontAlgn="base" hangingPunct="0">
-              <a:lnSpc>
-                <a:spcPct val="90000"/>
-              </a:lnSpc>
-              <a:spcBef>
-                <a:spcPts val="500"/>
-              </a:spcBef>
-              <a:spcAft>
-                <a:spcPct val="0"/>
-              </a:spcAft>
-              <a:buFont typeface="Arial" panose="020B0604020202020204" pitchFamily="34" charset="0"/>
-              <a:buChar char="•"/>
-              <a:defRPr>
-                <a:latin typeface="Calibri" panose="020F0502020204030204" pitchFamily="34" charset="0"/>
-                <a:ea typeface="宋体" panose="02010600030101010101" pitchFamily="2" charset="-122"/>
-              </a:defRPr>
-            </a:lvl9pPr>
-          </a:lstStyle>
-          <a:p>
-            <a:r>
-              <a:rPr lang="zh-CN" altLang="en-US" sz="2000" dirty="0">
-                <a:solidFill>
-                  <a:schemeClr val="tx1">
-                    <a:lumMod val="75000"/>
-                    <a:lumOff val="25000"/>
-                  </a:schemeClr>
-                </a:solidFill>
-                <a:ea typeface="微软雅黑 Light" panose="020B0502040204020203" pitchFamily="34" charset="-122"/>
-              </a:rPr>
-              <a:t>其他</a:t>
-            </a:r>
-          </a:p>
-        </p:txBody>
-      </p:sp>
-      <p:sp>
-        <p:nvSpPr>
-          <p:cNvPr id="3" name="文本框 2"/>
-          <p:cNvSpPr txBox="1"/>
-          <p:nvPr>
-            <p:custDataLst>
-              <p:tags r:id="rId7"/>
-            </p:custDataLst>
-          </p:nvPr>
-        </p:nvSpPr>
-        <p:spPr>
-          <a:xfrm>
-            <a:off x="5330768" y="1967657"/>
-            <a:ext cx="2920604" cy="485894"/>
-          </a:xfrm>
-          <a:prstGeom prst="rect">
-            <a:avLst/>
-          </a:prstGeom>
-          <a:noFill/>
-          <a:ln>
-            <a:noFill/>
-          </a:ln>
-          <a:effectLst/>
-          <a:extLst>
-            <a:ext uri="{909E8E84-426E-40DD-AFC4-6F175D3DCCD1}">
-              <a14:hiddenFill xmlns:a14="http://schemas.microsoft.com/office/drawing/2010/main">
-                <a:solidFill>
-                  <a:schemeClr val="accent1"/>
-                </a:solidFill>
-              </a14:hiddenFill>
-            </a:ext>
-            <a:ext uri="{91240B29-F687-4F45-9708-019B960494DF}">
-              <a14:hiddenLine xmlns:a14="http://schemas.microsoft.com/office/drawing/2010/main" w="9525">
-                <a:solidFill>
-                  <a:schemeClr val="tx1"/>
-                </a:solidFill>
-                <a:miter lim="800000"/>
-                <a:headEnd/>
-                <a:tailEnd/>
-              </a14:hiddenLine>
-            </a:ext>
-            <a:ext uri="{AF507438-7753-43E0-B8FC-AC1667EBCBE1}">
-              <a14:hiddenEffects xmlns:a14="http://schemas.microsoft.com/office/drawing/2010/main">
-                <a:effectLst>
-                  <a:outerShdw dist="35921" dir="2700000" algn="ctr" rotWithShape="0">
-                    <a:schemeClr val="bg2"/>
-                  </a:outerShdw>
-                </a:effectLst>
-              </a14:hiddenEffects>
-            </a:ext>
-          </a:extLst>
-        </p:spPr>
-        <p:txBody>
-          <a:bodyPr wrap="square" lIns="0" tIns="0" rIns="0" bIns="0" anchor="ctr" anchorCtr="0">
-            <a:normAutofit/>
-          </a:bodyPr>
-          <a:lstStyle>
-            <a:defPPr>
-              <a:defRPr lang="zh-CN"/>
-            </a:defPPr>
-            <a:lvl1pPr>
-              <a:lnSpc>
-                <a:spcPct val="90000"/>
-              </a:lnSpc>
-              <a:spcBef>
-                <a:spcPct val="0"/>
-              </a:spcBef>
-              <a:buFontTx/>
-              <a:buNone/>
-              <a:defRPr sz="2400">
-                <a:solidFill>
-                  <a:srgbClr val="333333"/>
-                </a:solidFill>
-              </a:defRPr>
-            </a:lvl1pPr>
-            <a:lvl2pPr marL="742950" indent="-285750">
-              <a:lnSpc>
-                <a:spcPct val="90000"/>
-              </a:lnSpc>
-              <a:spcBef>
-                <a:spcPts val="500"/>
-              </a:spcBef>
-              <a:buFont typeface="Arial" panose="020B0604020202020204" pitchFamily="34" charset="0"/>
-              <a:buChar char="•"/>
-              <a:defRPr sz="2400">
-                <a:latin typeface="Calibri" panose="020F0502020204030204" pitchFamily="34" charset="0"/>
-                <a:ea typeface="宋体" panose="02010600030101010101" pitchFamily="2" charset="-122"/>
-              </a:defRPr>
-            </a:lvl2pPr>
-            <a:lvl3pPr marL="1143000" indent="-228600">
-              <a:lnSpc>
-                <a:spcPct val="90000"/>
-              </a:lnSpc>
-              <a:spcBef>
-                <a:spcPts val="500"/>
-              </a:spcBef>
-              <a:buFont typeface="Arial" panose="020B0604020202020204" pitchFamily="34" charset="0"/>
-              <a:buChar char="•"/>
-              <a:defRPr sz="2000">
-                <a:latin typeface="Calibri" panose="020F0502020204030204" pitchFamily="34" charset="0"/>
-                <a:ea typeface="宋体" panose="02010600030101010101" pitchFamily="2" charset="-122"/>
-              </a:defRPr>
-            </a:lvl3pPr>
-            <a:lvl4pPr marL="1600200" indent="-228600">
-              <a:lnSpc>
-                <a:spcPct val="90000"/>
-              </a:lnSpc>
-              <a:spcBef>
-                <a:spcPts val="500"/>
-              </a:spcBef>
-              <a:buFont typeface="Arial" panose="020B0604020202020204" pitchFamily="34" charset="0"/>
-              <a:buChar char="•"/>
-              <a:defRPr>
-                <a:latin typeface="Calibri" panose="020F0502020204030204" pitchFamily="34" charset="0"/>
-                <a:ea typeface="宋体" panose="02010600030101010101" pitchFamily="2" charset="-122"/>
-              </a:defRPr>
-            </a:lvl4pPr>
-            <a:lvl5pPr marL="2057400" indent="-228600">
-              <a:lnSpc>
-                <a:spcPct val="90000"/>
-              </a:lnSpc>
-              <a:spcBef>
-                <a:spcPts val="500"/>
-              </a:spcBef>
-              <a:buFont typeface="Arial" panose="020B0604020202020204" pitchFamily="34" charset="0"/>
-              <a:buChar char="•"/>
-              <a:defRPr>
-                <a:latin typeface="Calibri" panose="020F0502020204030204" pitchFamily="34" charset="0"/>
-                <a:ea typeface="宋体" panose="02010600030101010101" pitchFamily="2" charset="-122"/>
-              </a:defRPr>
-            </a:lvl5pPr>
-            <a:lvl6pPr marL="2514600" indent="-228600" eaLnBrk="0" fontAlgn="base" hangingPunct="0">
-              <a:lnSpc>
-                <a:spcPct val="90000"/>
-              </a:lnSpc>
-              <a:spcBef>
-                <a:spcPts val="500"/>
-              </a:spcBef>
-              <a:spcAft>
-                <a:spcPct val="0"/>
-              </a:spcAft>
-              <a:buFont typeface="Arial" panose="020B0604020202020204" pitchFamily="34" charset="0"/>
-              <a:buChar char="•"/>
-              <a:defRPr>
-                <a:latin typeface="Calibri" panose="020F0502020204030204" pitchFamily="34" charset="0"/>
-                <a:ea typeface="宋体" panose="02010600030101010101" pitchFamily="2" charset="-122"/>
-              </a:defRPr>
-            </a:lvl6pPr>
-            <a:lvl7pPr marL="2971800" indent="-228600" eaLnBrk="0" fontAlgn="base" hangingPunct="0">
-              <a:lnSpc>
-                <a:spcPct val="90000"/>
-              </a:lnSpc>
-              <a:spcBef>
-                <a:spcPts val="500"/>
-              </a:spcBef>
-              <a:spcAft>
-                <a:spcPct val="0"/>
-              </a:spcAft>
-              <a:buFont typeface="Arial" panose="020B0604020202020204" pitchFamily="34" charset="0"/>
-              <a:buChar char="•"/>
-              <a:defRPr>
-                <a:latin typeface="Calibri" panose="020F0502020204030204" pitchFamily="34" charset="0"/>
-                <a:ea typeface="宋体" panose="02010600030101010101" pitchFamily="2" charset="-122"/>
-              </a:defRPr>
-            </a:lvl7pPr>
-            <a:lvl8pPr marL="3429000" indent="-228600" eaLnBrk="0" fontAlgn="base" hangingPunct="0">
-              <a:lnSpc>
-                <a:spcPct val="90000"/>
-              </a:lnSpc>
-              <a:spcBef>
-                <a:spcPts val="500"/>
-              </a:spcBef>
-              <a:spcAft>
-                <a:spcPct val="0"/>
-              </a:spcAft>
-              <a:buFont typeface="Arial" panose="020B0604020202020204" pitchFamily="34" charset="0"/>
-              <a:buChar char="•"/>
-              <a:defRPr>
-                <a:latin typeface="Calibri" panose="020F0502020204030204" pitchFamily="34" charset="0"/>
-                <a:ea typeface="宋体" panose="02010600030101010101" pitchFamily="2" charset="-122"/>
-              </a:defRPr>
-            </a:lvl8pPr>
-            <a:lvl9pPr marL="3886200" indent="-228600" eaLnBrk="0" fontAlgn="base" hangingPunct="0">
-              <a:lnSpc>
-                <a:spcPct val="90000"/>
-              </a:lnSpc>
-              <a:spcBef>
-                <a:spcPts val="500"/>
-              </a:spcBef>
-              <a:spcAft>
-                <a:spcPct val="0"/>
-              </a:spcAft>
-              <a:buFont typeface="Arial" panose="020B0604020202020204" pitchFamily="34" charset="0"/>
-              <a:buChar char="•"/>
-              <a:defRPr>
-                <a:latin typeface="Calibri" panose="020F0502020204030204" pitchFamily="34" charset="0"/>
-                <a:ea typeface="宋体" panose="02010600030101010101" pitchFamily="2" charset="-122"/>
-              </a:defRPr>
-            </a:lvl9pPr>
-          </a:lstStyle>
-          <a:p>
-            <a:r>
-              <a:rPr lang="zh-CN" altLang="en-US" sz="2000" dirty="0" smtClean="0">
-                <a:solidFill>
-                  <a:schemeClr val="tx1">
-                    <a:lumMod val="75000"/>
-                    <a:lumOff val="25000"/>
-                  </a:schemeClr>
-                </a:solidFill>
-                <a:ea typeface="微软雅黑 Light" panose="020B0502040204020203" pitchFamily="34" charset="-122"/>
-              </a:rPr>
-              <a:t>从配置说起</a:t>
-            </a:r>
-            <a:endParaRPr lang="zh-CN" altLang="en-US" sz="2000" dirty="0">
-              <a:solidFill>
-                <a:schemeClr val="tx1">
-                  <a:lumMod val="75000"/>
-                  <a:lumOff val="25000"/>
-                </a:schemeClr>
-              </a:solidFill>
-              <a:ea typeface="微软雅黑 Light" panose="020B0502040204020203" pitchFamily="34" charset="-122"/>
-            </a:endParaRPr>
-          </a:p>
-        </p:txBody>
-      </p:sp>
-      <p:sp>
-        <p:nvSpPr>
-          <p:cNvPr id="4" name="文本框 3"/>
-          <p:cNvSpPr txBox="1"/>
-          <p:nvPr>
-            <p:custDataLst>
-              <p:tags r:id="rId8"/>
-            </p:custDataLst>
-          </p:nvPr>
-        </p:nvSpPr>
-        <p:spPr>
-          <a:xfrm>
-            <a:off x="1705826" y="3212234"/>
-            <a:ext cx="2648460" cy="485894"/>
-          </a:xfrm>
-          <a:prstGeom prst="rect">
-            <a:avLst/>
-          </a:prstGeom>
-          <a:noFill/>
-          <a:ln>
-            <a:noFill/>
-          </a:ln>
-          <a:effectLst/>
-          <a:extLst>
-            <a:ext uri="{909E8E84-426E-40DD-AFC4-6F175D3DCCD1}">
-              <a14:hiddenFill xmlns:a14="http://schemas.microsoft.com/office/drawing/2010/main">
-                <a:solidFill>
-                  <a:schemeClr val="accent1"/>
-                </a:solidFill>
-              </a14:hiddenFill>
-            </a:ext>
-            <a:ext uri="{91240B29-F687-4F45-9708-019B960494DF}">
-              <a14:hiddenLine xmlns:a14="http://schemas.microsoft.com/office/drawing/2010/main" w="9525">
-                <a:solidFill>
-                  <a:schemeClr val="tx1"/>
-                </a:solidFill>
-                <a:miter lim="800000"/>
-                <a:headEnd/>
-                <a:tailEnd/>
-              </a14:hiddenLine>
-            </a:ext>
-            <a:ext uri="{AF507438-7753-43E0-B8FC-AC1667EBCBE1}">
-              <a14:hiddenEffects xmlns:a14="http://schemas.microsoft.com/office/drawing/2010/main">
-                <a:effectLst>
-                  <a:outerShdw dist="35921" dir="2700000" algn="ctr" rotWithShape="0">
-                    <a:schemeClr val="bg2"/>
-                  </a:outerShdw>
-                </a:effectLst>
-              </a14:hiddenEffects>
-            </a:ext>
-          </a:extLst>
-        </p:spPr>
-        <p:txBody>
-          <a:bodyPr wrap="square" lIns="0" tIns="0" rIns="0" bIns="0" anchor="ctr" anchorCtr="0">
-            <a:normAutofit/>
-          </a:bodyPr>
-          <a:lstStyle>
-            <a:defPPr>
-              <a:defRPr lang="zh-CN"/>
-            </a:defPPr>
-            <a:lvl1pPr>
-              <a:lnSpc>
-                <a:spcPct val="90000"/>
-              </a:lnSpc>
-              <a:spcBef>
-                <a:spcPct val="0"/>
-              </a:spcBef>
-              <a:buFontTx/>
-              <a:buNone/>
-              <a:defRPr sz="2400">
-                <a:solidFill>
-                  <a:srgbClr val="333333"/>
-                </a:solidFill>
-              </a:defRPr>
-            </a:lvl1pPr>
-            <a:lvl2pPr marL="742950" indent="-285750">
-              <a:lnSpc>
-                <a:spcPct val="90000"/>
-              </a:lnSpc>
-              <a:spcBef>
-                <a:spcPts val="500"/>
-              </a:spcBef>
-              <a:buFont typeface="Arial" panose="020B0604020202020204" pitchFamily="34" charset="0"/>
-              <a:buChar char="•"/>
-              <a:defRPr sz="2400">
-                <a:latin typeface="Calibri" panose="020F0502020204030204" pitchFamily="34" charset="0"/>
-                <a:ea typeface="宋体" panose="02010600030101010101" pitchFamily="2" charset="-122"/>
-              </a:defRPr>
-            </a:lvl2pPr>
-            <a:lvl3pPr marL="1143000" indent="-228600">
-              <a:lnSpc>
-                <a:spcPct val="90000"/>
-              </a:lnSpc>
-              <a:spcBef>
-                <a:spcPts val="500"/>
-              </a:spcBef>
-              <a:buFont typeface="Arial" panose="020B0604020202020204" pitchFamily="34" charset="0"/>
-              <a:buChar char="•"/>
-              <a:defRPr sz="2000">
-                <a:latin typeface="Calibri" panose="020F0502020204030204" pitchFamily="34" charset="0"/>
-                <a:ea typeface="宋体" panose="02010600030101010101" pitchFamily="2" charset="-122"/>
-              </a:defRPr>
-            </a:lvl3pPr>
-            <a:lvl4pPr marL="1600200" indent="-228600">
-              <a:lnSpc>
-                <a:spcPct val="90000"/>
-              </a:lnSpc>
-              <a:spcBef>
-                <a:spcPts val="500"/>
-              </a:spcBef>
-              <a:buFont typeface="Arial" panose="020B0604020202020204" pitchFamily="34" charset="0"/>
-              <a:buChar char="•"/>
-              <a:defRPr>
-                <a:latin typeface="Calibri" panose="020F0502020204030204" pitchFamily="34" charset="0"/>
-                <a:ea typeface="宋体" panose="02010600030101010101" pitchFamily="2" charset="-122"/>
-              </a:defRPr>
-            </a:lvl4pPr>
-            <a:lvl5pPr marL="2057400" indent="-228600">
-              <a:lnSpc>
-                <a:spcPct val="90000"/>
-              </a:lnSpc>
-              <a:spcBef>
-                <a:spcPts val="500"/>
-              </a:spcBef>
-              <a:buFont typeface="Arial" panose="020B0604020202020204" pitchFamily="34" charset="0"/>
-              <a:buChar char="•"/>
-              <a:defRPr>
-                <a:latin typeface="Calibri" panose="020F0502020204030204" pitchFamily="34" charset="0"/>
-                <a:ea typeface="宋体" panose="02010600030101010101" pitchFamily="2" charset="-122"/>
-              </a:defRPr>
-            </a:lvl5pPr>
-            <a:lvl6pPr marL="2514600" indent="-228600" eaLnBrk="0" fontAlgn="base" hangingPunct="0">
-              <a:lnSpc>
-                <a:spcPct val="90000"/>
-              </a:lnSpc>
-              <a:spcBef>
-                <a:spcPts val="500"/>
-              </a:spcBef>
-              <a:spcAft>
-                <a:spcPct val="0"/>
-              </a:spcAft>
-              <a:buFont typeface="Arial" panose="020B0604020202020204" pitchFamily="34" charset="0"/>
-              <a:buChar char="•"/>
-              <a:defRPr>
-                <a:latin typeface="Calibri" panose="020F0502020204030204" pitchFamily="34" charset="0"/>
-                <a:ea typeface="宋体" panose="02010600030101010101" pitchFamily="2" charset="-122"/>
-              </a:defRPr>
-            </a:lvl6pPr>
-            <a:lvl7pPr marL="2971800" indent="-228600" eaLnBrk="0" fontAlgn="base" hangingPunct="0">
-              <a:lnSpc>
-                <a:spcPct val="90000"/>
-              </a:lnSpc>
-              <a:spcBef>
-                <a:spcPts val="500"/>
-              </a:spcBef>
-              <a:spcAft>
-                <a:spcPct val="0"/>
-              </a:spcAft>
-              <a:buFont typeface="Arial" panose="020B0604020202020204" pitchFamily="34" charset="0"/>
-              <a:buChar char="•"/>
-              <a:defRPr>
-                <a:latin typeface="Calibri" panose="020F0502020204030204" pitchFamily="34" charset="0"/>
-                <a:ea typeface="宋体" panose="02010600030101010101" pitchFamily="2" charset="-122"/>
-              </a:defRPr>
-            </a:lvl7pPr>
-            <a:lvl8pPr marL="3429000" indent="-228600" eaLnBrk="0" fontAlgn="base" hangingPunct="0">
-              <a:lnSpc>
-                <a:spcPct val="90000"/>
-              </a:lnSpc>
-              <a:spcBef>
-                <a:spcPts val="500"/>
-              </a:spcBef>
-              <a:spcAft>
-                <a:spcPct val="0"/>
-              </a:spcAft>
-              <a:buFont typeface="Arial" panose="020B0604020202020204" pitchFamily="34" charset="0"/>
-              <a:buChar char="•"/>
-              <a:defRPr>
-                <a:latin typeface="Calibri" panose="020F0502020204030204" pitchFamily="34" charset="0"/>
-                <a:ea typeface="宋体" panose="02010600030101010101" pitchFamily="2" charset="-122"/>
-              </a:defRPr>
-            </a:lvl8pPr>
-            <a:lvl9pPr marL="3886200" indent="-228600" eaLnBrk="0" fontAlgn="base" hangingPunct="0">
-              <a:lnSpc>
-                <a:spcPct val="90000"/>
-              </a:lnSpc>
-              <a:spcBef>
-                <a:spcPts val="500"/>
-              </a:spcBef>
-              <a:spcAft>
-                <a:spcPct val="0"/>
-              </a:spcAft>
-              <a:buFont typeface="Arial" panose="020B0604020202020204" pitchFamily="34" charset="0"/>
-              <a:buChar char="•"/>
-              <a:defRPr>
-                <a:latin typeface="Calibri" panose="020F0502020204030204" pitchFamily="34" charset="0"/>
-                <a:ea typeface="宋体" panose="02010600030101010101" pitchFamily="2" charset="-122"/>
-              </a:defRPr>
-            </a:lvl9pPr>
-          </a:lstStyle>
-          <a:p>
-            <a:r>
-              <a:rPr lang="zh-CN" altLang="en-US" sz="2000" dirty="0" smtClean="0">
-                <a:solidFill>
-                  <a:schemeClr val="tx1">
-                    <a:lumMod val="75000"/>
-                    <a:lumOff val="25000"/>
-                  </a:schemeClr>
-                </a:solidFill>
-                <a:ea typeface="微软雅黑 Light" panose="020B0502040204020203" pitchFamily="34" charset="-122"/>
-              </a:rPr>
-              <a:t>项目内的一些实践</a:t>
-            </a:r>
-            <a:endParaRPr lang="zh-CN" altLang="en-US" sz="2000" dirty="0">
-              <a:solidFill>
-                <a:schemeClr val="tx1">
-                  <a:lumMod val="75000"/>
-                  <a:lumOff val="25000"/>
-                </a:schemeClr>
-              </a:solidFill>
-              <a:ea typeface="微软雅黑 Light" panose="020B0502040204020203" pitchFamily="34" charset="-122"/>
-            </a:endParaRPr>
-          </a:p>
-        </p:txBody>
-      </p:sp>
-      <p:sp>
-        <p:nvSpPr>
-          <p:cNvPr id="5" name="文本框 4"/>
-          <p:cNvSpPr txBox="1"/>
-          <p:nvPr>
-            <p:custDataLst>
-              <p:tags r:id="rId9"/>
-            </p:custDataLst>
-          </p:nvPr>
-        </p:nvSpPr>
-        <p:spPr>
-          <a:xfrm>
-            <a:off x="1705826" y="1980158"/>
-            <a:ext cx="2648460" cy="485894"/>
-          </a:xfrm>
-          <a:prstGeom prst="rect">
-            <a:avLst/>
-          </a:prstGeom>
-          <a:noFill/>
-          <a:ln>
-            <a:noFill/>
-          </a:ln>
-          <a:effectLst/>
-          <a:extLst>
-            <a:ext uri="{909E8E84-426E-40DD-AFC4-6F175D3DCCD1}">
-              <a14:hiddenFill xmlns:a14="http://schemas.microsoft.com/office/drawing/2010/main">
-                <a:solidFill>
-                  <a:schemeClr val="accent1"/>
-                </a:solidFill>
-              </a14:hiddenFill>
-            </a:ext>
-            <a:ext uri="{91240B29-F687-4F45-9708-019B960494DF}">
-              <a14:hiddenLine xmlns:a14="http://schemas.microsoft.com/office/drawing/2010/main" w="9525">
-                <a:solidFill>
-                  <a:schemeClr val="tx1"/>
-                </a:solidFill>
-                <a:miter lim="800000"/>
-                <a:headEnd/>
-                <a:tailEnd/>
-              </a14:hiddenLine>
-            </a:ext>
-            <a:ext uri="{AF507438-7753-43E0-B8FC-AC1667EBCBE1}">
-              <a14:hiddenEffects xmlns:a14="http://schemas.microsoft.com/office/drawing/2010/main">
-                <a:effectLst>
-                  <a:outerShdw dist="35921" dir="2700000" algn="ctr" rotWithShape="0">
-                    <a:schemeClr val="bg2"/>
-                  </a:outerShdw>
-                </a:effectLst>
-              </a14:hiddenEffects>
-            </a:ext>
-          </a:extLst>
-        </p:spPr>
-        <p:txBody>
-          <a:bodyPr wrap="square" lIns="0" tIns="0" rIns="0" bIns="0" anchor="ctr" anchorCtr="0">
-            <a:normAutofit/>
-          </a:bodyPr>
-          <a:lstStyle>
-            <a:defPPr>
-              <a:defRPr lang="zh-CN"/>
-            </a:defPPr>
-            <a:lvl1pPr>
-              <a:lnSpc>
-                <a:spcPct val="90000"/>
-              </a:lnSpc>
-              <a:spcBef>
-                <a:spcPct val="0"/>
-              </a:spcBef>
-              <a:buFontTx/>
-              <a:buNone/>
-              <a:defRPr sz="2400">
-                <a:solidFill>
-                  <a:srgbClr val="333333"/>
-                </a:solidFill>
-              </a:defRPr>
-            </a:lvl1pPr>
-            <a:lvl2pPr marL="742950" indent="-285750">
-              <a:lnSpc>
-                <a:spcPct val="90000"/>
-              </a:lnSpc>
-              <a:spcBef>
-                <a:spcPts val="500"/>
-              </a:spcBef>
-              <a:buFont typeface="Arial" panose="020B0604020202020204" pitchFamily="34" charset="0"/>
-              <a:buChar char="•"/>
-              <a:defRPr sz="2400">
-                <a:latin typeface="Calibri" panose="020F0502020204030204" pitchFamily="34" charset="0"/>
-                <a:ea typeface="宋体" panose="02010600030101010101" pitchFamily="2" charset="-122"/>
-              </a:defRPr>
-            </a:lvl2pPr>
-            <a:lvl3pPr marL="1143000" indent="-228600">
-              <a:lnSpc>
-                <a:spcPct val="90000"/>
-              </a:lnSpc>
-              <a:spcBef>
-                <a:spcPts val="500"/>
-              </a:spcBef>
-              <a:buFont typeface="Arial" panose="020B0604020202020204" pitchFamily="34" charset="0"/>
-              <a:buChar char="•"/>
-              <a:defRPr sz="2000">
-                <a:latin typeface="Calibri" panose="020F0502020204030204" pitchFamily="34" charset="0"/>
-                <a:ea typeface="宋体" panose="02010600030101010101" pitchFamily="2" charset="-122"/>
-              </a:defRPr>
-            </a:lvl3pPr>
-            <a:lvl4pPr marL="1600200" indent="-228600">
-              <a:lnSpc>
-                <a:spcPct val="90000"/>
-              </a:lnSpc>
-              <a:spcBef>
-                <a:spcPts val="500"/>
-              </a:spcBef>
-              <a:buFont typeface="Arial" panose="020B0604020202020204" pitchFamily="34" charset="0"/>
-              <a:buChar char="•"/>
-              <a:defRPr>
-                <a:latin typeface="Calibri" panose="020F0502020204030204" pitchFamily="34" charset="0"/>
-                <a:ea typeface="宋体" panose="02010600030101010101" pitchFamily="2" charset="-122"/>
-              </a:defRPr>
-            </a:lvl4pPr>
-            <a:lvl5pPr marL="2057400" indent="-228600">
-              <a:lnSpc>
-                <a:spcPct val="90000"/>
-              </a:lnSpc>
-              <a:spcBef>
-                <a:spcPts val="500"/>
-              </a:spcBef>
-              <a:buFont typeface="Arial" panose="020B0604020202020204" pitchFamily="34" charset="0"/>
-              <a:buChar char="•"/>
-              <a:defRPr>
-                <a:latin typeface="Calibri" panose="020F0502020204030204" pitchFamily="34" charset="0"/>
-                <a:ea typeface="宋体" panose="02010600030101010101" pitchFamily="2" charset="-122"/>
-              </a:defRPr>
-            </a:lvl5pPr>
-            <a:lvl6pPr marL="2514600" indent="-228600" eaLnBrk="0" fontAlgn="base" hangingPunct="0">
-              <a:lnSpc>
-                <a:spcPct val="90000"/>
-              </a:lnSpc>
-              <a:spcBef>
-                <a:spcPts val="500"/>
-              </a:spcBef>
-              <a:spcAft>
-                <a:spcPct val="0"/>
-              </a:spcAft>
-              <a:buFont typeface="Arial" panose="020B0604020202020204" pitchFamily="34" charset="0"/>
-              <a:buChar char="•"/>
-              <a:defRPr>
-                <a:latin typeface="Calibri" panose="020F0502020204030204" pitchFamily="34" charset="0"/>
-                <a:ea typeface="宋体" panose="02010600030101010101" pitchFamily="2" charset="-122"/>
-              </a:defRPr>
-            </a:lvl6pPr>
-            <a:lvl7pPr marL="2971800" indent="-228600" eaLnBrk="0" fontAlgn="base" hangingPunct="0">
-              <a:lnSpc>
-                <a:spcPct val="90000"/>
-              </a:lnSpc>
-              <a:spcBef>
-                <a:spcPts val="500"/>
-              </a:spcBef>
-              <a:spcAft>
-                <a:spcPct val="0"/>
-              </a:spcAft>
-              <a:buFont typeface="Arial" panose="020B0604020202020204" pitchFamily="34" charset="0"/>
-              <a:buChar char="•"/>
-              <a:defRPr>
-                <a:latin typeface="Calibri" panose="020F0502020204030204" pitchFamily="34" charset="0"/>
-                <a:ea typeface="宋体" panose="02010600030101010101" pitchFamily="2" charset="-122"/>
-              </a:defRPr>
-            </a:lvl7pPr>
-            <a:lvl8pPr marL="3429000" indent="-228600" eaLnBrk="0" fontAlgn="base" hangingPunct="0">
-              <a:lnSpc>
-                <a:spcPct val="90000"/>
-              </a:lnSpc>
-              <a:spcBef>
-                <a:spcPts val="500"/>
-              </a:spcBef>
-              <a:spcAft>
-                <a:spcPct val="0"/>
-              </a:spcAft>
-              <a:buFont typeface="Arial" panose="020B0604020202020204" pitchFamily="34" charset="0"/>
-              <a:buChar char="•"/>
-              <a:defRPr>
-                <a:latin typeface="Calibri" panose="020F0502020204030204" pitchFamily="34" charset="0"/>
-                <a:ea typeface="宋体" panose="02010600030101010101" pitchFamily="2" charset="-122"/>
-              </a:defRPr>
-            </a:lvl8pPr>
-            <a:lvl9pPr marL="3886200" indent="-228600" eaLnBrk="0" fontAlgn="base" hangingPunct="0">
-              <a:lnSpc>
-                <a:spcPct val="90000"/>
-              </a:lnSpc>
-              <a:spcBef>
-                <a:spcPts val="500"/>
-              </a:spcBef>
-              <a:spcAft>
-                <a:spcPct val="0"/>
-              </a:spcAft>
-              <a:buFont typeface="Arial" panose="020B0604020202020204" pitchFamily="34" charset="0"/>
-              <a:buChar char="•"/>
-              <a:defRPr>
-                <a:latin typeface="Calibri" panose="020F0502020204030204" pitchFamily="34" charset="0"/>
-                <a:ea typeface="宋体" panose="02010600030101010101" pitchFamily="2" charset="-122"/>
-              </a:defRPr>
-            </a:lvl9pPr>
-          </a:lstStyle>
-          <a:p>
-            <a:r>
-              <a:rPr lang="zh-CN" altLang="en-US" sz="2000" dirty="0" smtClean="0">
-                <a:solidFill>
-                  <a:schemeClr val="tx1">
-                    <a:lumMod val="75000"/>
-                    <a:lumOff val="25000"/>
-                  </a:schemeClr>
-                </a:solidFill>
-                <a:ea typeface="微软雅黑 Light" panose="020B0502040204020203" pitchFamily="34" charset="-122"/>
-              </a:rPr>
-              <a:t>对</a:t>
-            </a:r>
-            <a:r>
-              <a:rPr lang="en-US" altLang="zh-CN" sz="2000" dirty="0" smtClean="0">
-                <a:solidFill>
-                  <a:schemeClr val="tx1">
-                    <a:lumMod val="75000"/>
-                    <a:lumOff val="25000"/>
-                  </a:schemeClr>
-                </a:solidFill>
-                <a:ea typeface="微软雅黑 Light" panose="020B0502040204020203" pitchFamily="34" charset="-122"/>
-              </a:rPr>
-              <a:t>TS</a:t>
-            </a:r>
-            <a:r>
-              <a:rPr lang="zh-CN" altLang="en-US" sz="2000" dirty="0" smtClean="0">
-                <a:solidFill>
-                  <a:schemeClr val="tx1">
-                    <a:lumMod val="75000"/>
-                    <a:lumOff val="25000"/>
-                  </a:schemeClr>
-                </a:solidFill>
-                <a:ea typeface="微软雅黑 Light" panose="020B0502040204020203" pitchFamily="34" charset="-122"/>
-              </a:rPr>
-              <a:t>的一些看法</a:t>
-            </a:r>
-            <a:endParaRPr lang="zh-CN" altLang="en-US" sz="2000" dirty="0">
-              <a:solidFill>
-                <a:schemeClr val="tx1">
-                  <a:lumMod val="75000"/>
-                  <a:lumOff val="25000"/>
-                </a:schemeClr>
-              </a:solidFill>
-              <a:ea typeface="微软雅黑 Light" panose="020B0502040204020203" pitchFamily="34" charset="-122"/>
-            </a:endParaRPr>
-          </a:p>
-        </p:txBody>
-      </p:sp>
-      <p:sp>
-        <p:nvSpPr>
-          <p:cNvPr id="12" name="圆角矩形 11"/>
-          <p:cNvSpPr/>
-          <p:nvPr>
-            <p:custDataLst>
-              <p:tags r:id="rId10"/>
-            </p:custDataLst>
-          </p:nvPr>
-        </p:nvSpPr>
-        <p:spPr>
-          <a:xfrm>
-            <a:off x="3211105" y="561703"/>
-            <a:ext cx="2721429" cy="533400"/>
-          </a:xfrm>
-          <a:prstGeom prst="roundRect">
-            <a:avLst>
-              <a:gd name="adj" fmla="val 50000"/>
-            </a:avLst>
-          </a:prstGeom>
-          <a:solidFill>
-            <a:schemeClr val="accent1"/>
-          </a:solidFill>
-          <a:ln>
-            <a:noFill/>
-          </a:ln>
-        </p:spPr>
-        <p:style>
-          <a:lnRef idx="2">
-            <a:schemeClr val="accent1">
-              <a:shade val="50000"/>
-            </a:schemeClr>
-          </a:lnRef>
-          <a:fillRef idx="1">
-            <a:schemeClr val="accent1"/>
-          </a:fillRef>
-          <a:effectRef idx="0">
-            <a:schemeClr val="accent1"/>
-          </a:effectRef>
-          <a:fontRef idx="minor">
-            <a:schemeClr val="lt1"/>
-          </a:fontRef>
-        </p:style>
-        <p:txBody>
-          <a:bodyPr tIns="0" bIns="0" rtlCol="0" anchor="ctr"/>
-          <a:lstStyle/>
-          <a:p>
-            <a:pPr algn="ctr"/>
-            <a:r>
-              <a:rPr lang="en-US" altLang="zh-CN" sz="3000" dirty="0">
-                <a:solidFill>
-                  <a:schemeClr val="bg1"/>
-                </a:solidFill>
-                <a:latin typeface="+mj-lt"/>
-                <a:ea typeface="微软雅黑 Light" panose="020B0502040204020203" pitchFamily="34" charset="-122"/>
-                <a:cs typeface="+mj-cs"/>
-              </a:rPr>
-              <a:t>CONTENTS</a:t>
-            </a:r>
-          </a:p>
-        </p:txBody>
-      </p:sp>
-      <p:sp>
-        <p:nvSpPr>
-          <p:cNvPr id="34" name="任意多边形 22"/>
-          <p:cNvSpPr/>
-          <p:nvPr/>
-        </p:nvSpPr>
-        <p:spPr>
-          <a:xfrm>
-            <a:off x="4193509" y="0"/>
-            <a:ext cx="774562" cy="223597"/>
-          </a:xfrm>
-          <a:custGeom>
-            <a:avLst/>
-            <a:gdLst>
-              <a:gd name="connsiteX0" fmla="*/ 0 w 1032749"/>
-              <a:gd name="connsiteY0" fmla="*/ 0 h 298129"/>
-              <a:gd name="connsiteX1" fmla="*/ 1032749 w 1032749"/>
-              <a:gd name="connsiteY1" fmla="*/ 0 h 298129"/>
-              <a:gd name="connsiteX2" fmla="*/ 516374 w 1032749"/>
-              <a:gd name="connsiteY2" fmla="*/ 298129 h 298129"/>
-              <a:gd name="connsiteX3" fmla="*/ 0 w 1032749"/>
-              <a:gd name="connsiteY3" fmla="*/ 0 h 298129"/>
-            </a:gdLst>
-            <a:ahLst/>
-            <a:cxnLst>
-              <a:cxn ang="0">
-                <a:pos x="connsiteX0" y="connsiteY0"/>
-              </a:cxn>
-              <a:cxn ang="0">
-                <a:pos x="connsiteX1" y="connsiteY1"/>
-              </a:cxn>
-              <a:cxn ang="0">
-                <a:pos x="connsiteX2" y="connsiteY2"/>
-              </a:cxn>
-              <a:cxn ang="0">
-                <a:pos x="connsiteX3" y="connsiteY3"/>
-              </a:cxn>
-            </a:cxnLst>
-            <a:rect l="l" t="t" r="r" b="b"/>
-            <a:pathLst>
-              <a:path w="1032749" h="298129">
-                <a:moveTo>
-                  <a:pt x="0" y="0"/>
-                </a:moveTo>
-                <a:lnTo>
-                  <a:pt x="1032749" y="0"/>
-                </a:lnTo>
-                <a:lnTo>
-                  <a:pt x="516374" y="298129"/>
-                </a:lnTo>
-                <a:lnTo>
-                  <a:pt x="0" y="0"/>
-                </a:lnTo>
-                <a:close/>
-              </a:path>
-            </a:pathLst>
-          </a:custGeom>
-          <a:solidFill>
-            <a:schemeClr val="accent1"/>
-          </a:solidFill>
-          <a:ln>
-            <a:noFill/>
-          </a:ln>
-        </p:spPr>
-        <p:style>
-          <a:lnRef idx="2">
-            <a:schemeClr val="accent1">
-              <a:shade val="50000"/>
-            </a:schemeClr>
-          </a:lnRef>
-          <a:fillRef idx="1">
-            <a:schemeClr val="accent1"/>
-          </a:fillRef>
-          <a:effectRef idx="0">
-            <a:schemeClr val="accent1"/>
-          </a:effectRef>
-          <a:fontRef idx="minor">
-            <a:schemeClr val="lt1"/>
-          </a:fontRef>
-        </p:style>
-        <p:txBody>
-          <a:bodyPr rtlCol="0" anchor="ctr"/>
-          <a:lstStyle/>
-          <a:p>
-            <a:pPr algn="ctr"/>
-            <a:endParaRPr lang="zh-CN" altLang="en-US" sz="1015" dirty="0">
-              <a:ea typeface="微软雅黑 Light" panose="020B0502040204020203" pitchFamily="34" charset="-122"/>
-            </a:endParaRPr>
-          </a:p>
-        </p:txBody>
-      </p:sp>
-    </p:spTree>
-    <p:custDataLst>
-      <p:tags r:id="rId1"/>
-    </p:custDataLst>
-  </p:cSld>
-  <p:clrMapOvr>
-    <a:masterClrMapping/>
-  </p:clrMapOvr>
-  <p:transition spd="slow">
-    <p:cover/>
-  </p:transition>
-  <p:timing>
-    <p:tnLst>
-      <p:par>
-        <p:cTn id="1" dur="indefinite" restart="never" nodeType="tmRoot">
-          <p:childTnLst>
-            <p:seq concurrent="1" nextAc="seek">
-              <p:cTn id="2" dur="indefinite" nodeType="mainSeq">
-                <p:childTnLst>
-                  <p:par>
-                    <p:cTn id="3" fill="hold">
-                      <p:stCondLst>
-                        <p:cond delay="indefinite"/>
-                        <p:cond evt="onBegin" delay="0">
-                          <p:tn val="2"/>
-                        </p:cond>
-                      </p:stCondLst>
-                      <p:childTnLst>
-                        <p:par>
-                          <p:cTn id="4" fill="hold">
-                            <p:stCondLst>
-                              <p:cond delay="0"/>
-                            </p:stCondLst>
-                            <p:childTnLst>
-                              <p:par>
-                                <p:cTn id="5" presetID="16" presetClass="entr" presetSubtype="21" fill="hold" grpId="0" nodeType="withEffect">
-                                  <p:stCondLst>
-                                    <p:cond delay="0"/>
-                                  </p:stCondLst>
-                                  <p:childTnLst>
-                                    <p:set>
-                                      <p:cBhvr>
-                                        <p:cTn id="6" dur="1" fill="hold">
-                                          <p:stCondLst>
-                                            <p:cond delay="0"/>
-                                          </p:stCondLst>
-                                        </p:cTn>
-                                        <p:tgtEl>
-                                          <p:spTgt spid="12"/>
-                                        </p:tgtEl>
-                                        <p:attrNameLst>
-                                          <p:attrName>style.visibility</p:attrName>
-                                        </p:attrNameLst>
-                                      </p:cBhvr>
-                                      <p:to>
-                                        <p:strVal val="visible"/>
-                                      </p:to>
-                                    </p:set>
-                                    <p:animEffect transition="in" filter="barn(inVertical)">
-                                      <p:cBhvr>
-                                        <p:cTn id="7" dur="500"/>
-                                        <p:tgtEl>
-                                          <p:spTgt spid="12"/>
-                                        </p:tgtEl>
-                                      </p:cBhvr>
-                                    </p:animEffect>
-                                  </p:childTnLst>
-                                </p:cTn>
-                              </p:par>
-                            </p:childTnLst>
-                          </p:cTn>
-                        </p:par>
-                        <p:par>
-                          <p:cTn id="8" fill="hold">
-                            <p:stCondLst>
-                              <p:cond delay="500"/>
-                            </p:stCondLst>
-                            <p:childTnLst>
-                              <p:par>
-                                <p:cTn id="9" presetID="42" presetClass="entr" presetSubtype="0" fill="hold" grpId="0" nodeType="afterEffect">
-                                  <p:stCondLst>
-                                    <p:cond delay="0"/>
-                                  </p:stCondLst>
-                                  <p:childTnLst>
-                                    <p:set>
-                                      <p:cBhvr>
-                                        <p:cTn id="10" dur="1" fill="hold">
-                                          <p:stCondLst>
-                                            <p:cond delay="0"/>
-                                          </p:stCondLst>
-                                        </p:cTn>
-                                        <p:tgtEl>
-                                          <p:spTgt spid="9"/>
-                                        </p:tgtEl>
-                                        <p:attrNameLst>
-                                          <p:attrName>style.visibility</p:attrName>
-                                        </p:attrNameLst>
-                                      </p:cBhvr>
-                                      <p:to>
-                                        <p:strVal val="visible"/>
-                                      </p:to>
-                                    </p:set>
-                                    <p:animEffect transition="in" filter="fade">
-                                      <p:cBhvr>
-                                        <p:cTn id="11" dur="1000"/>
-                                        <p:tgtEl>
-                                          <p:spTgt spid="9"/>
-                                        </p:tgtEl>
-                                      </p:cBhvr>
-                                    </p:animEffect>
-                                    <p:anim calcmode="lin" valueType="num">
-                                      <p:cBhvr>
-                                        <p:cTn id="12" dur="1000" fill="hold"/>
-                                        <p:tgtEl>
-                                          <p:spTgt spid="9"/>
-                                        </p:tgtEl>
-                                        <p:attrNameLst>
-                                          <p:attrName>ppt_x</p:attrName>
-                                        </p:attrNameLst>
-                                      </p:cBhvr>
-                                      <p:tavLst>
-                                        <p:tav tm="0">
-                                          <p:val>
-                                            <p:strVal val="#ppt_x"/>
-                                          </p:val>
-                                        </p:tav>
-                                        <p:tav tm="100000">
-                                          <p:val>
-                                            <p:strVal val="#ppt_x"/>
-                                          </p:val>
-                                        </p:tav>
-                                      </p:tavLst>
-                                    </p:anim>
-                                    <p:anim calcmode="lin" valueType="num">
-                                      <p:cBhvr>
-                                        <p:cTn id="13" dur="1000" fill="hold"/>
-                                        <p:tgtEl>
-                                          <p:spTgt spid="9"/>
-                                        </p:tgtEl>
-                                        <p:attrNameLst>
-                                          <p:attrName>ppt_y</p:attrName>
-                                        </p:attrNameLst>
-                                      </p:cBhvr>
-                                      <p:tavLst>
-                                        <p:tav tm="0">
-                                          <p:val>
-                                            <p:strVal val="#ppt_y+.1"/>
-                                          </p:val>
-                                        </p:tav>
-                                        <p:tav tm="100000">
-                                          <p:val>
-                                            <p:strVal val="#ppt_y"/>
-                                          </p:val>
-                                        </p:tav>
-                                      </p:tavLst>
-                                    </p:anim>
-                                  </p:childTnLst>
-                                </p:cTn>
-                              </p:par>
-                            </p:childTnLst>
-                          </p:cTn>
-                        </p:par>
-                        <p:par>
-                          <p:cTn id="14" fill="hold">
-                            <p:stCondLst>
-                              <p:cond delay="1500"/>
-                            </p:stCondLst>
-                            <p:childTnLst>
-                              <p:par>
-                                <p:cTn id="15" presetID="22" presetClass="entr" presetSubtype="8" fill="hold" grpId="0" nodeType="afterEffect">
-                                  <p:stCondLst>
-                                    <p:cond delay="0"/>
-                                  </p:stCondLst>
-                                  <p:childTnLst>
-                                    <p:set>
-                                      <p:cBhvr>
-                                        <p:cTn id="16" dur="1" fill="hold">
-                                          <p:stCondLst>
-                                            <p:cond delay="0"/>
-                                          </p:stCondLst>
-                                        </p:cTn>
-                                        <p:tgtEl>
-                                          <p:spTgt spid="5"/>
-                                        </p:tgtEl>
-                                        <p:attrNameLst>
-                                          <p:attrName>style.visibility</p:attrName>
-                                        </p:attrNameLst>
-                                      </p:cBhvr>
-                                      <p:to>
-                                        <p:strVal val="visible"/>
-                                      </p:to>
-                                    </p:set>
-                                    <p:animEffect transition="in" filter="wipe(left)">
-                                      <p:cBhvr>
-                                        <p:cTn id="17" dur="500"/>
-                                        <p:tgtEl>
-                                          <p:spTgt spid="5"/>
-                                        </p:tgtEl>
-                                      </p:cBhvr>
-                                    </p:animEffect>
-                                  </p:childTnLst>
-                                </p:cTn>
-                              </p:par>
-                            </p:childTnLst>
-                          </p:cTn>
-                        </p:par>
-                        <p:par>
-                          <p:cTn id="18" fill="hold">
-                            <p:stCondLst>
-                              <p:cond delay="2000"/>
-                            </p:stCondLst>
-                            <p:childTnLst>
-                              <p:par>
-                                <p:cTn id="19" presetID="42" presetClass="entr" presetSubtype="0" fill="hold" grpId="0" nodeType="afterEffect">
-                                  <p:stCondLst>
-                                    <p:cond delay="0"/>
-                                  </p:stCondLst>
-                                  <p:childTnLst>
-                                    <p:set>
-                                      <p:cBhvr>
-                                        <p:cTn id="20" dur="1" fill="hold">
-                                          <p:stCondLst>
-                                            <p:cond delay="0"/>
-                                          </p:stCondLst>
-                                        </p:cTn>
-                                        <p:tgtEl>
-                                          <p:spTgt spid="14"/>
-                                        </p:tgtEl>
-                                        <p:attrNameLst>
-                                          <p:attrName>style.visibility</p:attrName>
-                                        </p:attrNameLst>
-                                      </p:cBhvr>
-                                      <p:to>
-                                        <p:strVal val="visible"/>
-                                      </p:to>
-                                    </p:set>
-                                    <p:animEffect transition="in" filter="fade">
-                                      <p:cBhvr>
-                                        <p:cTn id="21" dur="1000"/>
-                                        <p:tgtEl>
-                                          <p:spTgt spid="14"/>
-                                        </p:tgtEl>
-                                      </p:cBhvr>
-                                    </p:animEffect>
-                                    <p:anim calcmode="lin" valueType="num">
-                                      <p:cBhvr>
-                                        <p:cTn id="22" dur="1000" fill="hold"/>
-                                        <p:tgtEl>
-                                          <p:spTgt spid="14"/>
-                                        </p:tgtEl>
-                                        <p:attrNameLst>
-                                          <p:attrName>ppt_x</p:attrName>
-                                        </p:attrNameLst>
-                                      </p:cBhvr>
-                                      <p:tavLst>
-                                        <p:tav tm="0">
-                                          <p:val>
-                                            <p:strVal val="#ppt_x"/>
-                                          </p:val>
-                                        </p:tav>
-                                        <p:tav tm="100000">
-                                          <p:val>
-                                            <p:strVal val="#ppt_x"/>
-                                          </p:val>
-                                        </p:tav>
-                                      </p:tavLst>
-                                    </p:anim>
-                                    <p:anim calcmode="lin" valueType="num">
-                                      <p:cBhvr>
-                                        <p:cTn id="23" dur="1000" fill="hold"/>
-                                        <p:tgtEl>
-                                          <p:spTgt spid="14"/>
-                                        </p:tgtEl>
-                                        <p:attrNameLst>
-                                          <p:attrName>ppt_y</p:attrName>
-                                        </p:attrNameLst>
-                                      </p:cBhvr>
-                                      <p:tavLst>
-                                        <p:tav tm="0">
-                                          <p:val>
-                                            <p:strVal val="#ppt_y+.1"/>
-                                          </p:val>
-                                        </p:tav>
-                                        <p:tav tm="100000">
-                                          <p:val>
-                                            <p:strVal val="#ppt_y"/>
-                                          </p:val>
-                                        </p:tav>
-                                      </p:tavLst>
-                                    </p:anim>
-                                  </p:childTnLst>
-                                </p:cTn>
-                              </p:par>
-                              <p:par>
-                                <p:cTn id="24" presetID="22" presetClass="entr" presetSubtype="8" fill="hold" grpId="0" nodeType="withEffect">
-                                  <p:stCondLst>
-                                    <p:cond delay="0"/>
-                                  </p:stCondLst>
-                                  <p:childTnLst>
-                                    <p:set>
-                                      <p:cBhvr>
-                                        <p:cTn id="25" dur="1" fill="hold">
-                                          <p:stCondLst>
-                                            <p:cond delay="0"/>
-                                          </p:stCondLst>
-                                        </p:cTn>
-                                        <p:tgtEl>
-                                          <p:spTgt spid="3"/>
-                                        </p:tgtEl>
-                                        <p:attrNameLst>
-                                          <p:attrName>style.visibility</p:attrName>
-                                        </p:attrNameLst>
-                                      </p:cBhvr>
-                                      <p:to>
-                                        <p:strVal val="visible"/>
-                                      </p:to>
-                                    </p:set>
-                                    <p:animEffect transition="in" filter="wipe(left)">
-                                      <p:cBhvr>
-                                        <p:cTn id="26" dur="500"/>
-                                        <p:tgtEl>
-                                          <p:spTgt spid="3"/>
-                                        </p:tgtEl>
-                                      </p:cBhvr>
-                                    </p:animEffect>
-                                  </p:childTnLst>
-                                </p:cTn>
-                              </p:par>
-                            </p:childTnLst>
-                          </p:cTn>
-                        </p:par>
-                        <p:par>
-                          <p:cTn id="27" fill="hold">
-                            <p:stCondLst>
-                              <p:cond delay="3000"/>
-                            </p:stCondLst>
-                            <p:childTnLst>
-                              <p:par>
-                                <p:cTn id="28" presetID="42" presetClass="entr" presetSubtype="0" fill="hold" grpId="0" nodeType="afterEffect">
-                                  <p:stCondLst>
-                                    <p:cond delay="0"/>
-                                  </p:stCondLst>
-                                  <p:childTnLst>
-                                    <p:set>
-                                      <p:cBhvr>
-                                        <p:cTn id="29" dur="1" fill="hold">
-                                          <p:stCondLst>
-                                            <p:cond delay="0"/>
-                                          </p:stCondLst>
-                                        </p:cTn>
-                                        <p:tgtEl>
-                                          <p:spTgt spid="10"/>
-                                        </p:tgtEl>
-                                        <p:attrNameLst>
-                                          <p:attrName>style.visibility</p:attrName>
-                                        </p:attrNameLst>
-                                      </p:cBhvr>
-                                      <p:to>
-                                        <p:strVal val="visible"/>
-                                      </p:to>
-                                    </p:set>
-                                    <p:animEffect transition="in" filter="fade">
-                                      <p:cBhvr>
-                                        <p:cTn id="30" dur="1000"/>
-                                        <p:tgtEl>
-                                          <p:spTgt spid="10"/>
-                                        </p:tgtEl>
-                                      </p:cBhvr>
-                                    </p:animEffect>
-                                    <p:anim calcmode="lin" valueType="num">
-                                      <p:cBhvr>
-                                        <p:cTn id="31" dur="1000" fill="hold"/>
-                                        <p:tgtEl>
-                                          <p:spTgt spid="10"/>
-                                        </p:tgtEl>
-                                        <p:attrNameLst>
-                                          <p:attrName>ppt_x</p:attrName>
-                                        </p:attrNameLst>
-                                      </p:cBhvr>
-                                      <p:tavLst>
-                                        <p:tav tm="0">
-                                          <p:val>
-                                            <p:strVal val="#ppt_x"/>
-                                          </p:val>
-                                        </p:tav>
-                                        <p:tav tm="100000">
-                                          <p:val>
-                                            <p:strVal val="#ppt_x"/>
-                                          </p:val>
-                                        </p:tav>
-                                      </p:tavLst>
-                                    </p:anim>
-                                    <p:anim calcmode="lin" valueType="num">
-                                      <p:cBhvr>
-                                        <p:cTn id="32" dur="1000" fill="hold"/>
-                                        <p:tgtEl>
-                                          <p:spTgt spid="10"/>
-                                        </p:tgtEl>
-                                        <p:attrNameLst>
-                                          <p:attrName>ppt_y</p:attrName>
-                                        </p:attrNameLst>
-                                      </p:cBhvr>
-                                      <p:tavLst>
-                                        <p:tav tm="0">
-                                          <p:val>
-                                            <p:strVal val="#ppt_y+.1"/>
-                                          </p:val>
-                                        </p:tav>
-                                        <p:tav tm="100000">
-                                          <p:val>
-                                            <p:strVal val="#ppt_y"/>
-                                          </p:val>
-                                        </p:tav>
-                                      </p:tavLst>
-                                    </p:anim>
-                                  </p:childTnLst>
-                                </p:cTn>
-                              </p:par>
-                              <p:par>
-                                <p:cTn id="33" presetID="22" presetClass="entr" presetSubtype="8" fill="hold" grpId="0" nodeType="withEffect">
-                                  <p:stCondLst>
-                                    <p:cond delay="0"/>
-                                  </p:stCondLst>
-                                  <p:childTnLst>
-                                    <p:set>
-                                      <p:cBhvr>
-                                        <p:cTn id="34" dur="1" fill="hold">
-                                          <p:stCondLst>
-                                            <p:cond delay="0"/>
-                                          </p:stCondLst>
-                                        </p:cTn>
-                                        <p:tgtEl>
-                                          <p:spTgt spid="4"/>
-                                        </p:tgtEl>
-                                        <p:attrNameLst>
-                                          <p:attrName>style.visibility</p:attrName>
-                                        </p:attrNameLst>
-                                      </p:cBhvr>
-                                      <p:to>
-                                        <p:strVal val="visible"/>
-                                      </p:to>
-                                    </p:set>
-                                    <p:animEffect transition="in" filter="wipe(left)">
-                                      <p:cBhvr>
-                                        <p:cTn id="35" dur="500"/>
-                                        <p:tgtEl>
-                                          <p:spTgt spid="4"/>
-                                        </p:tgtEl>
-                                      </p:cBhvr>
-                                    </p:animEffect>
-                                  </p:childTnLst>
-                                </p:cTn>
-                              </p:par>
-                            </p:childTnLst>
-                          </p:cTn>
-                        </p:par>
-                        <p:par>
-                          <p:cTn id="36" fill="hold">
-                            <p:stCondLst>
-                              <p:cond delay="4000"/>
-                            </p:stCondLst>
-                            <p:childTnLst>
-                              <p:par>
-                                <p:cTn id="37" presetID="42" presetClass="entr" presetSubtype="0" fill="hold" grpId="0" nodeType="afterEffect">
-                                  <p:stCondLst>
-                                    <p:cond delay="0"/>
-                                  </p:stCondLst>
-                                  <p:childTnLst>
-                                    <p:set>
-                                      <p:cBhvr>
-                                        <p:cTn id="38" dur="1" fill="hold">
-                                          <p:stCondLst>
-                                            <p:cond delay="0"/>
-                                          </p:stCondLst>
-                                        </p:cTn>
-                                        <p:tgtEl>
-                                          <p:spTgt spid="16"/>
-                                        </p:tgtEl>
-                                        <p:attrNameLst>
-                                          <p:attrName>style.visibility</p:attrName>
-                                        </p:attrNameLst>
-                                      </p:cBhvr>
-                                      <p:to>
-                                        <p:strVal val="visible"/>
-                                      </p:to>
-                                    </p:set>
-                                    <p:animEffect transition="in" filter="fade">
-                                      <p:cBhvr>
-                                        <p:cTn id="39" dur="1000"/>
-                                        <p:tgtEl>
-                                          <p:spTgt spid="16"/>
-                                        </p:tgtEl>
-                                      </p:cBhvr>
-                                    </p:animEffect>
-                                    <p:anim calcmode="lin" valueType="num">
-                                      <p:cBhvr>
-                                        <p:cTn id="40" dur="1000" fill="hold"/>
-                                        <p:tgtEl>
-                                          <p:spTgt spid="16"/>
-                                        </p:tgtEl>
-                                        <p:attrNameLst>
-                                          <p:attrName>ppt_x</p:attrName>
-                                        </p:attrNameLst>
-                                      </p:cBhvr>
-                                      <p:tavLst>
-                                        <p:tav tm="0">
-                                          <p:val>
-                                            <p:strVal val="#ppt_x"/>
-                                          </p:val>
-                                        </p:tav>
-                                        <p:tav tm="100000">
-                                          <p:val>
-                                            <p:strVal val="#ppt_x"/>
-                                          </p:val>
-                                        </p:tav>
-                                      </p:tavLst>
-                                    </p:anim>
-                                    <p:anim calcmode="lin" valueType="num">
-                                      <p:cBhvr>
-                                        <p:cTn id="41" dur="1000" fill="hold"/>
-                                        <p:tgtEl>
-                                          <p:spTgt spid="16"/>
-                                        </p:tgtEl>
-                                        <p:attrNameLst>
-                                          <p:attrName>ppt_y</p:attrName>
-                                        </p:attrNameLst>
-                                      </p:cBhvr>
-                                      <p:tavLst>
-                                        <p:tav tm="0">
-                                          <p:val>
-                                            <p:strVal val="#ppt_y+.1"/>
-                                          </p:val>
-                                        </p:tav>
-                                        <p:tav tm="100000">
-                                          <p:val>
-                                            <p:strVal val="#ppt_y"/>
-                                          </p:val>
-                                        </p:tav>
-                                      </p:tavLst>
-                                    </p:anim>
-                                  </p:childTnLst>
-                                </p:cTn>
-                              </p:par>
-                              <p:par>
-                                <p:cTn id="42" presetID="22" presetClass="entr" presetSubtype="8" fill="hold" grpId="0" nodeType="withEffect">
-                                  <p:stCondLst>
-                                    <p:cond delay="0"/>
-                                  </p:stCondLst>
-                                  <p:childTnLst>
-                                    <p:set>
-                                      <p:cBhvr>
-                                        <p:cTn id="43" dur="1" fill="hold">
-                                          <p:stCondLst>
-                                            <p:cond delay="0"/>
-                                          </p:stCondLst>
-                                        </p:cTn>
-                                        <p:tgtEl>
-                                          <p:spTgt spid="2"/>
-                                        </p:tgtEl>
-                                        <p:attrNameLst>
-                                          <p:attrName>style.visibility</p:attrName>
-                                        </p:attrNameLst>
-                                      </p:cBhvr>
-                                      <p:to>
-                                        <p:strVal val="visible"/>
-                                      </p:to>
-                                    </p:set>
-                                    <p:animEffect transition="in" filter="wipe(left)">
-                                      <p:cBhvr>
-                                        <p:cTn id="44" dur="500"/>
-                                        <p:tgtEl>
-                                          <p:spTgt spid="2"/>
-                                        </p:tgtEl>
-                                      </p:cBhvr>
-                                    </p:animEffect>
-                                  </p:childTnLst>
-                                </p:cTn>
-                              </p:par>
-                            </p:childTnLst>
-                          </p:cTn>
-                        </p:par>
-                      </p:childTnLst>
-                    </p:cTn>
-                  </p:par>
-                </p:childTnLst>
-              </p:cTn>
-              <p:prevCondLst>
-                <p:cond evt="onPrev" delay="0">
-                  <p:tgtEl>
-                    <p:sldTgt/>
-                  </p:tgtEl>
-                </p:cond>
-              </p:prevCondLst>
-              <p:nextCondLst>
-                <p:cond evt="onNext" delay="0">
-                  <p:tgtEl>
-                    <p:sldTgt/>
-                  </p:tgtEl>
-                </p:cond>
-              </p:nextCondLst>
-            </p:seq>
-          </p:childTnLst>
-        </p:cTn>
-      </p:par>
-    </p:tnLst>
-    <p:bldLst>
-      <p:bldP spid="9" grpId="0" animBg="1"/>
-      <p:bldP spid="10" grpId="0" animBg="1"/>
-      <p:bldP spid="14" grpId="0" animBg="1"/>
-      <p:bldP spid="16" grpId="0" animBg="1"/>
-      <p:bldP spid="2" grpId="0"/>
-      <p:bldP spid="3" grpId="0"/>
-      <p:bldP spid="4" grpId="0"/>
-      <p:bldP spid="5" grpId="0"/>
-      <p:bldP spid="12" grpId="0" animBg="1"/>
     </p:bldLst>
   </p:timing>
 </p:sld>
@@ -30275,17 +31215,7 @@
                   <a:latin typeface="微软雅黑 Light" panose="020B0502040204020203" pitchFamily="34" charset="-122"/>
                   <a:ea typeface="微软雅黑 Light" panose="020B0502040204020203" pitchFamily="34" charset="-122"/>
                 </a:rPr>
-                <a:t>写</a:t>
-              </a:r>
-              <a:r>
-                <a:rPr lang="zh-CN" altLang="en-US" sz="790" dirty="0" smtClean="0">
-                  <a:solidFill>
-                    <a:schemeClr val="bg1"/>
-                  </a:solidFill>
-                  <a:latin typeface="微软雅黑 Light" panose="020B0502040204020203" pitchFamily="34" charset="-122"/>
-                  <a:ea typeface="微软雅黑 Light" panose="020B0502040204020203" pitchFamily="34" charset="-122"/>
-                </a:rPr>
-                <a:t>错，从</a:t>
+                <a:t>写错，从</a:t>
               </a:r>
               <a:r>
                 <a:rPr lang="en-US" altLang="zh-CN" sz="790" dirty="0" smtClean="0">
@@ -41207,7 +42137,7 @@
           <a:graphicData uri="http://schemas.openxmlformats.org/presentationml/2006/ole">
             <mc:AlternateContent xmlns:mc="http://schemas.openxmlformats.org/markup-compatibility/2006">
               <mc:Choice xmlns:v="urn:schemas-microsoft-com:vml" Requires="v">
-                <p:oleObj spid="_x0000_s2070" name="文档" r:id="rId4" imgW="6269400" imgH="2575440" progId="Word.OpenDocumentText.12">
+                <p:oleObj spid="_x0000_s2082" name="文档" r:id="rId4" imgW="6269400" imgH="2575440" progId="Word.OpenDocumentText.12">
                   <p:embed/>
                 </p:oleObj>
               </mc:Choice>
@@ -41264,7 +42194,7 @@
           <a:graphicData uri="http://schemas.openxmlformats.org/presentationml/2006/ole">
             <mc:AlternateContent xmlns:mc="http://schemas.openxmlformats.org/markup-compatibility/2006">
               <mc:Choice xmlns:v="urn:schemas-microsoft-com:vml" Requires="v">
-                <p:oleObj spid="_x0000_s2071" name="文档" r:id="rId6" imgW="6870600" imgH="594360" progId="Word.OpenDocumentText.12">
+                <p:oleObj spid="_x0000_s2083" name="文档" r:id="rId6" imgW="6870600" imgH="594360" progId="Word.OpenDocumentText.12">
                   <p:embed/>
                 </p:oleObj>
               </mc:Choice>

--- a/ts-分享.pptx
+++ b/ts-分享.pptx
@@ -6,10 +6,10 @@
     <p:sldMasterId id="2147483669" r:id="rId2"/>
   </p:sldMasterIdLst>
   <p:notesMasterIdLst>
-    <p:notesMasterId r:id="rId24"/>
+    <p:notesMasterId r:id="rId25"/>
   </p:notesMasterIdLst>
   <p:handoutMasterIdLst>
-    <p:handoutMasterId r:id="rId25"/>
+    <p:handoutMasterId r:id="rId26"/>
   </p:handoutMasterIdLst>
   <p:sldIdLst>
     <p:sldId id="3331" r:id="rId3"/>
@@ -28,16 +28,17 @@
     <p:sldId id="1068" r:id="rId16"/>
     <p:sldId id="1067" r:id="rId17"/>
     <p:sldId id="1062" r:id="rId18"/>
-    <p:sldId id="3341" r:id="rId19"/>
-    <p:sldId id="3342" r:id="rId20"/>
-    <p:sldId id="3335" r:id="rId21"/>
-    <p:sldId id="1064" r:id="rId22"/>
-    <p:sldId id="3336" r:id="rId23"/>
+    <p:sldId id="3343" r:id="rId19"/>
+    <p:sldId id="3341" r:id="rId20"/>
+    <p:sldId id="3342" r:id="rId21"/>
+    <p:sldId id="3335" r:id="rId22"/>
+    <p:sldId id="1064" r:id="rId23"/>
+    <p:sldId id="3336" r:id="rId24"/>
   </p:sldIdLst>
   <p:sldSz cx="9144000" cy="5143500" type="screen16x9"/>
   <p:notesSz cx="6858000" cy="9144000"/>
   <p:custDataLst>
-    <p:tags r:id="rId26"/>
+    <p:tags r:id="rId27"/>
   </p:custDataLst>
   <p:defaultTextStyle>
     <a:defPPr>
@@ -235,7 +236,7 @@
           <a:p>
             <a:fld id="{0F9B84EA-7D68-4D60-9CB1-D50884785D1C}" type="datetimeFigureOut">
               <a:rPr lang="zh-CN" altLang="en-US" smtClean="0"/>
-              <a:t>2021/8/29</a:t>
+              <a:t>2021/9/1</a:t>
             </a:fld>
             <a:endParaRPr lang="zh-CN" altLang="en-US"/>
           </a:p>
@@ -400,7 +401,7 @@
           <a:p>
             <a:fld id="{AD4A3340-C542-46E3-BB6B-1E3F28D53E89}" type="datetimeFigureOut">
               <a:rPr lang="zh-CN" altLang="en-US" smtClean="0"/>
-              <a:t>2021/8/29</a:t>
+              <a:t>2021/9/1</a:t>
             </a:fld>
             <a:endParaRPr lang="zh-CN" altLang="en-US"/>
           </a:p>
@@ -1487,9 +1488,9 @@
       </p:grpSpPr>
       <p:sp>
         <p:nvSpPr>
-          <p:cNvPr id="2" name="幻灯片图像占位符 1"/>
+          <p:cNvPr id="41986" name="Rectangle 2"/>
           <p:cNvSpPr>
-            <a:spLocks noGrp="1" noRot="1" noChangeAspect="1"/>
+            <a:spLocks noGrp="1" noRot="1" noChangeAspect="1" noChangeArrowheads="1" noTextEdit="1"/>
           </p:cNvSpPr>
           <p:nvPr>
             <p:ph type="sldImg"/>
@@ -1497,16 +1498,16 @@
         </p:nvSpPr>
         <p:spPr>
           <a:xfrm>
-            <a:off x="685800" y="1143000"/>
-            <a:ext cx="5486400" cy="3086100"/>
+            <a:off x="381000" y="685800"/>
+            <a:ext cx="6096000" cy="3429000"/>
           </a:xfrm>
         </p:spPr>
       </p:sp>
       <p:sp>
         <p:nvSpPr>
-          <p:cNvPr id="3" name="备注占位符 2"/>
+          <p:cNvPr id="41987" name="Rectangle 3"/>
           <p:cNvSpPr>
-            <a:spLocks noGrp="1"/>
+            <a:spLocks noGrp="1" noChangeArrowheads="1"/>
           </p:cNvSpPr>
           <p:nvPr>
             <p:ph type="body" idx="1"/>
@@ -1521,33 +1522,10 @@
           </a:p>
         </p:txBody>
       </p:sp>
-      <p:sp>
-        <p:nvSpPr>
-          <p:cNvPr id="4" name="灯片编号占位符 3"/>
-          <p:cNvSpPr>
-            <a:spLocks noGrp="1"/>
-          </p:cNvSpPr>
-          <p:nvPr>
-            <p:ph type="sldNum" sz="quarter" idx="10"/>
-          </p:nvPr>
-        </p:nvSpPr>
-        <p:spPr/>
-        <p:txBody>
-          <a:bodyPr/>
-          <a:lstStyle/>
-          <a:p>
-            <a:fld id="{FE3C19EA-75F7-469A-9304-1B2BFF998463}" type="slidenum">
-              <a:rPr lang="zh-CN" altLang="en-US" smtClean="0"/>
-              <a:t>19</a:t>
-            </a:fld>
-            <a:endParaRPr lang="zh-CN" altLang="en-US"/>
-          </a:p>
-        </p:txBody>
-      </p:sp>
     </p:spTree>
     <p:extLst>
       <p:ext uri="{BB962C8B-B14F-4D97-AF65-F5344CB8AC3E}">
-        <p14:creationId xmlns:p14="http://schemas.microsoft.com/office/powerpoint/2010/main" val="3404493281"/>
+        <p14:creationId xmlns:p14="http://schemas.microsoft.com/office/powerpoint/2010/main" val="362114208"/>
       </p:ext>
     </p:extLst>
   </p:cSld>
@@ -1673,6 +1651,95 @@
             <p:ph type="sldImg"/>
           </p:nvPr>
         </p:nvSpPr>
+        <p:spPr>
+          <a:xfrm>
+            <a:off x="685800" y="1143000"/>
+            <a:ext cx="5486400" cy="3086100"/>
+          </a:xfrm>
+        </p:spPr>
+      </p:sp>
+      <p:sp>
+        <p:nvSpPr>
+          <p:cNvPr id="3" name="备注占位符 2"/>
+          <p:cNvSpPr>
+            <a:spLocks noGrp="1"/>
+          </p:cNvSpPr>
+          <p:nvPr>
+            <p:ph type="body" idx="1"/>
+          </p:nvPr>
+        </p:nvSpPr>
+        <p:spPr/>
+        <p:txBody>
+          <a:bodyPr/>
+          <a:lstStyle/>
+          <a:p>
+            <a:endParaRPr lang="zh-CN" altLang="en-US"/>
+          </a:p>
+        </p:txBody>
+      </p:sp>
+      <p:sp>
+        <p:nvSpPr>
+          <p:cNvPr id="4" name="灯片编号占位符 3"/>
+          <p:cNvSpPr>
+            <a:spLocks noGrp="1"/>
+          </p:cNvSpPr>
+          <p:nvPr>
+            <p:ph type="sldNum" sz="quarter" idx="10"/>
+          </p:nvPr>
+        </p:nvSpPr>
+        <p:spPr/>
+        <p:txBody>
+          <a:bodyPr/>
+          <a:lstStyle/>
+          <a:p>
+            <a:fld id="{FE3C19EA-75F7-469A-9304-1B2BFF998463}" type="slidenum">
+              <a:rPr lang="zh-CN" altLang="en-US" smtClean="0"/>
+              <a:t>20</a:t>
+            </a:fld>
+            <a:endParaRPr lang="zh-CN" altLang="en-US"/>
+          </a:p>
+        </p:txBody>
+      </p:sp>
+    </p:spTree>
+    <p:extLst>
+      <p:ext uri="{BB962C8B-B14F-4D97-AF65-F5344CB8AC3E}">
+        <p14:creationId xmlns:p14="http://schemas.microsoft.com/office/powerpoint/2010/main" val="3404493281"/>
+      </p:ext>
+    </p:extLst>
+  </p:cSld>
+  <p:clrMapOvr>
+    <a:masterClrMapping/>
+  </p:clrMapOvr>
+</p:notes>
+</file>
+
+<file path=ppt/notesSlides/notesSlide21.xml><?xml version="1.0" encoding="utf-8"?>
+<p:notes xmlns:a="http://schemas.openxmlformats.org/drawingml/2006/main" xmlns:r="http://schemas.openxmlformats.org/officeDocument/2006/relationships" xmlns:p="http://schemas.openxmlformats.org/presentationml/2006/main">
+  <p:cSld>
+    <p:spTree>
+      <p:nvGrpSpPr>
+        <p:cNvPr id="1" name=""/>
+        <p:cNvGrpSpPr/>
+        <p:nvPr/>
+      </p:nvGrpSpPr>
+      <p:grpSpPr>
+        <a:xfrm>
+          <a:off x="0" y="0"/>
+          <a:ext cx="0" cy="0"/>
+          <a:chOff x="0" y="0"/>
+          <a:chExt cx="0" cy="0"/>
+        </a:xfrm>
+      </p:grpSpPr>
+      <p:sp>
+        <p:nvSpPr>
+          <p:cNvPr id="2" name="幻灯片图像占位符 1"/>
+          <p:cNvSpPr>
+            <a:spLocks noGrp="1" noRot="1" noChangeAspect="1"/>
+          </p:cNvSpPr>
+          <p:nvPr>
+            <p:ph type="sldImg"/>
+          </p:nvPr>
+        </p:nvSpPr>
         <p:spPr/>
       </p:sp>
       <p:sp>
@@ -1711,7 +1778,7 @@
           <a:p>
             <a:fld id="{530FAB2B-D77A-4486-826C-4471D40F7AD3}" type="slidenum">
               <a:rPr lang="zh-CN" altLang="en-US" smtClean="0"/>
-              <a:t>20</a:t>
+              <a:t>21</a:t>
             </a:fld>
             <a:endParaRPr lang="zh-CN" altLang="en-US"/>
           </a:p>
@@ -1730,7 +1797,7 @@
 </p:notes>
 </file>
 
-<file path=ppt/notesSlides/notesSlide21.xml><?xml version="1.0" encoding="utf-8"?>
+<file path=ppt/notesSlides/notesSlide22.xml><?xml version="1.0" encoding="utf-8"?>
 <p:notes xmlns:a="http://schemas.openxmlformats.org/drawingml/2006/main" xmlns:r="http://schemas.openxmlformats.org/officeDocument/2006/relationships" xmlns:p="http://schemas.openxmlformats.org/presentationml/2006/main">
   <p:cSld>
     <p:spTree>
@@ -1800,7 +1867,7 @@
           <a:p>
             <a:fld id="{FE3C19EA-75F7-469A-9304-1B2BFF998463}" type="slidenum">
               <a:rPr lang="zh-CN" altLang="en-US" smtClean="0"/>
-              <a:t>21</a:t>
+              <a:t>22</a:t>
             </a:fld>
             <a:endParaRPr lang="zh-CN" altLang="en-US"/>
           </a:p>
@@ -2526,7 +2593,7 @@
             <a:fld id="{263DB197-84B0-484E-9C0F-88358ECCB797}" type="datetimeFigureOut">
               <a:rPr lang="zh-CN" altLang="en-US" smtClean="0"/>
               <a:pPr/>
-              <a:t>2021/8/29</a:t>
+              <a:t>2021/9/1</a:t>
             </a:fld>
             <a:endParaRPr lang="zh-CN" altLang="en-US" dirty="0"/>
           </a:p>
@@ -2687,7 +2754,7 @@
             <a:fld id="{263DB197-84B0-484E-9C0F-88358ECCB797}" type="datetimeFigureOut">
               <a:rPr lang="zh-CN" altLang="en-US" smtClean="0"/>
               <a:pPr/>
-              <a:t>2021/8/29</a:t>
+              <a:t>2021/9/1</a:t>
             </a:fld>
             <a:endParaRPr lang="zh-CN" altLang="en-US" dirty="0"/>
           </a:p>
@@ -2848,7 +2915,7 @@
             <a:fld id="{263DB197-84B0-484E-9C0F-88358ECCB797}" type="datetimeFigureOut">
               <a:rPr lang="zh-CN" altLang="en-US" smtClean="0"/>
               <a:pPr/>
-              <a:t>2021/8/29</a:t>
+              <a:t>2021/9/1</a:t>
             </a:fld>
             <a:endParaRPr lang="zh-CN" altLang="en-US" dirty="0"/>
           </a:p>
@@ -3009,7 +3076,7 @@
             <a:fld id="{263DB197-84B0-484E-9C0F-88358ECCB797}" type="datetimeFigureOut">
               <a:rPr lang="zh-CN" altLang="en-US" smtClean="0"/>
               <a:pPr/>
-              <a:t>2021/8/29</a:t>
+              <a:t>2021/9/1</a:t>
             </a:fld>
             <a:endParaRPr lang="zh-CN" altLang="en-US" dirty="0"/>
           </a:p>
@@ -3170,7 +3237,7 @@
             <a:fld id="{263DB197-84B0-484E-9C0F-88358ECCB797}" type="datetimeFigureOut">
               <a:rPr lang="zh-CN" altLang="en-US" smtClean="0"/>
               <a:pPr/>
-              <a:t>2021/8/29</a:t>
+              <a:t>2021/9/1</a:t>
             </a:fld>
             <a:endParaRPr lang="zh-CN" altLang="en-US" dirty="0"/>
           </a:p>
@@ -3331,7 +3398,7 @@
             <a:fld id="{263DB197-84B0-484E-9C0F-88358ECCB797}" type="datetimeFigureOut">
               <a:rPr lang="zh-CN" altLang="en-US" smtClean="0"/>
               <a:pPr/>
-              <a:t>2021/8/29</a:t>
+              <a:t>2021/9/1</a:t>
             </a:fld>
             <a:endParaRPr lang="zh-CN" altLang="en-US" dirty="0"/>
           </a:p>
@@ -3492,7 +3559,7 @@
             <a:fld id="{263DB197-84B0-484E-9C0F-88358ECCB797}" type="datetimeFigureOut">
               <a:rPr lang="zh-CN" altLang="en-US" smtClean="0"/>
               <a:pPr/>
-              <a:t>2021/8/29</a:t>
+              <a:t>2021/9/1</a:t>
             </a:fld>
             <a:endParaRPr lang="zh-CN" altLang="en-US" dirty="0"/>
           </a:p>
@@ -3653,7 +3720,7 @@
             <a:fld id="{263DB197-84B0-484E-9C0F-88358ECCB797}" type="datetimeFigureOut">
               <a:rPr lang="zh-CN" altLang="en-US" smtClean="0"/>
               <a:pPr/>
-              <a:t>2021/8/29</a:t>
+              <a:t>2021/9/1</a:t>
             </a:fld>
             <a:endParaRPr lang="zh-CN" altLang="en-US" dirty="0"/>
           </a:p>
@@ -3814,7 +3881,7 @@
             <a:fld id="{263DB197-84B0-484E-9C0F-88358ECCB797}" type="datetimeFigureOut">
               <a:rPr lang="zh-CN" altLang="en-US" smtClean="0"/>
               <a:pPr/>
-              <a:t>2021/8/29</a:t>
+              <a:t>2021/9/1</a:t>
             </a:fld>
             <a:endParaRPr lang="zh-CN" altLang="en-US" dirty="0"/>
           </a:p>
@@ -3975,7 +4042,7 @@
             <a:fld id="{263DB197-84B0-484E-9C0F-88358ECCB797}" type="datetimeFigureOut">
               <a:rPr lang="zh-CN" altLang="en-US" smtClean="0"/>
               <a:pPr/>
-              <a:t>2021/8/29</a:t>
+              <a:t>2021/9/1</a:t>
             </a:fld>
             <a:endParaRPr lang="zh-CN" altLang="en-US" dirty="0"/>
           </a:p>
@@ -4164,7 +4231,7 @@
             <a:fld id="{263DB197-84B0-484E-9C0F-88358ECCB797}" type="datetimeFigureOut">
               <a:rPr lang="zh-CN" altLang="en-US" smtClean="0"/>
               <a:pPr/>
-              <a:t>2021/8/29</a:t>
+              <a:t>2021/9/1</a:t>
             </a:fld>
             <a:endParaRPr lang="zh-CN" altLang="en-US" dirty="0"/>
           </a:p>
@@ -6220,7 +6287,7 @@
           <a:p>
             <a:fld id="{D7E32B8C-E81A-4559-905F-EA468C4AE0F6}" type="datetimeFigureOut">
               <a:rPr lang="zh-CN" altLang="en-US" smtClean="0"/>
-              <a:t>2021/8/29</a:t>
+              <a:t>2021/9/1</a:t>
             </a:fld>
             <a:endParaRPr lang="zh-CN" altLang="en-US"/>
           </a:p>
@@ -6390,7 +6457,7 @@
           <a:p>
             <a:fld id="{D7E32B8C-E81A-4559-905F-EA468C4AE0F6}" type="datetimeFigureOut">
               <a:rPr lang="zh-CN" altLang="en-US" smtClean="0"/>
-              <a:t>2021/8/29</a:t>
+              <a:t>2021/9/1</a:t>
             </a:fld>
             <a:endParaRPr lang="zh-CN" altLang="en-US"/>
           </a:p>
@@ -8560,7 +8627,7 @@
           <a:p>
             <a:fld id="{D7E32B8C-E81A-4559-905F-EA468C4AE0F6}" type="datetimeFigureOut">
               <a:rPr lang="zh-CN" altLang="en-US" smtClean="0"/>
-              <a:t>2021/8/29</a:t>
+              <a:t>2021/9/1</a:t>
             </a:fld>
             <a:endParaRPr lang="zh-CN" altLang="en-US"/>
           </a:p>
@@ -8787,7 +8854,7 @@
           <a:p>
             <a:fld id="{D7E32B8C-E81A-4559-905F-EA468C4AE0F6}" type="datetimeFigureOut">
               <a:rPr lang="zh-CN" altLang="en-US" smtClean="0"/>
-              <a:t>2021/8/29</a:t>
+              <a:t>2021/9/1</a:t>
             </a:fld>
             <a:endParaRPr lang="zh-CN" altLang="en-US"/>
           </a:p>
@@ -9149,7 +9216,7 @@
           <a:p>
             <a:fld id="{D7E32B8C-E81A-4559-905F-EA468C4AE0F6}" type="datetimeFigureOut">
               <a:rPr lang="zh-CN" altLang="en-US" smtClean="0"/>
-              <a:t>2021/8/29</a:t>
+              <a:t>2021/9/1</a:t>
             </a:fld>
             <a:endParaRPr lang="zh-CN" altLang="en-US"/>
           </a:p>
@@ -10949,7 +11016,7 @@
           <a:p>
             <a:fld id="{D7E32B8C-E81A-4559-905F-EA468C4AE0F6}" type="datetimeFigureOut">
               <a:rPr lang="zh-CN" altLang="en-US" smtClean="0"/>
-              <a:t>2021/8/29</a:t>
+              <a:t>2021/9/1</a:t>
             </a:fld>
             <a:endParaRPr lang="zh-CN" altLang="en-US"/>
           </a:p>
@@ -11285,7 +11352,7 @@
           <a:p>
             <a:fld id="{D7E32B8C-E81A-4559-905F-EA468C4AE0F6}" type="datetimeFigureOut">
               <a:rPr lang="zh-CN" altLang="en-US" smtClean="0"/>
-              <a:t>2021/8/29</a:t>
+              <a:t>2021/9/1</a:t>
             </a:fld>
             <a:endParaRPr lang="zh-CN" altLang="en-US"/>
           </a:p>
@@ -11539,7 +11606,7 @@
           <a:p>
             <a:fld id="{9EFD9D74-47D9-4702-A33C-335B63B48DBF}" type="datetimeFigureOut">
               <a:rPr lang="zh-CN" altLang="en-US" smtClean="0"/>
-              <a:t>2021/8/29</a:t>
+              <a:t>2021/9/1</a:t>
             </a:fld>
             <a:endParaRPr lang="zh-CN" altLang="en-US" dirty="0"/>
           </a:p>
@@ -11721,7 +11788,7 @@
           <a:p>
             <a:fld id="{D7E32B8C-E81A-4559-905F-EA468C4AE0F6}" type="datetimeFigureOut">
               <a:rPr lang="zh-CN" altLang="en-US" smtClean="0"/>
-              <a:t>2021/8/29</a:t>
+              <a:t>2021/9/1</a:t>
             </a:fld>
             <a:endParaRPr lang="zh-CN" altLang="en-US"/>
           </a:p>
@@ -11842,7 +11909,7 @@
           <a:p>
             <a:fld id="{760FBDFE-C587-4B4C-A407-44438C67B59E}" type="datetimeFigureOut">
               <a:rPr lang="zh-CN" altLang="en-US" smtClean="0"/>
-              <a:t>2021/8/29</a:t>
+              <a:t>2021/9/1</a:t>
             </a:fld>
             <a:endParaRPr lang="zh-CN" altLang="en-US"/>
           </a:p>
@@ -12092,7 +12159,7 @@
           <a:p>
             <a:fld id="{0DA2CC75-8280-4D50-8556-C2874ADEF926}" type="datetimeFigureOut">
               <a:rPr lang="zh-CN" altLang="en-US" smtClean="0"/>
-              <a:t>2021/8/29</a:t>
+              <a:t>2021/9/1</a:t>
             </a:fld>
             <a:endParaRPr lang="zh-CN" altLang="en-US"/>
           </a:p>
@@ -12416,7 +12483,7 @@
             <a:fld id="{263DB197-84B0-484E-9C0F-88358ECCB797}" type="datetimeFigureOut">
               <a:rPr lang="zh-CN" altLang="en-US" smtClean="0"/>
               <a:pPr/>
-              <a:t>2021/8/29</a:t>
+              <a:t>2021/9/1</a:t>
             </a:fld>
             <a:endParaRPr lang="zh-CN" altLang="en-US" dirty="0"/>
           </a:p>
@@ -12577,7 +12644,7 @@
             <a:fld id="{263DB197-84B0-484E-9C0F-88358ECCB797}" type="datetimeFigureOut">
               <a:rPr lang="zh-CN" altLang="en-US" smtClean="0"/>
               <a:pPr/>
-              <a:t>2021/8/29</a:t>
+              <a:t>2021/9/1</a:t>
             </a:fld>
             <a:endParaRPr lang="zh-CN" altLang="en-US" dirty="0"/>
           </a:p>
@@ -12738,7 +12805,7 @@
             <a:fld id="{263DB197-84B0-484E-9C0F-88358ECCB797}" type="datetimeFigureOut">
               <a:rPr lang="zh-CN" altLang="en-US" smtClean="0"/>
               <a:pPr/>
-              <a:t>2021/8/29</a:t>
+              <a:t>2021/9/1</a:t>
             </a:fld>
             <a:endParaRPr lang="zh-CN" altLang="en-US" dirty="0"/>
           </a:p>
@@ -12899,7 +12966,7 @@
             <a:fld id="{263DB197-84B0-484E-9C0F-88358ECCB797}" type="datetimeFigureOut">
               <a:rPr lang="zh-CN" altLang="en-US" smtClean="0"/>
               <a:pPr/>
-              <a:t>2021/8/29</a:t>
+              <a:t>2021/9/1</a:t>
             </a:fld>
             <a:endParaRPr lang="zh-CN" altLang="en-US" dirty="0"/>
           </a:p>
@@ -13060,7 +13127,7 @@
             <a:fld id="{263DB197-84B0-484E-9C0F-88358ECCB797}" type="datetimeFigureOut">
               <a:rPr lang="zh-CN" altLang="en-US" smtClean="0"/>
               <a:pPr/>
-              <a:t>2021/8/29</a:t>
+              <a:t>2021/9/1</a:t>
             </a:fld>
             <a:endParaRPr lang="zh-CN" altLang="en-US" dirty="0"/>
           </a:p>
@@ -13221,7 +13288,7 @@
             <a:fld id="{263DB197-84B0-484E-9C0F-88358ECCB797}" type="datetimeFigureOut">
               <a:rPr lang="zh-CN" altLang="en-US" smtClean="0"/>
               <a:pPr/>
-              <a:t>2021/8/29</a:t>
+              <a:t>2021/9/1</a:t>
             </a:fld>
             <a:endParaRPr lang="zh-CN" altLang="en-US" dirty="0"/>
           </a:p>
@@ -14114,7 +14181,7 @@
             <a:fld id="{D7E32B8C-E81A-4559-905F-EA468C4AE0F6}" type="datetimeFigureOut">
               <a:rPr lang="zh-CN" altLang="en-US" smtClean="0"/>
               <a:pPr/>
-              <a:t>2021/8/29</a:t>
+              <a:t>2021/9/1</a:t>
             </a:fld>
             <a:endParaRPr lang="zh-CN" altLang="en-US" dirty="0"/>
           </a:p>
@@ -14617,12 +14684,12 @@
           <a:lstStyle/>
           <a:p>
             <a:r>
-              <a:rPr lang="zh-CN" altLang="en-US" dirty="0" smtClean="0"/>
-              <a:t>你可能不知道的</a:t>
+              <a:rPr lang="en-US" altLang="zh-CN" dirty="0" smtClean="0"/>
+              <a:t>TS</a:t>
             </a:r>
             <a:r>
-              <a:rPr lang="en-US" altLang="zh-CN" dirty="0" smtClean="0"/>
-              <a:t>TS</a:t>
+              <a:rPr lang="zh-CN" altLang="en-US" dirty="0" smtClean="0"/>
+              <a:t>在项目中的实践</a:t>
             </a:r>
             <a:endParaRPr lang="en-US" altLang="zh-CN" dirty="0"/>
           </a:p>
@@ -15073,6 +15140,151 @@
                                   </p:childTnLst>
                                 </p:cTn>
                               </p:par>
+                              <p:par>
+                                <p:cTn id="19" presetID="41" presetClass="entr" presetSubtype="0" fill="hold" grpId="0" nodeType="withEffect">
+                                  <p:stCondLst>
+                                    <p:cond delay="0"/>
+                                  </p:stCondLst>
+                                  <p:iterate type="lt">
+                                    <p:tmPct val="10000"/>
+                                  </p:iterate>
+                                  <p:childTnLst>
+                                    <p:set>
+                                      <p:cBhvr>
+                                        <p:cTn id="20" dur="1" fill="hold">
+                                          <p:stCondLst>
+                                            <p:cond delay="0"/>
+                                          </p:stCondLst>
+                                        </p:cTn>
+                                        <p:tgtEl>
+                                          <p:spTgt spid="2"/>
+                                        </p:tgtEl>
+                                        <p:attrNameLst>
+                                          <p:attrName>style.visibility</p:attrName>
+                                        </p:attrNameLst>
+                                      </p:cBhvr>
+                                      <p:to>
+                                        <p:strVal val="visible"/>
+                                      </p:to>
+                                    </p:set>
+                                    <p:anim calcmode="lin" valueType="num">
+                                      <p:cBhvr>
+                                        <p:cTn id="21" dur="500" fill="hold"/>
+                                        <p:tgtEl>
+                                          <p:spTgt spid="2"/>
+                                        </p:tgtEl>
+                                        <p:attrNameLst>
+                                          <p:attrName>ppt_x</p:attrName>
+                                        </p:attrNameLst>
+                                      </p:cBhvr>
+                                      <p:tavLst>
+                                        <p:tav tm="0">
+                                          <p:val>
+                                            <p:strVal val="#ppt_x"/>
+                                          </p:val>
+                                        </p:tav>
+                                        <p:tav tm="50000">
+                                          <p:val>
+                                            <p:strVal val="#ppt_x+.1"/>
+                                          </p:val>
+                                        </p:tav>
+                                        <p:tav tm="100000">
+                                          <p:val>
+                                            <p:strVal val="#ppt_x"/>
+                                          </p:val>
+                                        </p:tav>
+                                      </p:tavLst>
+                                    </p:anim>
+                                    <p:anim calcmode="lin" valueType="num">
+                                      <p:cBhvr>
+                                        <p:cTn id="22" dur="500" fill="hold"/>
+                                        <p:tgtEl>
+                                          <p:spTgt spid="2"/>
+                                        </p:tgtEl>
+                                        <p:attrNameLst>
+                                          <p:attrName>ppt_y</p:attrName>
+                                        </p:attrNameLst>
+                                      </p:cBhvr>
+                                      <p:tavLst>
+                                        <p:tav tm="0">
+                                          <p:val>
+                                            <p:strVal val="#ppt_y"/>
+                                          </p:val>
+                                        </p:tav>
+                                        <p:tav tm="100000">
+                                          <p:val>
+                                            <p:strVal val="#ppt_y"/>
+                                          </p:val>
+                                        </p:tav>
+                                      </p:tavLst>
+                                    </p:anim>
+                                    <p:anim calcmode="lin" valueType="num">
+                                      <p:cBhvr>
+                                        <p:cTn id="23" dur="500" fill="hold"/>
+                                        <p:tgtEl>
+                                          <p:spTgt spid="2"/>
+                                        </p:tgtEl>
+                                        <p:attrNameLst>
+                                          <p:attrName>ppt_h</p:attrName>
+                                        </p:attrNameLst>
+                                      </p:cBhvr>
+                                      <p:tavLst>
+                                        <p:tav tm="0">
+                                          <p:val>
+                                            <p:strVal val="#ppt_h/10"/>
+                                          </p:val>
+                                        </p:tav>
+                                        <p:tav tm="50000">
+                                          <p:val>
+                                            <p:strVal val="#ppt_h+.01"/>
+                                          </p:val>
+                                        </p:tav>
+                                        <p:tav tm="100000">
+                                          <p:val>
+                                            <p:strVal val="#ppt_h"/>
+                                          </p:val>
+                                        </p:tav>
+                                      </p:tavLst>
+                                    </p:anim>
+                                    <p:anim calcmode="lin" valueType="num">
+                                      <p:cBhvr>
+                                        <p:cTn id="24" dur="500" fill="hold"/>
+                                        <p:tgtEl>
+                                          <p:spTgt spid="2"/>
+                                        </p:tgtEl>
+                                        <p:attrNameLst>
+                                          <p:attrName>ppt_w</p:attrName>
+                                        </p:attrNameLst>
+                                      </p:cBhvr>
+                                      <p:tavLst>
+                                        <p:tav tm="0">
+                                          <p:val>
+                                            <p:strVal val="#ppt_w/10"/>
+                                          </p:val>
+                                        </p:tav>
+                                        <p:tav tm="50000">
+                                          <p:val>
+                                            <p:strVal val="#ppt_w+.01"/>
+                                          </p:val>
+                                        </p:tav>
+                                        <p:tav tm="100000">
+                                          <p:val>
+                                            <p:strVal val="#ppt_w"/>
+                                          </p:val>
+                                        </p:tav>
+                                      </p:tavLst>
+                                    </p:anim>
+                                    <p:animEffect transition="in" filter="fade">
+                                      <p:cBhvr>
+                                        <p:cTn id="25" dur="500" tmFilter="0,0; .5, 1; 1, 1"/>
+                                        <p:tgtEl>
+                                          <p:spTgt spid="2"/>
+                                        </p:tgtEl>
+                                      </p:cBhvr>
+                                    </p:animEffect>
+                                  </p:childTnLst>
+                                </p:cTn>
+                              </p:par>
                             </p:childTnLst>
                           </p:cTn>
                         </p:par>
@@ -15103,6 +15315,7 @@
     <p:bldLst>
       <p:bldP spid="7" grpId="0"/>
       <p:bldP spid="8" grpId="0" build="p"/>
+      <p:bldP spid="2" grpId="0"/>
     </p:bldLst>
   </p:timing>
 </p:sld>
@@ -15276,7 +15489,7 @@
           <a:graphicData uri="http://schemas.openxmlformats.org/presentationml/2006/ole">
             <mc:AlternateContent xmlns:mc="http://schemas.openxmlformats.org/markup-compatibility/2006">
               <mc:Choice xmlns:v="urn:schemas-microsoft-com:vml" Requires="v">
-                <p:oleObj spid="_x0000_s1046" name="文档" r:id="rId4" imgW="6171480" imgH="4892760" progId="Word.OpenDocumentText.12">
+                <p:oleObj spid="_x0000_s1055" name="文档" r:id="rId4" imgW="6171480" imgH="4892760" progId="Word.OpenDocumentText.12">
                   <p:embed/>
                 </p:oleObj>
               </mc:Choice>
@@ -15597,7 +15810,7 @@
             </a:r>
             <a:r>
               <a:rPr lang="zh-CN" altLang="en-US" sz="1050" dirty="0" smtClean="0">
-                <a:hlinkClick r:id="rId3"/>
+                <a:hlinkClick r:id="rId4"/>
               </a:rPr>
               <a:t>协变与逆变</a:t>
             </a:r>
@@ -15744,7 +15957,7 @@
         <p:spPr>
           <a:xfrm>
             <a:off x="719697" y="2568742"/>
-            <a:ext cx="2781531" cy="300082"/>
+            <a:ext cx="5378395" cy="300082"/>
           </a:xfrm>
           <a:prstGeom prst="rect">
             <a:avLst/>
@@ -15759,12 +15972,105 @@
           <a:p>
             <a:r>
               <a:rPr lang="zh-CN" altLang="en-US" dirty="0" smtClean="0"/>
-              <a:t>里氏替换原则：子类能替换父类。</a:t>
+              <a:t>里氏替换原则：子类能替换父类</a:t>
+            </a:r>
+            <a:r>
+              <a:rPr lang="zh-CN" altLang="en-US" dirty="0" smtClean="0"/>
+              <a:t>。所以能够赋值给对方的就是子类。</a:t>
             </a:r>
             <a:endParaRPr lang="zh-CN" altLang="en-US" dirty="0"/>
           </a:p>
         </p:txBody>
       </p:sp>
+      <p:graphicFrame>
+        <p:nvGraphicFramePr>
+          <p:cNvPr id="2" name="对象 1"/>
+          <p:cNvGraphicFramePr>
+            <a:graphicFrameLocks noChangeAspect="1"/>
+          </p:cNvGraphicFramePr>
+          <p:nvPr>
+            <p:extLst>
+              <p:ext uri="{D42A27DB-BD31-4B8C-83A1-F6EECF244321}">
+                <p14:modId xmlns:p14="http://schemas.microsoft.com/office/powerpoint/2010/main" val="1690733595"/>
+              </p:ext>
+            </p:extLst>
+          </p:nvPr>
+        </p:nvGraphicFramePr>
+        <p:xfrm>
+          <a:off x="1427157" y="3295817"/>
+          <a:ext cx="3902075" cy="912813"/>
+        </p:xfrm>
+        <a:graphic>
+          <a:graphicData uri="http://schemas.openxmlformats.org/presentationml/2006/ole">
+            <mc:AlternateContent xmlns:mc="http://schemas.openxmlformats.org/markup-compatibility/2006">
+              <mc:Choice xmlns:v="urn:schemas-microsoft-com:vml" Requires="v">
+                <p:oleObj spid="_x0000_s9226" name="文档" r:id="rId5" imgW="6093360" imgH="1572840" progId="Word.OpenDocumentText.12">
+                  <p:embed/>
+                </p:oleObj>
+              </mc:Choice>
+              <mc:Fallback>
+                <p:oleObj name="文档" r:id="rId5" imgW="6093360" imgH="1572840" progId="Word.OpenDocumentText.12">
+                  <p:embed/>
+                  <p:pic>
+                    <p:nvPicPr>
+                      <p:cNvPr id="0" name="对象 14"/>
+                      <p:cNvPicPr>
+                        <a:picLocks noChangeAspect="1" noChangeArrowheads="1"/>
+                      </p:cNvPicPr>
+                      <p:nvPr/>
+                    </p:nvPicPr>
+                    <p:blipFill>
+                      <a:blip r:embed="rId6">
+                        <a:extLst>
+                          <a:ext uri="{28A0092B-C50C-407E-A947-70E740481C1C}">
+                            <a14:useLocalDpi xmlns:a14="http://schemas.microsoft.com/office/drawing/2010/main" val="0"/>
+                          </a:ext>
+                        </a:extLst>
+                      </a:blip>
+                      <a:srcRect/>
+                      <a:stretch>
+                        <a:fillRect/>
+                      </a:stretch>
+                    </p:blipFill>
+                    <p:spPr bwMode="auto">
+                      <a:xfrm>
+                        <a:off x="1427157" y="3295817"/>
+                        <a:ext cx="3902075" cy="912813"/>
+                      </a:xfrm>
+                      <a:prstGeom prst="rect">
+                        <a:avLst/>
+                      </a:prstGeom>
+                      <a:noFill/>
+                      <a:ln>
+                        <a:noFill/>
+                      </a:ln>
+                      <a:extLst>
+                        <a:ext uri="{909E8E84-426E-40DD-AFC4-6F175D3DCCD1}">
+                          <a14:hiddenFill xmlns:a14="http://schemas.microsoft.com/office/drawing/2010/main">
+                            <a:solidFill>
+                              <a:srgbClr val="FFFFFF"/>
+                            </a:solidFill>
+                          </a14:hiddenFill>
+                        </a:ext>
+                        <a:ext uri="{91240B29-F687-4F45-9708-019B960494DF}">
+                          <a14:hiddenLine xmlns:a14="http://schemas.microsoft.com/office/drawing/2010/main" w="9525">
+                            <a:solidFill>
+                              <a:srgbClr val="000000"/>
+                            </a:solidFill>
+                            <a:miter lim="800000"/>
+                            <a:headEnd/>
+                            <a:tailEnd/>
+                          </a14:hiddenLine>
+                        </a:ext>
+                      </a:extLst>
+                    </p:spPr>
+                  </p:pic>
+                </p:oleObj>
+              </mc:Fallback>
+            </mc:AlternateContent>
+          </a:graphicData>
+        </a:graphic>
+      </p:graphicFrame>
     </p:spTree>
   </p:cSld>
   <p:clrMapOvr>
@@ -15776,7 +16082,121 @@
   <p:timing>
     <p:tnLst>
       <p:par>
-        <p:cTn id="1" dur="indefinite" restart="never" nodeType="tmRoot"/>
+        <p:cTn id="1" dur="indefinite" restart="never" nodeType="tmRoot">
+          <p:childTnLst>
+            <p:seq concurrent="1" nextAc="seek">
+              <p:cTn id="2" dur="indefinite" nodeType="mainSeq">
+                <p:childTnLst>
+                  <p:par>
+                    <p:cTn id="3" fill="hold">
+                      <p:stCondLst>
+                        <p:cond delay="indefinite"/>
+                      </p:stCondLst>
+                      <p:childTnLst>
+                        <p:par>
+                          <p:cTn id="4" fill="hold">
+                            <p:stCondLst>
+                              <p:cond delay="0"/>
+                            </p:stCondLst>
+                            <p:childTnLst>
+                              <p:par>
+                                <p:cTn id="5" presetID="2" presetClass="entr" presetSubtype="4" fill="hold" nodeType="clickEffect">
+                                  <p:stCondLst>
+                                    <p:cond delay="0"/>
+                                  </p:stCondLst>
+                                  <p:childTnLst>
+                                    <p:set>
+                                      <p:cBhvr>
+                                        <p:cTn id="6" dur="1" fill="hold">
+                                          <p:stCondLst>
+                                            <p:cond delay="0"/>
+                                          </p:stCondLst>
+                                        </p:cTn>
+                                        <p:tgtEl>
+                                          <p:spTgt spid="2"/>
+                                        </p:tgtEl>
+                                        <p:attrNameLst>
+                                          <p:attrName>style.visibility</p:attrName>
+                                        </p:attrNameLst>
+                                      </p:cBhvr>
+                                      <p:to>
+                                        <p:strVal val="visible"/>
+                                      </p:to>
+                                    </p:set>
+                                    <p:anim calcmode="lin" valueType="num">
+                                      <p:cBhvr additive="base">
+                                        <p:cTn id="7" dur="500" fill="hold"/>
+                                        <p:tgtEl>
+                                          <p:spTgt spid="2"/>
+                                        </p:tgtEl>
+                                        <p:attrNameLst>
+                                          <p:attrName>ppt_x</p:attrName>
+                                        </p:attrNameLst>
+                                      </p:cBhvr>
+                                      <p:tavLst>
+                                        <p:tav tm="0">
+                                          <p:val>
+                                            <p:strVal val="#ppt_x"/>
+                                          </p:val>
+                                        </p:tav>
+                                        <p:tav tm="100000">
+                                          <p:val>
+                                            <p:strVal val="#ppt_x"/>
+                                          </p:val>
+                                        </p:tav>
+                                      </p:tavLst>
+                                    </p:anim>
+                                    <p:anim calcmode="lin" valueType="num">
+                                      <p:cBhvr additive="base">
+                                        <p:cTn id="8" dur="500" fill="hold"/>
+                                        <p:tgtEl>
+                                          <p:spTgt spid="2"/>
+                                        </p:tgtEl>
+                                        <p:attrNameLst>
+                                          <p:attrName>ppt_y</p:attrName>
+                                        </p:attrNameLst>
+                                      </p:cBhvr>
+                                      <p:tavLst>
+                                        <p:tav tm="0">
+                                          <p:val>
+                                            <p:strVal val="1+#ppt_h/2"/>
+                                          </p:val>
+                                        </p:tav>
+                                        <p:tav tm="100000">
+                                          <p:val>
+                                            <p:strVal val="#ppt_y"/>
+                                          </p:val>
+                                        </p:tav>
+                                      </p:tavLst>
+                                    </p:anim>
+                                  </p:childTnLst>
+                                </p:cTn>
+                              </p:par>
+                            </p:childTnLst>
+                          </p:cTn>
+                        </p:par>
+                      </p:childTnLst>
+                    </p:cTn>
+                  </p:par>
+                </p:childTnLst>
+              </p:cTn>
+              <p:prevCondLst>
+                <p:cond evt="onPrev" delay="0">
+                  <p:tgtEl>
+                    <p:sldTgt/>
+                  </p:tgtEl>
+                </p:cond>
+              </p:prevCondLst>
+              <p:nextCondLst>
+                <p:cond evt="onNext" delay="0">
+                  <p:tgtEl>
+                    <p:sldTgt/>
+                  </p:tgtEl>
+                </p:cond>
+              </p:nextCondLst>
+            </p:seq>
+          </p:childTnLst>
+        </p:cTn>
       </p:par>
     </p:tnLst>
   </p:timing>
@@ -16283,7 +16703,7 @@
           <a:graphicData uri="http://schemas.openxmlformats.org/presentationml/2006/ole">
             <mc:AlternateContent xmlns:mc="http://schemas.openxmlformats.org/markup-compatibility/2006">
               <mc:Choice xmlns:v="urn:schemas-microsoft-com:vml" Requires="v">
-                <p:oleObj spid="_x0000_s3091" name="文档" r:id="rId4" imgW="6093360" imgH="2258640" progId="Word.OpenDocumentText.12">
+                <p:oleObj spid="_x0000_s3102" name="文档" r:id="rId4" imgW="6093360" imgH="2258640" progId="Word.OpenDocumentText.12">
                   <p:embed/>
                 </p:oleObj>
               </mc:Choice>
@@ -16326,7 +16746,7 @@
         </p:nvSpPr>
         <p:spPr>
           <a:xfrm>
-            <a:off x="3472483" y="1288633"/>
+            <a:off x="3713123" y="1288633"/>
             <a:ext cx="4763134" cy="600164"/>
           </a:xfrm>
           <a:prstGeom prst="rect">
@@ -16404,7 +16824,7 @@
         </p:nvSpPr>
         <p:spPr>
           <a:xfrm>
-            <a:off x="3472483" y="2158757"/>
+            <a:off x="3713123" y="2158757"/>
             <a:ext cx="4763133" cy="300082"/>
           </a:xfrm>
           <a:prstGeom prst="rect">
@@ -17315,7 +17735,7 @@
         </p:nvSpPr>
         <p:spPr>
           <a:xfrm>
-            <a:off x="3472483" y="987385"/>
+            <a:off x="3713123" y="987385"/>
             <a:ext cx="4763133" cy="300082"/>
           </a:xfrm>
           <a:prstGeom prst="rect">
@@ -17349,7 +17769,7 @@
         </p:nvSpPr>
         <p:spPr>
           <a:xfrm>
-            <a:off x="3494795" y="2458840"/>
+            <a:off x="3735435" y="2458840"/>
             <a:ext cx="4718508" cy="600164"/>
           </a:xfrm>
           <a:prstGeom prst="rect">
@@ -17482,7 +17902,7 @@
                             </p:stCondLst>
                             <p:childTnLst>
                               <p:par>
-                                <p:cTn id="5" presetID="53" presetClass="entr" presetSubtype="16" fill="hold" nodeType="afterEffect">
+                                <p:cTn id="5" presetID="53" presetClass="entr" presetSubtype="16" fill="hold" grpId="0" nodeType="withEffect">
                                   <p:stCondLst>
                                     <p:cond delay="0"/>
                                   </p:stCondLst>
@@ -17490,6 +17910,168 @@
                                     <p:set>
                                       <p:cBhvr>
                                         <p:cTn id="6" dur="1" fill="hold">
+                                          <p:stCondLst>
+                                            <p:cond delay="0"/>
+                                          </p:stCondLst>
+                                        </p:cTn>
+                                        <p:tgtEl>
+                                          <p:spTgt spid="81"/>
+                                        </p:tgtEl>
+                                        <p:attrNameLst>
+                                          <p:attrName>style.visibility</p:attrName>
+                                        </p:attrNameLst>
+                                      </p:cBhvr>
+                                      <p:to>
+                                        <p:strVal val="visible"/>
+                                      </p:to>
+                                    </p:set>
+                                    <p:anim calcmode="lin" valueType="num">
+                                      <p:cBhvr>
+                                        <p:cTn id="7" dur="500" fill="hold"/>
+                                        <p:tgtEl>
+                                          <p:spTgt spid="81"/>
+                                        </p:tgtEl>
+                                        <p:attrNameLst>
+                                          <p:attrName>ppt_w</p:attrName>
+                                        </p:attrNameLst>
+                                      </p:cBhvr>
+                                      <p:tavLst>
+                                        <p:tav tm="0">
+                                          <p:val>
+                                            <p:fltVal val="0"/>
+                                          </p:val>
+                                        </p:tav>
+                                        <p:tav tm="100000">
+                                          <p:val>
+                                            <p:strVal val="#ppt_w"/>
+                                          </p:val>
+                                        </p:tav>
+                                      </p:tavLst>
+                                    </p:anim>
+                                    <p:anim calcmode="lin" valueType="num">
+                                      <p:cBhvr>
+                                        <p:cTn id="8" dur="500" fill="hold"/>
+                                        <p:tgtEl>
+                                          <p:spTgt spid="81"/>
+                                        </p:tgtEl>
+                                        <p:attrNameLst>
+                                          <p:attrName>ppt_h</p:attrName>
+                                        </p:attrNameLst>
+                                      </p:cBhvr>
+                                      <p:tavLst>
+                                        <p:tav tm="0">
+                                          <p:val>
+                                            <p:fltVal val="0"/>
+                                          </p:val>
+                                        </p:tav>
+                                        <p:tav tm="100000">
+                                          <p:val>
+                                            <p:strVal val="#ppt_h"/>
+                                          </p:val>
+                                        </p:tav>
+                                      </p:tavLst>
+                                    </p:anim>
+                                    <p:animEffect transition="in" filter="fade">
+                                      <p:cBhvr>
+                                        <p:cTn id="9" dur="500"/>
+                                        <p:tgtEl>
+                                          <p:spTgt spid="81"/>
+                                        </p:tgtEl>
+                                      </p:cBhvr>
+                                    </p:animEffect>
+                                  </p:childTnLst>
+                                </p:cTn>
+                              </p:par>
+                              <p:par>
+                                <p:cTn id="10" presetID="53" presetClass="entr" presetSubtype="16" fill="hold" grpId="0" nodeType="withEffect">
+                                  <p:stCondLst>
+                                    <p:cond delay="0"/>
+                                  </p:stCondLst>
+                                  <p:childTnLst>
+                                    <p:set>
+                                      <p:cBhvr>
+                                        <p:cTn id="11" dur="1" fill="hold">
+                                          <p:stCondLst>
+                                            <p:cond delay="0"/>
+                                          </p:stCondLst>
+                                        </p:cTn>
+                                        <p:tgtEl>
+                                          <p:spTgt spid="16"/>
+                                        </p:tgtEl>
+                                        <p:attrNameLst>
+                                          <p:attrName>style.visibility</p:attrName>
+                                        </p:attrNameLst>
+                                      </p:cBhvr>
+                                      <p:to>
+                                        <p:strVal val="visible"/>
+                                      </p:to>
+                                    </p:set>
+                                    <p:anim calcmode="lin" valueType="num">
+                                      <p:cBhvr>
+                                        <p:cTn id="12" dur="500" fill="hold"/>
+                                        <p:tgtEl>
+                                          <p:spTgt spid="16"/>
+                                        </p:tgtEl>
+                                        <p:attrNameLst>
+                                          <p:attrName>ppt_w</p:attrName>
+                                        </p:attrNameLst>
+                                      </p:cBhvr>
+                                      <p:tavLst>
+                                        <p:tav tm="0">
+                                          <p:val>
+                                            <p:fltVal val="0"/>
+                                          </p:val>
+                                        </p:tav>
+                                        <p:tav tm="100000">
+                                          <p:val>
+                                            <p:strVal val="#ppt_w"/>
+                                          </p:val>
+                                        </p:tav>
+                                      </p:tavLst>
+                                    </p:anim>
+                                    <p:anim calcmode="lin" valueType="num">
+                                      <p:cBhvr>
+                                        <p:cTn id="13" dur="500" fill="hold"/>
+                                        <p:tgtEl>
+                                          <p:spTgt spid="16"/>
+                                        </p:tgtEl>
+                                        <p:attrNameLst>
+                                          <p:attrName>ppt_h</p:attrName>
+                                        </p:attrNameLst>
+                                      </p:cBhvr>
+                                      <p:tavLst>
+                                        <p:tav tm="0">
+                                          <p:val>
+                                            <p:fltVal val="0"/>
+                                          </p:val>
+                                        </p:tav>
+                                        <p:tav tm="100000">
+                                          <p:val>
+                                            <p:strVal val="#ppt_h"/>
+                                          </p:val>
+                                        </p:tav>
+                                      </p:tavLst>
+                                    </p:anim>
+                                    <p:animEffect transition="in" filter="fade">
+                                      <p:cBhvr>
+                                        <p:cTn id="14" dur="500"/>
+                                        <p:tgtEl>
+                                          <p:spTgt spid="16"/>
+                                        </p:tgtEl>
+                                      </p:cBhvr>
+                                    </p:animEffect>
+                                  </p:childTnLst>
+                                </p:cTn>
+                              </p:par>
+                              <p:par>
+                                <p:cTn id="15" presetID="53" presetClass="entr" presetSubtype="16" fill="hold" nodeType="withEffect">
+                                  <p:stCondLst>
+                                    <p:cond delay="0"/>
+                                  </p:stCondLst>
+                                  <p:childTnLst>
+                                    <p:set>
+                                      <p:cBhvr>
+                                        <p:cTn id="16" dur="1" fill="hold">
                                           <p:stCondLst>
                                             <p:cond delay="0"/>
                                           </p:stCondLst>
@@ -17507,7 +18089,7 @@
                                     </p:set>
                                     <p:anim calcmode="lin" valueType="num">
                                       <p:cBhvr>
-                                        <p:cTn id="7" dur="500" fill="hold"/>
+                                        <p:cTn id="17" dur="500" fill="hold"/>
                                         <p:tgtEl>
                                           <p:spTgt spid="64"/>
                                         </p:tgtEl>
@@ -17530,7 +18112,7 @@
                                     </p:anim>
                                     <p:anim calcmode="lin" valueType="num">
                                       <p:cBhvr>
-                                        <p:cTn id="8" dur="500" fill="hold"/>
+                                        <p:cTn id="18" dur="500" fill="hold"/>
                                         <p:tgtEl>
                                           <p:spTgt spid="64"/>
                                         </p:tgtEl>
@@ -17553,9 +18135,594 @@
                                     </p:anim>
                                     <p:animEffect transition="in" filter="fade">
                                       <p:cBhvr>
-                                        <p:cTn id="9" dur="500"/>
+                                        <p:cTn id="19" dur="500"/>
                                         <p:tgtEl>
                                           <p:spTgt spid="64"/>
+                                        </p:tgtEl>
+                                      </p:cBhvr>
+                                    </p:animEffect>
+                                  </p:childTnLst>
+                                </p:cTn>
+                              </p:par>
+                              <p:par>
+                                <p:cTn id="20" presetID="53" presetClass="entr" presetSubtype="16" fill="hold" grpId="0" nodeType="withEffect">
+                                  <p:stCondLst>
+                                    <p:cond delay="0"/>
+                                  </p:stCondLst>
+                                  <p:childTnLst>
+                                    <p:set>
+                                      <p:cBhvr>
+                                        <p:cTn id="21" dur="1" fill="hold">
+                                          <p:stCondLst>
+                                            <p:cond delay="0"/>
+                                          </p:stCondLst>
+                                        </p:cTn>
+                                        <p:tgtEl>
+                                          <p:spTgt spid="13"/>
+                                        </p:tgtEl>
+                                        <p:attrNameLst>
+                                          <p:attrName>style.visibility</p:attrName>
+                                        </p:attrNameLst>
+                                      </p:cBhvr>
+                                      <p:to>
+                                        <p:strVal val="visible"/>
+                                      </p:to>
+                                    </p:set>
+                                    <p:anim calcmode="lin" valueType="num">
+                                      <p:cBhvr>
+                                        <p:cTn id="22" dur="500" fill="hold"/>
+                                        <p:tgtEl>
+                                          <p:spTgt spid="13"/>
+                                        </p:tgtEl>
+                                        <p:attrNameLst>
+                                          <p:attrName>ppt_w</p:attrName>
+                                        </p:attrNameLst>
+                                      </p:cBhvr>
+                                      <p:tavLst>
+                                        <p:tav tm="0">
+                                          <p:val>
+                                            <p:fltVal val="0"/>
+                                          </p:val>
+                                        </p:tav>
+                                        <p:tav tm="100000">
+                                          <p:val>
+                                            <p:strVal val="#ppt_w"/>
+                                          </p:val>
+                                        </p:tav>
+                                      </p:tavLst>
+                                    </p:anim>
+                                    <p:anim calcmode="lin" valueType="num">
+                                      <p:cBhvr>
+                                        <p:cTn id="23" dur="500" fill="hold"/>
+                                        <p:tgtEl>
+                                          <p:spTgt spid="13"/>
+                                        </p:tgtEl>
+                                        <p:attrNameLst>
+                                          <p:attrName>ppt_h</p:attrName>
+                                        </p:attrNameLst>
+                                      </p:cBhvr>
+                                      <p:tavLst>
+                                        <p:tav tm="0">
+                                          <p:val>
+                                            <p:fltVal val="0"/>
+                                          </p:val>
+                                        </p:tav>
+                                        <p:tav tm="100000">
+                                          <p:val>
+                                            <p:strVal val="#ppt_h"/>
+                                          </p:val>
+                                        </p:tav>
+                                      </p:tavLst>
+                                    </p:anim>
+                                    <p:animEffect transition="in" filter="fade">
+                                      <p:cBhvr>
+                                        <p:cTn id="24" dur="500"/>
+                                        <p:tgtEl>
+                                          <p:spTgt spid="13"/>
+                                        </p:tgtEl>
+                                      </p:cBhvr>
+                                    </p:animEffect>
+                                  </p:childTnLst>
+                                </p:cTn>
+                              </p:par>
+                              <p:par>
+                                <p:cTn id="25" presetID="53" presetClass="entr" presetSubtype="16" fill="hold" grpId="0" nodeType="withEffect">
+                                  <p:stCondLst>
+                                    <p:cond delay="0"/>
+                                  </p:stCondLst>
+                                  <p:childTnLst>
+                                    <p:set>
+                                      <p:cBhvr>
+                                        <p:cTn id="26" dur="1" fill="hold">
+                                          <p:stCondLst>
+                                            <p:cond delay="0"/>
+                                          </p:stCondLst>
+                                        </p:cTn>
+                                        <p:tgtEl>
+                                          <p:spTgt spid="15"/>
+                                        </p:tgtEl>
+                                        <p:attrNameLst>
+                                          <p:attrName>style.visibility</p:attrName>
+                                        </p:attrNameLst>
+                                      </p:cBhvr>
+                                      <p:to>
+                                        <p:strVal val="visible"/>
+                                      </p:to>
+                                    </p:set>
+                                    <p:anim calcmode="lin" valueType="num">
+                                      <p:cBhvr>
+                                        <p:cTn id="27" dur="500" fill="hold"/>
+                                        <p:tgtEl>
+                                          <p:spTgt spid="15"/>
+                                        </p:tgtEl>
+                                        <p:attrNameLst>
+                                          <p:attrName>ppt_w</p:attrName>
+                                        </p:attrNameLst>
+                                      </p:cBhvr>
+                                      <p:tavLst>
+                                        <p:tav tm="0">
+                                          <p:val>
+                                            <p:fltVal val="0"/>
+                                          </p:val>
+                                        </p:tav>
+                                        <p:tav tm="100000">
+                                          <p:val>
+                                            <p:strVal val="#ppt_w"/>
+                                          </p:val>
+                                        </p:tav>
+                                      </p:tavLst>
+                                    </p:anim>
+                                    <p:anim calcmode="lin" valueType="num">
+                                      <p:cBhvr>
+                                        <p:cTn id="28" dur="500" fill="hold"/>
+                                        <p:tgtEl>
+                                          <p:spTgt spid="15"/>
+                                        </p:tgtEl>
+                                        <p:attrNameLst>
+                                          <p:attrName>ppt_h</p:attrName>
+                                        </p:attrNameLst>
+                                      </p:cBhvr>
+                                      <p:tavLst>
+                                        <p:tav tm="0">
+                                          <p:val>
+                                            <p:fltVal val="0"/>
+                                          </p:val>
+                                        </p:tav>
+                                        <p:tav tm="100000">
+                                          <p:val>
+                                            <p:strVal val="#ppt_h"/>
+                                          </p:val>
+                                        </p:tav>
+                                      </p:tavLst>
+                                    </p:anim>
+                                    <p:animEffect transition="in" filter="fade">
+                                      <p:cBhvr>
+                                        <p:cTn id="29" dur="500"/>
+                                        <p:tgtEl>
+                                          <p:spTgt spid="15"/>
+                                        </p:tgtEl>
+                                      </p:cBhvr>
+                                    </p:animEffect>
+                                  </p:childTnLst>
+                                </p:cTn>
+                              </p:par>
+                              <p:par>
+                                <p:cTn id="30" presetID="53" presetClass="entr" presetSubtype="16" fill="hold" grpId="0" nodeType="withEffect">
+                                  <p:stCondLst>
+                                    <p:cond delay="0"/>
+                                  </p:stCondLst>
+                                  <p:childTnLst>
+                                    <p:set>
+                                      <p:cBhvr>
+                                        <p:cTn id="31" dur="1" fill="hold">
+                                          <p:stCondLst>
+                                            <p:cond delay="0"/>
+                                          </p:stCondLst>
+                                        </p:cTn>
+                                        <p:tgtEl>
+                                          <p:spTgt spid="5"/>
+                                        </p:tgtEl>
+                                        <p:attrNameLst>
+                                          <p:attrName>style.visibility</p:attrName>
+                                        </p:attrNameLst>
+                                      </p:cBhvr>
+                                      <p:to>
+                                        <p:strVal val="visible"/>
+                                      </p:to>
+                                    </p:set>
+                                    <p:anim calcmode="lin" valueType="num">
+                                      <p:cBhvr>
+                                        <p:cTn id="32" dur="500" fill="hold"/>
+                                        <p:tgtEl>
+                                          <p:spTgt spid="5"/>
+                                        </p:tgtEl>
+                                        <p:attrNameLst>
+                                          <p:attrName>ppt_w</p:attrName>
+                                        </p:attrNameLst>
+                                      </p:cBhvr>
+                                      <p:tavLst>
+                                        <p:tav tm="0">
+                                          <p:val>
+                                            <p:fltVal val="0"/>
+                                          </p:val>
+                                        </p:tav>
+                                        <p:tav tm="100000">
+                                          <p:val>
+                                            <p:strVal val="#ppt_w"/>
+                                          </p:val>
+                                        </p:tav>
+                                      </p:tavLst>
+                                    </p:anim>
+                                    <p:anim calcmode="lin" valueType="num">
+                                      <p:cBhvr>
+                                        <p:cTn id="33" dur="500" fill="hold"/>
+                                        <p:tgtEl>
+                                          <p:spTgt spid="5"/>
+                                        </p:tgtEl>
+                                        <p:attrNameLst>
+                                          <p:attrName>ppt_h</p:attrName>
+                                        </p:attrNameLst>
+                                      </p:cBhvr>
+                                      <p:tavLst>
+                                        <p:tav tm="0">
+                                          <p:val>
+                                            <p:fltVal val="0"/>
+                                          </p:val>
+                                        </p:tav>
+                                        <p:tav tm="100000">
+                                          <p:val>
+                                            <p:strVal val="#ppt_h"/>
+                                          </p:val>
+                                        </p:tav>
+                                      </p:tavLst>
+                                    </p:anim>
+                                    <p:animEffect transition="in" filter="fade">
+                                      <p:cBhvr>
+                                        <p:cTn id="34" dur="500"/>
+                                        <p:tgtEl>
+                                          <p:spTgt spid="5"/>
+                                        </p:tgtEl>
+                                      </p:cBhvr>
+                                    </p:animEffect>
+                                  </p:childTnLst>
+                                </p:cTn>
+                              </p:par>
+                              <p:par>
+                                <p:cTn id="35" presetID="53" presetClass="entr" presetSubtype="16" fill="hold" grpId="0" nodeType="withEffect">
+                                  <p:stCondLst>
+                                    <p:cond delay="0"/>
+                                  </p:stCondLst>
+                                  <p:childTnLst>
+                                    <p:set>
+                                      <p:cBhvr>
+                                        <p:cTn id="36" dur="1" fill="hold">
+                                          <p:stCondLst>
+                                            <p:cond delay="0"/>
+                                          </p:stCondLst>
+                                        </p:cTn>
+                                        <p:tgtEl>
+                                          <p:spTgt spid="6"/>
+                                        </p:tgtEl>
+                                        <p:attrNameLst>
+                                          <p:attrName>style.visibility</p:attrName>
+                                        </p:attrNameLst>
+                                      </p:cBhvr>
+                                      <p:to>
+                                        <p:strVal val="visible"/>
+                                      </p:to>
+                                    </p:set>
+                                    <p:anim calcmode="lin" valueType="num">
+                                      <p:cBhvr>
+                                        <p:cTn id="37" dur="500" fill="hold"/>
+                                        <p:tgtEl>
+                                          <p:spTgt spid="6"/>
+                                        </p:tgtEl>
+                                        <p:attrNameLst>
+                                          <p:attrName>ppt_w</p:attrName>
+                                        </p:attrNameLst>
+                                      </p:cBhvr>
+                                      <p:tavLst>
+                                        <p:tav tm="0">
+                                          <p:val>
+                                            <p:fltVal val="0"/>
+                                          </p:val>
+                                        </p:tav>
+                                        <p:tav tm="100000">
+                                          <p:val>
+                                            <p:strVal val="#ppt_w"/>
+                                          </p:val>
+                                        </p:tav>
+                                      </p:tavLst>
+                                    </p:anim>
+                                    <p:anim calcmode="lin" valueType="num">
+                                      <p:cBhvr>
+                                        <p:cTn id="38" dur="500" fill="hold"/>
+                                        <p:tgtEl>
+                                          <p:spTgt spid="6"/>
+                                        </p:tgtEl>
+                                        <p:attrNameLst>
+                                          <p:attrName>ppt_h</p:attrName>
+                                        </p:attrNameLst>
+                                      </p:cBhvr>
+                                      <p:tavLst>
+                                        <p:tav tm="0">
+                                          <p:val>
+                                            <p:fltVal val="0"/>
+                                          </p:val>
+                                        </p:tav>
+                                        <p:tav tm="100000">
+                                          <p:val>
+                                            <p:strVal val="#ppt_h"/>
+                                          </p:val>
+                                        </p:tav>
+                                      </p:tavLst>
+                                    </p:anim>
+                                    <p:animEffect transition="in" filter="fade">
+                                      <p:cBhvr>
+                                        <p:cTn id="39" dur="500"/>
+                                        <p:tgtEl>
+                                          <p:spTgt spid="6"/>
+                                        </p:tgtEl>
+                                      </p:cBhvr>
+                                    </p:animEffect>
+                                  </p:childTnLst>
+                                </p:cTn>
+                              </p:par>
+                              <p:par>
+                                <p:cTn id="40" presetID="53" presetClass="entr" presetSubtype="16" fill="hold" grpId="0" nodeType="withEffect">
+                                  <p:stCondLst>
+                                    <p:cond delay="0"/>
+                                  </p:stCondLst>
+                                  <p:childTnLst>
+                                    <p:set>
+                                      <p:cBhvr>
+                                        <p:cTn id="41" dur="1" fill="hold">
+                                          <p:stCondLst>
+                                            <p:cond delay="0"/>
+                                          </p:stCondLst>
+                                        </p:cTn>
+                                        <p:tgtEl>
+                                          <p:spTgt spid="17"/>
+                                        </p:tgtEl>
+                                        <p:attrNameLst>
+                                          <p:attrName>style.visibility</p:attrName>
+                                        </p:attrNameLst>
+                                      </p:cBhvr>
+                                      <p:to>
+                                        <p:strVal val="visible"/>
+                                      </p:to>
+                                    </p:set>
+                                    <p:anim calcmode="lin" valueType="num">
+                                      <p:cBhvr>
+                                        <p:cTn id="42" dur="500" fill="hold"/>
+                                        <p:tgtEl>
+                                          <p:spTgt spid="17"/>
+                                        </p:tgtEl>
+                                        <p:attrNameLst>
+                                          <p:attrName>ppt_w</p:attrName>
+                                        </p:attrNameLst>
+                                      </p:cBhvr>
+                                      <p:tavLst>
+                                        <p:tav tm="0">
+                                          <p:val>
+                                            <p:fltVal val="0"/>
+                                          </p:val>
+                                        </p:tav>
+                                        <p:tav tm="100000">
+                                          <p:val>
+                                            <p:strVal val="#ppt_w"/>
+                                          </p:val>
+                                        </p:tav>
+                                      </p:tavLst>
+                                    </p:anim>
+                                    <p:anim calcmode="lin" valueType="num">
+                                      <p:cBhvr>
+                                        <p:cTn id="43" dur="500" fill="hold"/>
+                                        <p:tgtEl>
+                                          <p:spTgt spid="17"/>
+                                        </p:tgtEl>
+                                        <p:attrNameLst>
+                                          <p:attrName>ppt_h</p:attrName>
+                                        </p:attrNameLst>
+                                      </p:cBhvr>
+                                      <p:tavLst>
+                                        <p:tav tm="0">
+                                          <p:val>
+                                            <p:fltVal val="0"/>
+                                          </p:val>
+                                        </p:tav>
+                                        <p:tav tm="100000">
+                                          <p:val>
+                                            <p:strVal val="#ppt_h"/>
+                                          </p:val>
+                                        </p:tav>
+                                      </p:tavLst>
+                                    </p:anim>
+                                    <p:animEffect transition="in" filter="fade">
+                                      <p:cBhvr>
+                                        <p:cTn id="44" dur="500"/>
+                                        <p:tgtEl>
+                                          <p:spTgt spid="17"/>
+                                        </p:tgtEl>
+                                      </p:cBhvr>
+                                    </p:animEffect>
+                                  </p:childTnLst>
+                                </p:cTn>
+                              </p:par>
+                              <p:par>
+                                <p:cTn id="45" presetID="53" presetClass="entr" presetSubtype="16" fill="hold" grpId="0" nodeType="withEffect">
+                                  <p:stCondLst>
+                                    <p:cond delay="0"/>
+                                  </p:stCondLst>
+                                  <p:childTnLst>
+                                    <p:set>
+                                      <p:cBhvr>
+                                        <p:cTn id="46" dur="1" fill="hold">
+                                          <p:stCondLst>
+                                            <p:cond delay="0"/>
+                                          </p:stCondLst>
+                                        </p:cTn>
+                                        <p:tgtEl>
+                                          <p:spTgt spid="18"/>
+                                        </p:tgtEl>
+                                        <p:attrNameLst>
+                                          <p:attrName>style.visibility</p:attrName>
+                                        </p:attrNameLst>
+                                      </p:cBhvr>
+                                      <p:to>
+                                        <p:strVal val="visible"/>
+                                      </p:to>
+                                    </p:set>
+                                    <p:anim calcmode="lin" valueType="num">
+                                      <p:cBhvr>
+                                        <p:cTn id="47" dur="500" fill="hold"/>
+                                        <p:tgtEl>
+                                          <p:spTgt spid="18"/>
+                                        </p:tgtEl>
+                                        <p:attrNameLst>
+                                          <p:attrName>ppt_w</p:attrName>
+                                        </p:attrNameLst>
+                                      </p:cBhvr>
+                                      <p:tavLst>
+                                        <p:tav tm="0">
+                                          <p:val>
+                                            <p:fltVal val="0"/>
+                                          </p:val>
+                                        </p:tav>
+                                        <p:tav tm="100000">
+                                          <p:val>
+                                            <p:strVal val="#ppt_w"/>
+                                          </p:val>
+                                        </p:tav>
+                                      </p:tavLst>
+                                    </p:anim>
+                                    <p:anim calcmode="lin" valueType="num">
+                                      <p:cBhvr>
+                                        <p:cTn id="48" dur="500" fill="hold"/>
+                                        <p:tgtEl>
+                                          <p:spTgt spid="18"/>
+                                        </p:tgtEl>
+                                        <p:attrNameLst>
+                                          <p:attrName>ppt_h</p:attrName>
+                                        </p:attrNameLst>
+                                      </p:cBhvr>
+                                      <p:tavLst>
+                                        <p:tav tm="0">
+                                          <p:val>
+                                            <p:fltVal val="0"/>
+                                          </p:val>
+                                        </p:tav>
+                                        <p:tav tm="100000">
+                                          <p:val>
+                                            <p:strVal val="#ppt_h"/>
+                                          </p:val>
+                                        </p:tav>
+                                      </p:tavLst>
+                                    </p:anim>
+                                    <p:animEffect transition="in" filter="fade">
+                                      <p:cBhvr>
+                                        <p:cTn id="49" dur="500"/>
+                                        <p:tgtEl>
+                                          <p:spTgt spid="18"/>
+                                        </p:tgtEl>
+                                      </p:cBhvr>
+                                    </p:animEffect>
+                                  </p:childTnLst>
+                                </p:cTn>
+                              </p:par>
+                            </p:childTnLst>
+                          </p:cTn>
+                        </p:par>
+                      </p:childTnLst>
+                    </p:cTn>
+                  </p:par>
+                  <p:par>
+                    <p:cTn id="50" fill="hold">
+                      <p:stCondLst>
+                        <p:cond delay="indefinite"/>
+                      </p:stCondLst>
+                      <p:childTnLst>
+                        <p:par>
+                          <p:cTn id="51" fill="hold">
+                            <p:stCondLst>
+                              <p:cond delay="0"/>
+                            </p:stCondLst>
+                            <p:childTnLst>
+                              <p:par>
+                                <p:cTn id="52" presetID="53" presetClass="entr" presetSubtype="16" fill="hold" nodeType="clickEffect">
+                                  <p:stCondLst>
+                                    <p:cond delay="0"/>
+                                  </p:stCondLst>
+                                  <p:childTnLst>
+                                    <p:set>
+                                      <p:cBhvr>
+                                        <p:cTn id="53" dur="1" fill="hold">
+                                          <p:stCondLst>
+                                            <p:cond delay="0"/>
+                                          </p:stCondLst>
+                                        </p:cTn>
+                                        <p:tgtEl>
+                                          <p:spTgt spid="4"/>
+                                        </p:tgtEl>
+                                        <p:attrNameLst>
+                                          <p:attrName>style.visibility</p:attrName>
+                                        </p:attrNameLst>
+                                      </p:cBhvr>
+                                      <p:to>
+                                        <p:strVal val="visible"/>
+                                      </p:to>
+                                    </p:set>
+                                    <p:anim calcmode="lin" valueType="num">
+                                      <p:cBhvr>
+                                        <p:cTn id="54" dur="500" fill="hold"/>
+                                        <p:tgtEl>
+                                          <p:spTgt spid="4"/>
+                                        </p:tgtEl>
+                                        <p:attrNameLst>
+                                          <p:attrName>ppt_w</p:attrName>
+                                        </p:attrNameLst>
+                                      </p:cBhvr>
+                                      <p:tavLst>
+                                        <p:tav tm="0">
+                                          <p:val>
+                                            <p:fltVal val="0"/>
+                                          </p:val>
+                                        </p:tav>
+                                        <p:tav tm="100000">
+                                          <p:val>
+                                            <p:strVal val="#ppt_w"/>
+                                          </p:val>
+                                        </p:tav>
+                                      </p:tavLst>
+                                    </p:anim>
+                                    <p:anim calcmode="lin" valueType="num">
+                                      <p:cBhvr>
+                                        <p:cTn id="55" dur="500" fill="hold"/>
+                                        <p:tgtEl>
+                                          <p:spTgt spid="4"/>
+                                        </p:tgtEl>
+                                        <p:attrNameLst>
+                                          <p:attrName>ppt_h</p:attrName>
+                                        </p:attrNameLst>
+                                      </p:cBhvr>
+                                      <p:tavLst>
+                                        <p:tav tm="0">
+                                          <p:val>
+                                            <p:fltVal val="0"/>
+                                          </p:val>
+                                        </p:tav>
+                                        <p:tav tm="100000">
+                                          <p:val>
+                                            <p:strVal val="#ppt_h"/>
+                                          </p:val>
+                                        </p:tav>
+                                      </p:tavLst>
+                                    </p:anim>
+                                    <p:animEffect transition="in" filter="fade">
+                                      <p:cBhvr>
+                                        <p:cTn id="56" dur="500"/>
+                                        <p:tgtEl>
+                                          <p:spTgt spid="4"/>
                                         </p:tgtEl>
                                       </p:cBhvr>
                                     </p:animEffect>
@@ -17589,6 +18756,16 @@
         </p:cTn>
       </p:par>
     </p:tnLst>
+    <p:bldLst>
+      <p:bldP spid="5" grpId="0"/>
+      <p:bldP spid="6" grpId="0" animBg="1"/>
+      <p:bldP spid="13" grpId="0" animBg="1"/>
+      <p:bldP spid="15" grpId="0" animBg="1"/>
+      <p:bldP spid="16" grpId="0"/>
+      <p:bldP spid="81" grpId="0"/>
+      <p:bldP spid="17" grpId="0" animBg="1"/>
+      <p:bldP spid="18" grpId="0"/>
+    </p:bldLst>
   </p:timing>
 </p:sld>
 </file>
@@ -17754,7 +18931,7 @@
         </p:nvSpPr>
         <p:spPr>
           <a:xfrm>
-            <a:off x="3472483" y="1288633"/>
+            <a:off x="3695075" y="1288633"/>
             <a:ext cx="4763134" cy="430887"/>
           </a:xfrm>
           <a:prstGeom prst="rect">
@@ -17807,7 +18984,7 @@
         </p:nvSpPr>
         <p:spPr>
           <a:xfrm>
-            <a:off x="3472483" y="2158757"/>
+            <a:off x="3695075" y="2158757"/>
             <a:ext cx="4763133" cy="300082"/>
           </a:xfrm>
           <a:prstGeom prst="rect">
@@ -17845,7 +19022,7 @@
         </p:nvSpPr>
         <p:spPr>
           <a:xfrm>
-            <a:off x="3472483" y="987385"/>
+            <a:off x="3695075" y="987385"/>
             <a:ext cx="4763133" cy="300082"/>
           </a:xfrm>
           <a:prstGeom prst="rect">
@@ -17879,7 +19056,7 @@
         </p:nvSpPr>
         <p:spPr>
           <a:xfrm>
-            <a:off x="3494795" y="2458840"/>
+            <a:off x="3717387" y="2458840"/>
             <a:ext cx="4718508" cy="938719"/>
           </a:xfrm>
           <a:prstGeom prst="rect">
@@ -17997,7 +19174,7 @@
           <a:graphicData uri="http://schemas.openxmlformats.org/presentationml/2006/ole">
             <mc:AlternateContent xmlns:mc="http://schemas.openxmlformats.org/markup-compatibility/2006">
               <mc:Choice xmlns:v="urn:schemas-microsoft-com:vml" Requires="v">
-                <p:oleObj spid="_x0000_s4114" name="文档" r:id="rId4" imgW="6577200" imgH="9772560" progId="Word.OpenDocumentText.12">
+                <p:oleObj spid="_x0000_s4124" name="文档" r:id="rId4" imgW="6577200" imgH="9772560" progId="Word.OpenDocumentText.12">
                   <p:embed/>
                 </p:oleObj>
               </mc:Choice>
@@ -18211,7 +19388,7 @@
         </p:nvSpPr>
         <p:spPr>
           <a:xfrm>
-            <a:off x="3472483" y="1288633"/>
+            <a:off x="3713123" y="1288633"/>
             <a:ext cx="4763134" cy="430887"/>
           </a:xfrm>
           <a:prstGeom prst="rect">
@@ -18256,7 +19433,7 @@
         </p:nvSpPr>
         <p:spPr>
           <a:xfrm>
-            <a:off x="3472483" y="2158757"/>
+            <a:off x="3713123" y="2158757"/>
             <a:ext cx="4763133" cy="300082"/>
           </a:xfrm>
           <a:prstGeom prst="rect">
@@ -18294,7 +19471,7 @@
         </p:nvSpPr>
         <p:spPr>
           <a:xfrm>
-            <a:off x="3472483" y="987385"/>
+            <a:off x="3713123" y="987385"/>
             <a:ext cx="4763133" cy="300082"/>
           </a:xfrm>
           <a:prstGeom prst="rect">
@@ -18328,8 +19505,8 @@
         </p:nvSpPr>
         <p:spPr>
           <a:xfrm>
-            <a:off x="3494795" y="2458840"/>
-            <a:ext cx="4718508" cy="261610"/>
+            <a:off x="3735435" y="2458840"/>
+            <a:ext cx="4718508" cy="430887"/>
           </a:xfrm>
           <a:prstGeom prst="rect">
             <a:avLst/>
@@ -18353,7 +19530,14 @@
           <a:p>
             <a:r>
               <a:rPr lang="zh-CN" altLang="en-US" dirty="0" smtClean="0"/>
-              <a:t>充分利用函数重载做推断</a:t>
+              <a:t>利用多参数的互相约束</a:t>
+            </a:r>
+            <a:endParaRPr lang="en-US" altLang="zh-CN" dirty="0" smtClean="0"/>
+          </a:p>
+          <a:p>
+            <a:r>
+              <a:rPr lang="zh-CN" altLang="en-US" dirty="0" smtClean="0"/>
+              <a:t>利用函数重载；</a:t>
             </a:r>
             <a:endParaRPr lang="zh-CN" altLang="en-US" dirty="0"/>
           </a:p>
@@ -18381,7 +19565,7 @@
           <a:graphicData uri="http://schemas.openxmlformats.org/presentationml/2006/ole">
             <mc:AlternateContent xmlns:mc="http://schemas.openxmlformats.org/markup-compatibility/2006">
               <mc:Choice xmlns:v="urn:schemas-microsoft-com:vml" Requires="v">
-                <p:oleObj spid="_x0000_s5147" name="文档" r:id="rId4" imgW="5398920" imgH="6537960" progId="Word.OpenDocumentText.12">
+                <p:oleObj spid="_x0000_s5186" name="文档" r:id="rId4" imgW="5398920" imgH="6537960" progId="Word.OpenDocumentText.12">
                   <p:embed/>
                 </p:oleObj>
               </mc:Choice>
@@ -18438,7 +19622,7 @@
           <a:graphicData uri="http://schemas.openxmlformats.org/presentationml/2006/ole">
             <mc:AlternateContent xmlns:mc="http://schemas.openxmlformats.org/markup-compatibility/2006">
               <mc:Choice xmlns:v="urn:schemas-microsoft-com:vml" Requires="v">
-                <p:oleObj spid="_x0000_s5148" name="文档" r:id="rId6" imgW="6726600" imgH="1386720" progId="Word.OpenDocumentText.12">
+                <p:oleObj spid="_x0000_s5187" name="文档" r:id="rId6" imgW="6726600" imgH="1386720" progId="Word.OpenDocumentText.12">
                   <p:embed/>
                 </p:oleObj>
               </mc:Choice>
@@ -18475,32 +19659,32 @@
       </p:graphicFrame>
       <p:graphicFrame>
         <p:nvGraphicFramePr>
-          <p:cNvPr id="2" name="对象 1"/>
+          <p:cNvPr id="3" name="对象 2"/>
           <p:cNvGraphicFramePr>
             <a:graphicFrameLocks noChangeAspect="1"/>
           </p:cNvGraphicFramePr>
           <p:nvPr>
             <p:extLst>
               <p:ext uri="{D42A27DB-BD31-4B8C-83A1-F6EECF244321}">
-                <p14:modId xmlns:p14="http://schemas.microsoft.com/office/powerpoint/2010/main" val="99000994"/>
+                <p14:modId xmlns:p14="http://schemas.microsoft.com/office/powerpoint/2010/main" val="2678544837"/>
               </p:ext>
             </p:extLst>
           </p:nvPr>
         </p:nvGraphicFramePr>
         <p:xfrm>
-          <a:off x="5311940" y="2743753"/>
-          <a:ext cx="3356814" cy="2217784"/>
+          <a:off x="2105526" y="2916906"/>
+          <a:ext cx="3213100" cy="1336675"/>
         </p:xfrm>
         <a:graphic>
           <a:graphicData uri="http://schemas.openxmlformats.org/presentationml/2006/ole">
             <mc:AlternateContent xmlns:mc="http://schemas.openxmlformats.org/markup-compatibility/2006">
               <mc:Choice xmlns:v="urn:schemas-microsoft-com:vml" Requires="v">
-                <p:oleObj spid="_x0000_s5149" name="文档" r:id="rId8" imgW="6896880" imgH="4556880" progId="Word.OpenDocumentText.12">
+                <p:oleObj spid="_x0000_s5188" name="文档" r:id="rId8" imgW="5296680" imgH="2575440" progId="Word.OpenDocumentText.12">
                   <p:embed/>
                 </p:oleObj>
               </mc:Choice>
               <mc:Fallback>
-                <p:oleObj name="文档" r:id="rId8" imgW="6896880" imgH="4556880" progId="Word.OpenDocumentText.12">
+                <p:oleObj name="文档" r:id="rId8" imgW="5296680" imgH="2575440" progId="Word.OpenDocumentText.12">
                   <p:embed/>
                   <p:pic>
                     <p:nvPicPr>
@@ -18516,8 +19700,749 @@
                     </p:blipFill>
                     <p:spPr>
                       <a:xfrm>
-                        <a:off x="5311940" y="2743753"/>
-                        <a:ext cx="3356814" cy="2217784"/>
+                        <a:off x="2105526" y="2916906"/>
+                        <a:ext cx="3213100" cy="1336675"/>
+                      </a:xfrm>
+                      <a:prstGeom prst="rect">
+                        <a:avLst/>
+                      </a:prstGeom>
+                    </p:spPr>
+                  </p:pic>
+                </p:oleObj>
+              </mc:Fallback>
+            </mc:AlternateContent>
+          </a:graphicData>
+        </a:graphic>
+      </p:graphicFrame>
+      <p:graphicFrame>
+        <p:nvGraphicFramePr>
+          <p:cNvPr id="4" name="对象 3"/>
+          <p:cNvGraphicFramePr>
+            <a:graphicFrameLocks noChangeAspect="1"/>
+          </p:cNvGraphicFramePr>
+          <p:nvPr>
+            <p:extLst>
+              <p:ext uri="{D42A27DB-BD31-4B8C-83A1-F6EECF244321}">
+                <p14:modId xmlns:p14="http://schemas.microsoft.com/office/powerpoint/2010/main" val="853929441"/>
+              </p:ext>
+            </p:extLst>
+          </p:nvPr>
+        </p:nvGraphicFramePr>
+        <p:xfrm>
+          <a:off x="5185125" y="2458840"/>
+          <a:ext cx="3622476" cy="2452750"/>
+        </p:xfrm>
+        <a:graphic>
+          <a:graphicData uri="http://schemas.openxmlformats.org/presentationml/2006/ole">
+            <mc:AlternateContent xmlns:mc="http://schemas.openxmlformats.org/markup-compatibility/2006">
+              <mc:Choice xmlns:v="urn:schemas-microsoft-com:vml" Requires="v">
+                <p:oleObj spid="_x0000_s5189" name="文档" r:id="rId10" imgW="7252200" imgH="4952880" progId="Word.OpenDocumentText.12">
+                  <p:embed/>
+                </p:oleObj>
+              </mc:Choice>
+              <mc:Fallback>
+                <p:oleObj name="文档" r:id="rId10" imgW="7252200" imgH="4952880" progId="Word.OpenDocumentText.12">
+                  <p:embed/>
+                  <p:pic>
+                    <p:nvPicPr>
+                      <p:cNvPr id="0" name=""/>
+                      <p:cNvPicPr/>
+                      <p:nvPr/>
+                    </p:nvPicPr>
+                    <p:blipFill>
+                      <a:blip r:embed="rId11"/>
+                      <a:stretch>
+                        <a:fillRect/>
+                      </a:stretch>
+                    </p:blipFill>
+                    <p:spPr>
+                      <a:xfrm>
+                        <a:off x="5185125" y="2458840"/>
+                        <a:ext cx="3622476" cy="2452750"/>
+                      </a:xfrm>
+                      <a:prstGeom prst="rect">
+                        <a:avLst/>
+                      </a:prstGeom>
+                    </p:spPr>
+                  </p:pic>
+                </p:oleObj>
+              </mc:Fallback>
+            </mc:AlternateContent>
+          </a:graphicData>
+        </a:graphic>
+      </p:graphicFrame>
+    </p:spTree>
+  </p:cSld>
+  <p:clrMapOvr>
+    <a:masterClrMapping/>
+  </p:clrMapOvr>
+  <p:transition spd="slow">
+    <p:cover/>
+  </p:transition>
+  <p:timing>
+    <p:tnLst>
+      <p:par>
+        <p:cTn id="1" dur="indefinite" restart="never" nodeType="tmRoot">
+          <p:childTnLst>
+            <p:seq concurrent="1" nextAc="seek">
+              <p:cTn id="2" dur="indefinite" nodeType="mainSeq">
+                <p:childTnLst>
+                  <p:par>
+                    <p:cTn id="3" fill="hold">
+                      <p:stCondLst>
+                        <p:cond delay="indefinite"/>
+                      </p:stCondLst>
+                      <p:childTnLst>
+                        <p:par>
+                          <p:cTn id="4" fill="hold">
+                            <p:stCondLst>
+                              <p:cond delay="0"/>
+                            </p:stCondLst>
+                            <p:childTnLst>
+                              <p:par>
+                                <p:cTn id="5" presetID="10" presetClass="entr" presetSubtype="0" fill="hold" nodeType="clickEffect">
+                                  <p:stCondLst>
+                                    <p:cond delay="0"/>
+                                  </p:stCondLst>
+                                  <p:childTnLst>
+                                    <p:set>
+                                      <p:cBhvr>
+                                        <p:cTn id="6" dur="1" fill="hold">
+                                          <p:stCondLst>
+                                            <p:cond delay="0"/>
+                                          </p:stCondLst>
+                                        </p:cTn>
+                                        <p:tgtEl>
+                                          <p:spTgt spid="13"/>
+                                        </p:tgtEl>
+                                        <p:attrNameLst>
+                                          <p:attrName>style.visibility</p:attrName>
+                                        </p:attrNameLst>
+                                      </p:cBhvr>
+                                      <p:to>
+                                        <p:strVal val="visible"/>
+                                      </p:to>
+                                    </p:set>
+                                    <p:animEffect transition="in" filter="fade">
+                                      <p:cBhvr>
+                                        <p:cTn id="7" dur="500"/>
+                                        <p:tgtEl>
+                                          <p:spTgt spid="13"/>
+                                        </p:tgtEl>
+                                      </p:cBhvr>
+                                    </p:animEffect>
+                                  </p:childTnLst>
+                                </p:cTn>
+                              </p:par>
+                            </p:childTnLst>
+                          </p:cTn>
+                        </p:par>
+                      </p:childTnLst>
+                    </p:cTn>
+                  </p:par>
+                  <p:par>
+                    <p:cTn id="8" fill="hold">
+                      <p:stCondLst>
+                        <p:cond delay="indefinite"/>
+                      </p:stCondLst>
+                      <p:childTnLst>
+                        <p:par>
+                          <p:cTn id="9" fill="hold">
+                            <p:stCondLst>
+                              <p:cond delay="0"/>
+                            </p:stCondLst>
+                            <p:childTnLst>
+                              <p:par>
+                                <p:cTn id="10" presetID="10" presetClass="entr" presetSubtype="0" fill="hold" nodeType="clickEffect">
+                                  <p:stCondLst>
+                                    <p:cond delay="0"/>
+                                  </p:stCondLst>
+                                  <p:childTnLst>
+                                    <p:set>
+                                      <p:cBhvr>
+                                        <p:cTn id="11" dur="1" fill="hold">
+                                          <p:stCondLst>
+                                            <p:cond delay="0"/>
+                                          </p:stCondLst>
+                                        </p:cTn>
+                                        <p:tgtEl>
+                                          <p:spTgt spid="3"/>
+                                        </p:tgtEl>
+                                        <p:attrNameLst>
+                                          <p:attrName>style.visibility</p:attrName>
+                                        </p:attrNameLst>
+                                      </p:cBhvr>
+                                      <p:to>
+                                        <p:strVal val="visible"/>
+                                      </p:to>
+                                    </p:set>
+                                    <p:animEffect transition="in" filter="fade">
+                                      <p:cBhvr>
+                                        <p:cTn id="12" dur="500"/>
+                                        <p:tgtEl>
+                                          <p:spTgt spid="3"/>
+                                        </p:tgtEl>
+                                      </p:cBhvr>
+                                    </p:animEffect>
+                                  </p:childTnLst>
+                                </p:cTn>
+                              </p:par>
+                            </p:childTnLst>
+                          </p:cTn>
+                        </p:par>
+                      </p:childTnLst>
+                    </p:cTn>
+                  </p:par>
+                  <p:par>
+                    <p:cTn id="13" fill="hold">
+                      <p:stCondLst>
+                        <p:cond delay="indefinite"/>
+                      </p:stCondLst>
+                      <p:childTnLst>
+                        <p:par>
+                          <p:cTn id="14" fill="hold">
+                            <p:stCondLst>
+                              <p:cond delay="0"/>
+                            </p:stCondLst>
+                            <p:childTnLst>
+                              <p:par>
+                                <p:cTn id="15" presetID="10" presetClass="entr" presetSubtype="0" fill="hold" nodeType="clickEffect">
+                                  <p:stCondLst>
+                                    <p:cond delay="0"/>
+                                  </p:stCondLst>
+                                  <p:childTnLst>
+                                    <p:set>
+                                      <p:cBhvr>
+                                        <p:cTn id="16" dur="1" fill="hold">
+                                          <p:stCondLst>
+                                            <p:cond delay="0"/>
+                                          </p:stCondLst>
+                                        </p:cTn>
+                                        <p:tgtEl>
+                                          <p:spTgt spid="4"/>
+                                        </p:tgtEl>
+                                        <p:attrNameLst>
+                                          <p:attrName>style.visibility</p:attrName>
+                                        </p:attrNameLst>
+                                      </p:cBhvr>
+                                      <p:to>
+                                        <p:strVal val="visible"/>
+                                      </p:to>
+                                    </p:set>
+                                    <p:animEffect transition="in" filter="fade">
+                                      <p:cBhvr>
+                                        <p:cTn id="17" dur="500"/>
+                                        <p:tgtEl>
+                                          <p:spTgt spid="4"/>
+                                        </p:tgtEl>
+                                      </p:cBhvr>
+                                    </p:animEffect>
+                                  </p:childTnLst>
+                                </p:cTn>
+                              </p:par>
+                            </p:childTnLst>
+                          </p:cTn>
+                        </p:par>
+                      </p:childTnLst>
+                    </p:cTn>
+                  </p:par>
+                </p:childTnLst>
+              </p:cTn>
+              <p:prevCondLst>
+                <p:cond evt="onPrev" delay="0">
+                  <p:tgtEl>
+                    <p:sldTgt/>
+                  </p:tgtEl>
+                </p:cond>
+              </p:prevCondLst>
+              <p:nextCondLst>
+                <p:cond evt="onNext" delay="0">
+                  <p:tgtEl>
+                    <p:sldTgt/>
+                  </p:tgtEl>
+                </p:cond>
+              </p:nextCondLst>
+            </p:seq>
+          </p:childTnLst>
+        </p:cTn>
+      </p:par>
+    </p:tnLst>
+  </p:timing>
+</p:sld>
+</file>
+
+<file path=ppt/slides/slide16.xml><?xml version="1.0" encoding="utf-8"?>
+<p:sld xmlns:a="http://schemas.openxmlformats.org/drawingml/2006/main" xmlns:r="http://schemas.openxmlformats.org/officeDocument/2006/relationships" xmlns:p="http://schemas.openxmlformats.org/presentationml/2006/main">
+  <p:cSld>
+    <p:spTree>
+      <p:nvGrpSpPr>
+        <p:cNvPr id="1" name=""/>
+        <p:cNvGrpSpPr/>
+        <p:nvPr/>
+      </p:nvGrpSpPr>
+      <p:grpSpPr>
+        <a:xfrm>
+          <a:off x="0" y="0"/>
+          <a:ext cx="0" cy="0"/>
+          <a:chOff x="0" y="0"/>
+          <a:chExt cx="0" cy="0"/>
+        </a:xfrm>
+      </p:grpSpPr>
+      <p:sp>
+        <p:nvSpPr>
+          <p:cNvPr id="16" name="文本框 15"/>
+          <p:cNvSpPr txBox="1"/>
+          <p:nvPr/>
+        </p:nvSpPr>
+        <p:spPr>
+          <a:xfrm>
+            <a:off x="1798721" y="283253"/>
+            <a:ext cx="5365118" cy="415498"/>
+          </a:xfrm>
+          <a:prstGeom prst="rect">
+            <a:avLst/>
+          </a:prstGeom>
+          <a:noFill/>
+        </p:spPr>
+        <p:txBody>
+          <a:bodyPr wrap="square" rtlCol="0">
+            <a:spAutoFit/>
+          </a:bodyPr>
+          <a:lstStyle/>
+          <a:p>
+            <a:pPr algn="ctr"/>
+            <a:r>
+              <a:rPr lang="zh-CN" altLang="en-US" sz="2100" b="1" dirty="0" smtClean="0">
+                <a:solidFill>
+                  <a:schemeClr val="tx2"/>
+                </a:solidFill>
+                <a:latin typeface="Calibri" panose="020F0502020204030204" pitchFamily="34" charset="0"/>
+                <a:ea typeface="微软雅黑 Light" panose="020B0502040204020203" pitchFamily="34" charset="-122"/>
+                <a:sym typeface="Calibri" panose="020F0502020204030204" pitchFamily="34" charset="0"/>
+              </a:rPr>
+              <a:t>更快速的类型声明</a:t>
+            </a:r>
+            <a:endParaRPr lang="en-US" altLang="zh-CN" sz="2100" b="1" dirty="0">
+              <a:solidFill>
+                <a:schemeClr val="tx2"/>
+              </a:solidFill>
+              <a:latin typeface="Calibri" panose="020F0502020204030204" pitchFamily="34" charset="0"/>
+              <a:ea typeface="微软雅黑 Light" panose="020B0502040204020203" pitchFamily="34" charset="-122"/>
+              <a:sym typeface="Calibri" panose="020F0502020204030204" pitchFamily="34" charset="0"/>
+            </a:endParaRPr>
+          </a:p>
+        </p:txBody>
+      </p:sp>
+      <p:sp>
+        <p:nvSpPr>
+          <p:cNvPr id="18" name="任意多边形 22"/>
+          <p:cNvSpPr/>
+          <p:nvPr/>
+        </p:nvSpPr>
+        <p:spPr>
+          <a:xfrm>
+            <a:off x="4193509" y="0"/>
+            <a:ext cx="774562" cy="223597"/>
+          </a:xfrm>
+          <a:custGeom>
+            <a:avLst/>
+            <a:gdLst>
+              <a:gd name="connsiteX0" fmla="*/ 0 w 1032749"/>
+              <a:gd name="connsiteY0" fmla="*/ 0 h 298129"/>
+              <a:gd name="connsiteX1" fmla="*/ 1032749 w 1032749"/>
+              <a:gd name="connsiteY1" fmla="*/ 0 h 298129"/>
+              <a:gd name="connsiteX2" fmla="*/ 516374 w 1032749"/>
+              <a:gd name="connsiteY2" fmla="*/ 298129 h 298129"/>
+              <a:gd name="connsiteX3" fmla="*/ 0 w 1032749"/>
+              <a:gd name="connsiteY3" fmla="*/ 0 h 298129"/>
+            </a:gdLst>
+            <a:ahLst/>
+            <a:cxnLst>
+              <a:cxn ang="0">
+                <a:pos x="connsiteX0" y="connsiteY0"/>
+              </a:cxn>
+              <a:cxn ang="0">
+                <a:pos x="connsiteX1" y="connsiteY1"/>
+              </a:cxn>
+              <a:cxn ang="0">
+                <a:pos x="connsiteX2" y="connsiteY2"/>
+              </a:cxn>
+              <a:cxn ang="0">
+                <a:pos x="connsiteX3" y="connsiteY3"/>
+              </a:cxn>
+            </a:cxnLst>
+            <a:rect l="l" t="t" r="r" b="b"/>
+            <a:pathLst>
+              <a:path w="1032749" h="298129">
+                <a:moveTo>
+                  <a:pt x="0" y="0"/>
+                </a:moveTo>
+                <a:lnTo>
+                  <a:pt x="1032749" y="0"/>
+                </a:lnTo>
+                <a:lnTo>
+                  <a:pt x="516374" y="298129"/>
+                </a:lnTo>
+                <a:lnTo>
+                  <a:pt x="0" y="0"/>
+                </a:lnTo>
+                <a:close/>
+              </a:path>
+            </a:pathLst>
+          </a:custGeom>
+          <a:solidFill>
+            <a:schemeClr val="accent1"/>
+          </a:solidFill>
+          <a:ln>
+            <a:noFill/>
+          </a:ln>
+        </p:spPr>
+        <p:style>
+          <a:lnRef idx="2">
+            <a:schemeClr val="accent1">
+              <a:shade val="50000"/>
+            </a:schemeClr>
+          </a:lnRef>
+          <a:fillRef idx="1">
+            <a:schemeClr val="accent1"/>
+          </a:fillRef>
+          <a:effectRef idx="0">
+            <a:schemeClr val="accent1"/>
+          </a:effectRef>
+          <a:fontRef idx="minor">
+            <a:schemeClr val="lt1"/>
+          </a:fontRef>
+        </p:style>
+        <p:txBody>
+          <a:bodyPr rtlCol="0" anchor="ctr"/>
+          <a:lstStyle/>
+          <a:p>
+            <a:pPr algn="ctr"/>
+            <a:endParaRPr lang="zh-CN" altLang="en-US" sz="1015" dirty="0">
+              <a:ea typeface="微软雅黑 Light" panose="020B0502040204020203" pitchFamily="34" charset="-122"/>
+            </a:endParaRPr>
+          </a:p>
+        </p:txBody>
+      </p:sp>
+      <p:sp>
+        <p:nvSpPr>
+          <p:cNvPr id="5" name="TextBox 4"/>
+          <p:cNvSpPr txBox="1"/>
+          <p:nvPr/>
+        </p:nvSpPr>
+        <p:spPr>
+          <a:xfrm>
+            <a:off x="3779299" y="1288633"/>
+            <a:ext cx="4763134" cy="261610"/>
+          </a:xfrm>
+          <a:prstGeom prst="rect">
+            <a:avLst/>
+          </a:prstGeom>
+          <a:noFill/>
+        </p:spPr>
+        <p:txBody>
+          <a:bodyPr wrap="square" rtlCol="0">
+            <a:spAutoFit/>
+          </a:bodyPr>
+          <a:lstStyle/>
+          <a:p>
+            <a:pPr marL="285750" indent="-285750">
+              <a:buFont typeface="Arial" pitchFamily="34" charset="0"/>
+              <a:buChar char="•"/>
+            </a:pPr>
+            <a:r>
+              <a:rPr lang="zh-CN" altLang="en-US" sz="1100" dirty="0" smtClean="0"/>
+              <a:t>部分用于前端的数据，快速获取类型</a:t>
+            </a:r>
+            <a:endParaRPr lang="en-US" altLang="zh-CN" sz="1100" dirty="0" smtClean="0"/>
+          </a:p>
+        </p:txBody>
+      </p:sp>
+      <p:sp>
+        <p:nvSpPr>
+          <p:cNvPr id="6" name="TextBox 5"/>
+          <p:cNvSpPr txBox="1"/>
+          <p:nvPr/>
+        </p:nvSpPr>
+        <p:spPr>
+          <a:xfrm>
+            <a:off x="3779299" y="2158757"/>
+            <a:ext cx="4763133" cy="300082"/>
+          </a:xfrm>
+          <a:prstGeom prst="rect">
+            <a:avLst/>
+          </a:prstGeom>
+          <a:solidFill>
+            <a:schemeClr val="accent1">
+              <a:lumMod val="40000"/>
+              <a:lumOff val="60000"/>
+            </a:schemeClr>
+          </a:solidFill>
+        </p:spPr>
+        <p:txBody>
+          <a:bodyPr wrap="square" rtlCol="0">
+            <a:spAutoFit/>
+          </a:bodyPr>
+          <a:lstStyle>
+            <a:defPPr>
+              <a:defRPr lang="zh-CN"/>
+            </a:defPPr>
+          </a:lstStyle>
+          <a:p>
+            <a:r>
+              <a:rPr lang="zh-CN" altLang="en-US" b="1" dirty="0"/>
+              <a:t>注意点</a:t>
+            </a:r>
+          </a:p>
+        </p:txBody>
+      </p:sp>
+      <p:sp>
+        <p:nvSpPr>
+          <p:cNvPr id="7" name="TextBox 6"/>
+          <p:cNvSpPr txBox="1"/>
+          <p:nvPr/>
+        </p:nvSpPr>
+        <p:spPr>
+          <a:xfrm>
+            <a:off x="3779299" y="987385"/>
+            <a:ext cx="4763133" cy="300082"/>
+          </a:xfrm>
+          <a:prstGeom prst="rect">
+            <a:avLst/>
+          </a:prstGeom>
+          <a:solidFill>
+            <a:schemeClr val="accent1">
+              <a:lumMod val="40000"/>
+              <a:lumOff val="60000"/>
+            </a:schemeClr>
+          </a:solidFill>
+        </p:spPr>
+        <p:txBody>
+          <a:bodyPr wrap="square" rtlCol="0">
+            <a:spAutoFit/>
+          </a:bodyPr>
+          <a:lstStyle/>
+          <a:p>
+            <a:r>
+              <a:rPr lang="zh-CN" altLang="en-US" b="1" dirty="0"/>
+              <a:t>目的</a:t>
+            </a:r>
+          </a:p>
+        </p:txBody>
+      </p:sp>
+      <p:sp>
+        <p:nvSpPr>
+          <p:cNvPr id="8" name="TextBox 7"/>
+          <p:cNvSpPr txBox="1"/>
+          <p:nvPr/>
+        </p:nvSpPr>
+        <p:spPr>
+          <a:xfrm>
+            <a:off x="3801611" y="2458840"/>
+            <a:ext cx="4718508" cy="430887"/>
+          </a:xfrm>
+          <a:prstGeom prst="rect">
+            <a:avLst/>
+          </a:prstGeom>
+          <a:noFill/>
+        </p:spPr>
+        <p:txBody>
+          <a:bodyPr wrap="square" rtlCol="0">
+            <a:spAutoFit/>
+          </a:bodyPr>
+          <a:lstStyle>
+            <a:defPPr>
+              <a:defRPr lang="zh-CN"/>
+            </a:defPPr>
+            <a:lvl1pPr marL="285750" indent="-285750">
+              <a:buFont typeface="Arial" pitchFamily="34" charset="0"/>
+              <a:buChar char="•"/>
+              <a:defRPr sz="1100"/>
+            </a:lvl1pPr>
+          </a:lstStyle>
+          <a:p>
+            <a:r>
+              <a:rPr lang="en-US" altLang="zh-CN" dirty="0" err="1" smtClean="0"/>
+              <a:t>Enum</a:t>
+            </a:r>
+            <a:r>
+              <a:rPr lang="zh-CN" altLang="en-US" dirty="0" smtClean="0"/>
+              <a:t>类型和</a:t>
+            </a:r>
+            <a:r>
+              <a:rPr lang="zh-CN" altLang="en-US" dirty="0" smtClean="0"/>
+              <a:t>普通对象的区别</a:t>
+            </a:r>
+            <a:endParaRPr lang="en-US" altLang="zh-CN" dirty="0" smtClean="0"/>
+          </a:p>
+          <a:p>
+            <a:r>
+              <a:rPr lang="zh-CN" altLang="en-US" dirty="0" smtClean="0"/>
+              <a:t>常数枚举类型</a:t>
+            </a:r>
+            <a:endParaRPr lang="zh-CN" altLang="en-US" dirty="0"/>
+          </a:p>
+        </p:txBody>
+      </p:sp>
+      <p:graphicFrame>
+        <p:nvGraphicFramePr>
+          <p:cNvPr id="2" name="对象 1"/>
+          <p:cNvGraphicFramePr>
+            <a:graphicFrameLocks noChangeAspect="1"/>
+          </p:cNvGraphicFramePr>
+          <p:nvPr>
+            <p:extLst>
+              <p:ext uri="{D42A27DB-BD31-4B8C-83A1-F6EECF244321}">
+                <p14:modId xmlns:p14="http://schemas.microsoft.com/office/powerpoint/2010/main" val="2460892005"/>
+              </p:ext>
+            </p:extLst>
+          </p:nvPr>
+        </p:nvGraphicFramePr>
+        <p:xfrm>
+          <a:off x="119732" y="987386"/>
+          <a:ext cx="3336795" cy="1124156"/>
+        </p:xfrm>
+        <a:graphic>
+          <a:graphicData uri="http://schemas.openxmlformats.org/presentationml/2006/ole">
+            <mc:AlternateContent xmlns:mc="http://schemas.openxmlformats.org/markup-compatibility/2006">
+              <mc:Choice xmlns:v="urn:schemas-microsoft-com:vml" Requires="v">
+                <p:oleObj spid="_x0000_s6185" name="文档" r:id="rId4" imgW="6093360" imgH="2179440" progId="Word.OpenDocumentText.12">
+                  <p:embed/>
+                </p:oleObj>
+              </mc:Choice>
+              <mc:Fallback>
+                <p:oleObj name="文档" r:id="rId4" imgW="6093360" imgH="2179440" progId="Word.OpenDocumentText.12">
+                  <p:embed/>
+                  <p:pic>
+                    <p:nvPicPr>
+                      <p:cNvPr id="0" name=""/>
+                      <p:cNvPicPr/>
+                      <p:nvPr/>
+                    </p:nvPicPr>
+                    <p:blipFill>
+                      <a:blip r:embed="rId5"/>
+                      <a:stretch>
+                        <a:fillRect/>
+                      </a:stretch>
+                    </p:blipFill>
+                    <p:spPr>
+                      <a:xfrm>
+                        <a:off x="119732" y="987386"/>
+                        <a:ext cx="3336795" cy="1124156"/>
+                      </a:xfrm>
+                      <a:prstGeom prst="rect">
+                        <a:avLst/>
+                      </a:prstGeom>
+                    </p:spPr>
+                  </p:pic>
+                </p:oleObj>
+              </mc:Fallback>
+            </mc:AlternateContent>
+          </a:graphicData>
+        </a:graphic>
+      </p:graphicFrame>
+      <p:graphicFrame>
+        <p:nvGraphicFramePr>
+          <p:cNvPr id="3" name="对象 2"/>
+          <p:cNvGraphicFramePr>
+            <a:graphicFrameLocks noChangeAspect="1"/>
+          </p:cNvGraphicFramePr>
+          <p:nvPr>
+            <p:extLst>
+              <p:ext uri="{D42A27DB-BD31-4B8C-83A1-F6EECF244321}">
+                <p14:modId xmlns:p14="http://schemas.microsoft.com/office/powerpoint/2010/main" val="1885618093"/>
+              </p:ext>
+            </p:extLst>
+          </p:nvPr>
+        </p:nvGraphicFramePr>
+        <p:xfrm>
+          <a:off x="136715" y="2092584"/>
+          <a:ext cx="3298301" cy="2466019"/>
+        </p:xfrm>
+        <a:graphic>
+          <a:graphicData uri="http://schemas.openxmlformats.org/presentationml/2006/ole">
+            <mc:AlternateContent xmlns:mc="http://schemas.openxmlformats.org/markup-compatibility/2006">
+              <mc:Choice xmlns:v="urn:schemas-microsoft-com:vml" Requires="v">
+                <p:oleObj spid="_x0000_s6186" name="文档" r:id="rId6" imgW="7155720" imgH="5349240" progId="Word.OpenDocumentText.12">
+                  <p:embed/>
+                </p:oleObj>
+              </mc:Choice>
+              <mc:Fallback>
+                <p:oleObj name="文档" r:id="rId6" imgW="7155720" imgH="5349240" progId="Word.OpenDocumentText.12">
+                  <p:embed/>
+                  <p:pic>
+                    <p:nvPicPr>
+                      <p:cNvPr id="0" name=""/>
+                      <p:cNvPicPr/>
+                      <p:nvPr/>
+                    </p:nvPicPr>
+                    <p:blipFill>
+                      <a:blip r:embed="rId7"/>
+                      <a:stretch>
+                        <a:fillRect/>
+                      </a:stretch>
+                    </p:blipFill>
+                    <p:spPr>
+                      <a:xfrm>
+                        <a:off x="136715" y="2092584"/>
+                        <a:ext cx="3298301" cy="2466019"/>
+                      </a:xfrm>
+                      <a:prstGeom prst="rect">
+                        <a:avLst/>
+                      </a:prstGeom>
+                    </p:spPr>
+                  </p:pic>
+                </p:oleObj>
+              </mc:Fallback>
+            </mc:AlternateContent>
+          </a:graphicData>
+        </a:graphic>
+      </p:graphicFrame>
+      <p:graphicFrame>
+        <p:nvGraphicFramePr>
+          <p:cNvPr id="4" name="对象 3"/>
+          <p:cNvGraphicFramePr>
+            <a:graphicFrameLocks noChangeAspect="1"/>
+          </p:cNvGraphicFramePr>
+          <p:nvPr>
+            <p:extLst>
+              <p:ext uri="{D42A27DB-BD31-4B8C-83A1-F6EECF244321}">
+                <p14:modId xmlns:p14="http://schemas.microsoft.com/office/powerpoint/2010/main" val="3707352390"/>
+              </p:ext>
+            </p:extLst>
+          </p:nvPr>
+        </p:nvGraphicFramePr>
+        <p:xfrm>
+          <a:off x="3779299" y="3268723"/>
+          <a:ext cx="4283843" cy="749825"/>
+        </p:xfrm>
+        <a:graphic>
+          <a:graphicData uri="http://schemas.openxmlformats.org/presentationml/2006/ole">
+            <mc:AlternateContent xmlns:mc="http://schemas.openxmlformats.org/markup-compatibility/2006">
+              <mc:Choice xmlns:v="urn:schemas-microsoft-com:vml" Requires="v">
+                <p:oleObj spid="_x0000_s6187" name="文档" r:id="rId8" imgW="6696720" imgH="1386720" progId="Word.OpenDocumentText.12">
+                  <p:embed/>
+                </p:oleObj>
+              </mc:Choice>
+              <mc:Fallback>
+                <p:oleObj name="文档" r:id="rId8" imgW="6696720" imgH="1386720" progId="Word.OpenDocumentText.12">
+                  <p:embed/>
+                  <p:pic>
+                    <p:nvPicPr>
+                      <p:cNvPr id="0" name=""/>
+                      <p:cNvPicPr/>
+                      <p:nvPr/>
+                    </p:nvPicPr>
+                    <p:blipFill>
+                      <a:blip r:embed="rId9"/>
+                      <a:stretch>
+                        <a:fillRect/>
+                      </a:stretch>
+                    </p:blipFill>
+                    <p:spPr>
+                      <a:xfrm>
+                        <a:off x="3779299" y="3268723"/>
+                        <a:ext cx="4283843" cy="749825"/>
                       </a:xfrm>
                       <a:prstGeom prst="rect">
                         <a:avLst/>
@@ -18548,7 +20473,7 @@
 </p:sld>
 </file>
 
-<file path=ppt/slides/slide16.xml><?xml version="1.0" encoding="utf-8"?>
+<file path=ppt/slides/slide17.xml><?xml version="1.0" encoding="utf-8"?>
 <p:sld xmlns:a="http://schemas.openxmlformats.org/drawingml/2006/main" xmlns:r="http://schemas.openxmlformats.org/officeDocument/2006/relationships" xmlns:p="http://schemas.openxmlformats.org/presentationml/2006/main">
   <p:cSld>
     <p:spTree>
@@ -18754,20 +20679,20 @@
           <p:nvPr>
             <p:extLst>
               <p:ext uri="{D42A27DB-BD31-4B8C-83A1-F6EECF244321}">
-                <p14:modId xmlns:p14="http://schemas.microsoft.com/office/powerpoint/2010/main" val="1772815558"/>
+                <p14:modId xmlns:p14="http://schemas.microsoft.com/office/powerpoint/2010/main" val="1376532710"/>
               </p:ext>
             </p:extLst>
           </p:nvPr>
         </p:nvGraphicFramePr>
         <p:xfrm>
-          <a:off x="486043" y="1039060"/>
-          <a:ext cx="4094747" cy="3075866"/>
+          <a:off x="590324" y="1430087"/>
+          <a:ext cx="3990466" cy="2997533"/>
         </p:xfrm>
         <a:graphic>
           <a:graphicData uri="http://schemas.openxmlformats.org/presentationml/2006/ole">
             <mc:AlternateContent xmlns:mc="http://schemas.openxmlformats.org/markup-compatibility/2006">
               <mc:Choice xmlns:v="urn:schemas-microsoft-com:vml" Requires="v">
-                <p:oleObj spid="_x0000_s6160" name="文档" r:id="rId4" imgW="8177400" imgH="6141600" progId="Word.OpenDocumentText.12">
+                <p:oleObj spid="_x0000_s10258" name="文档" r:id="rId4" imgW="8177400" imgH="6141600" progId="Word.OpenDocumentText.12">
                   <p:embed/>
                 </p:oleObj>
               </mc:Choice>
@@ -18788,8 +20713,8 @@
                     </p:blipFill>
                     <p:spPr>
                       <a:xfrm>
-                        <a:off x="486043" y="1039060"/>
-                        <a:ext cx="4094747" cy="3075866"/>
+                        <a:off x="590324" y="1430087"/>
+                        <a:ext cx="3990466" cy="2997533"/>
                       </a:xfrm>
                       <a:prstGeom prst="rect">
                         <a:avLst/>
@@ -18804,32 +20729,32 @@
       </p:graphicFrame>
       <p:graphicFrame>
         <p:nvGraphicFramePr>
-          <p:cNvPr id="15" name="对象 14"/>
+          <p:cNvPr id="2" name="对象 1"/>
           <p:cNvGraphicFramePr>
             <a:graphicFrameLocks noChangeAspect="1"/>
           </p:cNvGraphicFramePr>
           <p:nvPr>
             <p:extLst>
               <p:ext uri="{D42A27DB-BD31-4B8C-83A1-F6EECF244321}">
-                <p14:modId xmlns:p14="http://schemas.microsoft.com/office/powerpoint/2010/main" val="3437417884"/>
+                <p14:modId xmlns:p14="http://schemas.microsoft.com/office/powerpoint/2010/main" val="1102963007"/>
               </p:ext>
             </p:extLst>
           </p:nvPr>
         </p:nvGraphicFramePr>
         <p:xfrm>
-          <a:off x="4968071" y="1070477"/>
-          <a:ext cx="3901931" cy="912721"/>
+          <a:off x="5096877" y="840539"/>
+          <a:ext cx="2813886" cy="2470352"/>
         </p:xfrm>
         <a:graphic>
           <a:graphicData uri="http://schemas.openxmlformats.org/presentationml/2006/ole">
             <mc:AlternateContent xmlns:mc="http://schemas.openxmlformats.org/markup-compatibility/2006">
               <mc:Choice xmlns:v="urn:schemas-microsoft-com:vml" Requires="v">
-                <p:oleObj spid="_x0000_s6161" name="文档" r:id="rId6" imgW="6093360" imgH="1572840" progId="Word.OpenDocumentText.12">
+                <p:oleObj spid="_x0000_s10259" name="文档" r:id="rId6" imgW="6093360" imgH="5349240" progId="Word.OpenDocumentText.12">
                   <p:embed/>
                 </p:oleObj>
               </mc:Choice>
               <mc:Fallback>
-                <p:oleObj name="文档" r:id="rId6" imgW="6093360" imgH="1572840" progId="Word.OpenDocumentText.12">
+                <p:oleObj name="文档" r:id="rId6" imgW="6093360" imgH="5349240" progId="Word.OpenDocumentText.12">
                   <p:embed/>
                   <p:pic>
                     <p:nvPicPr>
@@ -18845,8 +20770,65 @@
                     </p:blipFill>
                     <p:spPr>
                       <a:xfrm>
-                        <a:off x="4968071" y="1070477"/>
-                        <a:ext cx="3901931" cy="912721"/>
+                        <a:off x="5096877" y="840539"/>
+                        <a:ext cx="2813886" cy="2470352"/>
+                      </a:xfrm>
+                      <a:prstGeom prst="rect">
+                        <a:avLst/>
+                      </a:prstGeom>
+                    </p:spPr>
+                  </p:pic>
+                </p:oleObj>
+              </mc:Fallback>
+            </mc:AlternateContent>
+          </a:graphicData>
+        </a:graphic>
+      </p:graphicFrame>
+      <p:graphicFrame>
+        <p:nvGraphicFramePr>
+          <p:cNvPr id="3" name="对象 2"/>
+          <p:cNvGraphicFramePr>
+            <a:graphicFrameLocks noChangeAspect="1"/>
+          </p:cNvGraphicFramePr>
+          <p:nvPr>
+            <p:extLst>
+              <p:ext uri="{D42A27DB-BD31-4B8C-83A1-F6EECF244321}">
+                <p14:modId xmlns:p14="http://schemas.microsoft.com/office/powerpoint/2010/main" val="990498004"/>
+              </p:ext>
+            </p:extLst>
+          </p:nvPr>
+        </p:nvGraphicFramePr>
+        <p:xfrm>
+          <a:off x="4937026" y="3371558"/>
+          <a:ext cx="3423068" cy="1832100"/>
+        </p:xfrm>
+        <a:graphic>
+          <a:graphicData uri="http://schemas.openxmlformats.org/presentationml/2006/ole">
+            <mc:AlternateContent xmlns:mc="http://schemas.openxmlformats.org/markup-compatibility/2006">
+              <mc:Choice xmlns:v="urn:schemas-microsoft-com:vml" Requires="v">
+                <p:oleObj spid="_x0000_s10260" name="文档" r:id="rId8" imgW="6750720" imgH="3764160" progId="Word.OpenDocumentText.12">
+                  <p:embed/>
+                </p:oleObj>
+              </mc:Choice>
+              <mc:Fallback>
+                <p:oleObj name="文档" r:id="rId8" imgW="6750720" imgH="3764160" progId="Word.OpenDocumentText.12">
+                  <p:embed/>
+                  <p:pic>
+                    <p:nvPicPr>
+                      <p:cNvPr id="0" name=""/>
+                      <p:cNvPicPr/>
+                      <p:nvPr/>
+                    </p:nvPicPr>
+                    <p:blipFill>
+                      <a:blip r:embed="rId9"/>
+                      <a:stretch>
+                        <a:fillRect/>
+                      </a:stretch>
+                    </p:blipFill>
+                    <p:spPr>
+                      <a:xfrm>
+                        <a:off x="4937026" y="3371558"/>
+                        <a:ext cx="3423068" cy="1832100"/>
                       </a:xfrm>
                       <a:prstGeom prst="rect">
                         <a:avLst/>
@@ -18860,6 +20842,11 @@
         </a:graphic>
       </p:graphicFrame>
     </p:spTree>
+    <p:extLst>
+      <p:ext uri="{BB962C8B-B14F-4D97-AF65-F5344CB8AC3E}">
+        <p14:creationId xmlns:p14="http://schemas.microsoft.com/office/powerpoint/2010/main" val="1870508283"/>
+      </p:ext>
+    </p:extLst>
   </p:cSld>
   <p:clrMapOvr>
     <a:masterClrMapping/>
@@ -18870,14 +20857,143 @@
   <p:timing>
     <p:tnLst>
       <p:par>
-        <p:cTn id="1" dur="indefinite" restart="never" nodeType="tmRoot"/>
+        <p:cTn id="1" dur="indefinite" restart="never" nodeType="tmRoot">
+          <p:childTnLst>
+            <p:seq concurrent="1" nextAc="seek">
+              <p:cTn id="2" dur="indefinite" nodeType="mainSeq">
+                <p:childTnLst>
+                  <p:par>
+                    <p:cTn id="3" fill="hold">
+                      <p:stCondLst>
+                        <p:cond delay="indefinite"/>
+                      </p:stCondLst>
+                      <p:childTnLst>
+                        <p:par>
+                          <p:cTn id="4" fill="hold">
+                            <p:stCondLst>
+                              <p:cond delay="0"/>
+                            </p:stCondLst>
+                            <p:childTnLst>
+                              <p:par>
+                                <p:cTn id="5" presetID="6" presetClass="entr" presetSubtype="16" fill="hold" nodeType="clickEffect">
+                                  <p:stCondLst>
+                                    <p:cond delay="0"/>
+                                  </p:stCondLst>
+                                  <p:childTnLst>
+                                    <p:set>
+                                      <p:cBhvr>
+                                        <p:cTn id="6" dur="1" fill="hold">
+                                          <p:stCondLst>
+                                            <p:cond delay="0"/>
+                                          </p:stCondLst>
+                                        </p:cTn>
+                                        <p:tgtEl>
+                                          <p:spTgt spid="2"/>
+                                        </p:tgtEl>
+                                        <p:attrNameLst>
+                                          <p:attrName>style.visibility</p:attrName>
+                                        </p:attrNameLst>
+                                      </p:cBhvr>
+                                      <p:to>
+                                        <p:strVal val="visible"/>
+                                      </p:to>
+                                    </p:set>
+                                    <p:animEffect transition="in" filter="circle(in)">
+                                      <p:cBhvr>
+                                        <p:cTn id="7" dur="500"/>
+                                        <p:tgtEl>
+                                          <p:spTgt spid="2"/>
+                                        </p:tgtEl>
+                                      </p:cBhvr>
+                                    </p:animEffect>
+                                  </p:childTnLst>
+                                </p:cTn>
+                              </p:par>
+                            </p:childTnLst>
+                          </p:cTn>
+                        </p:par>
+                      </p:childTnLst>
+                    </p:cTn>
+                  </p:par>
+                  <p:par>
+                    <p:cTn id="8" fill="hold">
+                      <p:stCondLst>
+                        <p:cond delay="indefinite"/>
+                      </p:stCondLst>
+                      <p:childTnLst>
+                        <p:par>
+                          <p:cTn id="9" fill="hold">
+                            <p:stCondLst>
+                              <p:cond delay="0"/>
+                            </p:stCondLst>
+                            <p:childTnLst>
+                              <p:par>
+                                <p:cTn id="10" presetID="6" presetClass="entr" presetSubtype="16" fill="hold" nodeType="clickEffect">
+                                  <p:stCondLst>
+                                    <p:cond delay="0"/>
+                                  </p:stCondLst>
+                                  <p:childTnLst>
+                                    <p:set>
+                                      <p:cBhvr>
+                                        <p:cTn id="11" dur="1" fill="hold">
+                                          <p:stCondLst>
+                                            <p:cond delay="0"/>
+                                          </p:stCondLst>
+                                        </p:cTn>
+                                        <p:tgtEl>
+                                          <p:spTgt spid="3"/>
+                                        </p:tgtEl>
+                                        <p:attrNameLst>
+                                          <p:attrName>style.visibility</p:attrName>
+                                        </p:attrNameLst>
+                                      </p:cBhvr>
+                                      <p:to>
+                                        <p:strVal val="visible"/>
+                                      </p:to>
+                                    </p:set>
+                                    <p:animEffect transition="in" filter="circle(in)">
+                                      <p:cBhvr>
+                                        <p:cTn id="12" dur="500"/>
+                                        <p:tgtEl>
+                                          <p:spTgt spid="3"/>
+                                        </p:tgtEl>
+                                      </p:cBhvr>
+                                    </p:animEffect>
+                                  </p:childTnLst>
+                                </p:cTn>
+                              </p:par>
+                            </p:childTnLst>
+                          </p:cTn>
+                        </p:par>
+                      </p:childTnLst>
+                    </p:cTn>
+                  </p:par>
+                </p:childTnLst>
+              </p:cTn>
+              <p:prevCondLst>
+                <p:cond evt="onPrev" delay="0">
+                  <p:tgtEl>
+                    <p:sldTgt/>
+                  </p:tgtEl>
+                </p:cond>
+              </p:prevCondLst>
+              <p:nextCondLst>
+                <p:cond evt="onNext" delay="0">
+                  <p:tgtEl>
+                    <p:sldTgt/>
+                  </p:tgtEl>
+                </p:cond>
+              </p:nextCondLst>
+            </p:seq>
+          </p:childTnLst>
+        </p:cTn>
       </p:par>
     </p:tnLst>
   </p:timing>
 </p:sld>
 </file>
 
-<file path=ppt/slides/slide17.xml><?xml version="1.0" encoding="utf-8"?>
+<file path=ppt/slides/slide18.xml><?xml version="1.0" encoding="utf-8"?>
 <p:sld xmlns:a="http://schemas.openxmlformats.org/drawingml/2006/main" xmlns:r="http://schemas.openxmlformats.org/officeDocument/2006/relationships" xmlns:p="http://schemas.openxmlformats.org/presentationml/2006/main">
   <p:cSld>
     <p:spTree>
@@ -19074,7 +21190,7 @@
           <a:graphicData uri="http://schemas.openxmlformats.org/presentationml/2006/ole">
             <mc:AlternateContent xmlns:mc="http://schemas.openxmlformats.org/markup-compatibility/2006">
               <mc:Choice xmlns:v="urn:schemas-microsoft-com:vml" Requires="v">
-                <p:oleObj spid="_x0000_s7183" name="文档" r:id="rId4" imgW="6937200" imgH="6709320" progId="Word.OpenDocumentText.12">
+                <p:oleObj spid="_x0000_s7201" name="文档" r:id="rId4" imgW="6937200" imgH="6709320" progId="Word.OpenDocumentText.12">
                   <p:embed/>
                 </p:oleObj>
               </mc:Choice>
@@ -19131,7 +21247,7 @@
           <a:graphicData uri="http://schemas.openxmlformats.org/presentationml/2006/ole">
             <mc:AlternateContent xmlns:mc="http://schemas.openxmlformats.org/markup-compatibility/2006">
               <mc:Choice xmlns:v="urn:schemas-microsoft-com:vml" Requires="v">
-                <p:oleObj spid="_x0000_s7184" name="文档" r:id="rId6" imgW="6093360" imgH="1386720" progId="Word.OpenDocumentText.12">
+                <p:oleObj spid="_x0000_s7202" name="文档" r:id="rId6" imgW="6093360" imgH="1386720" progId="Word.OpenDocumentText.12">
                   <p:embed/>
                 </p:oleObj>
               </mc:Choice>
@@ -19189,7 +21305,7 @@
 </p:sld>
 </file>
 
-<file path=ppt/slides/slide18.xml><?xml version="1.0" encoding="utf-8"?>
+<file path=ppt/slides/slide19.xml><?xml version="1.0" encoding="utf-8"?>
 <p:sld xmlns:a="http://schemas.openxmlformats.org/drawingml/2006/main" xmlns:r="http://schemas.openxmlformats.org/officeDocument/2006/relationships" xmlns:p="http://schemas.openxmlformats.org/presentationml/2006/main">
   <p:cSld>
     <p:spTree>
@@ -19364,7 +21480,7 @@
           <a:graphicData uri="http://schemas.openxmlformats.org/presentationml/2006/ole">
             <mc:AlternateContent xmlns:mc="http://schemas.openxmlformats.org/markup-compatibility/2006">
               <mc:Choice xmlns:v="urn:schemas-microsoft-com:vml" Requires="v">
-                <p:oleObj spid="_x0000_s8204" name="文档" r:id="rId4" imgW="8223120" imgH="8807040" progId="Word.OpenDocumentText.12">
+                <p:oleObj spid="_x0000_s8234" name="文档" r:id="rId4" imgW="8223120" imgH="8807040" progId="Word.OpenDocumentText.12">
                   <p:embed/>
                 </p:oleObj>
               </mc:Choice>
@@ -19421,7 +21537,7 @@
           <a:graphicData uri="http://schemas.openxmlformats.org/presentationml/2006/ole">
             <mc:AlternateContent xmlns:mc="http://schemas.openxmlformats.org/markup-compatibility/2006">
               <mc:Choice xmlns:v="urn:schemas-microsoft-com:vml" Requires="v">
-                <p:oleObj spid="_x0000_s8205" name="文档" r:id="rId6" imgW="7753320" imgH="8807040" progId="Word.OpenDocumentText.12">
+                <p:oleObj spid="_x0000_s8235" name="文档" r:id="rId6" imgW="7753320" imgH="8807040" progId="Word.OpenDocumentText.12">
                   <p:embed/>
                 </p:oleObj>
               </mc:Choice>
@@ -19478,7 +21594,7 @@
           <a:graphicData uri="http://schemas.openxmlformats.org/presentationml/2006/ole">
             <mc:AlternateContent xmlns:mc="http://schemas.openxmlformats.org/markup-compatibility/2006">
               <mc:Choice xmlns:v="urn:schemas-microsoft-com:vml" Requires="v">
-                <p:oleObj spid="_x0000_s8206" name="文档" r:id="rId8" imgW="6489000" imgH="8771040" progId="Word.OpenDocumentText.12">
+                <p:oleObj spid="_x0000_s8236" name="文档" r:id="rId8" imgW="6489000" imgH="8771040" progId="Word.OpenDocumentText.12">
                   <p:embed/>
                 </p:oleObj>
               </mc:Choice>
@@ -19611,7 +21727,7 @@
                             </p:stCondLst>
                             <p:childTnLst>
                               <p:par>
-                                <p:cTn id="5" presetID="10" presetClass="entr" presetSubtype="0" fill="hold" nodeType="clickEffect">
+                                <p:cTn id="5" presetID="42" presetClass="entr" presetSubtype="0" fill="hold" nodeType="clickEffect">
                                   <p:stCondLst>
                                     <p:cond delay="0"/>
                                   </p:stCondLst>
@@ -19636,12 +21752,58 @@
                                     </p:set>
                                     <p:animEffect transition="in" filter="fade">
                                       <p:cBhvr>
-                                        <p:cTn id="7" dur="500"/>
+                                        <p:cTn id="7" dur="1000"/>
                                         <p:tgtEl>
                                           <p:spTgt spid="8200"/>
                                         </p:tgtEl>
                                       </p:cBhvr>
                                     </p:animEffect>
+                                    <p:anim calcmode="lin" valueType="num">
+                                      <p:cBhvr>
+                                        <p:cTn id="8" dur="1000" fill="hold"/>
+                                        <p:tgtEl>
+                                          <p:spTgt spid="8200"/>
+                                        </p:tgtEl>
+                                        <p:attrNameLst>
+                                          <p:attrName>ppt_x</p:attrName>
+                                        </p:attrNameLst>
+                                      </p:cBhvr>
+                                      <p:tavLst>
+                                        <p:tav tm="0">
+                                          <p:val>
+                                            <p:strVal val="#ppt_x"/>
+                                          </p:val>
+                                        </p:tav>
+                                        <p:tav tm="100000">
+                                          <p:val>
+                                            <p:strVal val="#ppt_x"/>
+                                          </p:val>
+                                        </p:tav>
+                                      </p:tavLst>
+                                    </p:anim>
+                                    <p:anim calcmode="lin" valueType="num">
+                                      <p:cBhvr>
+                                        <p:cTn id="9" dur="1000" fill="hold"/>
+                                        <p:tgtEl>
+                                          <p:spTgt spid="8200"/>
+                                        </p:tgtEl>
+                                        <p:attrNameLst>
+                                          <p:attrName>ppt_y</p:attrName>
+                                        </p:attrNameLst>
+                                      </p:cBhvr>
+                                      <p:tavLst>
+                                        <p:tav tm="0">
+                                          <p:val>
+                                            <p:strVal val="#ppt_y+.1"/>
+                                          </p:val>
+                                        </p:tav>
+                                        <p:tav tm="100000">
+                                          <p:val>
+                                            <p:strVal val="#ppt_y"/>
+                                          </p:val>
+                                        </p:tav>
+                                      </p:tavLst>
+                                    </p:anim>
                                   </p:childTnLst>
                                 </p:cTn>
                               </p:par>
@@ -19672,542 +21834,6 @@
         </p:cTn>
       </p:par>
     </p:tnLst>
-  </p:timing>
-</p:sld>
-</file>
-
-<file path=ppt/slides/slide19.xml><?xml version="1.0" encoding="utf-8"?>
-<p:sld xmlns:a="http://schemas.openxmlformats.org/drawingml/2006/main" xmlns:r="http://schemas.openxmlformats.org/officeDocument/2006/relationships" xmlns:p="http://schemas.openxmlformats.org/presentationml/2006/main">
-  <p:cSld>
-    <p:spTree>
-      <p:nvGrpSpPr>
-        <p:cNvPr id="1" name=""/>
-        <p:cNvGrpSpPr/>
-        <p:nvPr/>
-      </p:nvGrpSpPr>
-      <p:grpSpPr>
-        <a:xfrm>
-          <a:off x="0" y="0"/>
-          <a:ext cx="0" cy="0"/>
-          <a:chOff x="0" y="0"/>
-          <a:chExt cx="0" cy="0"/>
-        </a:xfrm>
-      </p:grpSpPr>
-      <p:sp>
-        <p:nvSpPr>
-          <p:cNvPr id="2" name="文本框 1"/>
-          <p:cNvSpPr txBox="1"/>
-          <p:nvPr>
-            <p:custDataLst>
-              <p:tags r:id="rId2"/>
-            </p:custDataLst>
-          </p:nvPr>
-        </p:nvSpPr>
-        <p:spPr>
-          <a:xfrm>
-            <a:off x="3420396" y="1924616"/>
-            <a:ext cx="3611776" cy="623248"/>
-          </a:xfrm>
-          <a:prstGeom prst="rect">
-            <a:avLst/>
-          </a:prstGeom>
-        </p:spPr>
-        <p:txBody>
-          <a:bodyPr vert="horz" lIns="67500" tIns="35100" rIns="67500" bIns="35100" rtlCol="0" anchor="b">
-            <a:normAutofit/>
-          </a:bodyPr>
-          <a:lstStyle>
-            <a:lvl1pPr algn="ctr">
-              <a:lnSpc>
-                <a:spcPct val="120000"/>
-              </a:lnSpc>
-              <a:spcBef>
-                <a:spcPct val="0"/>
-              </a:spcBef>
-              <a:buNone/>
-              <a:defRPr sz="4000" b="1">
-                <a:solidFill>
-                  <a:schemeClr val="bg1"/>
-                </a:solidFill>
-                <a:latin typeface="+mj-lt"/>
-                <a:ea typeface="+mj-ea"/>
-                <a:cs typeface="+mj-cs"/>
-              </a:defRPr>
-            </a:lvl1pPr>
-          </a:lstStyle>
-          <a:p>
-            <a:pPr algn="l"/>
-            <a:r>
-              <a:rPr lang="zh-CN" altLang="en-US" sz="3000" dirty="0">
-                <a:ea typeface="微软雅黑 Light" panose="020B0502040204020203" pitchFamily="34" charset="-122"/>
-              </a:rPr>
-              <a:t>其他</a:t>
-            </a:r>
-          </a:p>
-        </p:txBody>
-      </p:sp>
-      <p:sp>
-        <p:nvSpPr>
-          <p:cNvPr id="3" name="文本框 2"/>
-          <p:cNvSpPr txBox="1"/>
-          <p:nvPr>
-            <p:custDataLst>
-              <p:tags r:id="rId3"/>
-            </p:custDataLst>
-          </p:nvPr>
-        </p:nvSpPr>
-        <p:spPr>
-          <a:xfrm>
-            <a:off x="3420395" y="2611647"/>
-            <a:ext cx="4664825" cy="346249"/>
-          </a:xfrm>
-          <a:prstGeom prst="rect">
-            <a:avLst/>
-          </a:prstGeom>
-        </p:spPr>
-        <p:txBody>
-          <a:bodyPr vert="horz" lIns="67500" tIns="35100" rIns="67500" bIns="35100" rtlCol="0">
-            <a:normAutofit/>
-          </a:bodyPr>
-          <a:lstStyle>
-            <a:lvl1pPr indent="0">
-              <a:lnSpc>
-                <a:spcPct val="120000"/>
-              </a:lnSpc>
-              <a:spcBef>
-                <a:spcPts val="1000"/>
-              </a:spcBef>
-              <a:buFont typeface="Arial" panose="020B0604020202020204" pitchFamily="34" charset="0"/>
-              <a:buNone/>
-              <a:defRPr sz="2000">
-                <a:solidFill>
-                  <a:schemeClr val="bg1"/>
-                </a:solidFill>
-              </a:defRPr>
-            </a:lvl1pPr>
-            <a:lvl2pPr indent="0">
-              <a:lnSpc>
-                <a:spcPct val="120000"/>
-              </a:lnSpc>
-              <a:spcBef>
-                <a:spcPts val="500"/>
-              </a:spcBef>
-              <a:buFont typeface="Arial" panose="020B0604020202020204" pitchFamily="34" charset="0"/>
-              <a:buNone/>
-              <a:defRPr sz="2000">
-                <a:solidFill>
-                  <a:schemeClr val="tx1">
-                    <a:tint val="75000"/>
-                  </a:schemeClr>
-                </a:solidFill>
-              </a:defRPr>
-            </a:lvl2pPr>
-            <a:lvl3pPr indent="0">
-              <a:lnSpc>
-                <a:spcPct val="120000"/>
-              </a:lnSpc>
-              <a:spcBef>
-                <a:spcPts val="500"/>
-              </a:spcBef>
-              <a:buFont typeface="Arial" panose="020B0604020202020204" pitchFamily="34" charset="0"/>
-              <a:buNone/>
-              <a:defRPr>
-                <a:solidFill>
-                  <a:schemeClr val="tx1">
-                    <a:tint val="75000"/>
-                  </a:schemeClr>
-                </a:solidFill>
-              </a:defRPr>
-            </a:lvl3pPr>
-            <a:lvl4pPr indent="0">
-              <a:lnSpc>
-                <a:spcPct val="120000"/>
-              </a:lnSpc>
-              <a:spcBef>
-                <a:spcPts val="500"/>
-              </a:spcBef>
-              <a:buFont typeface="Arial" panose="020B0604020202020204" pitchFamily="34" charset="0"/>
-              <a:buNone/>
-              <a:defRPr sz="1600">
-                <a:solidFill>
-                  <a:schemeClr val="tx1">
-                    <a:tint val="75000"/>
-                  </a:schemeClr>
-                </a:solidFill>
-              </a:defRPr>
-            </a:lvl4pPr>
-            <a:lvl5pPr indent="0">
-              <a:lnSpc>
-                <a:spcPct val="120000"/>
-              </a:lnSpc>
-              <a:spcBef>
-                <a:spcPts val="500"/>
-              </a:spcBef>
-              <a:buFont typeface="Arial" panose="020B0604020202020204" pitchFamily="34" charset="0"/>
-              <a:buNone/>
-              <a:defRPr sz="1600">
-                <a:solidFill>
-                  <a:schemeClr val="tx1">
-                    <a:tint val="75000"/>
-                  </a:schemeClr>
-                </a:solidFill>
-              </a:defRPr>
-            </a:lvl5pPr>
-            <a:lvl6pPr indent="0">
-              <a:lnSpc>
-                <a:spcPct val="90000"/>
-              </a:lnSpc>
-              <a:spcBef>
-                <a:spcPts val="500"/>
-              </a:spcBef>
-              <a:buFont typeface="Arial" panose="020B0604020202020204" pitchFamily="34" charset="0"/>
-              <a:buNone/>
-              <a:defRPr sz="1600">
-                <a:solidFill>
-                  <a:schemeClr val="tx1">
-                    <a:tint val="75000"/>
-                  </a:schemeClr>
-                </a:solidFill>
-              </a:defRPr>
-            </a:lvl6pPr>
-            <a:lvl7pPr indent="0">
-              <a:lnSpc>
-                <a:spcPct val="90000"/>
-              </a:lnSpc>
-              <a:spcBef>
-                <a:spcPts val="500"/>
-              </a:spcBef>
-              <a:buFont typeface="Arial" panose="020B0604020202020204" pitchFamily="34" charset="0"/>
-              <a:buNone/>
-              <a:defRPr sz="1600">
-                <a:solidFill>
-                  <a:schemeClr val="tx1">
-                    <a:tint val="75000"/>
-                  </a:schemeClr>
-                </a:solidFill>
-              </a:defRPr>
-            </a:lvl7pPr>
-            <a:lvl8pPr indent="0">
-              <a:lnSpc>
-                <a:spcPct val="90000"/>
-              </a:lnSpc>
-              <a:spcBef>
-                <a:spcPts val="500"/>
-              </a:spcBef>
-              <a:buFont typeface="Arial" panose="020B0604020202020204" pitchFamily="34" charset="0"/>
-              <a:buNone/>
-              <a:defRPr sz="1600">
-                <a:solidFill>
-                  <a:schemeClr val="tx1">
-                    <a:tint val="75000"/>
-                  </a:schemeClr>
-                </a:solidFill>
-              </a:defRPr>
-            </a:lvl8pPr>
-            <a:lvl9pPr indent="0">
-              <a:lnSpc>
-                <a:spcPct val="90000"/>
-              </a:lnSpc>
-              <a:spcBef>
-                <a:spcPts val="500"/>
-              </a:spcBef>
-              <a:buFont typeface="Arial" panose="020B0604020202020204" pitchFamily="34" charset="0"/>
-              <a:buNone/>
-              <a:defRPr sz="1600">
-                <a:solidFill>
-                  <a:schemeClr val="tx1">
-                    <a:tint val="75000"/>
-                  </a:schemeClr>
-                </a:solidFill>
-              </a:defRPr>
-            </a:lvl9pPr>
-          </a:lstStyle>
-          <a:p>
-            <a:r>
-              <a:rPr lang="en-US" altLang="zh-CN" sz="1500" dirty="0" smtClean="0">
-                <a:ea typeface="微软雅黑 Light" panose="020B0502040204020203" pitchFamily="34" charset="-122"/>
-              </a:rPr>
-              <a:t>Make the clamp cleaner than when you came</a:t>
-            </a:r>
-            <a:endParaRPr lang="zh-CN" altLang="en-US" sz="1500" dirty="0">
-              <a:ea typeface="微软雅黑 Light" panose="020B0502040204020203" pitchFamily="34" charset="-122"/>
-            </a:endParaRPr>
-          </a:p>
-        </p:txBody>
-      </p:sp>
-      <p:sp>
-        <p:nvSpPr>
-          <p:cNvPr id="4" name="文本框 3"/>
-          <p:cNvSpPr txBox="1"/>
-          <p:nvPr>
-            <p:custDataLst>
-              <p:tags r:id="rId4"/>
-            </p:custDataLst>
-          </p:nvPr>
-        </p:nvSpPr>
-        <p:spPr>
-          <a:xfrm>
-            <a:off x="2283545" y="1908482"/>
-            <a:ext cx="1081065" cy="1084913"/>
-          </a:xfrm>
-          <a:prstGeom prst="rect">
-            <a:avLst/>
-          </a:prstGeom>
-          <a:noFill/>
-        </p:spPr>
-        <p:txBody>
-          <a:bodyPr wrap="none" lIns="67500" tIns="35100" rIns="67500" bIns="35100" rtlCol="0" anchor="ctr">
-            <a:normAutofit/>
-          </a:bodyPr>
-          <a:lstStyle>
-            <a:defPPr>
-              <a:defRPr lang="zh-CN"/>
-            </a:defPPr>
-            <a:lvl1pPr algn="ctr">
-              <a:defRPr sz="8800">
-                <a:solidFill>
-                  <a:schemeClr val="bg1"/>
-                </a:solidFill>
-                <a:ea typeface="华文细黑" panose="02010600040101010101" pitchFamily="2" charset="-122"/>
-              </a:defRPr>
-            </a:lvl1pPr>
-          </a:lstStyle>
-          <a:p>
-            <a:r>
-              <a:rPr lang="en-US" altLang="zh-CN" sz="6600" dirty="0">
-                <a:ea typeface="微软雅黑 Light" panose="020B0502040204020203" pitchFamily="34" charset="-122"/>
-              </a:rPr>
-              <a:t>04</a:t>
-            </a:r>
-          </a:p>
-        </p:txBody>
-      </p:sp>
-    </p:spTree>
-    <p:custDataLst>
-      <p:tags r:id="rId1"/>
-    </p:custDataLst>
-  </p:cSld>
-  <p:clrMapOvr>
-    <a:masterClrMapping/>
-  </p:clrMapOvr>
-  <p:transition spd="slow">
-    <p:cover/>
-  </p:transition>
-  <p:timing>
-    <p:tnLst>
-      <p:par>
-        <p:cTn id="1" dur="indefinite" restart="never" nodeType="tmRoot">
-          <p:childTnLst>
-            <p:seq concurrent="1" nextAc="seek">
-              <p:cTn id="2" dur="indefinite" nodeType="mainSeq">
-                <p:childTnLst>
-                  <p:par>
-                    <p:cTn id="3" fill="hold">
-                      <p:stCondLst>
-                        <p:cond delay="indefinite"/>
-                        <p:cond evt="onBegin" delay="0">
-                          <p:tn val="2"/>
-                        </p:cond>
-                      </p:stCondLst>
-                      <p:childTnLst>
-                        <p:par>
-                          <p:cTn id="4" fill="hold">
-                            <p:stCondLst>
-                              <p:cond delay="0"/>
-                            </p:stCondLst>
-                            <p:childTnLst>
-                              <p:par>
-                                <p:cTn id="5" presetID="42" presetClass="entr" presetSubtype="0" fill="hold" grpId="0" nodeType="withEffect">
-                                  <p:stCondLst>
-                                    <p:cond delay="0"/>
-                                  </p:stCondLst>
-                                  <p:childTnLst>
-                                    <p:set>
-                                      <p:cBhvr>
-                                        <p:cTn id="6" dur="1" fill="hold">
-                                          <p:stCondLst>
-                                            <p:cond delay="0"/>
-                                          </p:stCondLst>
-                                        </p:cTn>
-                                        <p:tgtEl>
-                                          <p:spTgt spid="4"/>
-                                        </p:tgtEl>
-                                        <p:attrNameLst>
-                                          <p:attrName>style.visibility</p:attrName>
-                                        </p:attrNameLst>
-                                      </p:cBhvr>
-                                      <p:to>
-                                        <p:strVal val="visible"/>
-                                      </p:to>
-                                    </p:set>
-                                    <p:animEffect transition="in" filter="fade">
-                                      <p:cBhvr>
-                                        <p:cTn id="7" dur="1000"/>
-                                        <p:tgtEl>
-                                          <p:spTgt spid="4"/>
-                                        </p:tgtEl>
-                                      </p:cBhvr>
-                                    </p:animEffect>
-                                    <p:anim calcmode="lin" valueType="num">
-                                      <p:cBhvr>
-                                        <p:cTn id="8" dur="1000" fill="hold"/>
-                                        <p:tgtEl>
-                                          <p:spTgt spid="4"/>
-                                        </p:tgtEl>
-                                        <p:attrNameLst>
-                                          <p:attrName>ppt_x</p:attrName>
-                                        </p:attrNameLst>
-                                      </p:cBhvr>
-                                      <p:tavLst>
-                                        <p:tav tm="0">
-                                          <p:val>
-                                            <p:strVal val="#ppt_x"/>
-                                          </p:val>
-                                        </p:tav>
-                                        <p:tav tm="100000">
-                                          <p:val>
-                                            <p:strVal val="#ppt_x"/>
-                                          </p:val>
-                                        </p:tav>
-                                      </p:tavLst>
-                                    </p:anim>
-                                    <p:anim calcmode="lin" valueType="num">
-                                      <p:cBhvr>
-                                        <p:cTn id="9" dur="1000" fill="hold"/>
-                                        <p:tgtEl>
-                                          <p:spTgt spid="4"/>
-                                        </p:tgtEl>
-                                        <p:attrNameLst>
-                                          <p:attrName>ppt_y</p:attrName>
-                                        </p:attrNameLst>
-                                      </p:cBhvr>
-                                      <p:tavLst>
-                                        <p:tav tm="0">
-                                          <p:val>
-                                            <p:strVal val="#ppt_y+.1"/>
-                                          </p:val>
-                                        </p:tav>
-                                        <p:tav tm="100000">
-                                          <p:val>
-                                            <p:strVal val="#ppt_y"/>
-                                          </p:val>
-                                        </p:tav>
-                                      </p:tavLst>
-                                    </p:anim>
-                                  </p:childTnLst>
-                                </p:cTn>
-                              </p:par>
-                            </p:childTnLst>
-                          </p:cTn>
-                        </p:par>
-                        <p:par>
-                          <p:cTn id="10" fill="hold">
-                            <p:stCondLst>
-                              <p:cond delay="1000"/>
-                            </p:stCondLst>
-                            <p:childTnLst>
-                              <p:par>
-                                <p:cTn id="11" presetID="22" presetClass="entr" presetSubtype="8" fill="hold" grpId="0" nodeType="afterEffect">
-                                  <p:stCondLst>
-                                    <p:cond delay="0"/>
-                                  </p:stCondLst>
-                                  <p:childTnLst>
-                                    <p:set>
-                                      <p:cBhvr>
-                                        <p:cTn id="12" dur="1" fill="hold">
-                                          <p:stCondLst>
-                                            <p:cond delay="0"/>
-                                          </p:stCondLst>
-                                        </p:cTn>
-                                        <p:tgtEl>
-                                          <p:spTgt spid="2"/>
-                                        </p:tgtEl>
-                                        <p:attrNameLst>
-                                          <p:attrName>style.visibility</p:attrName>
-                                        </p:attrNameLst>
-                                      </p:cBhvr>
-                                      <p:to>
-                                        <p:strVal val="visible"/>
-                                      </p:to>
-                                    </p:set>
-                                    <p:animEffect transition="in" filter="wipe(left)">
-                                      <p:cBhvr>
-                                        <p:cTn id="13" dur="500"/>
-                                        <p:tgtEl>
-                                          <p:spTgt spid="2"/>
-                                        </p:tgtEl>
-                                      </p:cBhvr>
-                                    </p:animEffect>
-                                  </p:childTnLst>
-                                </p:cTn>
-                              </p:par>
-                              <p:par>
-                                <p:cTn id="14" presetID="22" presetClass="entr" presetSubtype="8" fill="hold" grpId="0" nodeType="withEffect">
-                                  <p:stCondLst>
-                                    <p:cond delay="0"/>
-                                  </p:stCondLst>
-                                  <p:childTnLst>
-                                    <p:set>
-                                      <p:cBhvr>
-                                        <p:cTn id="15" dur="1" fill="hold">
-                                          <p:stCondLst>
-                                            <p:cond delay="0"/>
-                                          </p:stCondLst>
-                                        </p:cTn>
-                                        <p:tgtEl>
-                                          <p:spTgt spid="3"/>
-                                        </p:tgtEl>
-                                        <p:attrNameLst>
-                                          <p:attrName>style.visibility</p:attrName>
-                                        </p:attrNameLst>
-                                      </p:cBhvr>
-                                      <p:to>
-                                        <p:strVal val="visible"/>
-                                      </p:to>
-                                    </p:set>
-                                    <p:animEffect transition="in" filter="wipe(left)">
-                                      <p:cBhvr>
-                                        <p:cTn id="16" dur="500"/>
-                                        <p:tgtEl>
-                                          <p:spTgt spid="3"/>
-                                        </p:tgtEl>
-                                      </p:cBhvr>
-                                    </p:animEffect>
-                                  </p:childTnLst>
-                                </p:cTn>
-                              </p:par>
-                            </p:childTnLst>
-                          </p:cTn>
-                        </p:par>
-                      </p:childTnLst>
-                    </p:cTn>
-                  </p:par>
-                </p:childTnLst>
-              </p:cTn>
-              <p:prevCondLst>
-                <p:cond evt="onPrev" delay="0">
-                  <p:tgtEl>
-                    <p:sldTgt/>
-                  </p:tgtEl>
-                </p:cond>
-              </p:prevCondLst>
-              <p:nextCondLst>
-                <p:cond evt="onNext" delay="0">
-                  <p:tgtEl>
-                    <p:sldTgt/>
-                  </p:tgtEl>
-                </p:cond>
-              </p:nextCondLst>
-            </p:seq>
-          </p:childTnLst>
-        </p:cTn>
-      </p:par>
-    </p:tnLst>
-    <p:bldLst>
-      <p:bldP spid="2" grpId="0"/>
-      <p:bldP spid="3" grpId="0"/>
-      <p:bldP spid="4" grpId="0"/>
-    </p:bldLst>
   </p:timing>
 </p:sld>
 </file>
@@ -22174,6 +23800,542 @@
 </file>
 
 <file path=ppt/slides/slide20.xml><?xml version="1.0" encoding="utf-8"?>
+<p:sld xmlns:a="http://schemas.openxmlformats.org/drawingml/2006/main" xmlns:r="http://schemas.openxmlformats.org/officeDocument/2006/relationships" xmlns:p="http://schemas.openxmlformats.org/presentationml/2006/main">
+  <p:cSld>
+    <p:spTree>
+      <p:nvGrpSpPr>
+        <p:cNvPr id="1" name=""/>
+        <p:cNvGrpSpPr/>
+        <p:nvPr/>
+      </p:nvGrpSpPr>
+      <p:grpSpPr>
+        <a:xfrm>
+          <a:off x="0" y="0"/>
+          <a:ext cx="0" cy="0"/>
+          <a:chOff x="0" y="0"/>
+          <a:chExt cx="0" cy="0"/>
+        </a:xfrm>
+      </p:grpSpPr>
+      <p:sp>
+        <p:nvSpPr>
+          <p:cNvPr id="2" name="文本框 1"/>
+          <p:cNvSpPr txBox="1"/>
+          <p:nvPr>
+            <p:custDataLst>
+              <p:tags r:id="rId2"/>
+            </p:custDataLst>
+          </p:nvPr>
+        </p:nvSpPr>
+        <p:spPr>
+          <a:xfrm>
+            <a:off x="3420396" y="1924616"/>
+            <a:ext cx="3611776" cy="623248"/>
+          </a:xfrm>
+          <a:prstGeom prst="rect">
+            <a:avLst/>
+          </a:prstGeom>
+        </p:spPr>
+        <p:txBody>
+          <a:bodyPr vert="horz" lIns="67500" tIns="35100" rIns="67500" bIns="35100" rtlCol="0" anchor="b">
+            <a:normAutofit/>
+          </a:bodyPr>
+          <a:lstStyle>
+            <a:lvl1pPr algn="ctr">
+              <a:lnSpc>
+                <a:spcPct val="120000"/>
+              </a:lnSpc>
+              <a:spcBef>
+                <a:spcPct val="0"/>
+              </a:spcBef>
+              <a:buNone/>
+              <a:defRPr sz="4000" b="1">
+                <a:solidFill>
+                  <a:schemeClr val="bg1"/>
+                </a:solidFill>
+                <a:latin typeface="+mj-lt"/>
+                <a:ea typeface="+mj-ea"/>
+                <a:cs typeface="+mj-cs"/>
+              </a:defRPr>
+            </a:lvl1pPr>
+          </a:lstStyle>
+          <a:p>
+            <a:pPr algn="l"/>
+            <a:r>
+              <a:rPr lang="zh-CN" altLang="en-US" sz="3000" dirty="0">
+                <a:ea typeface="微软雅黑 Light" panose="020B0502040204020203" pitchFamily="34" charset="-122"/>
+              </a:rPr>
+              <a:t>其他</a:t>
+            </a:r>
+          </a:p>
+        </p:txBody>
+      </p:sp>
+      <p:sp>
+        <p:nvSpPr>
+          <p:cNvPr id="3" name="文本框 2"/>
+          <p:cNvSpPr txBox="1"/>
+          <p:nvPr>
+            <p:custDataLst>
+              <p:tags r:id="rId3"/>
+            </p:custDataLst>
+          </p:nvPr>
+        </p:nvSpPr>
+        <p:spPr>
+          <a:xfrm>
+            <a:off x="3420395" y="2611647"/>
+            <a:ext cx="4664825" cy="346249"/>
+          </a:xfrm>
+          <a:prstGeom prst="rect">
+            <a:avLst/>
+          </a:prstGeom>
+        </p:spPr>
+        <p:txBody>
+          <a:bodyPr vert="horz" lIns="67500" tIns="35100" rIns="67500" bIns="35100" rtlCol="0">
+            <a:normAutofit/>
+          </a:bodyPr>
+          <a:lstStyle>
+            <a:lvl1pPr indent="0">
+              <a:lnSpc>
+                <a:spcPct val="120000"/>
+              </a:lnSpc>
+              <a:spcBef>
+                <a:spcPts val="1000"/>
+              </a:spcBef>
+              <a:buFont typeface="Arial" panose="020B0604020202020204" pitchFamily="34" charset="0"/>
+              <a:buNone/>
+              <a:defRPr sz="2000">
+                <a:solidFill>
+                  <a:schemeClr val="bg1"/>
+                </a:solidFill>
+              </a:defRPr>
+            </a:lvl1pPr>
+            <a:lvl2pPr indent="0">
+              <a:lnSpc>
+                <a:spcPct val="120000"/>
+              </a:lnSpc>
+              <a:spcBef>
+                <a:spcPts val="500"/>
+              </a:spcBef>
+              <a:buFont typeface="Arial" panose="020B0604020202020204" pitchFamily="34" charset="0"/>
+              <a:buNone/>
+              <a:defRPr sz="2000">
+                <a:solidFill>
+                  <a:schemeClr val="tx1">
+                    <a:tint val="75000"/>
+                  </a:schemeClr>
+                </a:solidFill>
+              </a:defRPr>
+            </a:lvl2pPr>
+            <a:lvl3pPr indent="0">
+              <a:lnSpc>
+                <a:spcPct val="120000"/>
+              </a:lnSpc>
+              <a:spcBef>
+                <a:spcPts val="500"/>
+              </a:spcBef>
+              <a:buFont typeface="Arial" panose="020B0604020202020204" pitchFamily="34" charset="0"/>
+              <a:buNone/>
+              <a:defRPr>
+                <a:solidFill>
+                  <a:schemeClr val="tx1">
+                    <a:tint val="75000"/>
+                  </a:schemeClr>
+                </a:solidFill>
+              </a:defRPr>
+            </a:lvl3pPr>
+            <a:lvl4pPr indent="0">
+              <a:lnSpc>
+                <a:spcPct val="120000"/>
+              </a:lnSpc>
+              <a:spcBef>
+                <a:spcPts val="500"/>
+              </a:spcBef>
+              <a:buFont typeface="Arial" panose="020B0604020202020204" pitchFamily="34" charset="0"/>
+              <a:buNone/>
+              <a:defRPr sz="1600">
+                <a:solidFill>
+                  <a:schemeClr val="tx1">
+                    <a:tint val="75000"/>
+                  </a:schemeClr>
+                </a:solidFill>
+              </a:defRPr>
+            </a:lvl4pPr>
+            <a:lvl5pPr indent="0">
+              <a:lnSpc>
+                <a:spcPct val="120000"/>
+              </a:lnSpc>
+              <a:spcBef>
+                <a:spcPts val="500"/>
+              </a:spcBef>
+              <a:buFont typeface="Arial" panose="020B0604020202020204" pitchFamily="34" charset="0"/>
+              <a:buNone/>
+              <a:defRPr sz="1600">
+                <a:solidFill>
+                  <a:schemeClr val="tx1">
+                    <a:tint val="75000"/>
+                  </a:schemeClr>
+                </a:solidFill>
+              </a:defRPr>
+            </a:lvl5pPr>
+            <a:lvl6pPr indent="0">
+              <a:lnSpc>
+                <a:spcPct val="90000"/>
+              </a:lnSpc>
+              <a:spcBef>
+                <a:spcPts val="500"/>
+              </a:spcBef>
+              <a:buFont typeface="Arial" panose="020B0604020202020204" pitchFamily="34" charset="0"/>
+              <a:buNone/>
+              <a:defRPr sz="1600">
+                <a:solidFill>
+                  <a:schemeClr val="tx1">
+                    <a:tint val="75000"/>
+                  </a:schemeClr>
+                </a:solidFill>
+              </a:defRPr>
+            </a:lvl6pPr>
+            <a:lvl7pPr indent="0">
+              <a:lnSpc>
+                <a:spcPct val="90000"/>
+              </a:lnSpc>
+              <a:spcBef>
+                <a:spcPts val="500"/>
+              </a:spcBef>
+              <a:buFont typeface="Arial" panose="020B0604020202020204" pitchFamily="34" charset="0"/>
+              <a:buNone/>
+              <a:defRPr sz="1600">
+                <a:solidFill>
+                  <a:schemeClr val="tx1">
+                    <a:tint val="75000"/>
+                  </a:schemeClr>
+                </a:solidFill>
+              </a:defRPr>
+            </a:lvl7pPr>
+            <a:lvl8pPr indent="0">
+              <a:lnSpc>
+                <a:spcPct val="90000"/>
+              </a:lnSpc>
+              <a:spcBef>
+                <a:spcPts val="500"/>
+              </a:spcBef>
+              <a:buFont typeface="Arial" panose="020B0604020202020204" pitchFamily="34" charset="0"/>
+              <a:buNone/>
+              <a:defRPr sz="1600">
+                <a:solidFill>
+                  <a:schemeClr val="tx1">
+                    <a:tint val="75000"/>
+                  </a:schemeClr>
+                </a:solidFill>
+              </a:defRPr>
+            </a:lvl8pPr>
+            <a:lvl9pPr indent="0">
+              <a:lnSpc>
+                <a:spcPct val="90000"/>
+              </a:lnSpc>
+              <a:spcBef>
+                <a:spcPts val="500"/>
+              </a:spcBef>
+              <a:buFont typeface="Arial" panose="020B0604020202020204" pitchFamily="34" charset="0"/>
+              <a:buNone/>
+              <a:defRPr sz="1600">
+                <a:solidFill>
+                  <a:schemeClr val="tx1">
+                    <a:tint val="75000"/>
+                  </a:schemeClr>
+                </a:solidFill>
+              </a:defRPr>
+            </a:lvl9pPr>
+          </a:lstStyle>
+          <a:p>
+            <a:r>
+              <a:rPr lang="en-US" altLang="zh-CN" sz="1500" dirty="0" smtClean="0">
+                <a:ea typeface="微软雅黑 Light" panose="020B0502040204020203" pitchFamily="34" charset="-122"/>
+              </a:rPr>
+              <a:t>Make the clamp cleaner than when you came</a:t>
+            </a:r>
+            <a:endParaRPr lang="zh-CN" altLang="en-US" sz="1500" dirty="0">
+              <a:ea typeface="微软雅黑 Light" panose="020B0502040204020203" pitchFamily="34" charset="-122"/>
+            </a:endParaRPr>
+          </a:p>
+        </p:txBody>
+      </p:sp>
+      <p:sp>
+        <p:nvSpPr>
+          <p:cNvPr id="4" name="文本框 3"/>
+          <p:cNvSpPr txBox="1"/>
+          <p:nvPr>
+            <p:custDataLst>
+              <p:tags r:id="rId4"/>
+            </p:custDataLst>
+          </p:nvPr>
+        </p:nvSpPr>
+        <p:spPr>
+          <a:xfrm>
+            <a:off x="2283545" y="1908482"/>
+            <a:ext cx="1081065" cy="1084913"/>
+          </a:xfrm>
+          <a:prstGeom prst="rect">
+            <a:avLst/>
+          </a:prstGeom>
+          <a:noFill/>
+        </p:spPr>
+        <p:txBody>
+          <a:bodyPr wrap="none" lIns="67500" tIns="35100" rIns="67500" bIns="35100" rtlCol="0" anchor="ctr">
+            <a:normAutofit/>
+          </a:bodyPr>
+          <a:lstStyle>
+            <a:defPPr>
+              <a:defRPr lang="zh-CN"/>
+            </a:defPPr>
+            <a:lvl1pPr algn="ctr">
+              <a:defRPr sz="8800">
+                <a:solidFill>
+                  <a:schemeClr val="bg1"/>
+                </a:solidFill>
+                <a:ea typeface="华文细黑" panose="02010600040101010101" pitchFamily="2" charset="-122"/>
+              </a:defRPr>
+            </a:lvl1pPr>
+          </a:lstStyle>
+          <a:p>
+            <a:r>
+              <a:rPr lang="en-US" altLang="zh-CN" sz="6600" dirty="0">
+                <a:ea typeface="微软雅黑 Light" panose="020B0502040204020203" pitchFamily="34" charset="-122"/>
+              </a:rPr>
+              <a:t>04</a:t>
+            </a:r>
+          </a:p>
+        </p:txBody>
+      </p:sp>
+    </p:spTree>
+    <p:custDataLst>
+      <p:tags r:id="rId1"/>
+    </p:custDataLst>
+  </p:cSld>
+  <p:clrMapOvr>
+    <a:masterClrMapping/>
+  </p:clrMapOvr>
+  <p:transition spd="slow">
+    <p:cover/>
+  </p:transition>
+  <p:timing>
+    <p:tnLst>
+      <p:par>
+        <p:cTn id="1" dur="indefinite" restart="never" nodeType="tmRoot">
+          <p:childTnLst>
+            <p:seq concurrent="1" nextAc="seek">
+              <p:cTn id="2" dur="indefinite" nodeType="mainSeq">
+                <p:childTnLst>
+                  <p:par>
+                    <p:cTn id="3" fill="hold">
+                      <p:stCondLst>
+                        <p:cond delay="indefinite"/>
+                        <p:cond evt="onBegin" delay="0">
+                          <p:tn val="2"/>
+                        </p:cond>
+                      </p:stCondLst>
+                      <p:childTnLst>
+                        <p:par>
+                          <p:cTn id="4" fill="hold">
+                            <p:stCondLst>
+                              <p:cond delay="0"/>
+                            </p:stCondLst>
+                            <p:childTnLst>
+                              <p:par>
+                                <p:cTn id="5" presetID="42" presetClass="entr" presetSubtype="0" fill="hold" grpId="0" nodeType="withEffect">
+                                  <p:stCondLst>
+                                    <p:cond delay="0"/>
+                                  </p:stCondLst>
+                                  <p:childTnLst>
+                                    <p:set>
+                                      <p:cBhvr>
+                                        <p:cTn id="6" dur="1" fill="hold">
+                                          <p:stCondLst>
+                                            <p:cond delay="0"/>
+                                          </p:stCondLst>
+                                        </p:cTn>
+                                        <p:tgtEl>
+                                          <p:spTgt spid="4"/>
+                                        </p:tgtEl>
+                                        <p:attrNameLst>
+                                          <p:attrName>style.visibility</p:attrName>
+                                        </p:attrNameLst>
+                                      </p:cBhvr>
+                                      <p:to>
+                                        <p:strVal val="visible"/>
+                                      </p:to>
+                                    </p:set>
+                                    <p:animEffect transition="in" filter="fade">
+                                      <p:cBhvr>
+                                        <p:cTn id="7" dur="1000"/>
+                                        <p:tgtEl>
+                                          <p:spTgt spid="4"/>
+                                        </p:tgtEl>
+                                      </p:cBhvr>
+                                    </p:animEffect>
+                                    <p:anim calcmode="lin" valueType="num">
+                                      <p:cBhvr>
+                                        <p:cTn id="8" dur="1000" fill="hold"/>
+                                        <p:tgtEl>
+                                          <p:spTgt spid="4"/>
+                                        </p:tgtEl>
+                                        <p:attrNameLst>
+                                          <p:attrName>ppt_x</p:attrName>
+                                        </p:attrNameLst>
+                                      </p:cBhvr>
+                                      <p:tavLst>
+                                        <p:tav tm="0">
+                                          <p:val>
+                                            <p:strVal val="#ppt_x"/>
+                                          </p:val>
+                                        </p:tav>
+                                        <p:tav tm="100000">
+                                          <p:val>
+                                            <p:strVal val="#ppt_x"/>
+                                          </p:val>
+                                        </p:tav>
+                                      </p:tavLst>
+                                    </p:anim>
+                                    <p:anim calcmode="lin" valueType="num">
+                                      <p:cBhvr>
+                                        <p:cTn id="9" dur="1000" fill="hold"/>
+                                        <p:tgtEl>
+                                          <p:spTgt spid="4"/>
+                                        </p:tgtEl>
+                                        <p:attrNameLst>
+                                          <p:attrName>ppt_y</p:attrName>
+                                        </p:attrNameLst>
+                                      </p:cBhvr>
+                                      <p:tavLst>
+                                        <p:tav tm="0">
+                                          <p:val>
+                                            <p:strVal val="#ppt_y+.1"/>
+                                          </p:val>
+                                        </p:tav>
+                                        <p:tav tm="100000">
+                                          <p:val>
+                                            <p:strVal val="#ppt_y"/>
+                                          </p:val>
+                                        </p:tav>
+                                      </p:tavLst>
+                                    </p:anim>
+                                  </p:childTnLst>
+                                </p:cTn>
+                              </p:par>
+                            </p:childTnLst>
+                          </p:cTn>
+                        </p:par>
+                        <p:par>
+                          <p:cTn id="10" fill="hold">
+                            <p:stCondLst>
+                              <p:cond delay="1000"/>
+                            </p:stCondLst>
+                            <p:childTnLst>
+                              <p:par>
+                                <p:cTn id="11" presetID="22" presetClass="entr" presetSubtype="8" fill="hold" grpId="0" nodeType="afterEffect">
+                                  <p:stCondLst>
+                                    <p:cond delay="0"/>
+                                  </p:stCondLst>
+                                  <p:childTnLst>
+                                    <p:set>
+                                      <p:cBhvr>
+                                        <p:cTn id="12" dur="1" fill="hold">
+                                          <p:stCondLst>
+                                            <p:cond delay="0"/>
+                                          </p:stCondLst>
+                                        </p:cTn>
+                                        <p:tgtEl>
+                                          <p:spTgt spid="2"/>
+                                        </p:tgtEl>
+                                        <p:attrNameLst>
+                                          <p:attrName>style.visibility</p:attrName>
+                                        </p:attrNameLst>
+                                      </p:cBhvr>
+                                      <p:to>
+                                        <p:strVal val="visible"/>
+                                      </p:to>
+                                    </p:set>
+                                    <p:animEffect transition="in" filter="wipe(left)">
+                                      <p:cBhvr>
+                                        <p:cTn id="13" dur="500"/>
+                                        <p:tgtEl>
+                                          <p:spTgt spid="2"/>
+                                        </p:tgtEl>
+                                      </p:cBhvr>
+                                    </p:animEffect>
+                                  </p:childTnLst>
+                                </p:cTn>
+                              </p:par>
+                              <p:par>
+                                <p:cTn id="14" presetID="22" presetClass="entr" presetSubtype="8" fill="hold" grpId="0" nodeType="withEffect">
+                                  <p:stCondLst>
+                                    <p:cond delay="0"/>
+                                  </p:stCondLst>
+                                  <p:childTnLst>
+                                    <p:set>
+                                      <p:cBhvr>
+                                        <p:cTn id="15" dur="1" fill="hold">
+                                          <p:stCondLst>
+                                            <p:cond delay="0"/>
+                                          </p:stCondLst>
+                                        </p:cTn>
+                                        <p:tgtEl>
+                                          <p:spTgt spid="3"/>
+                                        </p:tgtEl>
+                                        <p:attrNameLst>
+                                          <p:attrName>style.visibility</p:attrName>
+                                        </p:attrNameLst>
+                                      </p:cBhvr>
+                                      <p:to>
+                                        <p:strVal val="visible"/>
+                                      </p:to>
+                                    </p:set>
+                                    <p:animEffect transition="in" filter="wipe(left)">
+                                      <p:cBhvr>
+                                        <p:cTn id="16" dur="500"/>
+                                        <p:tgtEl>
+                                          <p:spTgt spid="3"/>
+                                        </p:tgtEl>
+                                      </p:cBhvr>
+                                    </p:animEffect>
+                                  </p:childTnLst>
+                                </p:cTn>
+                              </p:par>
+                            </p:childTnLst>
+                          </p:cTn>
+                        </p:par>
+                      </p:childTnLst>
+                    </p:cTn>
+                  </p:par>
+                </p:childTnLst>
+              </p:cTn>
+              <p:prevCondLst>
+                <p:cond evt="onPrev" delay="0">
+                  <p:tgtEl>
+                    <p:sldTgt/>
+                  </p:tgtEl>
+                </p:cond>
+              </p:prevCondLst>
+              <p:nextCondLst>
+                <p:cond evt="onNext" delay="0">
+                  <p:tgtEl>
+                    <p:sldTgt/>
+                  </p:tgtEl>
+                </p:cond>
+              </p:nextCondLst>
+            </p:seq>
+          </p:childTnLst>
+        </p:cTn>
+      </p:par>
+    </p:tnLst>
+    <p:bldLst>
+      <p:bldP spid="2" grpId="0"/>
+      <p:bldP spid="3" grpId="0"/>
+      <p:bldP spid="4" grpId="0"/>
+    </p:bldLst>
+  </p:timing>
+</p:sld>
+</file>
+
+<file path=ppt/slides/slide21.xml><?xml version="1.0" encoding="utf-8"?>
 <p:sld xmlns:a="http://schemas.openxmlformats.org/drawingml/2006/main" xmlns:r="http://schemas.openxmlformats.org/officeDocument/2006/relationships" xmlns:p="http://schemas.openxmlformats.org/presentationml/2006/main">
   <p:cSld>
     <p:spTree>
@@ -28827,10 +30989,10 @@
           </p:nvGrpSpPr>
           <p:grpSpPr>
             <a:xfrm>
-              <a:off x="1473880" y="1762334"/>
-              <a:ext cx="1784399" cy="509691"/>
-              <a:chOff x="1877100" y="2531136"/>
-              <a:chExt cx="2587016" cy="679586"/>
+              <a:off x="1233238" y="1762334"/>
+              <a:ext cx="2025042" cy="509691"/>
+              <a:chOff x="1528218" y="2531136"/>
+              <a:chExt cx="2935899" cy="679586"/>
             </a:xfrm>
           </p:grpSpPr>
           <p:sp>
@@ -28888,8 +31050,8 @@
             </p:nvSpPr>
             <p:spPr>
               <a:xfrm>
-                <a:off x="1877100" y="2900467"/>
-                <a:ext cx="2587016" cy="310255"/>
+                <a:off x="1528218" y="2900467"/>
+                <a:ext cx="2935899" cy="310255"/>
               </a:xfrm>
               <a:prstGeom prst="rect">
                 <a:avLst/>
@@ -28939,7 +31101,7 @@
                     <a:ea typeface="微软雅黑 Light" panose="020B0502040204020203" pitchFamily="34" charset="-122"/>
                     <a:hlinkClick r:id="rId6"/>
                   </a:rPr>
-                  <a:t>type-challenges</a:t>
+                  <a:t>typescript-challenges</a:t>
                 </a:r>
                 <a:endParaRPr lang="en-US" altLang="zh-CN" sz="800" dirty="0">
                   <a:solidFill>
@@ -29315,7 +31477,7 @@
 </p:sld>
 </file>
 
-<file path=ppt/slides/slide21.xml><?xml version="1.0" encoding="utf-8"?>
+<file path=ppt/slides/slide22.xml><?xml version="1.0" encoding="utf-8"?>
 <p:sld xmlns:a="http://schemas.openxmlformats.org/drawingml/2006/main" xmlns:r="http://schemas.openxmlformats.org/officeDocument/2006/relationships" xmlns:p="http://schemas.openxmlformats.org/presentationml/2006/main">
   <p:cSld>
     <p:spTree>
@@ -37560,113 +39722,6 @@
       </p:grpSp>
       <p:grpSp>
         <p:nvGrpSpPr>
-          <p:cNvPr id="101" name="组合 16"/>
-          <p:cNvGrpSpPr/>
-          <p:nvPr/>
-        </p:nvGrpSpPr>
-        <p:grpSpPr>
-          <a:xfrm>
-            <a:off x="6200380" y="757598"/>
-            <a:ext cx="1197907" cy="1194766"/>
-            <a:chOff x="9300895" y="1351498"/>
-            <a:chExt cx="1792285" cy="1787608"/>
-          </a:xfrm>
-        </p:grpSpPr>
-        <p:sp>
-          <p:nvSpPr>
-            <p:cNvPr id="102" name="Oval Callout 10"/>
-            <p:cNvSpPr/>
-            <p:nvPr/>
-          </p:nvSpPr>
-          <p:spPr bwMode="auto">
-            <a:xfrm rot="20704326">
-              <a:off x="9300895" y="1351498"/>
-              <a:ext cx="1792285" cy="1787608"/>
-            </a:xfrm>
-            <a:prstGeom prst="wedgeEllipseCallout">
-              <a:avLst/>
-            </a:prstGeom>
-            <a:gradFill>
-              <a:gsLst>
-                <a:gs pos="0">
-                  <a:schemeClr val="bg1">
-                    <a:lumMod val="82000"/>
-                    <a:lumOff val="18000"/>
-                  </a:schemeClr>
-                </a:gs>
-                <a:gs pos="47000">
-                  <a:srgbClr val="F5F5F5"/>
-                </a:gs>
-                <a:gs pos="100000">
-                  <a:schemeClr val="bg1">
-                    <a:lumMod val="95000"/>
-                    <a:lumOff val="5000"/>
-                  </a:schemeClr>
-                </a:gs>
-              </a:gsLst>
-              <a:lin ang="18900000" scaled="0"/>
-            </a:gradFill>
-            <a:ln w="7938" cap="flat">
-              <a:noFill/>
-              <a:prstDash val="solid"/>
-              <a:miter lim="800000"/>
-            </a:ln>
-            <a:effectLst>
-              <a:outerShdw blurRad="228600" dist="114300" dir="2700000" algn="tl" rotWithShape="0">
-                <a:prstClr val="black">
-                  <a:alpha val="25000"/>
-                </a:prstClr>
-              </a:outerShdw>
-            </a:effectLst>
-          </p:spPr>
-          <p:txBody>
-            <a:bodyPr vert="horz" wrap="square" lIns="94124" tIns="47062" rIns="94124" bIns="47062" numCol="1" anchor="t" anchorCtr="0" compatLnSpc="1"/>
-            <a:lstStyle/>
-            <a:p>
-              <a:endParaRPr lang="en-US" sz="1600" dirty="0">
-                <a:ea typeface="微软雅黑 Light" panose="020B0502040204020203" pitchFamily="34" charset="-122"/>
-                <a:sym typeface="Gill Sans" charset="0"/>
-              </a:endParaRPr>
-            </a:p>
-          </p:txBody>
-        </p:sp>
-        <p:sp>
-          <p:nvSpPr>
-            <p:cNvPr id="103" name="椭圆 102"/>
-            <p:cNvSpPr/>
-            <p:nvPr/>
-          </p:nvSpPr>
-          <p:spPr>
-            <a:xfrm>
-              <a:off x="9457949" y="1496189"/>
-              <a:ext cx="1498226" cy="1498226"/>
-            </a:xfrm>
-            <a:prstGeom prst="ellipse">
-              <a:avLst/>
-            </a:prstGeom>
-            <a:solidFill>
-              <a:schemeClr val="accent1"/>
-            </a:solidFill>
-            <a:ln w="7938" cap="flat">
-              <a:noFill/>
-              <a:prstDash val="solid"/>
-              <a:miter lim="800000"/>
-            </a:ln>
-            <a:effectLst/>
-          </p:spPr>
-          <p:txBody>
-            <a:bodyPr vert="horz" wrap="square" lIns="94124" tIns="47062" rIns="94124" bIns="47062" numCol="1" anchor="t" anchorCtr="0" compatLnSpc="1"/>
-            <a:lstStyle/>
-            <a:p>
-              <a:endParaRPr lang="zh-CN" altLang="en-US" sz="1600" dirty="0">
-                <a:ea typeface="微软雅黑 Light" panose="020B0502040204020203" pitchFamily="34" charset="-122"/>
-              </a:endParaRPr>
-            </a:p>
-          </p:txBody>
-        </p:sp>
-      </p:grpSp>
-      <p:grpSp>
-        <p:nvGrpSpPr>
           <p:cNvPr id="105" name="组合 17"/>
           <p:cNvGrpSpPr/>
           <p:nvPr/>
@@ -38258,7 +40313,7 @@
         </p:nvSpPr>
         <p:spPr bwMode="auto">
           <a:xfrm>
-            <a:off x="3355799" y="1497309"/>
+            <a:off x="3425784" y="1487165"/>
             <a:ext cx="787523" cy="381752"/>
           </a:xfrm>
           <a:prstGeom prst="rect">
@@ -38347,7 +40402,7 @@
         </p:nvSpPr>
         <p:spPr bwMode="auto">
           <a:xfrm>
-            <a:off x="7732249" y="3369211"/>
+            <a:off x="7707720" y="3482437"/>
             <a:ext cx="821571" cy="385304"/>
           </a:xfrm>
           <a:prstGeom prst="rect">
@@ -39081,7 +41136,7 @@
                             </p:stCondLst>
                             <p:childTnLst>
                               <p:par>
-                                <p:cTn id="40" presetID="53" presetClass="entr" presetSubtype="16" fill="hold" nodeType="afterEffect">
+                                <p:cTn id="40" presetID="16" presetClass="entr" presetSubtype="21" fill="hold" grpId="0" nodeType="afterEffect">
                                   <p:stCondLst>
                                     <p:cond delay="0"/>
                                   </p:stCondLst>
@@ -39089,420 +41144,6 @@
                                     <p:set>
                                       <p:cBhvr>
                                         <p:cTn id="41" dur="1" fill="hold">
-                                          <p:stCondLst>
-                                            <p:cond delay="0"/>
-                                          </p:stCondLst>
-                                        </p:cTn>
-                                        <p:tgtEl>
-                                          <p:spTgt spid="87"/>
-                                        </p:tgtEl>
-                                        <p:attrNameLst>
-                                          <p:attrName>style.visibility</p:attrName>
-                                        </p:attrNameLst>
-                                      </p:cBhvr>
-                                      <p:to>
-                                        <p:strVal val="visible"/>
-                                      </p:to>
-                                    </p:set>
-                                    <p:anim calcmode="lin" valueType="num">
-                                      <p:cBhvr>
-                                        <p:cTn id="42" dur="500" fill="hold"/>
-                                        <p:tgtEl>
-                                          <p:spTgt spid="87"/>
-                                        </p:tgtEl>
-                                        <p:attrNameLst>
-                                          <p:attrName>ppt_w</p:attrName>
-                                        </p:attrNameLst>
-                                      </p:cBhvr>
-                                      <p:tavLst>
-                                        <p:tav tm="0">
-                                          <p:val>
-                                            <p:fltVal val="0"/>
-                                          </p:val>
-                                        </p:tav>
-                                        <p:tav tm="100000">
-                                          <p:val>
-                                            <p:strVal val="#ppt_w"/>
-                                          </p:val>
-                                        </p:tav>
-                                      </p:tavLst>
-                                    </p:anim>
-                                    <p:anim calcmode="lin" valueType="num">
-                                      <p:cBhvr>
-                                        <p:cTn id="43" dur="500" fill="hold"/>
-                                        <p:tgtEl>
-                                          <p:spTgt spid="87"/>
-                                        </p:tgtEl>
-                                        <p:attrNameLst>
-                                          <p:attrName>ppt_h</p:attrName>
-                                        </p:attrNameLst>
-                                      </p:cBhvr>
-                                      <p:tavLst>
-                                        <p:tav tm="0">
-                                          <p:val>
-                                            <p:fltVal val="0"/>
-                                          </p:val>
-                                        </p:tav>
-                                        <p:tav tm="100000">
-                                          <p:val>
-                                            <p:strVal val="#ppt_h"/>
-                                          </p:val>
-                                        </p:tav>
-                                      </p:tavLst>
-                                    </p:anim>
-                                    <p:animEffect transition="in" filter="fade">
-                                      <p:cBhvr>
-                                        <p:cTn id="44" dur="500"/>
-                                        <p:tgtEl>
-                                          <p:spTgt spid="87"/>
-                                        </p:tgtEl>
-                                      </p:cBhvr>
-                                    </p:animEffect>
-                                  </p:childTnLst>
-                                </p:cTn>
-                              </p:par>
-                              <p:par>
-                                <p:cTn id="45" presetID="53" presetClass="entr" presetSubtype="16" fill="hold" nodeType="withEffect">
-                                  <p:stCondLst>
-                                    <p:cond delay="0"/>
-                                  </p:stCondLst>
-                                  <p:childTnLst>
-                                    <p:set>
-                                      <p:cBhvr>
-                                        <p:cTn id="46" dur="1" fill="hold">
-                                          <p:stCondLst>
-                                            <p:cond delay="0"/>
-                                          </p:stCondLst>
-                                        </p:cTn>
-                                        <p:tgtEl>
-                                          <p:spTgt spid="92"/>
-                                        </p:tgtEl>
-                                        <p:attrNameLst>
-                                          <p:attrName>style.visibility</p:attrName>
-                                        </p:attrNameLst>
-                                      </p:cBhvr>
-                                      <p:to>
-                                        <p:strVal val="visible"/>
-                                      </p:to>
-                                    </p:set>
-                                    <p:anim calcmode="lin" valueType="num">
-                                      <p:cBhvr>
-                                        <p:cTn id="47" dur="500" fill="hold"/>
-                                        <p:tgtEl>
-                                          <p:spTgt spid="92"/>
-                                        </p:tgtEl>
-                                        <p:attrNameLst>
-                                          <p:attrName>ppt_w</p:attrName>
-                                        </p:attrNameLst>
-                                      </p:cBhvr>
-                                      <p:tavLst>
-                                        <p:tav tm="0">
-                                          <p:val>
-                                            <p:fltVal val="0"/>
-                                          </p:val>
-                                        </p:tav>
-                                        <p:tav tm="100000">
-                                          <p:val>
-                                            <p:strVal val="#ppt_w"/>
-                                          </p:val>
-                                        </p:tav>
-                                      </p:tavLst>
-                                    </p:anim>
-                                    <p:anim calcmode="lin" valueType="num">
-                                      <p:cBhvr>
-                                        <p:cTn id="48" dur="500" fill="hold"/>
-                                        <p:tgtEl>
-                                          <p:spTgt spid="92"/>
-                                        </p:tgtEl>
-                                        <p:attrNameLst>
-                                          <p:attrName>ppt_h</p:attrName>
-                                        </p:attrNameLst>
-                                      </p:cBhvr>
-                                      <p:tavLst>
-                                        <p:tav tm="0">
-                                          <p:val>
-                                            <p:fltVal val="0"/>
-                                          </p:val>
-                                        </p:tav>
-                                        <p:tav tm="100000">
-                                          <p:val>
-                                            <p:strVal val="#ppt_h"/>
-                                          </p:val>
-                                        </p:tav>
-                                      </p:tavLst>
-                                    </p:anim>
-                                    <p:animEffect transition="in" filter="fade">
-                                      <p:cBhvr>
-                                        <p:cTn id="49" dur="500"/>
-                                        <p:tgtEl>
-                                          <p:spTgt spid="92"/>
-                                        </p:tgtEl>
-                                      </p:cBhvr>
-                                    </p:animEffect>
-                                  </p:childTnLst>
-                                </p:cTn>
-                              </p:par>
-                              <p:par>
-                                <p:cTn id="50" presetID="53" presetClass="entr" presetSubtype="16" fill="hold" nodeType="withEffect">
-                                  <p:stCondLst>
-                                    <p:cond delay="0"/>
-                                  </p:stCondLst>
-                                  <p:childTnLst>
-                                    <p:set>
-                                      <p:cBhvr>
-                                        <p:cTn id="51" dur="1" fill="hold">
-                                          <p:stCondLst>
-                                            <p:cond delay="0"/>
-                                          </p:stCondLst>
-                                        </p:cTn>
-                                        <p:tgtEl>
-                                          <p:spTgt spid="96"/>
-                                        </p:tgtEl>
-                                        <p:attrNameLst>
-                                          <p:attrName>style.visibility</p:attrName>
-                                        </p:attrNameLst>
-                                      </p:cBhvr>
-                                      <p:to>
-                                        <p:strVal val="visible"/>
-                                      </p:to>
-                                    </p:set>
-                                    <p:anim calcmode="lin" valueType="num">
-                                      <p:cBhvr>
-                                        <p:cTn id="52" dur="500" fill="hold"/>
-                                        <p:tgtEl>
-                                          <p:spTgt spid="96"/>
-                                        </p:tgtEl>
-                                        <p:attrNameLst>
-                                          <p:attrName>ppt_w</p:attrName>
-                                        </p:attrNameLst>
-                                      </p:cBhvr>
-                                      <p:tavLst>
-                                        <p:tav tm="0">
-                                          <p:val>
-                                            <p:fltVal val="0"/>
-                                          </p:val>
-                                        </p:tav>
-                                        <p:tav tm="100000">
-                                          <p:val>
-                                            <p:strVal val="#ppt_w"/>
-                                          </p:val>
-                                        </p:tav>
-                                      </p:tavLst>
-                                    </p:anim>
-                                    <p:anim calcmode="lin" valueType="num">
-                                      <p:cBhvr>
-                                        <p:cTn id="53" dur="500" fill="hold"/>
-                                        <p:tgtEl>
-                                          <p:spTgt spid="96"/>
-                                        </p:tgtEl>
-                                        <p:attrNameLst>
-                                          <p:attrName>ppt_h</p:attrName>
-                                        </p:attrNameLst>
-                                      </p:cBhvr>
-                                      <p:tavLst>
-                                        <p:tav tm="0">
-                                          <p:val>
-                                            <p:fltVal val="0"/>
-                                          </p:val>
-                                        </p:tav>
-                                        <p:tav tm="100000">
-                                          <p:val>
-                                            <p:strVal val="#ppt_h"/>
-                                          </p:val>
-                                        </p:tav>
-                                      </p:tavLst>
-                                    </p:anim>
-                                    <p:animEffect transition="in" filter="fade">
-                                      <p:cBhvr>
-                                        <p:cTn id="54" dur="500"/>
-                                        <p:tgtEl>
-                                          <p:spTgt spid="96"/>
-                                        </p:tgtEl>
-                                      </p:cBhvr>
-                                    </p:animEffect>
-                                  </p:childTnLst>
-                                </p:cTn>
-                              </p:par>
-                              <p:par>
-                                <p:cTn id="55" presetID="53" presetClass="entr" presetSubtype="16" fill="hold" nodeType="withEffect">
-                                  <p:stCondLst>
-                                    <p:cond delay="0"/>
-                                  </p:stCondLst>
-                                  <p:childTnLst>
-                                    <p:set>
-                                      <p:cBhvr>
-                                        <p:cTn id="56" dur="1" fill="hold">
-                                          <p:stCondLst>
-                                            <p:cond delay="0"/>
-                                          </p:stCondLst>
-                                        </p:cTn>
-                                        <p:tgtEl>
-                                          <p:spTgt spid="101"/>
-                                        </p:tgtEl>
-                                        <p:attrNameLst>
-                                          <p:attrName>style.visibility</p:attrName>
-                                        </p:attrNameLst>
-                                      </p:cBhvr>
-                                      <p:to>
-                                        <p:strVal val="visible"/>
-                                      </p:to>
-                                    </p:set>
-                                    <p:anim calcmode="lin" valueType="num">
-                                      <p:cBhvr>
-                                        <p:cTn id="57" dur="500" fill="hold"/>
-                                        <p:tgtEl>
-                                          <p:spTgt spid="101"/>
-                                        </p:tgtEl>
-                                        <p:attrNameLst>
-                                          <p:attrName>ppt_w</p:attrName>
-                                        </p:attrNameLst>
-                                      </p:cBhvr>
-                                      <p:tavLst>
-                                        <p:tav tm="0">
-                                          <p:val>
-                                            <p:fltVal val="0"/>
-                                          </p:val>
-                                        </p:tav>
-                                        <p:tav tm="100000">
-                                          <p:val>
-                                            <p:strVal val="#ppt_w"/>
-                                          </p:val>
-                                        </p:tav>
-                                      </p:tavLst>
-                                    </p:anim>
-                                    <p:anim calcmode="lin" valueType="num">
-                                      <p:cBhvr>
-                                        <p:cTn id="58" dur="500" fill="hold"/>
-                                        <p:tgtEl>
-                                          <p:spTgt spid="101"/>
-                                        </p:tgtEl>
-                                        <p:attrNameLst>
-                                          <p:attrName>ppt_h</p:attrName>
-                                        </p:attrNameLst>
-                                      </p:cBhvr>
-                                      <p:tavLst>
-                                        <p:tav tm="0">
-                                          <p:val>
-                                            <p:fltVal val="0"/>
-                                          </p:val>
-                                        </p:tav>
-                                        <p:tav tm="100000">
-                                          <p:val>
-                                            <p:strVal val="#ppt_h"/>
-                                          </p:val>
-                                        </p:tav>
-                                      </p:tavLst>
-                                    </p:anim>
-                                    <p:animEffect transition="in" filter="fade">
-                                      <p:cBhvr>
-                                        <p:cTn id="59" dur="500"/>
-                                        <p:tgtEl>
-                                          <p:spTgt spid="101"/>
-                                        </p:tgtEl>
-                                      </p:cBhvr>
-                                    </p:animEffect>
-                                  </p:childTnLst>
-                                </p:cTn>
-                              </p:par>
-                              <p:par>
-                                <p:cTn id="60" presetID="53" presetClass="entr" presetSubtype="16" fill="hold" nodeType="withEffect">
-                                  <p:stCondLst>
-                                    <p:cond delay="0"/>
-                                  </p:stCondLst>
-                                  <p:childTnLst>
-                                    <p:set>
-                                      <p:cBhvr>
-                                        <p:cTn id="61" dur="1" fill="hold">
-                                          <p:stCondLst>
-                                            <p:cond delay="0"/>
-                                          </p:stCondLst>
-                                        </p:cTn>
-                                        <p:tgtEl>
-                                          <p:spTgt spid="105"/>
-                                        </p:tgtEl>
-                                        <p:attrNameLst>
-                                          <p:attrName>style.visibility</p:attrName>
-                                        </p:attrNameLst>
-                                      </p:cBhvr>
-                                      <p:to>
-                                        <p:strVal val="visible"/>
-                                      </p:to>
-                                    </p:set>
-                                    <p:anim calcmode="lin" valueType="num">
-                                      <p:cBhvr>
-                                        <p:cTn id="62" dur="500" fill="hold"/>
-                                        <p:tgtEl>
-                                          <p:spTgt spid="105"/>
-                                        </p:tgtEl>
-                                        <p:attrNameLst>
-                                          <p:attrName>ppt_w</p:attrName>
-                                        </p:attrNameLst>
-                                      </p:cBhvr>
-                                      <p:tavLst>
-                                        <p:tav tm="0">
-                                          <p:val>
-                                            <p:fltVal val="0"/>
-                                          </p:val>
-                                        </p:tav>
-                                        <p:tav tm="100000">
-                                          <p:val>
-                                            <p:strVal val="#ppt_w"/>
-                                          </p:val>
-                                        </p:tav>
-                                      </p:tavLst>
-                                    </p:anim>
-                                    <p:anim calcmode="lin" valueType="num">
-                                      <p:cBhvr>
-                                        <p:cTn id="63" dur="500" fill="hold"/>
-                                        <p:tgtEl>
-                                          <p:spTgt spid="105"/>
-                                        </p:tgtEl>
-                                        <p:attrNameLst>
-                                          <p:attrName>ppt_h</p:attrName>
-                                        </p:attrNameLst>
-                                      </p:cBhvr>
-                                      <p:tavLst>
-                                        <p:tav tm="0">
-                                          <p:val>
-                                            <p:fltVal val="0"/>
-                                          </p:val>
-                                        </p:tav>
-                                        <p:tav tm="100000">
-                                          <p:val>
-                                            <p:strVal val="#ppt_h"/>
-                                          </p:val>
-                                        </p:tav>
-                                      </p:tavLst>
-                                    </p:anim>
-                                    <p:animEffect transition="in" filter="fade">
-                                      <p:cBhvr>
-                                        <p:cTn id="64" dur="500"/>
-                                        <p:tgtEl>
-                                          <p:spTgt spid="105"/>
-                                        </p:tgtEl>
-                                      </p:cBhvr>
-                                    </p:animEffect>
-                                  </p:childTnLst>
-                                </p:cTn>
-                              </p:par>
-                            </p:childTnLst>
-                          </p:cTn>
-                        </p:par>
-                        <p:par>
-                          <p:cTn id="65" fill="hold">
-                            <p:stCondLst>
-                              <p:cond delay="2750"/>
-                            </p:stCondLst>
-                            <p:childTnLst>
-                              <p:par>
-                                <p:cTn id="66" presetID="16" presetClass="entr" presetSubtype="21" fill="hold" grpId="0" nodeType="afterEffect">
-                                  <p:stCondLst>
-                                    <p:cond delay="0"/>
-                                  </p:stCondLst>
-                                  <p:childTnLst>
-                                    <p:set>
-                                      <p:cBhvr>
-                                        <p:cTn id="67" dur="1" fill="hold">
                                           <p:stCondLst>
                                             <p:cond delay="0"/>
                                           </p:stCondLst>
@@ -39520,7 +41161,7 @@
                                     </p:set>
                                     <p:animEffect transition="in" filter="barn(inVertical)">
                                       <p:cBhvr>
-                                        <p:cTn id="68" dur="500"/>
+                                        <p:cTn id="42" dur="500"/>
                                         <p:tgtEl>
                                           <p:spTgt spid="82"/>
                                         </p:tgtEl>
@@ -39530,14 +41171,373 @@
                                 </p:cTn>
                               </p:par>
                               <p:par>
-                                <p:cTn id="69" presetID="16" presetClass="entr" presetSubtype="21" fill="hold" grpId="0" nodeType="withEffect">
+                                <p:cTn id="43" presetID="16" presetClass="entr" presetSubtype="21" fill="hold" grpId="0" nodeType="withEffect">
+                                  <p:stCondLst>
+                                    <p:cond delay="1000"/>
+                                  </p:stCondLst>
+                                  <p:childTnLst>
+                                    <p:set>
+                                      <p:cBhvr>
+                                        <p:cTn id="44" dur="1" fill="hold">
+                                          <p:stCondLst>
+                                            <p:cond delay="0"/>
+                                          </p:stCondLst>
+                                        </p:cTn>
+                                        <p:tgtEl>
+                                          <p:spTgt spid="86"/>
+                                        </p:tgtEl>
+                                        <p:attrNameLst>
+                                          <p:attrName>style.visibility</p:attrName>
+                                        </p:attrNameLst>
+                                      </p:cBhvr>
+                                      <p:to>
+                                        <p:strVal val="visible"/>
+                                      </p:to>
+                                    </p:set>
+                                    <p:animEffect transition="in" filter="barn(inVertical)">
+                                      <p:cBhvr>
+                                        <p:cTn id="45" dur="500"/>
+                                        <p:tgtEl>
+                                          <p:spTgt spid="86"/>
+                                        </p:tgtEl>
+                                      </p:cBhvr>
+                                    </p:animEffect>
+                                  </p:childTnLst>
+                                </p:cTn>
+                              </p:par>
+                            </p:childTnLst>
+                          </p:cTn>
+                        </p:par>
+                        <p:par>
+                          <p:cTn id="46" fill="hold">
+                            <p:stCondLst>
+                              <p:cond delay="3750"/>
+                            </p:stCondLst>
+                            <p:childTnLst>
+                              <p:par>
+                                <p:cTn id="47" presetID="16" presetClass="entr" presetSubtype="21" fill="hold" grpId="0" nodeType="afterEffect">
+                                  <p:stCondLst>
+                                    <p:cond delay="0"/>
+                                  </p:stCondLst>
+                                  <p:childTnLst>
+                                    <p:set>
+                                      <p:cBhvr>
+                                        <p:cTn id="48" dur="1" fill="hold">
+                                          <p:stCondLst>
+                                            <p:cond delay="0"/>
+                                          </p:stCondLst>
+                                        </p:cTn>
+                                        <p:tgtEl>
+                                          <p:spTgt spid="120"/>
+                                        </p:tgtEl>
+                                        <p:attrNameLst>
+                                          <p:attrName>style.visibility</p:attrName>
+                                        </p:attrNameLst>
+                                      </p:cBhvr>
+                                      <p:to>
+                                        <p:strVal val="visible"/>
+                                      </p:to>
+                                    </p:set>
+                                    <p:animEffect transition="in" filter="barn(inVertical)">
+                                      <p:cBhvr>
+                                        <p:cTn id="49" dur="500"/>
+                                        <p:tgtEl>
+                                          <p:spTgt spid="120"/>
+                                        </p:tgtEl>
+                                      </p:cBhvr>
+                                    </p:animEffect>
+                                  </p:childTnLst>
+                                </p:cTn>
+                              </p:par>
+                              <p:par>
+                                <p:cTn id="50" presetID="16" presetClass="entr" presetSubtype="21" fill="hold" grpId="0" nodeType="withEffect">
                                   <p:stCondLst>
                                     <p:cond delay="250"/>
                                   </p:stCondLst>
                                   <p:childTnLst>
                                     <p:set>
                                       <p:cBhvr>
-                                        <p:cTn id="70" dur="1" fill="hold">
+                                        <p:cTn id="51" dur="1" fill="hold">
+                                          <p:stCondLst>
+                                            <p:cond delay="0"/>
+                                          </p:stCondLst>
+                                        </p:cTn>
+                                        <p:tgtEl>
+                                          <p:spTgt spid="121"/>
+                                        </p:tgtEl>
+                                        <p:attrNameLst>
+                                          <p:attrName>style.visibility</p:attrName>
+                                        </p:attrNameLst>
+                                      </p:cBhvr>
+                                      <p:to>
+                                        <p:strVal val="visible"/>
+                                      </p:to>
+                                    </p:set>
+                                    <p:animEffect transition="in" filter="barn(inVertical)">
+                                      <p:cBhvr>
+                                        <p:cTn id="52" dur="500"/>
+                                        <p:tgtEl>
+                                          <p:spTgt spid="121"/>
+                                        </p:tgtEl>
+                                      </p:cBhvr>
+                                    </p:animEffect>
+                                  </p:childTnLst>
+                                </p:cTn>
+                              </p:par>
+                              <p:par>
+                                <p:cTn id="53" presetID="16" presetClass="entr" presetSubtype="21" fill="hold" nodeType="withEffect">
+                                  <p:stCondLst>
+                                    <p:cond delay="250"/>
+                                  </p:stCondLst>
+                                  <p:childTnLst>
+                                    <p:set>
+                                      <p:cBhvr>
+                                        <p:cTn id="54" dur="1" fill="hold">
+                                          <p:stCondLst>
+                                            <p:cond delay="0"/>
+                                          </p:stCondLst>
+                                        </p:cTn>
+                                        <p:tgtEl>
+                                          <p:spTgt spid="87"/>
+                                        </p:tgtEl>
+                                        <p:attrNameLst>
+                                          <p:attrName>style.visibility</p:attrName>
+                                        </p:attrNameLst>
+                                      </p:cBhvr>
+                                      <p:to>
+                                        <p:strVal val="visible"/>
+                                      </p:to>
+                                    </p:set>
+                                    <p:animEffect transition="in" filter="barn(inVertical)">
+                                      <p:cBhvr>
+                                        <p:cTn id="55" dur="500"/>
+                                        <p:tgtEl>
+                                          <p:spTgt spid="87"/>
+                                        </p:tgtEl>
+                                      </p:cBhvr>
+                                    </p:animEffect>
+                                  </p:childTnLst>
+                                </p:cTn>
+                              </p:par>
+                              <p:par>
+                                <p:cTn id="56" presetID="16" presetClass="entr" presetSubtype="21" fill="hold" nodeType="withEffect">
+                                  <p:stCondLst>
+                                    <p:cond delay="250"/>
+                                  </p:stCondLst>
+                                  <p:childTnLst>
+                                    <p:set>
+                                      <p:cBhvr>
+                                        <p:cTn id="57" dur="1" fill="hold">
+                                          <p:stCondLst>
+                                            <p:cond delay="0"/>
+                                          </p:stCondLst>
+                                        </p:cTn>
+                                        <p:tgtEl>
+                                          <p:spTgt spid="92"/>
+                                        </p:tgtEl>
+                                        <p:attrNameLst>
+                                          <p:attrName>style.visibility</p:attrName>
+                                        </p:attrNameLst>
+                                      </p:cBhvr>
+                                      <p:to>
+                                        <p:strVal val="visible"/>
+                                      </p:to>
+                                    </p:set>
+                                    <p:animEffect transition="in" filter="barn(inVertical)">
+                                      <p:cBhvr>
+                                        <p:cTn id="58" dur="500"/>
+                                        <p:tgtEl>
+                                          <p:spTgt spid="92"/>
+                                        </p:tgtEl>
+                                      </p:cBhvr>
+                                    </p:animEffect>
+                                  </p:childTnLst>
+                                </p:cTn>
+                              </p:par>
+                              <p:par>
+                                <p:cTn id="59" presetID="16" presetClass="entr" presetSubtype="21" fill="hold" grpId="0" nodeType="withEffect">
+                                  <p:stCondLst>
+                                    <p:cond delay="250"/>
+                                  </p:stCondLst>
+                                  <p:childTnLst>
+                                    <p:set>
+                                      <p:cBhvr>
+                                        <p:cTn id="60" dur="1" fill="hold">
+                                          <p:stCondLst>
+                                            <p:cond delay="0"/>
+                                          </p:stCondLst>
+                                        </p:cTn>
+                                        <p:tgtEl>
+                                          <p:spTgt spid="117"/>
+                                        </p:tgtEl>
+                                        <p:attrNameLst>
+                                          <p:attrName>style.visibility</p:attrName>
+                                        </p:attrNameLst>
+                                      </p:cBhvr>
+                                      <p:to>
+                                        <p:strVal val="visible"/>
+                                      </p:to>
+                                    </p:set>
+                                    <p:animEffect transition="in" filter="barn(inVertical)">
+                                      <p:cBhvr>
+                                        <p:cTn id="61" dur="500"/>
+                                        <p:tgtEl>
+                                          <p:spTgt spid="117"/>
+                                        </p:tgtEl>
+                                      </p:cBhvr>
+                                    </p:animEffect>
+                                  </p:childTnLst>
+                                </p:cTn>
+                              </p:par>
+                              <p:par>
+                                <p:cTn id="62" presetID="16" presetClass="entr" presetSubtype="21" fill="hold" grpId="0" nodeType="withEffect">
+                                  <p:stCondLst>
+                                    <p:cond delay="250"/>
+                                  </p:stCondLst>
+                                  <p:childTnLst>
+                                    <p:set>
+                                      <p:cBhvr>
+                                        <p:cTn id="63" dur="1" fill="hold">
+                                          <p:stCondLst>
+                                            <p:cond delay="0"/>
+                                          </p:stCondLst>
+                                        </p:cTn>
+                                        <p:tgtEl>
+                                          <p:spTgt spid="118"/>
+                                        </p:tgtEl>
+                                        <p:attrNameLst>
+                                          <p:attrName>style.visibility</p:attrName>
+                                        </p:attrNameLst>
+                                      </p:cBhvr>
+                                      <p:to>
+                                        <p:strVal val="visible"/>
+                                      </p:to>
+                                    </p:set>
+                                    <p:animEffect transition="in" filter="barn(inVertical)">
+                                      <p:cBhvr>
+                                        <p:cTn id="64" dur="500"/>
+                                        <p:tgtEl>
+                                          <p:spTgt spid="118"/>
+                                        </p:tgtEl>
+                                      </p:cBhvr>
+                                    </p:animEffect>
+                                  </p:childTnLst>
+                                </p:cTn>
+                              </p:par>
+                              <p:par>
+                                <p:cTn id="65" presetID="16" presetClass="entr" presetSubtype="21" fill="hold" grpId="0" nodeType="withEffect">
+                                  <p:stCondLst>
+                                    <p:cond delay="250"/>
+                                  </p:stCondLst>
+                                  <p:childTnLst>
+                                    <p:set>
+                                      <p:cBhvr>
+                                        <p:cTn id="66" dur="1" fill="hold">
+                                          <p:stCondLst>
+                                            <p:cond delay="0"/>
+                                          </p:stCondLst>
+                                        </p:cTn>
+                                        <p:tgtEl>
+                                          <p:spTgt spid="119"/>
+                                        </p:tgtEl>
+                                        <p:attrNameLst>
+                                          <p:attrName>style.visibility</p:attrName>
+                                        </p:attrNameLst>
+                                      </p:cBhvr>
+                                      <p:to>
+                                        <p:strVal val="visible"/>
+                                      </p:to>
+                                    </p:set>
+                                    <p:animEffect transition="in" filter="barn(inVertical)">
+                                      <p:cBhvr>
+                                        <p:cTn id="67" dur="500"/>
+                                        <p:tgtEl>
+                                          <p:spTgt spid="119"/>
+                                        </p:tgtEl>
+                                      </p:cBhvr>
+                                    </p:animEffect>
+                                  </p:childTnLst>
+                                </p:cTn>
+                              </p:par>
+                              <p:par>
+                                <p:cTn id="68" presetID="16" presetClass="entr" presetSubtype="21" fill="hold" nodeType="withEffect">
+                                  <p:stCondLst>
+                                    <p:cond delay="250"/>
+                                  </p:stCondLst>
+                                  <p:childTnLst>
+                                    <p:set>
+                                      <p:cBhvr>
+                                        <p:cTn id="69" dur="1" fill="hold">
+                                          <p:stCondLst>
+                                            <p:cond delay="0"/>
+                                          </p:stCondLst>
+                                        </p:cTn>
+                                        <p:tgtEl>
+                                          <p:spTgt spid="96"/>
+                                        </p:tgtEl>
+                                        <p:attrNameLst>
+                                          <p:attrName>style.visibility</p:attrName>
+                                        </p:attrNameLst>
+                                      </p:cBhvr>
+                                      <p:to>
+                                        <p:strVal val="visible"/>
+                                      </p:to>
+                                    </p:set>
+                                    <p:animEffect transition="in" filter="barn(inVertical)">
+                                      <p:cBhvr>
+                                        <p:cTn id="70" dur="500"/>
+                                        <p:tgtEl>
+                                          <p:spTgt spid="96"/>
+                                        </p:tgtEl>
+                                      </p:cBhvr>
+                                    </p:animEffect>
+                                  </p:childTnLst>
+                                </p:cTn>
+                              </p:par>
+                              <p:par>
+                                <p:cTn id="71" presetID="16" presetClass="entr" presetSubtype="21" fill="hold" nodeType="withEffect">
+                                  <p:stCondLst>
+                                    <p:cond delay="250"/>
+                                  </p:stCondLst>
+                                  <p:childTnLst>
+                                    <p:set>
+                                      <p:cBhvr>
+                                        <p:cTn id="72" dur="1" fill="hold">
+                                          <p:stCondLst>
+                                            <p:cond delay="0"/>
+                                          </p:stCondLst>
+                                        </p:cTn>
+                                        <p:tgtEl>
+                                          <p:spTgt spid="105"/>
+                                        </p:tgtEl>
+                                        <p:attrNameLst>
+                                          <p:attrName>style.visibility</p:attrName>
+                                        </p:attrNameLst>
+                                      </p:cBhvr>
+                                      <p:to>
+                                        <p:strVal val="visible"/>
+                                      </p:to>
+                                    </p:set>
+                                    <p:animEffect transition="in" filter="barn(inVertical)">
+                                      <p:cBhvr>
+                                        <p:cTn id="73" dur="500"/>
+                                        <p:tgtEl>
+                                          <p:spTgt spid="105"/>
+                                        </p:tgtEl>
+                                      </p:cBhvr>
+                                    </p:animEffect>
+                                  </p:childTnLst>
+                                </p:cTn>
+                              </p:par>
+                              <p:par>
+                                <p:cTn id="74" presetID="16" presetClass="entr" presetSubtype="21" fill="hold" grpId="0" nodeType="withEffect">
+                                  <p:stCondLst>
+                                    <p:cond delay="250"/>
+                                  </p:stCondLst>
+                                  <p:childTnLst>
+                                    <p:set>
+                                      <p:cBhvr>
+                                        <p:cTn id="75" dur="1" fill="hold">
                                           <p:stCondLst>
                                             <p:cond delay="0"/>
                                           </p:stCondLst>
@@ -39555,123 +41555,9 @@
                                     </p:set>
                                     <p:animEffect transition="in" filter="barn(inVertical)">
                                       <p:cBhvr>
-                                        <p:cTn id="71" dur="500"/>
+                                        <p:cTn id="76" dur="500"/>
                                         <p:tgtEl>
                                           <p:spTgt spid="80"/>
-                                        </p:tgtEl>
-                                      </p:cBhvr>
-                                    </p:animEffect>
-                                  </p:childTnLst>
-                                </p:cTn>
-                              </p:par>
-                              <p:par>
-                                <p:cTn id="72" presetID="16" presetClass="entr" presetSubtype="21" fill="hold" grpId="0" nodeType="withEffect">
-                                  <p:stCondLst>
-                                    <p:cond delay="1000"/>
-                                  </p:stCondLst>
-                                  <p:childTnLst>
-                                    <p:set>
-                                      <p:cBhvr>
-                                        <p:cTn id="73" dur="1" fill="hold">
-                                          <p:stCondLst>
-                                            <p:cond delay="0"/>
-                                          </p:stCondLst>
-                                        </p:cTn>
-                                        <p:tgtEl>
-                                          <p:spTgt spid="86"/>
-                                        </p:tgtEl>
-                                        <p:attrNameLst>
-                                          <p:attrName>style.visibility</p:attrName>
-                                        </p:attrNameLst>
-                                      </p:cBhvr>
-                                      <p:to>
-                                        <p:strVal val="visible"/>
-                                      </p:to>
-                                    </p:set>
-                                    <p:animEffect transition="in" filter="barn(inVertical)">
-                                      <p:cBhvr>
-                                        <p:cTn id="74" dur="500"/>
-                                        <p:tgtEl>
-                                          <p:spTgt spid="86"/>
-                                        </p:tgtEl>
-                                      </p:cBhvr>
-                                    </p:animEffect>
-                                  </p:childTnLst>
-                                </p:cTn>
-                              </p:par>
-                            </p:childTnLst>
-                          </p:cTn>
-                        </p:par>
-                        <p:par>
-                          <p:cTn id="75" fill="hold">
-                            <p:stCondLst>
-                              <p:cond delay="4250"/>
-                            </p:stCondLst>
-                            <p:childTnLst>
-                              <p:par>
-                                <p:cTn id="76" presetID="16" presetClass="entr" presetSubtype="21" fill="hold" grpId="0" nodeType="afterEffect">
-                                  <p:stCondLst>
-                                    <p:cond delay="0"/>
-                                  </p:stCondLst>
-                                  <p:childTnLst>
-                                    <p:set>
-                                      <p:cBhvr>
-                                        <p:cTn id="77" dur="1" fill="hold">
-                                          <p:stCondLst>
-                                            <p:cond delay="0"/>
-                                          </p:stCondLst>
-                                        </p:cTn>
-                                        <p:tgtEl>
-                                          <p:spTgt spid="120"/>
-                                        </p:tgtEl>
-                                        <p:attrNameLst>
-                                          <p:attrName>style.visibility</p:attrName>
-                                        </p:attrNameLst>
-                                      </p:cBhvr>
-                                      <p:to>
-                                        <p:strVal val="visible"/>
-                                      </p:to>
-                                    </p:set>
-                                    <p:animEffect transition="in" filter="barn(inVertical)">
-                                      <p:cBhvr>
-                                        <p:cTn id="78" dur="500"/>
-                                        <p:tgtEl>
-                                          <p:spTgt spid="120"/>
-                                        </p:tgtEl>
-                                      </p:cBhvr>
-                                    </p:animEffect>
-                                  </p:childTnLst>
-                                </p:cTn>
-                              </p:par>
-                              <p:par>
-                                <p:cTn id="79" presetID="16" presetClass="entr" presetSubtype="21" fill="hold" grpId="0" nodeType="withEffect">
-                                  <p:stCondLst>
-                                    <p:cond delay="250"/>
-                                  </p:stCondLst>
-                                  <p:childTnLst>
-                                    <p:set>
-                                      <p:cBhvr>
-                                        <p:cTn id="80" dur="1" fill="hold">
-                                          <p:stCondLst>
-                                            <p:cond delay="0"/>
-                                          </p:stCondLst>
-                                        </p:cTn>
-                                        <p:tgtEl>
-                                          <p:spTgt spid="121"/>
-                                        </p:tgtEl>
-                                        <p:attrNameLst>
-                                          <p:attrName>style.visibility</p:attrName>
-                                        </p:attrNameLst>
-                                      </p:cBhvr>
-                                      <p:to>
-                                        <p:strVal val="visible"/>
-                                      </p:to>
-                                    </p:set>
-                                    <p:animEffect transition="in" filter="barn(inVertical)">
-                                      <p:cBhvr>
-                                        <p:cTn id="81" dur="500"/>
-                                        <p:tgtEl>
-                                          <p:spTgt spid="121"/>
                                         </p:tgtEl>
                                       </p:cBhvr>
                                     </p:animEffect>
@@ -39714,6 +41600,9 @@
       <p:bldP spid="83" grpId="0" animBg="1"/>
       <p:bldP spid="84" grpId="0" animBg="1"/>
       <p:bldP spid="82" grpId="0"/>
+      <p:bldP spid="117" grpId="0" animBg="1"/>
+      <p:bldP spid="118" grpId="0" animBg="1"/>
+      <p:bldP spid="119" grpId="0"/>
       <p:bldP spid="120" grpId="0"/>
       <p:bldP spid="80" grpId="0"/>
       <p:bldP spid="86" grpId="0"/>
@@ -42137,7 +44026,7 @@
           <a:graphicData uri="http://schemas.openxmlformats.org/presentationml/2006/ole">
             <mc:AlternateContent xmlns:mc="http://schemas.openxmlformats.org/markup-compatibility/2006">
               <mc:Choice xmlns:v="urn:schemas-microsoft-com:vml" Requires="v">
-                <p:oleObj spid="_x0000_s2082" name="文档" r:id="rId4" imgW="6269400" imgH="2575440" progId="Word.OpenDocumentText.12">
+                <p:oleObj spid="_x0000_s2102" name="文档" r:id="rId4" imgW="6269400" imgH="2575440" progId="Word.OpenDocumentText.12">
                   <p:embed/>
                 </p:oleObj>
               </mc:Choice>
@@ -42194,7 +44083,7 @@
           <a:graphicData uri="http://schemas.openxmlformats.org/presentationml/2006/ole">
             <mc:AlternateContent xmlns:mc="http://schemas.openxmlformats.org/markup-compatibility/2006">
               <mc:Choice xmlns:v="urn:schemas-microsoft-com:vml" Requires="v">
-                <p:oleObj spid="_x0000_s2083" name="文档" r:id="rId6" imgW="6870600" imgH="594360" progId="Word.OpenDocumentText.12">
+                <p:oleObj spid="_x0000_s2103" name="文档" r:id="rId6" imgW="6870600" imgH="594360" progId="Word.OpenDocumentText.12">
                   <p:embed/>
                 </p:oleObj>
               </mc:Choice>
@@ -42503,6 +44392,186 @@
                                         </p:tgtEl>
                                       </p:cBhvr>
                                     </p:animEffect>
+                                  </p:childTnLst>
+                                </p:cTn>
+                              </p:par>
+                            </p:childTnLst>
+                          </p:cTn>
+                        </p:par>
+                      </p:childTnLst>
+                    </p:cTn>
+                  </p:par>
+                  <p:par>
+                    <p:cTn id="22" fill="hold">
+                      <p:stCondLst>
+                        <p:cond delay="indefinite"/>
+                      </p:stCondLst>
+                      <p:childTnLst>
+                        <p:par>
+                          <p:cTn id="23" fill="hold">
+                            <p:stCondLst>
+                              <p:cond delay="0"/>
+                            </p:stCondLst>
+                            <p:childTnLst>
+                              <p:par>
+                                <p:cTn id="24" presetID="42" presetClass="entr" presetSubtype="0" fill="hold" nodeType="clickEffect">
+                                  <p:stCondLst>
+                                    <p:cond delay="0"/>
+                                  </p:stCondLst>
+                                  <p:childTnLst>
+                                    <p:set>
+                                      <p:cBhvr>
+                                        <p:cTn id="25" dur="1" fill="hold">
+                                          <p:stCondLst>
+                                            <p:cond delay="0"/>
+                                          </p:stCondLst>
+                                        </p:cTn>
+                                        <p:tgtEl>
+                                          <p:spTgt spid="7"/>
+                                        </p:tgtEl>
+                                        <p:attrNameLst>
+                                          <p:attrName>style.visibility</p:attrName>
+                                        </p:attrNameLst>
+                                      </p:cBhvr>
+                                      <p:to>
+                                        <p:strVal val="visible"/>
+                                      </p:to>
+                                    </p:set>
+                                    <p:animEffect transition="in" filter="fade">
+                                      <p:cBhvr>
+                                        <p:cTn id="26" dur="500"/>
+                                        <p:tgtEl>
+                                          <p:spTgt spid="7"/>
+                                        </p:tgtEl>
+                                      </p:cBhvr>
+                                    </p:animEffect>
+                                    <p:anim calcmode="lin" valueType="num">
+                                      <p:cBhvr>
+                                        <p:cTn id="27" dur="500" fill="hold"/>
+                                        <p:tgtEl>
+                                          <p:spTgt spid="7"/>
+                                        </p:tgtEl>
+                                        <p:attrNameLst>
+                                          <p:attrName>ppt_x</p:attrName>
+                                        </p:attrNameLst>
+                                      </p:cBhvr>
+                                      <p:tavLst>
+                                        <p:tav tm="0">
+                                          <p:val>
+                                            <p:strVal val="#ppt_x"/>
+                                          </p:val>
+                                        </p:tav>
+                                        <p:tav tm="100000">
+                                          <p:val>
+                                            <p:strVal val="#ppt_x"/>
+                                          </p:val>
+                                        </p:tav>
+                                      </p:tavLst>
+                                    </p:anim>
+                                    <p:anim calcmode="lin" valueType="num">
+                                      <p:cBhvr>
+                                        <p:cTn id="28" dur="500" fill="hold"/>
+                                        <p:tgtEl>
+                                          <p:spTgt spid="7"/>
+                                        </p:tgtEl>
+                                        <p:attrNameLst>
+                                          <p:attrName>ppt_y</p:attrName>
+                                        </p:attrNameLst>
+                                      </p:cBhvr>
+                                      <p:tavLst>
+                                        <p:tav tm="0">
+                                          <p:val>
+                                            <p:strVal val="#ppt_y+.1"/>
+                                          </p:val>
+                                        </p:tav>
+                                        <p:tav tm="100000">
+                                          <p:val>
+                                            <p:strVal val="#ppt_y"/>
+                                          </p:val>
+                                        </p:tav>
+                                      </p:tavLst>
+                                    </p:anim>
+                                  </p:childTnLst>
+                                </p:cTn>
+                              </p:par>
+                              <p:par>
+                                <p:cTn id="29" presetID="42" presetClass="entr" presetSubtype="0" fill="hold" nodeType="withEffect">
+                                  <p:stCondLst>
+                                    <p:cond delay="0"/>
+                                  </p:stCondLst>
+                                  <p:childTnLst>
+                                    <p:set>
+                                      <p:cBhvr>
+                                        <p:cTn id="30" dur="1" fill="hold">
+                                          <p:stCondLst>
+                                            <p:cond delay="0"/>
+                                          </p:stCondLst>
+                                        </p:cTn>
+                                        <p:tgtEl>
+                                          <p:spTgt spid="9"/>
+                                        </p:tgtEl>
+                                        <p:attrNameLst>
+                                          <p:attrName>style.visibility</p:attrName>
+                                        </p:attrNameLst>
+                                      </p:cBhvr>
+                                      <p:to>
+                                        <p:strVal val="visible"/>
+                                      </p:to>
+                                    </p:set>
+                                    <p:animEffect transition="in" filter="fade">
+                                      <p:cBhvr>
+                                        <p:cTn id="31" dur="500"/>
+                                        <p:tgtEl>
+                                          <p:spTgt spid="9"/>
+                                        </p:tgtEl>
+                                      </p:cBhvr>
+                                    </p:animEffect>
+                                    <p:anim calcmode="lin" valueType="num">
+                                      <p:cBhvr>
+                                        <p:cTn id="32" dur="500" fill="hold"/>
+                                        <p:tgtEl>
+                                          <p:spTgt spid="9"/>
+                                        </p:tgtEl>
+                                        <p:attrNameLst>
+                                          <p:attrName>ppt_x</p:attrName>
+                                        </p:attrNameLst>
+                                      </p:cBhvr>
+                                      <p:tavLst>
+                                        <p:tav tm="0">
+                                          <p:val>
+                                            <p:strVal val="#ppt_x"/>
+                                          </p:val>
+                                        </p:tav>
+                                        <p:tav tm="100000">
+                                          <p:val>
+                                            <p:strVal val="#ppt_x"/>
+                                          </p:val>
+                                        </p:tav>
+                                      </p:tavLst>
+                                    </p:anim>
+                                    <p:anim calcmode="lin" valueType="num">
+                                      <p:cBhvr>
+                                        <p:cTn id="33" dur="500" fill="hold"/>
+                                        <p:tgtEl>
+                                          <p:spTgt spid="9"/>
+                                        </p:tgtEl>
+                                        <p:attrNameLst>
+                                          <p:attrName>ppt_y</p:attrName>
+                                        </p:attrNameLst>
+                                      </p:cBhvr>
+                                      <p:tavLst>
+                                        <p:tav tm="0">
+                                          <p:val>
+                                            <p:strVal val="#ppt_y+.1"/>
+                                          </p:val>
+                                        </p:tav>
+                                        <p:tav tm="100000">
+                                          <p:val>
+                                            <p:strVal val="#ppt_y"/>
+                                          </p:val>
+                                        </p:tav>
+                                      </p:tavLst>
+                                    </p:anim>
                                   </p:childTnLst>
                                 </p:cTn>
                               </p:par>
